--- a/Baby monitor System_codeReview.pptx
+++ b/Baby monitor System_codeReview.pptx
@@ -24,8 +24,8 @@
     <p:sldId id="279" r:id="rId15"/>
     <p:sldId id="280" r:id="rId16"/>
     <p:sldId id="283" r:id="rId17"/>
-    <p:sldId id="284" r:id="rId18"/>
-    <p:sldId id="285" r:id="rId19"/>
+    <p:sldId id="289" r:id="rId18"/>
+    <p:sldId id="290" r:id="rId19"/>
     <p:sldId id="286" r:id="rId20"/>
     <p:sldId id="287" r:id="rId21"/>
     <p:sldId id="288" r:id="rId22"/>
@@ -132,7 +132,7 @@
   </p:defaultTextStyle>
   <p:extLst>
     <p:ext uri="{EFAFB233-063F-42B5-8137-9DF3F51BA10A}">
-      <p15:sldGuideLst xmlns:p15="http://schemas.microsoft.com/office/powerpoint/2012/main" xmlns="">
+      <p15:sldGuideLst xmlns="" xmlns:p15="http://schemas.microsoft.com/office/powerpoint/2012/main">
         <p15:guide id="1" orient="horz" pos="2160">
           <p15:clr>
             <a:srgbClr val="A4A3A4"/>
@@ -10477,21 +10477,20 @@
         </p:nvSpPr>
         <p:spPr>
           <a:xfrm>
-            <a:off x="838199" y="365126"/>
-            <a:ext cx="10674927" cy="611620"/>
+            <a:off x="838200" y="365125"/>
+            <a:ext cx="10674350" cy="611188"/>
           </a:xfrm>
         </p:spPr>
         <p:txBody>
           <a:bodyPr>
-            <a:normAutofit fontScale="90000"/>
+            <a:normAutofit/>
           </a:bodyPr>
           <a:lstStyle/>
           <a:p>
             <a:r>
-              <a:rPr lang="en-CA" dirty="0" smtClean="0"/>
-              <a:t>		readInput.py</a:t>
-            </a:r>
-            <a:endParaRPr lang="en-CA" dirty="0"/>
+              <a:rPr lang="en-CA" sz="4000" smtClean="0"/>
+              <a:t>		Functionality of RaspiMic</a:t>
+            </a:r>
           </a:p>
         </p:txBody>
       </p:sp>
@@ -10507,181 +10506,903 @@
         </p:nvSpPr>
         <p:spPr>
           <a:xfrm>
-            <a:off x="838200" y="976746"/>
-            <a:ext cx="10674926" cy="5200217"/>
-          </a:xfrm>
-        </p:spPr>
-        <p:txBody>
-          <a:bodyPr>
-            <a:normAutofit lnSpcReduction="10000"/>
+            <a:off x="693738" y="944563"/>
+            <a:ext cx="10674350" cy="5200650"/>
+          </a:xfrm>
+        </p:spPr>
+        <p:txBody>
+          <a:bodyPr/>
+          <a:lstStyle/>
+          <a:p>
+            <a:pPr>
+              <a:lnSpc>
+                <a:spcPct val="70000"/>
+              </a:lnSpc>
+            </a:pPr>
+            <a:endParaRPr lang="en-CA" sz="2600" smtClean="0"/>
+          </a:p>
+        </p:txBody>
+      </p:sp>
+      <p:sp>
+        <p:nvSpPr>
+          <p:cNvPr id="14340" name="Oval 4"/>
+          <p:cNvSpPr>
+            <a:spLocks noChangeArrowheads="1"/>
+          </p:cNvSpPr>
+          <p:nvPr/>
+        </p:nvSpPr>
+        <p:spPr bwMode="auto">
+          <a:xfrm>
+            <a:off x="1828800" y="1700213"/>
+            <a:ext cx="3192463" cy="1379537"/>
+          </a:xfrm>
+          <a:prstGeom prst="ellipse">
+            <a:avLst/>
+          </a:prstGeom>
+          <a:solidFill>
+            <a:schemeClr val="accent1"/>
+          </a:solidFill>
+          <a:ln w="9525">
+            <a:solidFill>
+              <a:schemeClr val="tx1"/>
+            </a:solidFill>
+            <a:round/>
+            <a:headEnd/>
+            <a:tailEnd/>
+          </a:ln>
+          <a:effectLst/>
+        </p:spPr>
+        <p:txBody>
+          <a:bodyPr wrap="none" anchor="ctr"/>
+          <a:lstStyle/>
+          <a:p>
+            <a:pPr algn="ctr"/>
+            <a:endParaRPr lang="en-US"/>
+          </a:p>
+        </p:txBody>
+      </p:sp>
+      <p:sp>
+        <p:nvSpPr>
+          <p:cNvPr id="14341" name="Oval 5"/>
+          <p:cNvSpPr>
+            <a:spLocks noChangeArrowheads="1"/>
+          </p:cNvSpPr>
+          <p:nvPr/>
+        </p:nvSpPr>
+        <p:spPr bwMode="auto">
+          <a:xfrm>
+            <a:off x="7348538" y="1701800"/>
+            <a:ext cx="3319462" cy="1347788"/>
+          </a:xfrm>
+          <a:prstGeom prst="ellipse">
+            <a:avLst/>
+          </a:prstGeom>
+          <a:solidFill>
+            <a:schemeClr val="accent1"/>
+          </a:solidFill>
+          <a:ln w="9525">
+            <a:solidFill>
+              <a:schemeClr val="tx1"/>
+            </a:solidFill>
+            <a:round/>
+            <a:headEnd/>
+            <a:tailEnd/>
+          </a:ln>
+          <a:effectLst/>
+        </p:spPr>
+        <p:txBody>
+          <a:bodyPr wrap="none" anchor="ctr"/>
+          <a:lstStyle/>
+          <a:p>
+            <a:pPr algn="ctr"/>
+            <a:endParaRPr lang="en-US"/>
+          </a:p>
+        </p:txBody>
+      </p:sp>
+      <p:sp>
+        <p:nvSpPr>
+          <p:cNvPr id="14342" name="Oval 6"/>
+          <p:cNvSpPr>
+            <a:spLocks noChangeArrowheads="1"/>
+          </p:cNvSpPr>
+          <p:nvPr/>
+        </p:nvSpPr>
+        <p:spPr bwMode="auto">
+          <a:xfrm>
+            <a:off x="1843088" y="4525963"/>
+            <a:ext cx="3111500" cy="1425575"/>
+          </a:xfrm>
+          <a:prstGeom prst="ellipse">
+            <a:avLst/>
+          </a:prstGeom>
+          <a:solidFill>
+            <a:schemeClr val="accent1"/>
+          </a:solidFill>
+          <a:ln w="9525">
+            <a:solidFill>
+              <a:schemeClr val="tx1"/>
+            </a:solidFill>
+            <a:round/>
+            <a:headEnd/>
+            <a:tailEnd/>
+          </a:ln>
+          <a:effectLst/>
+        </p:spPr>
+        <p:txBody>
+          <a:bodyPr wrap="none" anchor="ctr"/>
+          <a:lstStyle/>
+          <a:p>
+            <a:endParaRPr lang="en-US"/>
+          </a:p>
+        </p:txBody>
+      </p:sp>
+      <p:sp>
+        <p:nvSpPr>
+          <p:cNvPr id="14343" name="Oval 7"/>
+          <p:cNvSpPr>
+            <a:spLocks noChangeArrowheads="1"/>
+          </p:cNvSpPr>
+          <p:nvPr/>
+        </p:nvSpPr>
+        <p:spPr bwMode="auto">
+          <a:xfrm>
+            <a:off x="7331075" y="4476750"/>
+            <a:ext cx="3417888" cy="1444625"/>
+          </a:xfrm>
+          <a:prstGeom prst="ellipse">
+            <a:avLst/>
+          </a:prstGeom>
+          <a:solidFill>
+            <a:schemeClr val="accent1"/>
+          </a:solidFill>
+          <a:ln w="9525">
+            <a:solidFill>
+              <a:schemeClr val="tx1"/>
+            </a:solidFill>
+            <a:round/>
+            <a:headEnd/>
+            <a:tailEnd/>
+          </a:ln>
+          <a:effectLst/>
+        </p:spPr>
+        <p:txBody>
+          <a:bodyPr wrap="none" anchor="ctr"/>
+          <a:lstStyle/>
+          <a:p>
+            <a:pPr algn="ctr"/>
+            <a:r>
+              <a:rPr lang="en-US"/>
+              <a:t>  </a:t>
+            </a:r>
+          </a:p>
+          <a:p>
+            <a:pPr algn="ctr"/>
+            <a:r>
+              <a:rPr lang="en-US"/>
+              <a:t>Void analyseData(volume)</a:t>
+            </a:r>
+          </a:p>
+          <a:p>
+            <a:pPr algn="ctr"/>
+            <a:r>
+              <a:rPr lang="en-US"/>
+              <a:t>*volume &lt;10000</a:t>
+            </a:r>
+          </a:p>
+          <a:p>
+            <a:pPr algn="ctr"/>
+            <a:r>
+              <a:rPr lang="en-US"/>
+              <a:t>Send “0” to server</a:t>
+            </a:r>
+          </a:p>
+          <a:p>
+            <a:pPr algn="ctr"/>
+            <a:endParaRPr lang="en-US"/>
+          </a:p>
+        </p:txBody>
+      </p:sp>
+      <p:sp>
+        <p:nvSpPr>
+          <p:cNvPr id="14344" name="Oval 8"/>
+          <p:cNvSpPr>
+            <a:spLocks noChangeArrowheads="1"/>
+          </p:cNvSpPr>
+          <p:nvPr/>
+        </p:nvSpPr>
+        <p:spPr bwMode="auto">
+          <a:xfrm>
+            <a:off x="4538663" y="3111500"/>
+            <a:ext cx="2984500" cy="1508125"/>
+          </a:xfrm>
+          <a:prstGeom prst="ellipse">
+            <a:avLst/>
+          </a:prstGeom>
+          <a:solidFill>
+            <a:schemeClr val="accent1"/>
+          </a:solidFill>
+          <a:ln w="9525">
+            <a:solidFill>
+              <a:schemeClr val="tx1"/>
+            </a:solidFill>
+            <a:round/>
+            <a:headEnd/>
+            <a:tailEnd/>
+          </a:ln>
+          <a:effectLst/>
+        </p:spPr>
+        <p:txBody>
+          <a:bodyPr wrap="none" anchor="ctr"/>
+          <a:lstStyle/>
+          <a:p>
+            <a:endParaRPr lang="en-US"/>
+          </a:p>
+        </p:txBody>
+      </p:sp>
+      <p:sp>
+        <p:nvSpPr>
+          <p:cNvPr id="14345" name="Text Box 9"/>
+          <p:cNvSpPr txBox="1">
+            <a:spLocks noChangeArrowheads="1"/>
+          </p:cNvSpPr>
+          <p:nvPr/>
+        </p:nvSpPr>
+        <p:spPr bwMode="auto">
+          <a:xfrm>
+            <a:off x="1946275" y="1768475"/>
+            <a:ext cx="2647950" cy="1190625"/>
+          </a:xfrm>
+          <a:prstGeom prst="rect">
+            <a:avLst/>
+          </a:prstGeom>
+          <a:noFill/>
+          <a:ln w="9525">
+            <a:noFill/>
+            <a:miter lim="800000"/>
+            <a:headEnd/>
+            <a:tailEnd/>
+          </a:ln>
+          <a:effectLst/>
+        </p:spPr>
+        <p:txBody>
+          <a:bodyPr wrap="none">
+            <a:spAutoFit/>
           </a:bodyPr>
           <a:lstStyle/>
           <a:p>
-            <a:endParaRPr lang="en-CA" dirty="0" smtClean="0"/>
-          </a:p>
-          <a:p>
-            <a:pPr marL="0" indent="0">
-              <a:buNone/>
-            </a:pPr>
-            <a:r>
-              <a:rPr lang="en-CA" dirty="0" smtClean="0"/>
-              <a:t>import </a:t>
-            </a:r>
-            <a:r>
-              <a:rPr lang="en-CA" dirty="0" err="1" smtClean="0"/>
-              <a:t>alsaaudio</a:t>
-            </a:r>
-            <a:r>
-              <a:rPr lang="en-CA" dirty="0" smtClean="0"/>
-              <a:t>, time, </a:t>
-            </a:r>
-            <a:r>
-              <a:rPr lang="en-CA" dirty="0" err="1" smtClean="0"/>
-              <a:t>audioop</a:t>
-            </a:r>
-            <a:endParaRPr lang="en-CA" dirty="0" smtClean="0"/>
-          </a:p>
-          <a:p>
-            <a:pPr marL="0" indent="0">
-              <a:buNone/>
-            </a:pPr>
-            <a:r>
-              <a:rPr lang="en-CA" dirty="0" smtClean="0"/>
-              <a:t># Open the device in </a:t>
-            </a:r>
-            <a:r>
-              <a:rPr lang="en-CA" dirty="0" err="1" smtClean="0"/>
-              <a:t>nonblocking</a:t>
-            </a:r>
-            <a:r>
-              <a:rPr lang="en-CA" dirty="0" smtClean="0"/>
-              <a:t> capture mode. The last argument could</a:t>
-            </a:r>
-          </a:p>
-          <a:p>
-            <a:pPr marL="0" indent="0">
-              <a:buNone/>
-            </a:pPr>
-            <a:r>
-              <a:rPr lang="en-CA" dirty="0" smtClean="0"/>
-              <a:t># just as well have been zero for blocking mode. Then we could have</a:t>
-            </a:r>
-          </a:p>
-          <a:p>
-            <a:pPr marL="0" indent="0">
-              <a:buNone/>
-            </a:pPr>
-            <a:r>
-              <a:rPr lang="en-CA" dirty="0" smtClean="0"/>
-              <a:t># left out the sleep call in the bottom of the loop</a:t>
-            </a:r>
-          </a:p>
-          <a:p>
-            <a:pPr marL="0" indent="0">
-              <a:buNone/>
-            </a:pPr>
-            <a:r>
-              <a:rPr lang="en-CA" dirty="0" smtClean="0"/>
-              <a:t>card = '</a:t>
-            </a:r>
-            <a:r>
-              <a:rPr lang="en-CA" dirty="0" err="1" smtClean="0"/>
-              <a:t>sysdefault:CARD</a:t>
-            </a:r>
-            <a:r>
-              <a:rPr lang="en-CA" dirty="0" smtClean="0"/>
-              <a:t>=Microphone'</a:t>
-            </a:r>
-          </a:p>
-          <a:p>
-            <a:pPr marL="0" indent="0">
-              <a:buNone/>
-            </a:pPr>
-            <a:r>
-              <a:rPr lang="en-CA" dirty="0" err="1" smtClean="0"/>
-              <a:t>inp</a:t>
-            </a:r>
-            <a:r>
-              <a:rPr lang="en-CA" dirty="0" smtClean="0"/>
-              <a:t> = </a:t>
-            </a:r>
-            <a:r>
-              <a:rPr lang="en-CA" dirty="0" err="1" smtClean="0"/>
-              <a:t>alsaaudio.PCM</a:t>
-            </a:r>
-            <a:r>
-              <a:rPr lang="en-CA" dirty="0" smtClean="0"/>
-              <a:t>(</a:t>
-            </a:r>
-            <a:r>
-              <a:rPr lang="en-CA" dirty="0" err="1" smtClean="0"/>
-              <a:t>alsaaudio.PCM_CAPTURE,alsaaudio.PCM_NONBLOCK</a:t>
-            </a:r>
-            <a:r>
-              <a:rPr lang="en-CA" dirty="0" smtClean="0"/>
-              <a:t>, card)</a:t>
-            </a:r>
-          </a:p>
-          <a:p>
-            <a:endParaRPr lang="en-CA" dirty="0" smtClean="0"/>
-          </a:p>
-          <a:p>
-            <a:pPr marL="0" indent="0">
-              <a:buNone/>
-            </a:pPr>
-            <a:r>
-              <a:rPr lang="en-CA" dirty="0" smtClean="0"/>
-              <a:t># Set attributes: Mono, 8000 Hz, 16 bit little endian samples</a:t>
-            </a:r>
-          </a:p>
-          <a:p>
-            <a:pPr marL="0" indent="0">
-              <a:buNone/>
-            </a:pPr>
-            <a:r>
-              <a:rPr lang="en-CA" dirty="0" err="1" smtClean="0"/>
-              <a:t>inp.setchannels</a:t>
-            </a:r>
-            <a:r>
-              <a:rPr lang="en-CA" dirty="0" smtClean="0"/>
-              <a:t>(1)</a:t>
-            </a:r>
-          </a:p>
-          <a:p>
-            <a:pPr marL="0" indent="0">
-              <a:buNone/>
-            </a:pPr>
-            <a:r>
-              <a:rPr lang="en-CA" dirty="0" err="1" smtClean="0"/>
-              <a:t>inp.setrate</a:t>
-            </a:r>
-            <a:r>
-              <a:rPr lang="en-CA" dirty="0" smtClean="0"/>
-              <a:t>(16000)</a:t>
-            </a:r>
-          </a:p>
-          <a:p>
-            <a:pPr marL="0" indent="0">
-              <a:buNone/>
-            </a:pPr>
-            <a:r>
-              <a:rPr lang="en-CA" dirty="0" err="1" smtClean="0"/>
-              <a:t>inp.setformat</a:t>
-            </a:r>
-            <a:r>
-              <a:rPr lang="en-CA" dirty="0" smtClean="0"/>
-              <a:t>(alsaaudio.PCM_FORMAT_S16_LE)</a:t>
-            </a:r>
-          </a:p>
-          <a:p>
-            <a:endParaRPr lang="en-CA" dirty="0" smtClean="0"/>
+            <a:r>
+              <a:rPr lang="en-US"/>
+              <a:t>         Void setup()</a:t>
+            </a:r>
+          </a:p>
+          <a:p>
+            <a:r>
+              <a:rPr lang="en-US"/>
+              <a:t>Opens input device and </a:t>
+            </a:r>
+          </a:p>
+          <a:p>
+            <a:r>
+              <a:rPr lang="en-US"/>
+              <a:t>Sets its attributes for </a:t>
+            </a:r>
+          </a:p>
+          <a:p>
+            <a:r>
+              <a:rPr lang="en-US"/>
+              <a:t>         reading data</a:t>
+            </a:r>
+          </a:p>
+        </p:txBody>
+      </p:sp>
+      <p:sp>
+        <p:nvSpPr>
+          <p:cNvPr id="14346" name="Text Box 10"/>
+          <p:cNvSpPr txBox="1">
+            <a:spLocks noChangeArrowheads="1"/>
+          </p:cNvSpPr>
+          <p:nvPr/>
+        </p:nvSpPr>
+        <p:spPr bwMode="auto">
+          <a:xfrm>
+            <a:off x="-92075" y="2073275"/>
+            <a:ext cx="184150" cy="366713"/>
+          </a:xfrm>
+          <a:prstGeom prst="rect">
+            <a:avLst/>
+          </a:prstGeom>
+          <a:noFill/>
+          <a:ln w="9525">
+            <a:noFill/>
+            <a:miter lim="800000"/>
+            <a:headEnd/>
+            <a:tailEnd/>
+          </a:ln>
+          <a:effectLst/>
+        </p:spPr>
+        <p:txBody>
+          <a:bodyPr wrap="none">
+            <a:spAutoFit/>
+          </a:bodyPr>
+          <a:lstStyle/>
+          <a:p>
+            <a:endParaRPr lang="en-US"/>
+          </a:p>
+        </p:txBody>
+      </p:sp>
+      <p:sp>
+        <p:nvSpPr>
+          <p:cNvPr id="14349" name="Text Box 13"/>
+          <p:cNvSpPr txBox="1">
+            <a:spLocks noChangeArrowheads="1"/>
+          </p:cNvSpPr>
+          <p:nvPr/>
+        </p:nvSpPr>
+        <p:spPr bwMode="auto">
+          <a:xfrm>
+            <a:off x="7497763" y="1944688"/>
+            <a:ext cx="3232150" cy="1190625"/>
+          </a:xfrm>
+          <a:prstGeom prst="rect">
+            <a:avLst/>
+          </a:prstGeom>
+          <a:noFill/>
+          <a:ln w="9525">
+            <a:noFill/>
+            <a:miter lim="800000"/>
+            <a:headEnd/>
+            <a:tailEnd/>
+          </a:ln>
+          <a:effectLst/>
+        </p:spPr>
+        <p:txBody>
+          <a:bodyPr wrap="none">
+            <a:spAutoFit/>
+          </a:bodyPr>
+          <a:lstStyle/>
+          <a:p>
+            <a:r>
+              <a:rPr lang="en-US"/>
+              <a:t>Void readData(input device)</a:t>
+            </a:r>
+          </a:p>
+          <a:p>
+            <a:r>
+              <a:rPr lang="en-US"/>
+              <a:t>Read data and verify the max </a:t>
+            </a:r>
+          </a:p>
+          <a:p>
+            <a:r>
+              <a:rPr lang="en-US"/>
+              <a:t>Of the samples</a:t>
+            </a:r>
+          </a:p>
+          <a:p>
+            <a:endParaRPr lang="en-US"/>
+          </a:p>
+        </p:txBody>
+      </p:sp>
+      <p:sp>
+        <p:nvSpPr>
+          <p:cNvPr id="14350" name="Text Box 14"/>
+          <p:cNvSpPr txBox="1">
+            <a:spLocks noChangeArrowheads="1"/>
+          </p:cNvSpPr>
+          <p:nvPr/>
+        </p:nvSpPr>
+        <p:spPr bwMode="auto">
+          <a:xfrm>
+            <a:off x="2027238" y="4784725"/>
+            <a:ext cx="2863850" cy="915988"/>
+          </a:xfrm>
+          <a:prstGeom prst="rect">
+            <a:avLst/>
+          </a:prstGeom>
+          <a:noFill/>
+          <a:ln w="9525">
+            <a:noFill/>
+            <a:miter lim="800000"/>
+            <a:headEnd/>
+            <a:tailEnd/>
+          </a:ln>
+          <a:effectLst/>
+        </p:spPr>
+        <p:txBody>
+          <a:bodyPr wrap="none">
+            <a:spAutoFit/>
+          </a:bodyPr>
+          <a:lstStyle/>
+          <a:p>
+            <a:r>
+              <a:rPr lang="en-US"/>
+              <a:t>Void analyseData(volume)</a:t>
+            </a:r>
+          </a:p>
+          <a:p>
+            <a:r>
+              <a:rPr lang="en-US"/>
+              <a:t>    *volume &gt;=10000</a:t>
+            </a:r>
+          </a:p>
+          <a:p>
+            <a:r>
+              <a:rPr lang="en-US"/>
+              <a:t>    Send “1” to server</a:t>
+            </a:r>
+          </a:p>
+        </p:txBody>
+      </p:sp>
+      <p:sp>
+        <p:nvSpPr>
+          <p:cNvPr id="14355" name="Text Box 19"/>
+          <p:cNvSpPr txBox="1">
+            <a:spLocks noChangeArrowheads="1"/>
+          </p:cNvSpPr>
+          <p:nvPr/>
+        </p:nvSpPr>
+        <p:spPr bwMode="auto">
+          <a:xfrm>
+            <a:off x="4752975" y="3308350"/>
+            <a:ext cx="2711450" cy="1190625"/>
+          </a:xfrm>
+          <a:prstGeom prst="rect">
+            <a:avLst/>
+          </a:prstGeom>
+          <a:noFill/>
+          <a:ln w="9525">
+            <a:noFill/>
+            <a:miter lim="800000"/>
+            <a:headEnd/>
+            <a:tailEnd/>
+          </a:ln>
+          <a:effectLst/>
+        </p:spPr>
+        <p:txBody>
+          <a:bodyPr wrap="none">
+            <a:spAutoFit/>
+          </a:bodyPr>
+          <a:lstStyle/>
+          <a:p>
+            <a:r>
+              <a:rPr lang="en-US"/>
+              <a:t>1, Read sound from </a:t>
+            </a:r>
+          </a:p>
+          <a:p>
+            <a:r>
+              <a:rPr lang="en-US"/>
+              <a:t>    environment</a:t>
+            </a:r>
+          </a:p>
+          <a:p>
+            <a:r>
+              <a:rPr lang="en-US"/>
+              <a:t>2,  Determine if sound is </a:t>
+            </a:r>
+          </a:p>
+          <a:p>
+            <a:r>
+              <a:rPr lang="en-US"/>
+              <a:t>      dangerous or not</a:t>
+            </a:r>
+          </a:p>
+        </p:txBody>
+      </p:sp>
+      <p:sp>
+        <p:nvSpPr>
+          <p:cNvPr id="14357" name="Line 21"/>
+          <p:cNvSpPr>
+            <a:spLocks noChangeShapeType="1"/>
+          </p:cNvSpPr>
+          <p:nvPr/>
+        </p:nvSpPr>
+        <p:spPr bwMode="auto">
+          <a:xfrm>
+            <a:off x="3994150" y="3128963"/>
+            <a:ext cx="625475" cy="304800"/>
+          </a:xfrm>
+          <a:prstGeom prst="line">
+            <a:avLst/>
+          </a:prstGeom>
+          <a:noFill/>
+          <a:ln w="9525">
+            <a:solidFill>
+              <a:schemeClr val="tx1"/>
+            </a:solidFill>
+            <a:round/>
+            <a:headEnd/>
+            <a:tailEnd type="triangle" w="med" len="med"/>
+          </a:ln>
+          <a:effectLst/>
+        </p:spPr>
+        <p:txBody>
+          <a:bodyPr/>
+          <a:lstStyle/>
+          <a:p>
+            <a:endParaRPr lang="en-US"/>
+          </a:p>
+        </p:txBody>
+      </p:sp>
+      <p:sp>
+        <p:nvSpPr>
+          <p:cNvPr id="14360" name="Line 24"/>
+          <p:cNvSpPr>
+            <a:spLocks noChangeShapeType="1"/>
+          </p:cNvSpPr>
+          <p:nvPr/>
+        </p:nvSpPr>
+        <p:spPr bwMode="auto">
+          <a:xfrm flipH="1">
+            <a:off x="7315200" y="3063875"/>
+            <a:ext cx="593725" cy="257175"/>
+          </a:xfrm>
+          <a:prstGeom prst="line">
+            <a:avLst/>
+          </a:prstGeom>
+          <a:noFill/>
+          <a:ln w="9525">
+            <a:solidFill>
+              <a:schemeClr val="tx1"/>
+            </a:solidFill>
+            <a:round/>
+            <a:headEnd/>
+            <a:tailEnd type="triangle" w="med" len="med"/>
+          </a:ln>
+          <a:effectLst/>
+        </p:spPr>
+        <p:txBody>
+          <a:bodyPr/>
+          <a:lstStyle/>
+          <a:p>
+            <a:endParaRPr lang="en-US"/>
+          </a:p>
+        </p:txBody>
+      </p:sp>
+      <p:sp>
+        <p:nvSpPr>
+          <p:cNvPr id="14363" name="Line 27"/>
+          <p:cNvSpPr>
+            <a:spLocks noChangeShapeType="1"/>
+          </p:cNvSpPr>
+          <p:nvPr/>
+        </p:nvSpPr>
+        <p:spPr bwMode="auto">
+          <a:xfrm flipV="1">
+            <a:off x="4508500" y="4411663"/>
+            <a:ext cx="336550" cy="207962"/>
+          </a:xfrm>
+          <a:prstGeom prst="line">
+            <a:avLst/>
+          </a:prstGeom>
+          <a:noFill/>
+          <a:ln w="9525">
+            <a:solidFill>
+              <a:schemeClr val="tx1"/>
+            </a:solidFill>
+            <a:round/>
+            <a:headEnd/>
+            <a:tailEnd type="triangle" w="med" len="med"/>
+          </a:ln>
+          <a:effectLst/>
+        </p:spPr>
+        <p:txBody>
+          <a:bodyPr/>
+          <a:lstStyle/>
+          <a:p>
+            <a:endParaRPr lang="en-US"/>
+          </a:p>
+        </p:txBody>
+      </p:sp>
+      <p:sp>
+        <p:nvSpPr>
+          <p:cNvPr id="14367" name="Line 31"/>
+          <p:cNvSpPr>
+            <a:spLocks noChangeShapeType="1"/>
+          </p:cNvSpPr>
+          <p:nvPr/>
+        </p:nvSpPr>
+        <p:spPr bwMode="auto">
+          <a:xfrm flipH="1" flipV="1">
+            <a:off x="7362825" y="4330700"/>
+            <a:ext cx="288925" cy="288925"/>
+          </a:xfrm>
+          <a:prstGeom prst="line">
+            <a:avLst/>
+          </a:prstGeom>
+          <a:noFill/>
+          <a:ln w="9525">
+            <a:solidFill>
+              <a:schemeClr val="tx1"/>
+            </a:solidFill>
+            <a:round/>
+            <a:headEnd/>
+            <a:tailEnd type="triangle" w="med" len="med"/>
+          </a:ln>
+          <a:effectLst/>
+        </p:spPr>
+        <p:txBody>
+          <a:bodyPr/>
+          <a:lstStyle/>
+          <a:p>
+            <a:endParaRPr lang="en-US"/>
+          </a:p>
+        </p:txBody>
+      </p:sp>
+      <p:sp>
+        <p:nvSpPr>
+          <p:cNvPr id="14368" name="AutoShape 32"/>
+          <p:cNvSpPr>
+            <a:spLocks noChangeArrowheads="1"/>
+          </p:cNvSpPr>
+          <p:nvPr/>
+        </p:nvSpPr>
+        <p:spPr bwMode="auto">
+          <a:xfrm>
+            <a:off x="1557338" y="1509713"/>
+            <a:ext cx="485775" cy="542925"/>
+          </a:xfrm>
+          <a:prstGeom prst="downArrow">
+            <a:avLst>
+              <a:gd name="adj1" fmla="val 50000"/>
+              <a:gd name="adj2" fmla="val 27941"/>
+            </a:avLst>
+          </a:prstGeom>
+          <a:solidFill>
+            <a:schemeClr val="accent1"/>
+          </a:solidFill>
+          <a:ln w="9525">
+            <a:solidFill>
+              <a:schemeClr val="tx1"/>
+            </a:solidFill>
+            <a:miter lim="800000"/>
+            <a:headEnd/>
+            <a:tailEnd/>
+          </a:ln>
+          <a:effectLst/>
+        </p:spPr>
+        <p:txBody>
+          <a:bodyPr wrap="none" anchor="ctr"/>
+          <a:lstStyle/>
+          <a:p>
+            <a:endParaRPr lang="en-US"/>
+          </a:p>
+        </p:txBody>
+      </p:sp>
+      <p:sp>
+        <p:nvSpPr>
+          <p:cNvPr id="14369" name="Text Box 33"/>
+          <p:cNvSpPr txBox="1">
+            <a:spLocks noChangeArrowheads="1"/>
+          </p:cNvSpPr>
+          <p:nvPr/>
+        </p:nvSpPr>
+        <p:spPr bwMode="auto">
+          <a:xfrm>
+            <a:off x="1239838" y="1047750"/>
+            <a:ext cx="1123950" cy="366713"/>
+          </a:xfrm>
+          <a:prstGeom prst="rect">
+            <a:avLst/>
+          </a:prstGeom>
+          <a:noFill/>
+          <a:ln w="9525">
+            <a:noFill/>
+            <a:miter lim="800000"/>
+            <a:headEnd/>
+            <a:tailEnd/>
+          </a:ln>
+          <a:effectLst/>
+        </p:spPr>
+        <p:txBody>
+          <a:bodyPr wrap="none">
+            <a:spAutoFit/>
+          </a:bodyPr>
+          <a:lstStyle/>
+          <a:p>
+            <a:r>
+              <a:rPr lang="en-US"/>
+              <a:t>First step</a:t>
+            </a:r>
+          </a:p>
+        </p:txBody>
+      </p:sp>
+      <p:sp>
+        <p:nvSpPr>
+          <p:cNvPr id="14370" name="Text Box 34"/>
+          <p:cNvSpPr txBox="1">
+            <a:spLocks noChangeArrowheads="1"/>
+          </p:cNvSpPr>
+          <p:nvPr/>
+        </p:nvSpPr>
+        <p:spPr bwMode="auto">
+          <a:xfrm>
+            <a:off x="8167688" y="4078288"/>
+            <a:ext cx="1555750" cy="366712"/>
+          </a:xfrm>
+          <a:prstGeom prst="rect">
+            <a:avLst/>
+          </a:prstGeom>
+          <a:noFill/>
+          <a:ln w="9525">
+            <a:noFill/>
+            <a:miter lim="800000"/>
+            <a:headEnd/>
+            <a:tailEnd/>
+          </a:ln>
+          <a:effectLst/>
+        </p:spPr>
+        <p:txBody>
+          <a:bodyPr wrap="none">
+            <a:spAutoFit/>
+          </a:bodyPr>
+          <a:lstStyle/>
+          <a:p>
+            <a:r>
+              <a:rPr lang="en-US"/>
+              <a:t>Normal mode</a:t>
+            </a:r>
+          </a:p>
+        </p:txBody>
+      </p:sp>
+      <p:sp>
+        <p:nvSpPr>
+          <p:cNvPr id="14371" name="Text Box 35"/>
+          <p:cNvSpPr txBox="1">
+            <a:spLocks noChangeArrowheads="1"/>
+          </p:cNvSpPr>
+          <p:nvPr/>
+        </p:nvSpPr>
+        <p:spPr bwMode="auto">
+          <a:xfrm>
+            <a:off x="2073275" y="4064000"/>
+            <a:ext cx="1936750" cy="366713"/>
+          </a:xfrm>
+          <a:prstGeom prst="rect">
+            <a:avLst/>
+          </a:prstGeom>
+          <a:noFill/>
+          <a:ln w="9525">
+            <a:noFill/>
+            <a:miter lim="800000"/>
+            <a:headEnd/>
+            <a:tailEnd/>
+          </a:ln>
+          <a:effectLst/>
+        </p:spPr>
+        <p:txBody>
+          <a:bodyPr wrap="none">
+            <a:spAutoFit/>
+          </a:bodyPr>
+          <a:lstStyle/>
+          <a:p>
+            <a:r>
+              <a:rPr lang="en-US"/>
+              <a:t>Dangerous mode</a:t>
+            </a:r>
+          </a:p>
+        </p:txBody>
+      </p:sp>
+      <p:sp>
+        <p:nvSpPr>
+          <p:cNvPr id="14372" name="Text Box 36"/>
+          <p:cNvSpPr txBox="1">
+            <a:spLocks noChangeArrowheads="1"/>
+          </p:cNvSpPr>
+          <p:nvPr/>
+        </p:nvSpPr>
+        <p:spPr bwMode="auto">
+          <a:xfrm>
+            <a:off x="8040688" y="1239838"/>
+            <a:ext cx="1454150" cy="366712"/>
+          </a:xfrm>
+          <a:prstGeom prst="rect">
+            <a:avLst/>
+          </a:prstGeom>
+          <a:noFill/>
+          <a:ln w="9525">
+            <a:noFill/>
+            <a:miter lim="800000"/>
+            <a:headEnd/>
+            <a:tailEnd/>
+          </a:ln>
+          <a:effectLst/>
+        </p:spPr>
+        <p:txBody>
+          <a:bodyPr wrap="none">
+            <a:spAutoFit/>
+          </a:bodyPr>
+          <a:lstStyle/>
+          <a:p>
+            <a:r>
+              <a:rPr lang="en-US"/>
+              <a:t>Second step</a:t>
+            </a:r>
+          </a:p>
+        </p:txBody>
+      </p:sp>
+      <p:sp>
+        <p:nvSpPr>
+          <p:cNvPr id="14373" name="Text Box 37"/>
+          <p:cNvSpPr txBox="1">
+            <a:spLocks noChangeArrowheads="1"/>
+          </p:cNvSpPr>
+          <p:nvPr/>
+        </p:nvSpPr>
+        <p:spPr bwMode="auto">
+          <a:xfrm>
+            <a:off x="5441950" y="4864100"/>
+            <a:ext cx="1200150" cy="366713"/>
+          </a:xfrm>
+          <a:prstGeom prst="rect">
+            <a:avLst/>
+          </a:prstGeom>
+          <a:noFill/>
+          <a:ln w="9525">
+            <a:noFill/>
+            <a:miter lim="800000"/>
+            <a:headEnd/>
+            <a:tailEnd/>
+          </a:ln>
+          <a:effectLst/>
+        </p:spPr>
+        <p:txBody>
+          <a:bodyPr wrap="none">
+            <a:spAutoFit/>
+          </a:bodyPr>
+          <a:lstStyle/>
+          <a:p>
+            <a:r>
+              <a:rPr lang="en-US"/>
+              <a:t>Third step</a:t>
+            </a:r>
+          </a:p>
+        </p:txBody>
+      </p:sp>
+      <p:sp>
+        <p:nvSpPr>
+          <p:cNvPr id="14374" name="AutoShape 38"/>
+          <p:cNvSpPr>
+            <a:spLocks noChangeArrowheads="1"/>
+          </p:cNvSpPr>
+          <p:nvPr/>
+        </p:nvSpPr>
+        <p:spPr bwMode="auto">
+          <a:xfrm>
+            <a:off x="5021263" y="5197475"/>
+            <a:ext cx="2197100" cy="320675"/>
+          </a:xfrm>
+          <a:prstGeom prst="leftRightArrow">
+            <a:avLst>
+              <a:gd name="adj1" fmla="val 50000"/>
+              <a:gd name="adj2" fmla="val 137030"/>
+            </a:avLst>
+          </a:prstGeom>
+          <a:solidFill>
+            <a:schemeClr val="accent1"/>
+          </a:solidFill>
+          <a:ln w="9525">
+            <a:solidFill>
+              <a:schemeClr val="tx1"/>
+            </a:solidFill>
+            <a:miter lim="800000"/>
+            <a:headEnd/>
+            <a:tailEnd/>
+          </a:ln>
+          <a:effectLst/>
+        </p:spPr>
+        <p:txBody>
+          <a:bodyPr wrap="none" anchor="ctr"/>
+          <a:lstStyle/>
+          <a:p>
+            <a:endParaRPr lang="en-US"/>
           </a:p>
         </p:txBody>
       </p:sp>
     </p:spTree>
     <p:extLst>
       <p:ext uri="{BB962C8B-B14F-4D97-AF65-F5344CB8AC3E}">
-        <p14:creationId xmlns:p14="http://schemas.microsoft.com/office/powerpoint/2010/main" val="1468225592"/>
+        <p14:creationId xmlns:p14="http://schemas.microsoft.com/office/powerpoint/2010/main" val="2352791478"/>
       </p:ext>
     </p:extLst>
   </p:cSld>
@@ -10727,17 +11448,18 @@
         </p:nvSpPr>
         <p:spPr>
           <a:xfrm>
-            <a:off x="838200" y="365126"/>
-            <a:ext cx="10515600" cy="154420"/>
-          </a:xfrm>
-        </p:spPr>
-        <p:txBody>
-          <a:bodyPr>
-            <a:normAutofit fontScale="90000"/>
-          </a:bodyPr>
+            <a:off x="838200" y="365125"/>
+            <a:ext cx="10515600" cy="153988"/>
+          </a:xfrm>
+        </p:spPr>
+        <p:txBody>
+          <a:bodyPr/>
           <a:lstStyle/>
           <a:p>
-            <a:endParaRPr lang="en-CA" dirty="0"/>
+            <a:r>
+              <a:rPr lang="en-CA" sz="4000" smtClean="0"/>
+              <a:t>Test results and implementation of RaspiMic</a:t>
+            </a:r>
           </a:p>
         </p:txBody>
       </p:sp>
@@ -10753,177 +11475,2558 @@
         </p:nvSpPr>
         <p:spPr>
           <a:xfrm>
-            <a:off x="838200" y="976745"/>
-            <a:ext cx="10515600" cy="5200218"/>
-          </a:xfrm>
-        </p:spPr>
-        <p:txBody>
-          <a:bodyPr>
-            <a:normAutofit/>
-          </a:bodyPr>
+            <a:off x="854075" y="1233488"/>
+            <a:ext cx="10515600" cy="5200650"/>
+          </a:xfrm>
+        </p:spPr>
+        <p:txBody>
+          <a:bodyPr/>
           <a:lstStyle/>
           <a:p>
             <a:pPr marL="0" indent="0">
+              <a:lnSpc>
+                <a:spcPct val="80000"/>
+              </a:lnSpc>
+              <a:buFont typeface="Arial" charset="0"/>
               <a:buNone/>
             </a:pPr>
-            <a:r>
-              <a:rPr lang="en-CA" dirty="0" smtClean="0"/>
-              <a:t># The period size controls the internal number of frames per period.</a:t>
-            </a:r>
-          </a:p>
-          <a:p>
-            <a:pPr marL="0" indent="0">
-              <a:buNone/>
-            </a:pPr>
-            <a:r>
-              <a:rPr lang="en-CA" dirty="0" smtClean="0"/>
-              <a:t># The significance of this parameter is documented in the ALSA </a:t>
-            </a:r>
-            <a:r>
-              <a:rPr lang="en-CA" dirty="0" err="1" smtClean="0"/>
-              <a:t>api</a:t>
-            </a:r>
-            <a:r>
-              <a:rPr lang="en-CA" dirty="0" smtClean="0"/>
-              <a:t>.</a:t>
-            </a:r>
-          </a:p>
-          <a:p>
-            <a:pPr marL="0" indent="0">
-              <a:buNone/>
-            </a:pPr>
-            <a:r>
-              <a:rPr lang="en-CA" dirty="0" smtClean="0"/>
-              <a:t># For our purposes, it is </a:t>
-            </a:r>
-            <a:r>
-              <a:rPr lang="en-CA" dirty="0" err="1" smtClean="0"/>
-              <a:t>suficcient</a:t>
-            </a:r>
-            <a:r>
-              <a:rPr lang="en-CA" dirty="0" smtClean="0"/>
-              <a:t> to know that reads from the device</a:t>
-            </a:r>
-          </a:p>
-          <a:p>
-            <a:pPr marL="0" indent="0">
-              <a:buNone/>
-            </a:pPr>
-            <a:r>
-              <a:rPr lang="en-CA" dirty="0" smtClean="0"/>
-              <a:t># will return this many frames. Each frame being 2 bytes long.</a:t>
-            </a:r>
-          </a:p>
-          <a:p>
-            <a:pPr marL="0" indent="0">
-              <a:buNone/>
-            </a:pPr>
-            <a:r>
-              <a:rPr lang="en-CA" dirty="0" smtClean="0"/>
-              <a:t># This means that the reads below will return either 320 bytes of data</a:t>
-            </a:r>
-          </a:p>
-          <a:p>
-            <a:pPr marL="0" indent="0">
-              <a:buNone/>
-            </a:pPr>
-            <a:r>
-              <a:rPr lang="en-CA" dirty="0" smtClean="0"/>
-              <a:t># or 0 bytes of data. The latter is possible because we are in </a:t>
-            </a:r>
-            <a:r>
-              <a:rPr lang="en-CA" dirty="0" err="1" smtClean="0"/>
-              <a:t>nonblocking</a:t>
-            </a:r>
-            <a:endParaRPr lang="en-CA" dirty="0" smtClean="0"/>
-          </a:p>
-          <a:p>
-            <a:pPr marL="0" indent="0">
-              <a:buNone/>
-            </a:pPr>
-            <a:r>
-              <a:rPr lang="en-CA" dirty="0" smtClean="0"/>
-              <a:t># mode.</a:t>
-            </a:r>
-          </a:p>
-          <a:p>
-            <a:pPr marL="0" indent="0">
-              <a:buNone/>
-            </a:pPr>
-            <a:r>
-              <a:rPr lang="en-CA" dirty="0" err="1" smtClean="0"/>
-              <a:t>inp.setperiodsize</a:t>
-            </a:r>
-            <a:r>
-              <a:rPr lang="en-CA" dirty="0" smtClean="0"/>
-              <a:t>(160)</a:t>
-            </a:r>
-          </a:p>
-          <a:p>
-            <a:pPr marL="0" indent="0">
-              <a:buNone/>
-            </a:pPr>
-            <a:r>
-              <a:rPr lang="en-CA" dirty="0" smtClean="0"/>
-              <a:t># Read data from device</a:t>
-            </a:r>
-          </a:p>
-          <a:p>
-            <a:pPr marL="0" indent="0">
-              <a:buNone/>
-            </a:pPr>
-            <a:r>
-              <a:rPr lang="en-CA" dirty="0" err="1" smtClean="0"/>
-              <a:t>l,data</a:t>
-            </a:r>
-            <a:r>
-              <a:rPr lang="en-CA" dirty="0" smtClean="0"/>
-              <a:t> = </a:t>
-            </a:r>
-            <a:r>
-              <a:rPr lang="en-CA" dirty="0" err="1" smtClean="0"/>
-              <a:t>inp.read</a:t>
-            </a:r>
-            <a:r>
-              <a:rPr lang="en-CA" dirty="0" smtClean="0"/>
-              <a:t>()</a:t>
-            </a:r>
-          </a:p>
-          <a:p>
-            <a:pPr marL="0" indent="0">
-              <a:buNone/>
-            </a:pPr>
-            <a:r>
-              <a:rPr lang="en-CA" dirty="0" smtClean="0"/>
-              <a:t># Return the maximum of the absolute value of all samples in a fragment.</a:t>
-            </a:r>
-          </a:p>
-          <a:p>
-            <a:pPr marL="0" indent="0">
-              <a:buNone/>
-            </a:pPr>
-            <a:r>
-              <a:rPr lang="en-CA" dirty="0" smtClean="0"/>
-              <a:t>volume = </a:t>
-            </a:r>
-            <a:r>
-              <a:rPr lang="en-CA" dirty="0" err="1" smtClean="0"/>
-              <a:t>audioop.max</a:t>
-            </a:r>
-            <a:r>
-              <a:rPr lang="en-CA" dirty="0" smtClean="0"/>
-              <a:t>(data, 2)</a:t>
-            </a:r>
-          </a:p>
-          <a:p>
-            <a:endParaRPr lang="en-CA" dirty="0"/>
-          </a:p>
-        </p:txBody>
-      </p:sp>
+            <a:endParaRPr lang="en-CA" smtClean="0"/>
+          </a:p>
+        </p:txBody>
+      </p:sp>
+      <p:graphicFrame>
+        <p:nvGraphicFramePr>
+          <p:cNvPr id="15433" name="Group 73"/>
+          <p:cNvGraphicFramePr>
+            <a:graphicFrameLocks noGrp="1"/>
+          </p:cNvGraphicFramePr>
+          <p:nvPr/>
+        </p:nvGraphicFramePr>
+        <p:xfrm>
+          <a:off x="1042988" y="1187450"/>
+          <a:ext cx="10121900" cy="5320856"/>
+        </p:xfrm>
+        <a:graphic>
+          <a:graphicData uri="http://schemas.openxmlformats.org/drawingml/2006/table">
+            <a:tbl>
+              <a:tblPr/>
+              <a:tblGrid>
+                <a:gridCol w="1797050"/>
+                <a:gridCol w="1731962"/>
+                <a:gridCol w="1652588"/>
+                <a:gridCol w="1941512"/>
+                <a:gridCol w="1395413"/>
+                <a:gridCol w="1603375"/>
+              </a:tblGrid>
+              <a:tr h="1004888">
+                <a:tc>
+                  <a:txBody>
+                    <a:bodyPr/>
+                    <a:lstStyle/>
+                    <a:p>
+                      <a:pPr marL="0" marR="0" lvl="0" indent="0" algn="l" defTabSz="914400" rtl="0" eaLnBrk="1" fontAlgn="base" latinLnBrk="0" hangingPunct="1">
+                        <a:lnSpc>
+                          <a:spcPct val="90000"/>
+                        </a:lnSpc>
+                        <a:spcBef>
+                          <a:spcPts val="1000"/>
+                        </a:spcBef>
+                        <a:spcAft>
+                          <a:spcPct val="0"/>
+                        </a:spcAft>
+                        <a:buClrTx/>
+                        <a:buSzTx/>
+                        <a:buFont typeface="Arial" charset="0"/>
+                        <a:buNone/>
+                        <a:tabLst/>
+                      </a:pPr>
+                      <a:r>
+                        <a:rPr kumimoji="0" lang="en-US" sz="2400" b="0" i="0" u="none" strike="noStrike" cap="none" normalizeH="0" baseline="0" smtClean="0">
+                          <a:ln>
+                            <a:noFill/>
+                          </a:ln>
+                          <a:solidFill>
+                            <a:schemeClr val="tx1"/>
+                          </a:solidFill>
+                          <a:effectLst/>
+                          <a:latin typeface="Calibri" pitchFamily="34" charset="0"/>
+                        </a:rPr>
+                        <a:t>Function </a:t>
+                      </a:r>
+                    </a:p>
+                    <a:p>
+                      <a:pPr marL="0" marR="0" lvl="0" indent="0" algn="l" defTabSz="914400" rtl="0" eaLnBrk="1" fontAlgn="base" latinLnBrk="0" hangingPunct="1">
+                        <a:lnSpc>
+                          <a:spcPct val="90000"/>
+                        </a:lnSpc>
+                        <a:spcBef>
+                          <a:spcPts val="1000"/>
+                        </a:spcBef>
+                        <a:spcAft>
+                          <a:spcPct val="0"/>
+                        </a:spcAft>
+                        <a:buClrTx/>
+                        <a:buSzTx/>
+                        <a:buFont typeface="Arial" charset="0"/>
+                        <a:buNone/>
+                        <a:tabLst/>
+                      </a:pPr>
+                      <a:r>
+                        <a:rPr kumimoji="0" lang="en-US" sz="2400" b="0" i="0" u="none" strike="noStrike" cap="none" normalizeH="0" baseline="0" smtClean="0">
+                          <a:ln>
+                            <a:noFill/>
+                          </a:ln>
+                          <a:solidFill>
+                            <a:schemeClr val="tx1"/>
+                          </a:solidFill>
+                          <a:effectLst/>
+                          <a:latin typeface="Calibri" pitchFamily="34" charset="0"/>
+                        </a:rPr>
+                        <a:t>Name</a:t>
+                      </a:r>
+                    </a:p>
+                  </a:txBody>
+                  <a:tcPr horzOverflow="overflow">
+                    <a:lnL w="28575" cap="flat" cmpd="sng" algn="ctr">
+                      <a:solidFill>
+                        <a:schemeClr val="tx1"/>
+                      </a:solidFill>
+                      <a:prstDash val="solid"/>
+                      <a:round/>
+                      <a:headEnd type="none" w="med" len="med"/>
+                      <a:tailEnd type="none" w="med" len="med"/>
+                    </a:lnL>
+                    <a:lnR w="12700" cap="flat" cmpd="sng" algn="ctr">
+                      <a:solidFill>
+                        <a:schemeClr val="tx1"/>
+                      </a:solidFill>
+                      <a:prstDash val="solid"/>
+                      <a:round/>
+                      <a:headEnd type="none" w="med" len="med"/>
+                      <a:tailEnd type="none" w="med" len="med"/>
+                    </a:lnR>
+                    <a:lnT w="28575" cap="flat" cmpd="sng" algn="ctr">
+                      <a:solidFill>
+                        <a:schemeClr val="tx1"/>
+                      </a:solidFill>
+                      <a:prstDash val="solid"/>
+                      <a:round/>
+                      <a:headEnd type="none" w="med" len="med"/>
+                      <a:tailEnd type="none" w="med" len="med"/>
+                    </a:lnT>
+                    <a:lnB w="12700" cap="flat" cmpd="sng" algn="ctr">
+                      <a:solidFill>
+                        <a:schemeClr val="tx1"/>
+                      </a:solidFill>
+                      <a:prstDash val="solid"/>
+                      <a:round/>
+                      <a:headEnd type="none" w="med" len="med"/>
+                      <a:tailEnd type="none" w="med" len="med"/>
+                    </a:lnB>
+                    <a:lnTlToBr>
+                      <a:noFill/>
+                    </a:lnTlToBr>
+                    <a:lnBlToTr>
+                      <a:noFill/>
+                    </a:lnBlToTr>
+                    <a:noFill/>
+                  </a:tcPr>
+                </a:tc>
+                <a:tc>
+                  <a:txBody>
+                    <a:bodyPr/>
+                    <a:lstStyle/>
+                    <a:p>
+                      <a:pPr marL="0" marR="0" lvl="0" indent="0" algn="l" defTabSz="914400" rtl="0" eaLnBrk="1" fontAlgn="base" latinLnBrk="0" hangingPunct="1">
+                        <a:lnSpc>
+                          <a:spcPct val="90000"/>
+                        </a:lnSpc>
+                        <a:spcBef>
+                          <a:spcPts val="1000"/>
+                        </a:spcBef>
+                        <a:spcAft>
+                          <a:spcPct val="0"/>
+                        </a:spcAft>
+                        <a:buClrTx/>
+                        <a:buSzTx/>
+                        <a:buFont typeface="Arial" charset="0"/>
+                        <a:buNone/>
+                        <a:tabLst/>
+                      </a:pPr>
+                      <a:r>
+                        <a:rPr kumimoji="0" lang="en-US" sz="2400" b="0" i="0" u="none" strike="noStrike" cap="none" normalizeH="0" baseline="0" smtClean="0">
+                          <a:ln>
+                            <a:noFill/>
+                          </a:ln>
+                          <a:solidFill>
+                            <a:schemeClr val="tx1"/>
+                          </a:solidFill>
+                          <a:effectLst/>
+                          <a:latin typeface="Calibri" pitchFamily="34" charset="0"/>
+                        </a:rPr>
+                        <a:t>Argument</a:t>
+                      </a:r>
+                    </a:p>
+                  </a:txBody>
+                  <a:tcPr horzOverflow="overflow">
+                    <a:lnL w="12700" cap="flat" cmpd="sng" algn="ctr">
+                      <a:solidFill>
+                        <a:schemeClr val="tx1"/>
+                      </a:solidFill>
+                      <a:prstDash val="solid"/>
+                      <a:round/>
+                      <a:headEnd type="none" w="med" len="med"/>
+                      <a:tailEnd type="none" w="med" len="med"/>
+                    </a:lnL>
+                    <a:lnR w="12700" cap="flat" cmpd="sng" algn="ctr">
+                      <a:solidFill>
+                        <a:schemeClr val="tx1"/>
+                      </a:solidFill>
+                      <a:prstDash val="solid"/>
+                      <a:round/>
+                      <a:headEnd type="none" w="med" len="med"/>
+                      <a:tailEnd type="none" w="med" len="med"/>
+                    </a:lnR>
+                    <a:lnT w="28575" cap="flat" cmpd="sng" algn="ctr">
+                      <a:solidFill>
+                        <a:schemeClr val="tx1"/>
+                      </a:solidFill>
+                      <a:prstDash val="solid"/>
+                      <a:round/>
+                      <a:headEnd type="none" w="med" len="med"/>
+                      <a:tailEnd type="none" w="med" len="med"/>
+                    </a:lnT>
+                    <a:lnB w="12700" cap="flat" cmpd="sng" algn="ctr">
+                      <a:solidFill>
+                        <a:schemeClr val="tx1"/>
+                      </a:solidFill>
+                      <a:prstDash val="solid"/>
+                      <a:round/>
+                      <a:headEnd type="none" w="med" len="med"/>
+                      <a:tailEnd type="none" w="med" len="med"/>
+                    </a:lnB>
+                    <a:lnTlToBr>
+                      <a:noFill/>
+                    </a:lnTlToBr>
+                    <a:lnBlToTr>
+                      <a:noFill/>
+                    </a:lnBlToTr>
+                    <a:noFill/>
+                  </a:tcPr>
+                </a:tc>
+                <a:tc>
+                  <a:txBody>
+                    <a:bodyPr/>
+                    <a:lstStyle/>
+                    <a:p>
+                      <a:pPr marL="0" marR="0" lvl="0" indent="0" algn="l" defTabSz="914400" rtl="0" eaLnBrk="1" fontAlgn="base" latinLnBrk="0" hangingPunct="1">
+                        <a:lnSpc>
+                          <a:spcPct val="90000"/>
+                        </a:lnSpc>
+                        <a:spcBef>
+                          <a:spcPts val="1000"/>
+                        </a:spcBef>
+                        <a:spcAft>
+                          <a:spcPct val="0"/>
+                        </a:spcAft>
+                        <a:buClrTx/>
+                        <a:buSzTx/>
+                        <a:buFont typeface="Arial" charset="0"/>
+                        <a:buNone/>
+                        <a:tabLst/>
+                      </a:pPr>
+                      <a:r>
+                        <a:rPr kumimoji="0" lang="en-US" sz="2400" b="0" i="0" u="none" strike="noStrike" cap="none" normalizeH="0" baseline="0" smtClean="0">
+                          <a:ln>
+                            <a:noFill/>
+                          </a:ln>
+                          <a:solidFill>
+                            <a:schemeClr val="tx1"/>
+                          </a:solidFill>
+                          <a:effectLst/>
+                          <a:latin typeface="Calibri" pitchFamily="34" charset="0"/>
+                        </a:rPr>
+                        <a:t>Return type</a:t>
+                      </a:r>
+                    </a:p>
+                  </a:txBody>
+                  <a:tcPr horzOverflow="overflow">
+                    <a:lnL w="12700" cap="flat" cmpd="sng" algn="ctr">
+                      <a:solidFill>
+                        <a:schemeClr val="tx1"/>
+                      </a:solidFill>
+                      <a:prstDash val="solid"/>
+                      <a:round/>
+                      <a:headEnd type="none" w="med" len="med"/>
+                      <a:tailEnd type="none" w="med" len="med"/>
+                    </a:lnL>
+                    <a:lnR w="12700" cap="flat" cmpd="sng" algn="ctr">
+                      <a:solidFill>
+                        <a:schemeClr val="tx1"/>
+                      </a:solidFill>
+                      <a:prstDash val="solid"/>
+                      <a:round/>
+                      <a:headEnd type="none" w="med" len="med"/>
+                      <a:tailEnd type="none" w="med" len="med"/>
+                    </a:lnR>
+                    <a:lnT w="28575" cap="flat" cmpd="sng" algn="ctr">
+                      <a:solidFill>
+                        <a:schemeClr val="tx1"/>
+                      </a:solidFill>
+                      <a:prstDash val="solid"/>
+                      <a:round/>
+                      <a:headEnd type="none" w="med" len="med"/>
+                      <a:tailEnd type="none" w="med" len="med"/>
+                    </a:lnT>
+                    <a:lnB w="12700" cap="flat" cmpd="sng" algn="ctr">
+                      <a:solidFill>
+                        <a:schemeClr val="tx1"/>
+                      </a:solidFill>
+                      <a:prstDash val="solid"/>
+                      <a:round/>
+                      <a:headEnd type="none" w="med" len="med"/>
+                      <a:tailEnd type="none" w="med" len="med"/>
+                    </a:lnB>
+                    <a:lnTlToBr>
+                      <a:noFill/>
+                    </a:lnTlToBr>
+                    <a:lnBlToTr>
+                      <a:noFill/>
+                    </a:lnBlToTr>
+                    <a:noFill/>
+                  </a:tcPr>
+                </a:tc>
+                <a:tc>
+                  <a:txBody>
+                    <a:bodyPr/>
+                    <a:lstStyle/>
+                    <a:p>
+                      <a:pPr marL="0" marR="0" lvl="0" indent="0" algn="l" defTabSz="914400" rtl="0" eaLnBrk="1" fontAlgn="base" latinLnBrk="0" hangingPunct="1">
+                        <a:lnSpc>
+                          <a:spcPct val="90000"/>
+                        </a:lnSpc>
+                        <a:spcBef>
+                          <a:spcPts val="1000"/>
+                        </a:spcBef>
+                        <a:spcAft>
+                          <a:spcPct val="0"/>
+                        </a:spcAft>
+                        <a:buClrTx/>
+                        <a:buSzTx/>
+                        <a:buFont typeface="Arial" charset="0"/>
+                        <a:buNone/>
+                        <a:tabLst/>
+                      </a:pPr>
+                      <a:r>
+                        <a:rPr kumimoji="0" lang="en-US" sz="2400" b="0" i="0" u="none" strike="noStrike" cap="none" normalizeH="0" baseline="0" smtClean="0">
+                          <a:ln>
+                            <a:noFill/>
+                          </a:ln>
+                          <a:solidFill>
+                            <a:schemeClr val="tx1"/>
+                          </a:solidFill>
+                          <a:effectLst/>
+                          <a:latin typeface="Calibri" pitchFamily="34" charset="0"/>
+                        </a:rPr>
+                        <a:t>Passed Information</a:t>
+                      </a:r>
+                    </a:p>
+                  </a:txBody>
+                  <a:tcPr horzOverflow="overflow">
+                    <a:lnL w="12700" cap="flat" cmpd="sng" algn="ctr">
+                      <a:solidFill>
+                        <a:schemeClr val="tx1"/>
+                      </a:solidFill>
+                      <a:prstDash val="solid"/>
+                      <a:round/>
+                      <a:headEnd type="none" w="med" len="med"/>
+                      <a:tailEnd type="none" w="med" len="med"/>
+                    </a:lnL>
+                    <a:lnR w="12700" cap="flat" cmpd="sng" algn="ctr">
+                      <a:solidFill>
+                        <a:schemeClr val="tx1"/>
+                      </a:solidFill>
+                      <a:prstDash val="solid"/>
+                      <a:round/>
+                      <a:headEnd type="none" w="med" len="med"/>
+                      <a:tailEnd type="none" w="med" len="med"/>
+                    </a:lnR>
+                    <a:lnT w="28575" cap="flat" cmpd="sng" algn="ctr">
+                      <a:solidFill>
+                        <a:schemeClr val="tx1"/>
+                      </a:solidFill>
+                      <a:prstDash val="solid"/>
+                      <a:round/>
+                      <a:headEnd type="none" w="med" len="med"/>
+                      <a:tailEnd type="none" w="med" len="med"/>
+                    </a:lnT>
+                    <a:lnB w="12700" cap="flat" cmpd="sng" algn="ctr">
+                      <a:solidFill>
+                        <a:schemeClr val="tx1"/>
+                      </a:solidFill>
+                      <a:prstDash val="solid"/>
+                      <a:round/>
+                      <a:headEnd type="none" w="med" len="med"/>
+                      <a:tailEnd type="none" w="med" len="med"/>
+                    </a:lnB>
+                    <a:lnTlToBr>
+                      <a:noFill/>
+                    </a:lnTlToBr>
+                    <a:lnBlToTr>
+                      <a:noFill/>
+                    </a:lnBlToTr>
+                    <a:noFill/>
+                  </a:tcPr>
+                </a:tc>
+                <a:tc>
+                  <a:txBody>
+                    <a:bodyPr/>
+                    <a:lstStyle/>
+                    <a:p>
+                      <a:pPr marL="0" marR="0" lvl="0" indent="0" algn="l" defTabSz="914400" rtl="0" eaLnBrk="1" fontAlgn="base" latinLnBrk="0" hangingPunct="1">
+                        <a:lnSpc>
+                          <a:spcPct val="90000"/>
+                        </a:lnSpc>
+                        <a:spcBef>
+                          <a:spcPts val="1000"/>
+                        </a:spcBef>
+                        <a:spcAft>
+                          <a:spcPct val="0"/>
+                        </a:spcAft>
+                        <a:buClrTx/>
+                        <a:buSzTx/>
+                        <a:buFont typeface="Arial" charset="0"/>
+                        <a:buNone/>
+                        <a:tabLst/>
+                      </a:pPr>
+                      <a:r>
+                        <a:rPr kumimoji="0" lang="en-US" sz="2400" b="0" i="0" u="none" strike="noStrike" cap="none" normalizeH="0" baseline="0" smtClean="0">
+                          <a:ln>
+                            <a:noFill/>
+                          </a:ln>
+                          <a:solidFill>
+                            <a:schemeClr val="tx1"/>
+                          </a:solidFill>
+                          <a:effectLst/>
+                          <a:latin typeface="Calibri" pitchFamily="34" charset="0"/>
+                        </a:rPr>
+                        <a:t>Expected result</a:t>
+                      </a:r>
+                    </a:p>
+                  </a:txBody>
+                  <a:tcPr horzOverflow="overflow">
+                    <a:lnL w="12700" cap="flat" cmpd="sng" algn="ctr">
+                      <a:solidFill>
+                        <a:schemeClr val="tx1"/>
+                      </a:solidFill>
+                      <a:prstDash val="solid"/>
+                      <a:round/>
+                      <a:headEnd type="none" w="med" len="med"/>
+                      <a:tailEnd type="none" w="med" len="med"/>
+                    </a:lnL>
+                    <a:lnR w="12700" cap="flat" cmpd="sng" algn="ctr">
+                      <a:solidFill>
+                        <a:schemeClr val="tx1"/>
+                      </a:solidFill>
+                      <a:prstDash val="solid"/>
+                      <a:round/>
+                      <a:headEnd type="none" w="med" len="med"/>
+                      <a:tailEnd type="none" w="med" len="med"/>
+                    </a:lnR>
+                    <a:lnT w="28575" cap="flat" cmpd="sng" algn="ctr">
+                      <a:solidFill>
+                        <a:schemeClr val="tx1"/>
+                      </a:solidFill>
+                      <a:prstDash val="solid"/>
+                      <a:round/>
+                      <a:headEnd type="none" w="med" len="med"/>
+                      <a:tailEnd type="none" w="med" len="med"/>
+                    </a:lnT>
+                    <a:lnB w="12700" cap="flat" cmpd="sng" algn="ctr">
+                      <a:solidFill>
+                        <a:schemeClr val="tx1"/>
+                      </a:solidFill>
+                      <a:prstDash val="solid"/>
+                      <a:round/>
+                      <a:headEnd type="none" w="med" len="med"/>
+                      <a:tailEnd type="none" w="med" len="med"/>
+                    </a:lnB>
+                    <a:lnTlToBr>
+                      <a:noFill/>
+                    </a:lnTlToBr>
+                    <a:lnBlToTr>
+                      <a:noFill/>
+                    </a:lnBlToTr>
+                    <a:noFill/>
+                  </a:tcPr>
+                </a:tc>
+                <a:tc>
+                  <a:txBody>
+                    <a:bodyPr/>
+                    <a:lstStyle/>
+                    <a:p>
+                      <a:pPr marL="0" marR="0" lvl="0" indent="0" algn="l" defTabSz="914400" rtl="0" eaLnBrk="1" fontAlgn="base" latinLnBrk="0" hangingPunct="1">
+                        <a:lnSpc>
+                          <a:spcPct val="90000"/>
+                        </a:lnSpc>
+                        <a:spcBef>
+                          <a:spcPts val="1000"/>
+                        </a:spcBef>
+                        <a:spcAft>
+                          <a:spcPct val="0"/>
+                        </a:spcAft>
+                        <a:buClrTx/>
+                        <a:buSzTx/>
+                        <a:buFont typeface="Arial" charset="0"/>
+                        <a:buNone/>
+                        <a:tabLst/>
+                      </a:pPr>
+                      <a:r>
+                        <a:rPr kumimoji="0" lang="en-US" sz="2400" b="0" i="0" u="none" strike="noStrike" cap="none" normalizeH="0" baseline="0" smtClean="0">
+                          <a:ln>
+                            <a:noFill/>
+                          </a:ln>
+                          <a:solidFill>
+                            <a:schemeClr val="tx1"/>
+                          </a:solidFill>
+                          <a:effectLst/>
+                          <a:latin typeface="Calibri" pitchFamily="34" charset="0"/>
+                        </a:rPr>
+                        <a:t>Actual result</a:t>
+                      </a:r>
+                    </a:p>
+                  </a:txBody>
+                  <a:tcPr horzOverflow="overflow">
+                    <a:lnL w="12700" cap="flat" cmpd="sng" algn="ctr">
+                      <a:solidFill>
+                        <a:schemeClr val="tx1"/>
+                      </a:solidFill>
+                      <a:prstDash val="solid"/>
+                      <a:round/>
+                      <a:headEnd type="none" w="med" len="med"/>
+                      <a:tailEnd type="none" w="med" len="med"/>
+                    </a:lnL>
+                    <a:lnR w="28575" cap="flat" cmpd="sng" algn="ctr">
+                      <a:solidFill>
+                        <a:schemeClr val="tx1"/>
+                      </a:solidFill>
+                      <a:prstDash val="solid"/>
+                      <a:round/>
+                      <a:headEnd type="none" w="med" len="med"/>
+                      <a:tailEnd type="none" w="med" len="med"/>
+                    </a:lnR>
+                    <a:lnT w="28575" cap="flat" cmpd="sng" algn="ctr">
+                      <a:solidFill>
+                        <a:schemeClr val="tx1"/>
+                      </a:solidFill>
+                      <a:prstDash val="solid"/>
+                      <a:round/>
+                      <a:headEnd type="none" w="med" len="med"/>
+                      <a:tailEnd type="none" w="med" len="med"/>
+                    </a:lnT>
+                    <a:lnB w="12700" cap="flat" cmpd="sng" algn="ctr">
+                      <a:solidFill>
+                        <a:schemeClr val="tx1"/>
+                      </a:solidFill>
+                      <a:prstDash val="solid"/>
+                      <a:round/>
+                      <a:headEnd type="none" w="med" len="med"/>
+                      <a:tailEnd type="none" w="med" len="med"/>
+                    </a:lnB>
+                    <a:lnTlToBr>
+                      <a:noFill/>
+                    </a:lnTlToBr>
+                    <a:lnBlToTr>
+                      <a:noFill/>
+                    </a:lnBlToTr>
+                    <a:noFill/>
+                  </a:tcPr>
+                </a:tc>
+              </a:tr>
+              <a:tr h="1008063">
+                <a:tc>
+                  <a:txBody>
+                    <a:bodyPr/>
+                    <a:lstStyle/>
+                    <a:p>
+                      <a:pPr marL="0" marR="0" lvl="0" indent="0" algn="l" defTabSz="914400" rtl="0" eaLnBrk="1" fontAlgn="base" latinLnBrk="0" hangingPunct="1">
+                        <a:lnSpc>
+                          <a:spcPct val="90000"/>
+                        </a:lnSpc>
+                        <a:spcBef>
+                          <a:spcPts val="1000"/>
+                        </a:spcBef>
+                        <a:spcAft>
+                          <a:spcPct val="0"/>
+                        </a:spcAft>
+                        <a:buClrTx/>
+                        <a:buSzTx/>
+                        <a:buFont typeface="Arial" charset="0"/>
+                        <a:buNone/>
+                        <a:tabLst/>
+                      </a:pPr>
+                      <a:r>
+                        <a:rPr kumimoji="0" lang="en-US" sz="2400" b="0" i="0" u="none" strike="noStrike" cap="none" normalizeH="0" baseline="0" smtClean="0">
+                          <a:ln>
+                            <a:noFill/>
+                          </a:ln>
+                          <a:solidFill>
+                            <a:schemeClr val="tx1"/>
+                          </a:solidFill>
+                          <a:effectLst/>
+                          <a:latin typeface="Calibri" pitchFamily="34" charset="0"/>
+                        </a:rPr>
+                        <a:t>Setup()</a:t>
+                      </a:r>
+                    </a:p>
+                  </a:txBody>
+                  <a:tcPr horzOverflow="overflow">
+                    <a:lnL w="28575" cap="flat" cmpd="sng" algn="ctr">
+                      <a:solidFill>
+                        <a:schemeClr val="tx1"/>
+                      </a:solidFill>
+                      <a:prstDash val="solid"/>
+                      <a:round/>
+                      <a:headEnd type="none" w="med" len="med"/>
+                      <a:tailEnd type="none" w="med" len="med"/>
+                    </a:lnL>
+                    <a:lnR w="12700" cap="flat" cmpd="sng" algn="ctr">
+                      <a:solidFill>
+                        <a:schemeClr val="tx1"/>
+                      </a:solidFill>
+                      <a:prstDash val="solid"/>
+                      <a:round/>
+                      <a:headEnd type="none" w="med" len="med"/>
+                      <a:tailEnd type="none" w="med" len="med"/>
+                    </a:lnR>
+                    <a:lnT w="12700" cap="flat" cmpd="sng" algn="ctr">
+                      <a:solidFill>
+                        <a:schemeClr val="tx1"/>
+                      </a:solidFill>
+                      <a:prstDash val="solid"/>
+                      <a:round/>
+                      <a:headEnd type="none" w="med" len="med"/>
+                      <a:tailEnd type="none" w="med" len="med"/>
+                    </a:lnT>
+                    <a:lnB w="12700" cap="flat" cmpd="sng" algn="ctr">
+                      <a:solidFill>
+                        <a:schemeClr val="tx1"/>
+                      </a:solidFill>
+                      <a:prstDash val="solid"/>
+                      <a:round/>
+                      <a:headEnd type="none" w="med" len="med"/>
+                      <a:tailEnd type="none" w="med" len="med"/>
+                    </a:lnB>
+                    <a:lnTlToBr>
+                      <a:noFill/>
+                    </a:lnTlToBr>
+                    <a:lnBlToTr>
+                      <a:noFill/>
+                    </a:lnBlToTr>
+                    <a:noFill/>
+                  </a:tcPr>
+                </a:tc>
+                <a:tc>
+                  <a:txBody>
+                    <a:bodyPr/>
+                    <a:lstStyle/>
+                    <a:p>
+                      <a:pPr marL="0" marR="0" lvl="0" indent="0" algn="l" defTabSz="914400" rtl="0" eaLnBrk="1" fontAlgn="base" latinLnBrk="0" hangingPunct="1">
+                        <a:lnSpc>
+                          <a:spcPct val="90000"/>
+                        </a:lnSpc>
+                        <a:spcBef>
+                          <a:spcPts val="1000"/>
+                        </a:spcBef>
+                        <a:spcAft>
+                          <a:spcPct val="0"/>
+                        </a:spcAft>
+                        <a:buClrTx/>
+                        <a:buSzTx/>
+                        <a:buFont typeface="Arial" charset="0"/>
+                        <a:buNone/>
+                        <a:tabLst/>
+                      </a:pPr>
+                      <a:r>
+                        <a:rPr kumimoji="0" lang="en-US" sz="2400" b="0" i="0" u="none" strike="noStrike" cap="none" normalizeH="0" baseline="0" smtClean="0">
+                          <a:ln>
+                            <a:noFill/>
+                          </a:ln>
+                          <a:solidFill>
+                            <a:schemeClr val="tx1"/>
+                          </a:solidFill>
+                          <a:effectLst/>
+                          <a:latin typeface="Calibri" pitchFamily="34" charset="0"/>
+                        </a:rPr>
+                        <a:t>Nothing </a:t>
+                      </a:r>
+                    </a:p>
+                  </a:txBody>
+                  <a:tcPr horzOverflow="overflow">
+                    <a:lnL w="12700" cap="flat" cmpd="sng" algn="ctr">
+                      <a:solidFill>
+                        <a:schemeClr val="tx1"/>
+                      </a:solidFill>
+                      <a:prstDash val="solid"/>
+                      <a:round/>
+                      <a:headEnd type="none" w="med" len="med"/>
+                      <a:tailEnd type="none" w="med" len="med"/>
+                    </a:lnL>
+                    <a:lnR w="12700" cap="flat" cmpd="sng" algn="ctr">
+                      <a:solidFill>
+                        <a:schemeClr val="tx1"/>
+                      </a:solidFill>
+                      <a:prstDash val="solid"/>
+                      <a:round/>
+                      <a:headEnd type="none" w="med" len="med"/>
+                      <a:tailEnd type="none" w="med" len="med"/>
+                    </a:lnR>
+                    <a:lnT w="12700" cap="flat" cmpd="sng" algn="ctr">
+                      <a:solidFill>
+                        <a:schemeClr val="tx1"/>
+                      </a:solidFill>
+                      <a:prstDash val="solid"/>
+                      <a:round/>
+                      <a:headEnd type="none" w="med" len="med"/>
+                      <a:tailEnd type="none" w="med" len="med"/>
+                    </a:lnT>
+                    <a:lnB w="12700" cap="flat" cmpd="sng" algn="ctr">
+                      <a:solidFill>
+                        <a:schemeClr val="tx1"/>
+                      </a:solidFill>
+                      <a:prstDash val="solid"/>
+                      <a:round/>
+                      <a:headEnd type="none" w="med" len="med"/>
+                      <a:tailEnd type="none" w="med" len="med"/>
+                    </a:lnB>
+                    <a:lnTlToBr>
+                      <a:noFill/>
+                    </a:lnTlToBr>
+                    <a:lnBlToTr>
+                      <a:noFill/>
+                    </a:lnBlToTr>
+                    <a:noFill/>
+                  </a:tcPr>
+                </a:tc>
+                <a:tc>
+                  <a:txBody>
+                    <a:bodyPr/>
+                    <a:lstStyle/>
+                    <a:p>
+                      <a:pPr marL="0" marR="0" lvl="0" indent="0" algn="l" defTabSz="914400" rtl="0" eaLnBrk="1" fontAlgn="base" latinLnBrk="0" hangingPunct="1">
+                        <a:lnSpc>
+                          <a:spcPct val="90000"/>
+                        </a:lnSpc>
+                        <a:spcBef>
+                          <a:spcPts val="1000"/>
+                        </a:spcBef>
+                        <a:spcAft>
+                          <a:spcPct val="0"/>
+                        </a:spcAft>
+                        <a:buClrTx/>
+                        <a:buSzTx/>
+                        <a:buFont typeface="Arial" charset="0"/>
+                        <a:buNone/>
+                        <a:tabLst/>
+                      </a:pPr>
+                      <a:r>
+                        <a:rPr kumimoji="0" lang="en-US" sz="2400" b="0" i="0" u="none" strike="noStrike" cap="none" normalizeH="0" baseline="0" smtClean="0">
+                          <a:ln>
+                            <a:noFill/>
+                          </a:ln>
+                          <a:solidFill>
+                            <a:schemeClr val="tx1"/>
+                          </a:solidFill>
+                          <a:effectLst/>
+                          <a:latin typeface="Calibri" pitchFamily="34" charset="0"/>
+                        </a:rPr>
+                        <a:t>variable for device just set up</a:t>
+                      </a:r>
+                    </a:p>
+                  </a:txBody>
+                  <a:tcPr horzOverflow="overflow">
+                    <a:lnL w="12700" cap="flat" cmpd="sng" algn="ctr">
+                      <a:solidFill>
+                        <a:schemeClr val="tx1"/>
+                      </a:solidFill>
+                      <a:prstDash val="solid"/>
+                      <a:round/>
+                      <a:headEnd type="none" w="med" len="med"/>
+                      <a:tailEnd type="none" w="med" len="med"/>
+                    </a:lnL>
+                    <a:lnR w="12700" cap="flat" cmpd="sng" algn="ctr">
+                      <a:solidFill>
+                        <a:schemeClr val="tx1"/>
+                      </a:solidFill>
+                      <a:prstDash val="solid"/>
+                      <a:round/>
+                      <a:headEnd type="none" w="med" len="med"/>
+                      <a:tailEnd type="none" w="med" len="med"/>
+                    </a:lnR>
+                    <a:lnT w="12700" cap="flat" cmpd="sng" algn="ctr">
+                      <a:solidFill>
+                        <a:schemeClr val="tx1"/>
+                      </a:solidFill>
+                      <a:prstDash val="solid"/>
+                      <a:round/>
+                      <a:headEnd type="none" w="med" len="med"/>
+                      <a:tailEnd type="none" w="med" len="med"/>
+                    </a:lnT>
+                    <a:lnB w="12700" cap="flat" cmpd="sng" algn="ctr">
+                      <a:solidFill>
+                        <a:schemeClr val="tx1"/>
+                      </a:solidFill>
+                      <a:prstDash val="solid"/>
+                      <a:round/>
+                      <a:headEnd type="none" w="med" len="med"/>
+                      <a:tailEnd type="none" w="med" len="med"/>
+                    </a:lnB>
+                    <a:lnTlToBr>
+                      <a:noFill/>
+                    </a:lnTlToBr>
+                    <a:lnBlToTr>
+                      <a:noFill/>
+                    </a:lnBlToTr>
+                    <a:noFill/>
+                  </a:tcPr>
+                </a:tc>
+                <a:tc>
+                  <a:txBody>
+                    <a:bodyPr/>
+                    <a:lstStyle/>
+                    <a:p>
+                      <a:pPr marL="0" marR="0" lvl="0" indent="0" algn="l" defTabSz="914400" rtl="0" eaLnBrk="1" fontAlgn="base" latinLnBrk="0" hangingPunct="1">
+                        <a:lnSpc>
+                          <a:spcPct val="90000"/>
+                        </a:lnSpc>
+                        <a:spcBef>
+                          <a:spcPts val="1000"/>
+                        </a:spcBef>
+                        <a:spcAft>
+                          <a:spcPct val="0"/>
+                        </a:spcAft>
+                        <a:buClrTx/>
+                        <a:buSzTx/>
+                        <a:buFont typeface="Arial" charset="0"/>
+                        <a:buNone/>
+                        <a:tabLst/>
+                      </a:pPr>
+                      <a:r>
+                        <a:rPr kumimoji="0" lang="en-US" sz="2400" b="0" i="0" u="none" strike="noStrike" cap="none" normalizeH="0" baseline="0" smtClean="0">
+                          <a:ln>
+                            <a:noFill/>
+                          </a:ln>
+                          <a:solidFill>
+                            <a:schemeClr val="tx1"/>
+                          </a:solidFill>
+                          <a:effectLst/>
+                          <a:latin typeface="Calibri" pitchFamily="34" charset="0"/>
+                        </a:rPr>
+                        <a:t>Nothing </a:t>
+                      </a:r>
+                    </a:p>
+                  </a:txBody>
+                  <a:tcPr horzOverflow="overflow">
+                    <a:lnL w="12700" cap="flat" cmpd="sng" algn="ctr">
+                      <a:solidFill>
+                        <a:schemeClr val="tx1"/>
+                      </a:solidFill>
+                      <a:prstDash val="solid"/>
+                      <a:round/>
+                      <a:headEnd type="none" w="med" len="med"/>
+                      <a:tailEnd type="none" w="med" len="med"/>
+                    </a:lnL>
+                    <a:lnR w="12700" cap="flat" cmpd="sng" algn="ctr">
+                      <a:solidFill>
+                        <a:schemeClr val="tx1"/>
+                      </a:solidFill>
+                      <a:prstDash val="solid"/>
+                      <a:round/>
+                      <a:headEnd type="none" w="med" len="med"/>
+                      <a:tailEnd type="none" w="med" len="med"/>
+                    </a:lnR>
+                    <a:lnT w="12700" cap="flat" cmpd="sng" algn="ctr">
+                      <a:solidFill>
+                        <a:schemeClr val="tx1"/>
+                      </a:solidFill>
+                      <a:prstDash val="solid"/>
+                      <a:round/>
+                      <a:headEnd type="none" w="med" len="med"/>
+                      <a:tailEnd type="none" w="med" len="med"/>
+                    </a:lnT>
+                    <a:lnB w="12700" cap="flat" cmpd="sng" algn="ctr">
+                      <a:solidFill>
+                        <a:schemeClr val="tx1"/>
+                      </a:solidFill>
+                      <a:prstDash val="solid"/>
+                      <a:round/>
+                      <a:headEnd type="none" w="med" len="med"/>
+                      <a:tailEnd type="none" w="med" len="med"/>
+                    </a:lnB>
+                    <a:lnTlToBr>
+                      <a:noFill/>
+                    </a:lnTlToBr>
+                    <a:lnBlToTr>
+                      <a:noFill/>
+                    </a:lnBlToTr>
+                    <a:noFill/>
+                  </a:tcPr>
+                </a:tc>
+                <a:tc>
+                  <a:txBody>
+                    <a:bodyPr/>
+                    <a:lstStyle/>
+                    <a:p>
+                      <a:pPr marL="0" marR="0" lvl="0" indent="0" algn="l" defTabSz="914400" rtl="0" eaLnBrk="1" fontAlgn="base" latinLnBrk="0" hangingPunct="1">
+                        <a:lnSpc>
+                          <a:spcPct val="90000"/>
+                        </a:lnSpc>
+                        <a:spcBef>
+                          <a:spcPts val="1000"/>
+                        </a:spcBef>
+                        <a:spcAft>
+                          <a:spcPct val="0"/>
+                        </a:spcAft>
+                        <a:buClrTx/>
+                        <a:buSzTx/>
+                        <a:buFont typeface="Arial" charset="0"/>
+                        <a:buNone/>
+                        <a:tabLst/>
+                      </a:pPr>
+                      <a:r>
+                        <a:rPr kumimoji="0" lang="en-US" sz="2400" b="0" i="0" u="none" strike="noStrike" cap="none" normalizeH="0" baseline="0" smtClean="0">
+                          <a:ln>
+                            <a:noFill/>
+                          </a:ln>
+                          <a:solidFill>
+                            <a:schemeClr val="tx1"/>
+                          </a:solidFill>
+                          <a:effectLst/>
+                          <a:latin typeface="Calibri" pitchFamily="34" charset="0"/>
+                        </a:rPr>
+                        <a:t>Nothing </a:t>
+                      </a:r>
+                    </a:p>
+                  </a:txBody>
+                  <a:tcPr horzOverflow="overflow">
+                    <a:lnL w="12700" cap="flat" cmpd="sng" algn="ctr">
+                      <a:solidFill>
+                        <a:schemeClr val="tx1"/>
+                      </a:solidFill>
+                      <a:prstDash val="solid"/>
+                      <a:round/>
+                      <a:headEnd type="none" w="med" len="med"/>
+                      <a:tailEnd type="none" w="med" len="med"/>
+                    </a:lnL>
+                    <a:lnR w="12700" cap="flat" cmpd="sng" algn="ctr">
+                      <a:solidFill>
+                        <a:schemeClr val="tx1"/>
+                      </a:solidFill>
+                      <a:prstDash val="solid"/>
+                      <a:round/>
+                      <a:headEnd type="none" w="med" len="med"/>
+                      <a:tailEnd type="none" w="med" len="med"/>
+                    </a:lnR>
+                    <a:lnT w="12700" cap="flat" cmpd="sng" algn="ctr">
+                      <a:solidFill>
+                        <a:schemeClr val="tx1"/>
+                      </a:solidFill>
+                      <a:prstDash val="solid"/>
+                      <a:round/>
+                      <a:headEnd type="none" w="med" len="med"/>
+                      <a:tailEnd type="none" w="med" len="med"/>
+                    </a:lnT>
+                    <a:lnB w="12700" cap="flat" cmpd="sng" algn="ctr">
+                      <a:solidFill>
+                        <a:schemeClr val="tx1"/>
+                      </a:solidFill>
+                      <a:prstDash val="solid"/>
+                      <a:round/>
+                      <a:headEnd type="none" w="med" len="med"/>
+                      <a:tailEnd type="none" w="med" len="med"/>
+                    </a:lnB>
+                    <a:lnTlToBr>
+                      <a:noFill/>
+                    </a:lnTlToBr>
+                    <a:lnBlToTr>
+                      <a:noFill/>
+                    </a:lnBlToTr>
+                    <a:noFill/>
+                  </a:tcPr>
+                </a:tc>
+                <a:tc>
+                  <a:txBody>
+                    <a:bodyPr/>
+                    <a:lstStyle/>
+                    <a:p>
+                      <a:pPr marL="0" marR="0" lvl="0" indent="0" algn="l" defTabSz="914400" rtl="0" eaLnBrk="1" fontAlgn="base" latinLnBrk="0" hangingPunct="1">
+                        <a:lnSpc>
+                          <a:spcPct val="90000"/>
+                        </a:lnSpc>
+                        <a:spcBef>
+                          <a:spcPts val="1000"/>
+                        </a:spcBef>
+                        <a:spcAft>
+                          <a:spcPct val="0"/>
+                        </a:spcAft>
+                        <a:buClrTx/>
+                        <a:buSzTx/>
+                        <a:buFont typeface="Arial" charset="0"/>
+                        <a:buNone/>
+                        <a:tabLst/>
+                      </a:pPr>
+                      <a:r>
+                        <a:rPr kumimoji="0" lang="en-US" sz="2400" b="0" i="0" u="none" strike="noStrike" cap="none" normalizeH="0" baseline="0" smtClean="0">
+                          <a:ln>
+                            <a:noFill/>
+                          </a:ln>
+                          <a:solidFill>
+                            <a:schemeClr val="tx1"/>
+                          </a:solidFill>
+                          <a:effectLst/>
+                          <a:latin typeface="Calibri" pitchFamily="34" charset="0"/>
+                        </a:rPr>
+                        <a:t>Nothing </a:t>
+                      </a:r>
+                    </a:p>
+                  </a:txBody>
+                  <a:tcPr horzOverflow="overflow">
+                    <a:lnL w="12700" cap="flat" cmpd="sng" algn="ctr">
+                      <a:solidFill>
+                        <a:schemeClr val="tx1"/>
+                      </a:solidFill>
+                      <a:prstDash val="solid"/>
+                      <a:round/>
+                      <a:headEnd type="none" w="med" len="med"/>
+                      <a:tailEnd type="none" w="med" len="med"/>
+                    </a:lnL>
+                    <a:lnR w="28575" cap="flat" cmpd="sng" algn="ctr">
+                      <a:solidFill>
+                        <a:schemeClr val="tx1"/>
+                      </a:solidFill>
+                      <a:prstDash val="solid"/>
+                      <a:round/>
+                      <a:headEnd type="none" w="med" len="med"/>
+                      <a:tailEnd type="none" w="med" len="med"/>
+                    </a:lnR>
+                    <a:lnT w="12700" cap="flat" cmpd="sng" algn="ctr">
+                      <a:solidFill>
+                        <a:schemeClr val="tx1"/>
+                      </a:solidFill>
+                      <a:prstDash val="solid"/>
+                      <a:round/>
+                      <a:headEnd type="none" w="med" len="med"/>
+                      <a:tailEnd type="none" w="med" len="med"/>
+                    </a:lnT>
+                    <a:lnB w="12700" cap="flat" cmpd="sng" algn="ctr">
+                      <a:solidFill>
+                        <a:schemeClr val="tx1"/>
+                      </a:solidFill>
+                      <a:prstDash val="solid"/>
+                      <a:round/>
+                      <a:headEnd type="none" w="med" len="med"/>
+                      <a:tailEnd type="none" w="med" len="med"/>
+                    </a:lnB>
+                    <a:lnTlToBr>
+                      <a:noFill/>
+                    </a:lnTlToBr>
+                    <a:lnBlToTr>
+                      <a:noFill/>
+                    </a:lnBlToTr>
+                    <a:noFill/>
+                  </a:tcPr>
+                </a:tc>
+              </a:tr>
+              <a:tr h="1008063">
+                <a:tc>
+                  <a:txBody>
+                    <a:bodyPr/>
+                    <a:lstStyle/>
+                    <a:p>
+                      <a:pPr marL="0" marR="0" lvl="0" indent="0" algn="l" defTabSz="914400" rtl="0" eaLnBrk="1" fontAlgn="base" latinLnBrk="0" hangingPunct="1">
+                        <a:lnSpc>
+                          <a:spcPct val="90000"/>
+                        </a:lnSpc>
+                        <a:spcBef>
+                          <a:spcPts val="1000"/>
+                        </a:spcBef>
+                        <a:spcAft>
+                          <a:spcPct val="0"/>
+                        </a:spcAft>
+                        <a:buClrTx/>
+                        <a:buSzTx/>
+                        <a:buFont typeface="Arial" charset="0"/>
+                        <a:buNone/>
+                        <a:tabLst/>
+                      </a:pPr>
+                      <a:r>
+                        <a:rPr kumimoji="0" lang="en-US" sz="2400" b="0" i="0" u="none" strike="noStrike" cap="none" normalizeH="0" baseline="0" smtClean="0">
+                          <a:ln>
+                            <a:noFill/>
+                          </a:ln>
+                          <a:solidFill>
+                            <a:schemeClr val="tx1"/>
+                          </a:solidFill>
+                          <a:effectLst/>
+                          <a:latin typeface="Calibri" pitchFamily="34" charset="0"/>
+                        </a:rPr>
+                        <a:t>readData</a:t>
+                      </a:r>
+                    </a:p>
+                  </a:txBody>
+                  <a:tcPr horzOverflow="overflow">
+                    <a:lnL w="28575" cap="flat" cmpd="sng" algn="ctr">
+                      <a:solidFill>
+                        <a:schemeClr val="tx1"/>
+                      </a:solidFill>
+                      <a:prstDash val="solid"/>
+                      <a:round/>
+                      <a:headEnd type="none" w="med" len="med"/>
+                      <a:tailEnd type="none" w="med" len="med"/>
+                    </a:lnL>
+                    <a:lnR w="12700" cap="flat" cmpd="sng" algn="ctr">
+                      <a:solidFill>
+                        <a:schemeClr val="tx1"/>
+                      </a:solidFill>
+                      <a:prstDash val="solid"/>
+                      <a:round/>
+                      <a:headEnd type="none" w="med" len="med"/>
+                      <a:tailEnd type="none" w="med" len="med"/>
+                    </a:lnR>
+                    <a:lnT w="12700" cap="flat" cmpd="sng" algn="ctr">
+                      <a:solidFill>
+                        <a:schemeClr val="tx1"/>
+                      </a:solidFill>
+                      <a:prstDash val="solid"/>
+                      <a:round/>
+                      <a:headEnd type="none" w="med" len="med"/>
+                      <a:tailEnd type="none" w="med" len="med"/>
+                    </a:lnT>
+                    <a:lnB w="12700" cap="flat" cmpd="sng" algn="ctr">
+                      <a:solidFill>
+                        <a:schemeClr val="tx1"/>
+                      </a:solidFill>
+                      <a:prstDash val="solid"/>
+                      <a:round/>
+                      <a:headEnd type="none" w="med" len="med"/>
+                      <a:tailEnd type="none" w="med" len="med"/>
+                    </a:lnB>
+                    <a:lnTlToBr>
+                      <a:noFill/>
+                    </a:lnTlToBr>
+                    <a:lnBlToTr>
+                      <a:noFill/>
+                    </a:lnBlToTr>
+                    <a:noFill/>
+                  </a:tcPr>
+                </a:tc>
+                <a:tc>
+                  <a:txBody>
+                    <a:bodyPr/>
+                    <a:lstStyle/>
+                    <a:p>
+                      <a:pPr marL="0" marR="0" lvl="0" indent="0" algn="l" defTabSz="914400" rtl="0" eaLnBrk="1" fontAlgn="base" latinLnBrk="0" hangingPunct="1">
+                        <a:lnSpc>
+                          <a:spcPct val="90000"/>
+                        </a:lnSpc>
+                        <a:spcBef>
+                          <a:spcPts val="1000"/>
+                        </a:spcBef>
+                        <a:spcAft>
+                          <a:spcPct val="0"/>
+                        </a:spcAft>
+                        <a:buClrTx/>
+                        <a:buSzTx/>
+                        <a:buFont typeface="Arial" charset="0"/>
+                        <a:buNone/>
+                        <a:tabLst/>
+                      </a:pPr>
+                      <a:r>
+                        <a:rPr kumimoji="0" lang="en-US" sz="2400" b="0" i="0" u="none" strike="noStrike" cap="none" normalizeH="0" baseline="0" smtClean="0">
+                          <a:ln>
+                            <a:noFill/>
+                          </a:ln>
+                          <a:solidFill>
+                            <a:schemeClr val="tx1"/>
+                          </a:solidFill>
+                          <a:effectLst/>
+                          <a:latin typeface="Calibri" pitchFamily="34" charset="0"/>
+                        </a:rPr>
+                        <a:t>variable for device just set up</a:t>
+                      </a:r>
+                    </a:p>
+                  </a:txBody>
+                  <a:tcPr horzOverflow="overflow">
+                    <a:lnL w="12700" cap="flat" cmpd="sng" algn="ctr">
+                      <a:solidFill>
+                        <a:schemeClr val="tx1"/>
+                      </a:solidFill>
+                      <a:prstDash val="solid"/>
+                      <a:round/>
+                      <a:headEnd type="none" w="med" len="med"/>
+                      <a:tailEnd type="none" w="med" len="med"/>
+                    </a:lnL>
+                    <a:lnR w="12700" cap="flat" cmpd="sng" algn="ctr">
+                      <a:solidFill>
+                        <a:schemeClr val="tx1"/>
+                      </a:solidFill>
+                      <a:prstDash val="solid"/>
+                      <a:round/>
+                      <a:headEnd type="none" w="med" len="med"/>
+                      <a:tailEnd type="none" w="med" len="med"/>
+                    </a:lnR>
+                    <a:lnT w="12700" cap="flat" cmpd="sng" algn="ctr">
+                      <a:solidFill>
+                        <a:schemeClr val="tx1"/>
+                      </a:solidFill>
+                      <a:prstDash val="solid"/>
+                      <a:round/>
+                      <a:headEnd type="none" w="med" len="med"/>
+                      <a:tailEnd type="none" w="med" len="med"/>
+                    </a:lnT>
+                    <a:lnB w="12700" cap="flat" cmpd="sng" algn="ctr">
+                      <a:solidFill>
+                        <a:schemeClr val="tx1"/>
+                      </a:solidFill>
+                      <a:prstDash val="solid"/>
+                      <a:round/>
+                      <a:headEnd type="none" w="med" len="med"/>
+                      <a:tailEnd type="none" w="med" len="med"/>
+                    </a:lnB>
+                    <a:lnTlToBr>
+                      <a:noFill/>
+                    </a:lnTlToBr>
+                    <a:lnBlToTr>
+                      <a:noFill/>
+                    </a:lnBlToTr>
+                    <a:noFill/>
+                  </a:tcPr>
+                </a:tc>
+                <a:tc>
+                  <a:txBody>
+                    <a:bodyPr/>
+                    <a:lstStyle/>
+                    <a:p>
+                      <a:pPr marL="0" marR="0" lvl="0" indent="0" algn="l" defTabSz="914400" rtl="0" eaLnBrk="1" fontAlgn="base" latinLnBrk="0" hangingPunct="1">
+                        <a:lnSpc>
+                          <a:spcPct val="90000"/>
+                        </a:lnSpc>
+                        <a:spcBef>
+                          <a:spcPts val="1000"/>
+                        </a:spcBef>
+                        <a:spcAft>
+                          <a:spcPct val="0"/>
+                        </a:spcAft>
+                        <a:buClrTx/>
+                        <a:buSzTx/>
+                        <a:buFont typeface="Arial" charset="0"/>
+                        <a:buNone/>
+                        <a:tabLst/>
+                      </a:pPr>
+                      <a:r>
+                        <a:rPr kumimoji="0" lang="en-US" sz="2400" b="0" i="0" u="none" strike="noStrike" cap="none" normalizeH="0" baseline="0" smtClean="0">
+                          <a:ln>
+                            <a:noFill/>
+                          </a:ln>
+                          <a:solidFill>
+                            <a:schemeClr val="tx1"/>
+                          </a:solidFill>
+                          <a:effectLst/>
+                          <a:latin typeface="Calibri" pitchFamily="34" charset="0"/>
+                        </a:rPr>
+                        <a:t>Volume of maximum sample</a:t>
+                      </a:r>
+                    </a:p>
+                  </a:txBody>
+                  <a:tcPr horzOverflow="overflow">
+                    <a:lnL w="12700" cap="flat" cmpd="sng" algn="ctr">
+                      <a:solidFill>
+                        <a:schemeClr val="tx1"/>
+                      </a:solidFill>
+                      <a:prstDash val="solid"/>
+                      <a:round/>
+                      <a:headEnd type="none" w="med" len="med"/>
+                      <a:tailEnd type="none" w="med" len="med"/>
+                    </a:lnL>
+                    <a:lnR w="12700" cap="flat" cmpd="sng" algn="ctr">
+                      <a:solidFill>
+                        <a:schemeClr val="tx1"/>
+                      </a:solidFill>
+                      <a:prstDash val="solid"/>
+                      <a:round/>
+                      <a:headEnd type="none" w="med" len="med"/>
+                      <a:tailEnd type="none" w="med" len="med"/>
+                    </a:lnR>
+                    <a:lnT w="12700" cap="flat" cmpd="sng" algn="ctr">
+                      <a:solidFill>
+                        <a:schemeClr val="tx1"/>
+                      </a:solidFill>
+                      <a:prstDash val="solid"/>
+                      <a:round/>
+                      <a:headEnd type="none" w="med" len="med"/>
+                      <a:tailEnd type="none" w="med" len="med"/>
+                    </a:lnT>
+                    <a:lnB w="12700" cap="flat" cmpd="sng" algn="ctr">
+                      <a:solidFill>
+                        <a:schemeClr val="tx1"/>
+                      </a:solidFill>
+                      <a:prstDash val="solid"/>
+                      <a:round/>
+                      <a:headEnd type="none" w="med" len="med"/>
+                      <a:tailEnd type="none" w="med" len="med"/>
+                    </a:lnB>
+                    <a:lnTlToBr>
+                      <a:noFill/>
+                    </a:lnTlToBr>
+                    <a:lnBlToTr>
+                      <a:noFill/>
+                    </a:lnBlToTr>
+                    <a:noFill/>
+                  </a:tcPr>
+                </a:tc>
+                <a:tc>
+                  <a:txBody>
+                    <a:bodyPr/>
+                    <a:lstStyle/>
+                    <a:p>
+                      <a:pPr marL="0" marR="0" lvl="0" indent="0" algn="l" defTabSz="914400" rtl="0" eaLnBrk="1" fontAlgn="base" latinLnBrk="0" hangingPunct="1">
+                        <a:lnSpc>
+                          <a:spcPct val="90000"/>
+                        </a:lnSpc>
+                        <a:spcBef>
+                          <a:spcPts val="1000"/>
+                        </a:spcBef>
+                        <a:spcAft>
+                          <a:spcPct val="0"/>
+                        </a:spcAft>
+                        <a:buClrTx/>
+                        <a:buSzTx/>
+                        <a:buFont typeface="Arial" charset="0"/>
+                        <a:buNone/>
+                        <a:tabLst/>
+                      </a:pPr>
+                      <a:r>
+                        <a:rPr kumimoji="0" lang="en-US" sz="2400" b="0" i="0" u="none" strike="noStrike" cap="none" normalizeH="0" baseline="0" smtClean="0">
+                          <a:ln>
+                            <a:noFill/>
+                          </a:ln>
+                          <a:solidFill>
+                            <a:schemeClr val="tx1"/>
+                          </a:solidFill>
+                          <a:effectLst/>
+                          <a:latin typeface="Calibri" pitchFamily="34" charset="0"/>
+                        </a:rPr>
+                        <a:t>Nothing </a:t>
+                      </a:r>
+                    </a:p>
+                  </a:txBody>
+                  <a:tcPr horzOverflow="overflow">
+                    <a:lnL w="12700" cap="flat" cmpd="sng" algn="ctr">
+                      <a:solidFill>
+                        <a:schemeClr val="tx1"/>
+                      </a:solidFill>
+                      <a:prstDash val="solid"/>
+                      <a:round/>
+                      <a:headEnd type="none" w="med" len="med"/>
+                      <a:tailEnd type="none" w="med" len="med"/>
+                    </a:lnL>
+                    <a:lnR w="12700" cap="flat" cmpd="sng" algn="ctr">
+                      <a:solidFill>
+                        <a:schemeClr val="tx1"/>
+                      </a:solidFill>
+                      <a:prstDash val="solid"/>
+                      <a:round/>
+                      <a:headEnd type="none" w="med" len="med"/>
+                      <a:tailEnd type="none" w="med" len="med"/>
+                    </a:lnR>
+                    <a:lnT w="12700" cap="flat" cmpd="sng" algn="ctr">
+                      <a:solidFill>
+                        <a:schemeClr val="tx1"/>
+                      </a:solidFill>
+                      <a:prstDash val="solid"/>
+                      <a:round/>
+                      <a:headEnd type="none" w="med" len="med"/>
+                      <a:tailEnd type="none" w="med" len="med"/>
+                    </a:lnT>
+                    <a:lnB w="12700" cap="flat" cmpd="sng" algn="ctr">
+                      <a:solidFill>
+                        <a:schemeClr val="tx1"/>
+                      </a:solidFill>
+                      <a:prstDash val="solid"/>
+                      <a:round/>
+                      <a:headEnd type="none" w="med" len="med"/>
+                      <a:tailEnd type="none" w="med" len="med"/>
+                    </a:lnB>
+                    <a:lnTlToBr>
+                      <a:noFill/>
+                    </a:lnTlToBr>
+                    <a:lnBlToTr>
+                      <a:noFill/>
+                    </a:lnBlToTr>
+                    <a:noFill/>
+                  </a:tcPr>
+                </a:tc>
+                <a:tc>
+                  <a:txBody>
+                    <a:bodyPr/>
+                    <a:lstStyle/>
+                    <a:p>
+                      <a:pPr marL="0" marR="0" lvl="0" indent="0" algn="l" defTabSz="914400" rtl="0" eaLnBrk="1" fontAlgn="base" latinLnBrk="0" hangingPunct="1">
+                        <a:lnSpc>
+                          <a:spcPct val="90000"/>
+                        </a:lnSpc>
+                        <a:spcBef>
+                          <a:spcPts val="1000"/>
+                        </a:spcBef>
+                        <a:spcAft>
+                          <a:spcPct val="0"/>
+                        </a:spcAft>
+                        <a:buClrTx/>
+                        <a:buSzTx/>
+                        <a:buFont typeface="Arial" charset="0"/>
+                        <a:buNone/>
+                        <a:tabLst/>
+                      </a:pPr>
+                      <a:r>
+                        <a:rPr kumimoji="0" lang="en-US" sz="2400" b="0" i="0" u="none" strike="noStrike" cap="none" normalizeH="0" baseline="0" smtClean="0">
+                          <a:ln>
+                            <a:noFill/>
+                          </a:ln>
+                          <a:solidFill>
+                            <a:schemeClr val="tx1"/>
+                          </a:solidFill>
+                          <a:effectLst/>
+                          <a:latin typeface="Calibri" pitchFamily="34" charset="0"/>
+                        </a:rPr>
+                        <a:t>Nothing </a:t>
+                      </a:r>
+                    </a:p>
+                  </a:txBody>
+                  <a:tcPr horzOverflow="overflow">
+                    <a:lnL w="12700" cap="flat" cmpd="sng" algn="ctr">
+                      <a:solidFill>
+                        <a:schemeClr val="tx1"/>
+                      </a:solidFill>
+                      <a:prstDash val="solid"/>
+                      <a:round/>
+                      <a:headEnd type="none" w="med" len="med"/>
+                      <a:tailEnd type="none" w="med" len="med"/>
+                    </a:lnL>
+                    <a:lnR w="12700" cap="flat" cmpd="sng" algn="ctr">
+                      <a:solidFill>
+                        <a:schemeClr val="tx1"/>
+                      </a:solidFill>
+                      <a:prstDash val="solid"/>
+                      <a:round/>
+                      <a:headEnd type="none" w="med" len="med"/>
+                      <a:tailEnd type="none" w="med" len="med"/>
+                    </a:lnR>
+                    <a:lnT w="12700" cap="flat" cmpd="sng" algn="ctr">
+                      <a:solidFill>
+                        <a:schemeClr val="tx1"/>
+                      </a:solidFill>
+                      <a:prstDash val="solid"/>
+                      <a:round/>
+                      <a:headEnd type="none" w="med" len="med"/>
+                      <a:tailEnd type="none" w="med" len="med"/>
+                    </a:lnT>
+                    <a:lnB w="12700" cap="flat" cmpd="sng" algn="ctr">
+                      <a:solidFill>
+                        <a:schemeClr val="tx1"/>
+                      </a:solidFill>
+                      <a:prstDash val="solid"/>
+                      <a:round/>
+                      <a:headEnd type="none" w="med" len="med"/>
+                      <a:tailEnd type="none" w="med" len="med"/>
+                    </a:lnB>
+                    <a:lnTlToBr>
+                      <a:noFill/>
+                    </a:lnTlToBr>
+                    <a:lnBlToTr>
+                      <a:noFill/>
+                    </a:lnBlToTr>
+                    <a:noFill/>
+                  </a:tcPr>
+                </a:tc>
+                <a:tc>
+                  <a:txBody>
+                    <a:bodyPr/>
+                    <a:lstStyle/>
+                    <a:p>
+                      <a:pPr marL="0" marR="0" lvl="0" indent="0" algn="l" defTabSz="914400" rtl="0" eaLnBrk="1" fontAlgn="base" latinLnBrk="0" hangingPunct="1">
+                        <a:lnSpc>
+                          <a:spcPct val="90000"/>
+                        </a:lnSpc>
+                        <a:spcBef>
+                          <a:spcPts val="1000"/>
+                        </a:spcBef>
+                        <a:spcAft>
+                          <a:spcPct val="0"/>
+                        </a:spcAft>
+                        <a:buClrTx/>
+                        <a:buSzTx/>
+                        <a:buFont typeface="Arial" charset="0"/>
+                        <a:buNone/>
+                        <a:tabLst/>
+                      </a:pPr>
+                      <a:r>
+                        <a:rPr kumimoji="0" lang="en-US" sz="2400" b="0" i="0" u="none" strike="noStrike" cap="none" normalizeH="0" baseline="0" smtClean="0">
+                          <a:ln>
+                            <a:noFill/>
+                          </a:ln>
+                          <a:solidFill>
+                            <a:schemeClr val="tx1"/>
+                          </a:solidFill>
+                          <a:effectLst/>
+                          <a:latin typeface="Calibri" pitchFamily="34" charset="0"/>
+                        </a:rPr>
+                        <a:t>Nothing </a:t>
+                      </a:r>
+                    </a:p>
+                  </a:txBody>
+                  <a:tcPr horzOverflow="overflow">
+                    <a:lnL w="12700" cap="flat" cmpd="sng" algn="ctr">
+                      <a:solidFill>
+                        <a:schemeClr val="tx1"/>
+                      </a:solidFill>
+                      <a:prstDash val="solid"/>
+                      <a:round/>
+                      <a:headEnd type="none" w="med" len="med"/>
+                      <a:tailEnd type="none" w="med" len="med"/>
+                    </a:lnL>
+                    <a:lnR w="28575" cap="flat" cmpd="sng" algn="ctr">
+                      <a:solidFill>
+                        <a:schemeClr val="tx1"/>
+                      </a:solidFill>
+                      <a:prstDash val="solid"/>
+                      <a:round/>
+                      <a:headEnd type="none" w="med" len="med"/>
+                      <a:tailEnd type="none" w="med" len="med"/>
+                    </a:lnR>
+                    <a:lnT w="12700" cap="flat" cmpd="sng" algn="ctr">
+                      <a:solidFill>
+                        <a:schemeClr val="tx1"/>
+                      </a:solidFill>
+                      <a:prstDash val="solid"/>
+                      <a:round/>
+                      <a:headEnd type="none" w="med" len="med"/>
+                      <a:tailEnd type="none" w="med" len="med"/>
+                    </a:lnT>
+                    <a:lnB w="12700" cap="flat" cmpd="sng" algn="ctr">
+                      <a:solidFill>
+                        <a:schemeClr val="tx1"/>
+                      </a:solidFill>
+                      <a:prstDash val="solid"/>
+                      <a:round/>
+                      <a:headEnd type="none" w="med" len="med"/>
+                      <a:tailEnd type="none" w="med" len="med"/>
+                    </a:lnB>
+                    <a:lnTlToBr>
+                      <a:noFill/>
+                    </a:lnTlToBr>
+                    <a:lnBlToTr>
+                      <a:noFill/>
+                    </a:lnBlToTr>
+                    <a:noFill/>
+                  </a:tcPr>
+                </a:tc>
+              </a:tr>
+              <a:tr h="1006475">
+                <a:tc>
+                  <a:txBody>
+                    <a:bodyPr/>
+                    <a:lstStyle/>
+                    <a:p>
+                      <a:pPr marL="0" marR="0" lvl="0" indent="0" algn="l" defTabSz="914400" rtl="0" eaLnBrk="1" fontAlgn="base" latinLnBrk="0" hangingPunct="1">
+                        <a:lnSpc>
+                          <a:spcPct val="90000"/>
+                        </a:lnSpc>
+                        <a:spcBef>
+                          <a:spcPts val="1000"/>
+                        </a:spcBef>
+                        <a:spcAft>
+                          <a:spcPct val="0"/>
+                        </a:spcAft>
+                        <a:buClrTx/>
+                        <a:buSzTx/>
+                        <a:buFont typeface="Arial" charset="0"/>
+                        <a:buNone/>
+                        <a:tabLst/>
+                      </a:pPr>
+                      <a:r>
+                        <a:rPr kumimoji="0" lang="en-US" sz="2400" b="0" i="0" u="none" strike="noStrike" cap="none" normalizeH="0" baseline="0" smtClean="0">
+                          <a:ln>
+                            <a:noFill/>
+                          </a:ln>
+                          <a:solidFill>
+                            <a:schemeClr val="tx1"/>
+                          </a:solidFill>
+                          <a:effectLst/>
+                          <a:latin typeface="Calibri" pitchFamily="34" charset="0"/>
+                        </a:rPr>
+                        <a:t>analyseData</a:t>
+                      </a:r>
+                    </a:p>
+                  </a:txBody>
+                  <a:tcPr horzOverflow="overflow">
+                    <a:lnL w="28575" cap="flat" cmpd="sng" algn="ctr">
+                      <a:solidFill>
+                        <a:schemeClr val="tx1"/>
+                      </a:solidFill>
+                      <a:prstDash val="solid"/>
+                      <a:round/>
+                      <a:headEnd type="none" w="med" len="med"/>
+                      <a:tailEnd type="none" w="med" len="med"/>
+                    </a:lnL>
+                    <a:lnR w="12700" cap="flat" cmpd="sng" algn="ctr">
+                      <a:solidFill>
+                        <a:schemeClr val="tx1"/>
+                      </a:solidFill>
+                      <a:prstDash val="solid"/>
+                      <a:round/>
+                      <a:headEnd type="none" w="med" len="med"/>
+                      <a:tailEnd type="none" w="med" len="med"/>
+                    </a:lnR>
+                    <a:lnT w="12700" cap="flat" cmpd="sng" algn="ctr">
+                      <a:solidFill>
+                        <a:schemeClr val="tx1"/>
+                      </a:solidFill>
+                      <a:prstDash val="solid"/>
+                      <a:round/>
+                      <a:headEnd type="none" w="med" len="med"/>
+                      <a:tailEnd type="none" w="med" len="med"/>
+                    </a:lnT>
+                    <a:lnB w="12700" cap="flat" cmpd="sng" algn="ctr">
+                      <a:solidFill>
+                        <a:schemeClr val="tx1"/>
+                      </a:solidFill>
+                      <a:prstDash val="solid"/>
+                      <a:round/>
+                      <a:headEnd type="none" w="med" len="med"/>
+                      <a:tailEnd type="none" w="med" len="med"/>
+                    </a:lnB>
+                    <a:lnTlToBr>
+                      <a:noFill/>
+                    </a:lnTlToBr>
+                    <a:lnBlToTr>
+                      <a:noFill/>
+                    </a:lnBlToTr>
+                    <a:noFill/>
+                  </a:tcPr>
+                </a:tc>
+                <a:tc>
+                  <a:txBody>
+                    <a:bodyPr/>
+                    <a:lstStyle/>
+                    <a:p>
+                      <a:pPr marL="0" marR="0" lvl="0" indent="0" algn="l" defTabSz="914400" rtl="0" eaLnBrk="1" fontAlgn="base" latinLnBrk="0" hangingPunct="1">
+                        <a:lnSpc>
+                          <a:spcPct val="90000"/>
+                        </a:lnSpc>
+                        <a:spcBef>
+                          <a:spcPts val="1000"/>
+                        </a:spcBef>
+                        <a:spcAft>
+                          <a:spcPct val="0"/>
+                        </a:spcAft>
+                        <a:buClrTx/>
+                        <a:buSzTx/>
+                        <a:buFont typeface="Arial" charset="0"/>
+                        <a:buNone/>
+                        <a:tabLst/>
+                      </a:pPr>
+                      <a:r>
+                        <a:rPr kumimoji="0" lang="en-US" sz="2400" b="0" i="0" u="none" strike="noStrike" cap="none" normalizeH="0" baseline="0" smtClean="0">
+                          <a:ln>
+                            <a:noFill/>
+                          </a:ln>
+                          <a:solidFill>
+                            <a:schemeClr val="tx1"/>
+                          </a:solidFill>
+                          <a:effectLst/>
+                          <a:latin typeface="Calibri" pitchFamily="34" charset="0"/>
+                        </a:rPr>
+                        <a:t>Volume of maximum sample</a:t>
+                      </a:r>
+                    </a:p>
+                  </a:txBody>
+                  <a:tcPr horzOverflow="overflow">
+                    <a:lnL w="12700" cap="flat" cmpd="sng" algn="ctr">
+                      <a:solidFill>
+                        <a:schemeClr val="tx1"/>
+                      </a:solidFill>
+                      <a:prstDash val="solid"/>
+                      <a:round/>
+                      <a:headEnd type="none" w="med" len="med"/>
+                      <a:tailEnd type="none" w="med" len="med"/>
+                    </a:lnL>
+                    <a:lnR w="12700" cap="flat" cmpd="sng" algn="ctr">
+                      <a:solidFill>
+                        <a:schemeClr val="tx1"/>
+                      </a:solidFill>
+                      <a:prstDash val="solid"/>
+                      <a:round/>
+                      <a:headEnd type="none" w="med" len="med"/>
+                      <a:tailEnd type="none" w="med" len="med"/>
+                    </a:lnR>
+                    <a:lnT w="12700" cap="flat" cmpd="sng" algn="ctr">
+                      <a:solidFill>
+                        <a:schemeClr val="tx1"/>
+                      </a:solidFill>
+                      <a:prstDash val="solid"/>
+                      <a:round/>
+                      <a:headEnd type="none" w="med" len="med"/>
+                      <a:tailEnd type="none" w="med" len="med"/>
+                    </a:lnT>
+                    <a:lnB w="12700" cap="flat" cmpd="sng" algn="ctr">
+                      <a:solidFill>
+                        <a:schemeClr val="tx1"/>
+                      </a:solidFill>
+                      <a:prstDash val="solid"/>
+                      <a:round/>
+                      <a:headEnd type="none" w="med" len="med"/>
+                      <a:tailEnd type="none" w="med" len="med"/>
+                    </a:lnB>
+                    <a:lnTlToBr>
+                      <a:noFill/>
+                    </a:lnTlToBr>
+                    <a:lnBlToTr>
+                      <a:noFill/>
+                    </a:lnBlToTr>
+                    <a:noFill/>
+                  </a:tcPr>
+                </a:tc>
+                <a:tc>
+                  <a:txBody>
+                    <a:bodyPr/>
+                    <a:lstStyle/>
+                    <a:p>
+                      <a:pPr marL="0" marR="0" lvl="0" indent="0" algn="l" defTabSz="914400" rtl="0" eaLnBrk="1" fontAlgn="base" latinLnBrk="0" hangingPunct="1">
+                        <a:lnSpc>
+                          <a:spcPct val="90000"/>
+                        </a:lnSpc>
+                        <a:spcBef>
+                          <a:spcPts val="1000"/>
+                        </a:spcBef>
+                        <a:spcAft>
+                          <a:spcPct val="0"/>
+                        </a:spcAft>
+                        <a:buClrTx/>
+                        <a:buSzTx/>
+                        <a:buFont typeface="Arial" charset="0"/>
+                        <a:buNone/>
+                        <a:tabLst/>
+                      </a:pPr>
+                      <a:r>
+                        <a:rPr kumimoji="0" lang="en-US" sz="2400" b="0" i="0" u="none" strike="noStrike" cap="none" normalizeH="0" baseline="0" smtClean="0">
+                          <a:ln>
+                            <a:noFill/>
+                          </a:ln>
+                          <a:solidFill>
+                            <a:schemeClr val="tx1"/>
+                          </a:solidFill>
+                          <a:effectLst/>
+                          <a:latin typeface="Calibri" pitchFamily="34" charset="0"/>
+                        </a:rPr>
+                        <a:t>Nothing</a:t>
+                      </a:r>
+                    </a:p>
+                  </a:txBody>
+                  <a:tcPr horzOverflow="overflow">
+                    <a:lnL w="12700" cap="flat" cmpd="sng" algn="ctr">
+                      <a:solidFill>
+                        <a:schemeClr val="tx1"/>
+                      </a:solidFill>
+                      <a:prstDash val="solid"/>
+                      <a:round/>
+                      <a:headEnd type="none" w="med" len="med"/>
+                      <a:tailEnd type="none" w="med" len="med"/>
+                    </a:lnL>
+                    <a:lnR w="12700" cap="flat" cmpd="sng" algn="ctr">
+                      <a:solidFill>
+                        <a:schemeClr val="tx1"/>
+                      </a:solidFill>
+                      <a:prstDash val="solid"/>
+                      <a:round/>
+                      <a:headEnd type="none" w="med" len="med"/>
+                      <a:tailEnd type="none" w="med" len="med"/>
+                    </a:lnR>
+                    <a:lnT w="12700" cap="flat" cmpd="sng" algn="ctr">
+                      <a:solidFill>
+                        <a:schemeClr val="tx1"/>
+                      </a:solidFill>
+                      <a:prstDash val="solid"/>
+                      <a:round/>
+                      <a:headEnd type="none" w="med" len="med"/>
+                      <a:tailEnd type="none" w="med" len="med"/>
+                    </a:lnT>
+                    <a:lnB w="12700" cap="flat" cmpd="sng" algn="ctr">
+                      <a:solidFill>
+                        <a:schemeClr val="tx1"/>
+                      </a:solidFill>
+                      <a:prstDash val="solid"/>
+                      <a:round/>
+                      <a:headEnd type="none" w="med" len="med"/>
+                      <a:tailEnd type="none" w="med" len="med"/>
+                    </a:lnB>
+                    <a:lnTlToBr>
+                      <a:noFill/>
+                    </a:lnTlToBr>
+                    <a:lnBlToTr>
+                      <a:noFill/>
+                    </a:lnBlToTr>
+                    <a:noFill/>
+                  </a:tcPr>
+                </a:tc>
+                <a:tc>
+                  <a:txBody>
+                    <a:bodyPr/>
+                    <a:lstStyle/>
+                    <a:p>
+                      <a:pPr marL="0" marR="0" lvl="0" indent="0" algn="l" defTabSz="914400" rtl="0" eaLnBrk="1" fontAlgn="base" latinLnBrk="0" hangingPunct="1">
+                        <a:lnSpc>
+                          <a:spcPct val="90000"/>
+                        </a:lnSpc>
+                        <a:spcBef>
+                          <a:spcPts val="1000"/>
+                        </a:spcBef>
+                        <a:spcAft>
+                          <a:spcPct val="0"/>
+                        </a:spcAft>
+                        <a:buClrTx/>
+                        <a:buSzTx/>
+                        <a:buFont typeface="Arial" charset="0"/>
+                        <a:buNone/>
+                        <a:tabLst/>
+                      </a:pPr>
+                      <a:r>
+                        <a:rPr kumimoji="0" lang="en-US" sz="2400" b="0" i="0" u="none" strike="noStrike" cap="none" normalizeH="0" baseline="0" smtClean="0">
+                          <a:ln>
+                            <a:noFill/>
+                          </a:ln>
+                          <a:solidFill>
+                            <a:schemeClr val="tx1"/>
+                          </a:solidFill>
+                          <a:effectLst/>
+                          <a:latin typeface="Calibri" pitchFamily="34" charset="0"/>
+                        </a:rPr>
+                        <a:t>V=min(10000)</a:t>
+                      </a:r>
+                    </a:p>
+                  </a:txBody>
+                  <a:tcPr horzOverflow="overflow">
+                    <a:lnL w="12700" cap="flat" cmpd="sng" algn="ctr">
+                      <a:solidFill>
+                        <a:schemeClr val="tx1"/>
+                      </a:solidFill>
+                      <a:prstDash val="solid"/>
+                      <a:round/>
+                      <a:headEnd type="none" w="med" len="med"/>
+                      <a:tailEnd type="none" w="med" len="med"/>
+                    </a:lnL>
+                    <a:lnR w="12700" cap="flat" cmpd="sng" algn="ctr">
+                      <a:solidFill>
+                        <a:schemeClr val="tx1"/>
+                      </a:solidFill>
+                      <a:prstDash val="solid"/>
+                      <a:round/>
+                      <a:headEnd type="none" w="med" len="med"/>
+                      <a:tailEnd type="none" w="med" len="med"/>
+                    </a:lnR>
+                    <a:lnT w="12700" cap="flat" cmpd="sng" algn="ctr">
+                      <a:solidFill>
+                        <a:schemeClr val="tx1"/>
+                      </a:solidFill>
+                      <a:prstDash val="solid"/>
+                      <a:round/>
+                      <a:headEnd type="none" w="med" len="med"/>
+                      <a:tailEnd type="none" w="med" len="med"/>
+                    </a:lnT>
+                    <a:lnB w="12700" cap="flat" cmpd="sng" algn="ctr">
+                      <a:solidFill>
+                        <a:schemeClr val="tx1"/>
+                      </a:solidFill>
+                      <a:prstDash val="solid"/>
+                      <a:round/>
+                      <a:headEnd type="none" w="med" len="med"/>
+                      <a:tailEnd type="none" w="med" len="med"/>
+                    </a:lnB>
+                    <a:lnTlToBr>
+                      <a:noFill/>
+                    </a:lnTlToBr>
+                    <a:lnBlToTr>
+                      <a:noFill/>
+                    </a:lnBlToTr>
+                    <a:noFill/>
+                  </a:tcPr>
+                </a:tc>
+                <a:tc>
+                  <a:txBody>
+                    <a:bodyPr/>
+                    <a:lstStyle/>
+                    <a:p>
+                      <a:pPr marL="0" marR="0" lvl="0" indent="0" algn="l" defTabSz="914400" rtl="0" eaLnBrk="1" fontAlgn="base" latinLnBrk="0" hangingPunct="1">
+                        <a:lnSpc>
+                          <a:spcPct val="90000"/>
+                        </a:lnSpc>
+                        <a:spcBef>
+                          <a:spcPts val="1000"/>
+                        </a:spcBef>
+                        <a:spcAft>
+                          <a:spcPct val="0"/>
+                        </a:spcAft>
+                        <a:buClrTx/>
+                        <a:buSzTx/>
+                        <a:buFont typeface="Arial" charset="0"/>
+                        <a:buNone/>
+                        <a:tabLst/>
+                      </a:pPr>
+                      <a:r>
+                        <a:rPr kumimoji="0" lang="en-US" sz="2400" b="0" i="0" u="none" strike="noStrike" cap="none" normalizeH="0" baseline="0" smtClean="0">
+                          <a:ln>
+                            <a:noFill/>
+                          </a:ln>
+                          <a:solidFill>
+                            <a:schemeClr val="tx1"/>
+                          </a:solidFill>
+                          <a:effectLst/>
+                          <a:latin typeface="Calibri" pitchFamily="34" charset="0"/>
+                        </a:rPr>
+                        <a:t>Send “1” to server</a:t>
+                      </a:r>
+                    </a:p>
+                  </a:txBody>
+                  <a:tcPr horzOverflow="overflow">
+                    <a:lnL w="12700" cap="flat" cmpd="sng" algn="ctr">
+                      <a:solidFill>
+                        <a:schemeClr val="tx1"/>
+                      </a:solidFill>
+                      <a:prstDash val="solid"/>
+                      <a:round/>
+                      <a:headEnd type="none" w="med" len="med"/>
+                      <a:tailEnd type="none" w="med" len="med"/>
+                    </a:lnL>
+                    <a:lnR w="12700" cap="flat" cmpd="sng" algn="ctr">
+                      <a:solidFill>
+                        <a:schemeClr val="tx1"/>
+                      </a:solidFill>
+                      <a:prstDash val="solid"/>
+                      <a:round/>
+                      <a:headEnd type="none" w="med" len="med"/>
+                      <a:tailEnd type="none" w="med" len="med"/>
+                    </a:lnR>
+                    <a:lnT w="12700" cap="flat" cmpd="sng" algn="ctr">
+                      <a:solidFill>
+                        <a:schemeClr val="tx1"/>
+                      </a:solidFill>
+                      <a:prstDash val="solid"/>
+                      <a:round/>
+                      <a:headEnd type="none" w="med" len="med"/>
+                      <a:tailEnd type="none" w="med" len="med"/>
+                    </a:lnT>
+                    <a:lnB w="12700" cap="flat" cmpd="sng" algn="ctr">
+                      <a:solidFill>
+                        <a:schemeClr val="tx1"/>
+                      </a:solidFill>
+                      <a:prstDash val="solid"/>
+                      <a:round/>
+                      <a:headEnd type="none" w="med" len="med"/>
+                      <a:tailEnd type="none" w="med" len="med"/>
+                    </a:lnB>
+                    <a:lnTlToBr>
+                      <a:noFill/>
+                    </a:lnTlToBr>
+                    <a:lnBlToTr>
+                      <a:noFill/>
+                    </a:lnBlToTr>
+                    <a:noFill/>
+                  </a:tcPr>
+                </a:tc>
+                <a:tc>
+                  <a:txBody>
+                    <a:bodyPr/>
+                    <a:lstStyle/>
+                    <a:p>
+                      <a:pPr marL="0" marR="0" lvl="0" indent="0" algn="l" defTabSz="914400" rtl="0" eaLnBrk="1" fontAlgn="base" latinLnBrk="0" hangingPunct="1">
+                        <a:lnSpc>
+                          <a:spcPct val="90000"/>
+                        </a:lnSpc>
+                        <a:spcBef>
+                          <a:spcPts val="1000"/>
+                        </a:spcBef>
+                        <a:spcAft>
+                          <a:spcPct val="0"/>
+                        </a:spcAft>
+                        <a:buClrTx/>
+                        <a:buSzTx/>
+                        <a:buFont typeface="Arial" charset="0"/>
+                        <a:buNone/>
+                        <a:tabLst/>
+                      </a:pPr>
+                      <a:r>
+                        <a:rPr kumimoji="0" lang="en-US" sz="2400" b="0" i="0" u="none" strike="noStrike" cap="none" normalizeH="0" baseline="0" smtClean="0">
+                          <a:ln>
+                            <a:noFill/>
+                          </a:ln>
+                          <a:solidFill>
+                            <a:schemeClr val="tx1"/>
+                          </a:solidFill>
+                          <a:effectLst/>
+                          <a:latin typeface="Calibri" pitchFamily="34" charset="0"/>
+                        </a:rPr>
+                        <a:t>Send “1” to server</a:t>
+                      </a:r>
+                    </a:p>
+                  </a:txBody>
+                  <a:tcPr horzOverflow="overflow">
+                    <a:lnL w="12700" cap="flat" cmpd="sng" algn="ctr">
+                      <a:solidFill>
+                        <a:schemeClr val="tx1"/>
+                      </a:solidFill>
+                      <a:prstDash val="solid"/>
+                      <a:round/>
+                      <a:headEnd type="none" w="med" len="med"/>
+                      <a:tailEnd type="none" w="med" len="med"/>
+                    </a:lnL>
+                    <a:lnR w="28575" cap="flat" cmpd="sng" algn="ctr">
+                      <a:solidFill>
+                        <a:schemeClr val="tx1"/>
+                      </a:solidFill>
+                      <a:prstDash val="solid"/>
+                      <a:round/>
+                      <a:headEnd type="none" w="med" len="med"/>
+                      <a:tailEnd type="none" w="med" len="med"/>
+                    </a:lnR>
+                    <a:lnT w="12700" cap="flat" cmpd="sng" algn="ctr">
+                      <a:solidFill>
+                        <a:schemeClr val="tx1"/>
+                      </a:solidFill>
+                      <a:prstDash val="solid"/>
+                      <a:round/>
+                      <a:headEnd type="none" w="med" len="med"/>
+                      <a:tailEnd type="none" w="med" len="med"/>
+                    </a:lnT>
+                    <a:lnB w="12700" cap="flat" cmpd="sng" algn="ctr">
+                      <a:solidFill>
+                        <a:schemeClr val="tx1"/>
+                      </a:solidFill>
+                      <a:prstDash val="solid"/>
+                      <a:round/>
+                      <a:headEnd type="none" w="med" len="med"/>
+                      <a:tailEnd type="none" w="med" len="med"/>
+                    </a:lnB>
+                    <a:lnTlToBr>
+                      <a:noFill/>
+                    </a:lnTlToBr>
+                    <a:lnBlToTr>
+                      <a:noFill/>
+                    </a:lnBlToTr>
+                    <a:noFill/>
+                  </a:tcPr>
+                </a:tc>
+              </a:tr>
+              <a:tr h="1008063">
+                <a:tc>
+                  <a:txBody>
+                    <a:bodyPr/>
+                    <a:lstStyle/>
+                    <a:p>
+                      <a:pPr marL="0" marR="0" lvl="0" indent="0" algn="l" defTabSz="914400" rtl="0" eaLnBrk="1" fontAlgn="base" latinLnBrk="0" hangingPunct="1">
+                        <a:lnSpc>
+                          <a:spcPct val="90000"/>
+                        </a:lnSpc>
+                        <a:spcBef>
+                          <a:spcPts val="1000"/>
+                        </a:spcBef>
+                        <a:spcAft>
+                          <a:spcPct val="0"/>
+                        </a:spcAft>
+                        <a:buClrTx/>
+                        <a:buSzTx/>
+                        <a:buFont typeface="Arial" charset="0"/>
+                        <a:buNone/>
+                        <a:tabLst/>
+                      </a:pPr>
+                      <a:r>
+                        <a:rPr kumimoji="0" lang="en-US" sz="2400" b="0" i="0" u="none" strike="noStrike" cap="none" normalizeH="0" baseline="0" smtClean="0">
+                          <a:ln>
+                            <a:noFill/>
+                          </a:ln>
+                          <a:solidFill>
+                            <a:schemeClr val="tx1"/>
+                          </a:solidFill>
+                          <a:effectLst/>
+                          <a:latin typeface="Calibri" pitchFamily="34" charset="0"/>
+                        </a:rPr>
+                        <a:t>analyseData</a:t>
+                      </a:r>
+                    </a:p>
+                  </a:txBody>
+                  <a:tcPr horzOverflow="overflow">
+                    <a:lnL w="28575" cap="flat" cmpd="sng" algn="ctr">
+                      <a:solidFill>
+                        <a:schemeClr val="tx1"/>
+                      </a:solidFill>
+                      <a:prstDash val="solid"/>
+                      <a:round/>
+                      <a:headEnd type="none" w="med" len="med"/>
+                      <a:tailEnd type="none" w="med" len="med"/>
+                    </a:lnL>
+                    <a:lnR w="12700" cap="flat" cmpd="sng" algn="ctr">
+                      <a:solidFill>
+                        <a:schemeClr val="tx1"/>
+                      </a:solidFill>
+                      <a:prstDash val="solid"/>
+                      <a:round/>
+                      <a:headEnd type="none" w="med" len="med"/>
+                      <a:tailEnd type="none" w="med" len="med"/>
+                    </a:lnR>
+                    <a:lnT w="12700" cap="flat" cmpd="sng" algn="ctr">
+                      <a:solidFill>
+                        <a:schemeClr val="tx1"/>
+                      </a:solidFill>
+                      <a:prstDash val="solid"/>
+                      <a:round/>
+                      <a:headEnd type="none" w="med" len="med"/>
+                      <a:tailEnd type="none" w="med" len="med"/>
+                    </a:lnT>
+                    <a:lnB w="28575" cap="flat" cmpd="sng" algn="ctr">
+                      <a:solidFill>
+                        <a:schemeClr val="tx1"/>
+                      </a:solidFill>
+                      <a:prstDash val="solid"/>
+                      <a:round/>
+                      <a:headEnd type="none" w="med" len="med"/>
+                      <a:tailEnd type="none" w="med" len="med"/>
+                    </a:lnB>
+                    <a:lnTlToBr>
+                      <a:noFill/>
+                    </a:lnTlToBr>
+                    <a:lnBlToTr>
+                      <a:noFill/>
+                    </a:lnBlToTr>
+                    <a:noFill/>
+                  </a:tcPr>
+                </a:tc>
+                <a:tc>
+                  <a:txBody>
+                    <a:bodyPr/>
+                    <a:lstStyle/>
+                    <a:p>
+                      <a:pPr marL="0" marR="0" lvl="0" indent="0" algn="l" defTabSz="914400" rtl="0" eaLnBrk="1" fontAlgn="base" latinLnBrk="0" hangingPunct="1">
+                        <a:lnSpc>
+                          <a:spcPct val="90000"/>
+                        </a:lnSpc>
+                        <a:spcBef>
+                          <a:spcPts val="1000"/>
+                        </a:spcBef>
+                        <a:spcAft>
+                          <a:spcPct val="0"/>
+                        </a:spcAft>
+                        <a:buClrTx/>
+                        <a:buSzTx/>
+                        <a:buFont typeface="Arial" charset="0"/>
+                        <a:buNone/>
+                        <a:tabLst/>
+                      </a:pPr>
+                      <a:r>
+                        <a:rPr kumimoji="0" lang="en-US" sz="2400" b="0" i="0" u="none" strike="noStrike" cap="none" normalizeH="0" baseline="0" smtClean="0">
+                          <a:ln>
+                            <a:noFill/>
+                          </a:ln>
+                          <a:solidFill>
+                            <a:schemeClr val="tx1"/>
+                          </a:solidFill>
+                          <a:effectLst/>
+                          <a:latin typeface="Calibri" pitchFamily="34" charset="0"/>
+                        </a:rPr>
+                        <a:t>Volume of maximum sample</a:t>
+                      </a:r>
+                    </a:p>
+                  </a:txBody>
+                  <a:tcPr horzOverflow="overflow">
+                    <a:lnL w="12700" cap="flat" cmpd="sng" algn="ctr">
+                      <a:solidFill>
+                        <a:schemeClr val="tx1"/>
+                      </a:solidFill>
+                      <a:prstDash val="solid"/>
+                      <a:round/>
+                      <a:headEnd type="none" w="med" len="med"/>
+                      <a:tailEnd type="none" w="med" len="med"/>
+                    </a:lnL>
+                    <a:lnR w="12700" cap="flat" cmpd="sng" algn="ctr">
+                      <a:solidFill>
+                        <a:schemeClr val="tx1"/>
+                      </a:solidFill>
+                      <a:prstDash val="solid"/>
+                      <a:round/>
+                      <a:headEnd type="none" w="med" len="med"/>
+                      <a:tailEnd type="none" w="med" len="med"/>
+                    </a:lnR>
+                    <a:lnT w="12700" cap="flat" cmpd="sng" algn="ctr">
+                      <a:solidFill>
+                        <a:schemeClr val="tx1"/>
+                      </a:solidFill>
+                      <a:prstDash val="solid"/>
+                      <a:round/>
+                      <a:headEnd type="none" w="med" len="med"/>
+                      <a:tailEnd type="none" w="med" len="med"/>
+                    </a:lnT>
+                    <a:lnB w="28575" cap="flat" cmpd="sng" algn="ctr">
+                      <a:solidFill>
+                        <a:schemeClr val="tx1"/>
+                      </a:solidFill>
+                      <a:prstDash val="solid"/>
+                      <a:round/>
+                      <a:headEnd type="none" w="med" len="med"/>
+                      <a:tailEnd type="none" w="med" len="med"/>
+                    </a:lnB>
+                    <a:lnTlToBr>
+                      <a:noFill/>
+                    </a:lnTlToBr>
+                    <a:lnBlToTr>
+                      <a:noFill/>
+                    </a:lnBlToTr>
+                    <a:noFill/>
+                  </a:tcPr>
+                </a:tc>
+                <a:tc>
+                  <a:txBody>
+                    <a:bodyPr/>
+                    <a:lstStyle/>
+                    <a:p>
+                      <a:pPr marL="0" marR="0" lvl="0" indent="0" algn="l" defTabSz="914400" rtl="0" eaLnBrk="1" fontAlgn="base" latinLnBrk="0" hangingPunct="1">
+                        <a:lnSpc>
+                          <a:spcPct val="90000"/>
+                        </a:lnSpc>
+                        <a:spcBef>
+                          <a:spcPts val="1000"/>
+                        </a:spcBef>
+                        <a:spcAft>
+                          <a:spcPct val="0"/>
+                        </a:spcAft>
+                        <a:buClrTx/>
+                        <a:buSzTx/>
+                        <a:buFont typeface="Arial" charset="0"/>
+                        <a:buNone/>
+                        <a:tabLst/>
+                      </a:pPr>
+                      <a:r>
+                        <a:rPr kumimoji="0" lang="en-US" sz="2400" b="0" i="0" u="none" strike="noStrike" cap="none" normalizeH="0" baseline="0" smtClean="0">
+                          <a:ln>
+                            <a:noFill/>
+                          </a:ln>
+                          <a:solidFill>
+                            <a:schemeClr val="tx1"/>
+                          </a:solidFill>
+                          <a:effectLst/>
+                          <a:latin typeface="Calibri" pitchFamily="34" charset="0"/>
+                        </a:rPr>
+                        <a:t>Nothing </a:t>
+                      </a:r>
+                    </a:p>
+                  </a:txBody>
+                  <a:tcPr horzOverflow="overflow">
+                    <a:lnL w="12700" cap="flat" cmpd="sng" algn="ctr">
+                      <a:solidFill>
+                        <a:schemeClr val="tx1"/>
+                      </a:solidFill>
+                      <a:prstDash val="solid"/>
+                      <a:round/>
+                      <a:headEnd type="none" w="med" len="med"/>
+                      <a:tailEnd type="none" w="med" len="med"/>
+                    </a:lnL>
+                    <a:lnR w="12700" cap="flat" cmpd="sng" algn="ctr">
+                      <a:solidFill>
+                        <a:schemeClr val="tx1"/>
+                      </a:solidFill>
+                      <a:prstDash val="solid"/>
+                      <a:round/>
+                      <a:headEnd type="none" w="med" len="med"/>
+                      <a:tailEnd type="none" w="med" len="med"/>
+                    </a:lnR>
+                    <a:lnT w="12700" cap="flat" cmpd="sng" algn="ctr">
+                      <a:solidFill>
+                        <a:schemeClr val="tx1"/>
+                      </a:solidFill>
+                      <a:prstDash val="solid"/>
+                      <a:round/>
+                      <a:headEnd type="none" w="med" len="med"/>
+                      <a:tailEnd type="none" w="med" len="med"/>
+                    </a:lnT>
+                    <a:lnB w="28575" cap="flat" cmpd="sng" algn="ctr">
+                      <a:solidFill>
+                        <a:schemeClr val="tx1"/>
+                      </a:solidFill>
+                      <a:prstDash val="solid"/>
+                      <a:round/>
+                      <a:headEnd type="none" w="med" len="med"/>
+                      <a:tailEnd type="none" w="med" len="med"/>
+                    </a:lnB>
+                    <a:lnTlToBr>
+                      <a:noFill/>
+                    </a:lnTlToBr>
+                    <a:lnBlToTr>
+                      <a:noFill/>
+                    </a:lnBlToTr>
+                    <a:noFill/>
+                  </a:tcPr>
+                </a:tc>
+                <a:tc>
+                  <a:txBody>
+                    <a:bodyPr/>
+                    <a:lstStyle/>
+                    <a:p>
+                      <a:pPr marL="0" marR="0" lvl="0" indent="0" algn="l" defTabSz="914400" rtl="0" eaLnBrk="1" fontAlgn="base" latinLnBrk="0" hangingPunct="1">
+                        <a:lnSpc>
+                          <a:spcPct val="90000"/>
+                        </a:lnSpc>
+                        <a:spcBef>
+                          <a:spcPts val="1000"/>
+                        </a:spcBef>
+                        <a:spcAft>
+                          <a:spcPct val="0"/>
+                        </a:spcAft>
+                        <a:buClrTx/>
+                        <a:buSzTx/>
+                        <a:buFont typeface="Arial" charset="0"/>
+                        <a:buNone/>
+                        <a:tabLst/>
+                      </a:pPr>
+                      <a:r>
+                        <a:rPr kumimoji="0" lang="en-US" sz="2400" b="0" i="0" u="none" strike="noStrike" cap="none" normalizeH="0" baseline="0" smtClean="0">
+                          <a:ln>
+                            <a:noFill/>
+                          </a:ln>
+                          <a:solidFill>
+                            <a:schemeClr val="tx1"/>
+                          </a:solidFill>
+                          <a:effectLst/>
+                          <a:latin typeface="Calibri" pitchFamily="34" charset="0"/>
+                        </a:rPr>
+                        <a:t>V=max(9999)</a:t>
+                      </a:r>
+                    </a:p>
+                  </a:txBody>
+                  <a:tcPr horzOverflow="overflow">
+                    <a:lnL w="12700" cap="flat" cmpd="sng" algn="ctr">
+                      <a:solidFill>
+                        <a:schemeClr val="tx1"/>
+                      </a:solidFill>
+                      <a:prstDash val="solid"/>
+                      <a:round/>
+                      <a:headEnd type="none" w="med" len="med"/>
+                      <a:tailEnd type="none" w="med" len="med"/>
+                    </a:lnL>
+                    <a:lnR w="12700" cap="flat" cmpd="sng" algn="ctr">
+                      <a:solidFill>
+                        <a:schemeClr val="tx1"/>
+                      </a:solidFill>
+                      <a:prstDash val="solid"/>
+                      <a:round/>
+                      <a:headEnd type="none" w="med" len="med"/>
+                      <a:tailEnd type="none" w="med" len="med"/>
+                    </a:lnR>
+                    <a:lnT w="12700" cap="flat" cmpd="sng" algn="ctr">
+                      <a:solidFill>
+                        <a:schemeClr val="tx1"/>
+                      </a:solidFill>
+                      <a:prstDash val="solid"/>
+                      <a:round/>
+                      <a:headEnd type="none" w="med" len="med"/>
+                      <a:tailEnd type="none" w="med" len="med"/>
+                    </a:lnT>
+                    <a:lnB w="28575" cap="flat" cmpd="sng" algn="ctr">
+                      <a:solidFill>
+                        <a:schemeClr val="tx1"/>
+                      </a:solidFill>
+                      <a:prstDash val="solid"/>
+                      <a:round/>
+                      <a:headEnd type="none" w="med" len="med"/>
+                      <a:tailEnd type="none" w="med" len="med"/>
+                    </a:lnB>
+                    <a:lnTlToBr>
+                      <a:noFill/>
+                    </a:lnTlToBr>
+                    <a:lnBlToTr>
+                      <a:noFill/>
+                    </a:lnBlToTr>
+                    <a:noFill/>
+                  </a:tcPr>
+                </a:tc>
+                <a:tc>
+                  <a:txBody>
+                    <a:bodyPr/>
+                    <a:lstStyle/>
+                    <a:p>
+                      <a:pPr marL="0" marR="0" lvl="0" indent="0" algn="l" defTabSz="914400" rtl="0" eaLnBrk="1" fontAlgn="base" latinLnBrk="0" hangingPunct="1">
+                        <a:lnSpc>
+                          <a:spcPct val="90000"/>
+                        </a:lnSpc>
+                        <a:spcBef>
+                          <a:spcPts val="1000"/>
+                        </a:spcBef>
+                        <a:spcAft>
+                          <a:spcPct val="0"/>
+                        </a:spcAft>
+                        <a:buClrTx/>
+                        <a:buSzTx/>
+                        <a:buFont typeface="Arial" charset="0"/>
+                        <a:buNone/>
+                        <a:tabLst/>
+                      </a:pPr>
+                      <a:r>
+                        <a:rPr kumimoji="0" lang="en-US" sz="2400" b="0" i="0" u="none" strike="noStrike" cap="none" normalizeH="0" baseline="0" smtClean="0">
+                          <a:ln>
+                            <a:noFill/>
+                          </a:ln>
+                          <a:solidFill>
+                            <a:schemeClr val="tx1"/>
+                          </a:solidFill>
+                          <a:effectLst/>
+                          <a:latin typeface="Calibri" pitchFamily="34" charset="0"/>
+                        </a:rPr>
+                        <a:t>Send “0” to server</a:t>
+                      </a:r>
+                    </a:p>
+                  </a:txBody>
+                  <a:tcPr horzOverflow="overflow">
+                    <a:lnL w="12700" cap="flat" cmpd="sng" algn="ctr">
+                      <a:solidFill>
+                        <a:schemeClr val="tx1"/>
+                      </a:solidFill>
+                      <a:prstDash val="solid"/>
+                      <a:round/>
+                      <a:headEnd type="none" w="med" len="med"/>
+                      <a:tailEnd type="none" w="med" len="med"/>
+                    </a:lnL>
+                    <a:lnR w="12700" cap="flat" cmpd="sng" algn="ctr">
+                      <a:solidFill>
+                        <a:schemeClr val="tx1"/>
+                      </a:solidFill>
+                      <a:prstDash val="solid"/>
+                      <a:round/>
+                      <a:headEnd type="none" w="med" len="med"/>
+                      <a:tailEnd type="none" w="med" len="med"/>
+                    </a:lnR>
+                    <a:lnT w="12700" cap="flat" cmpd="sng" algn="ctr">
+                      <a:solidFill>
+                        <a:schemeClr val="tx1"/>
+                      </a:solidFill>
+                      <a:prstDash val="solid"/>
+                      <a:round/>
+                      <a:headEnd type="none" w="med" len="med"/>
+                      <a:tailEnd type="none" w="med" len="med"/>
+                    </a:lnT>
+                    <a:lnB w="28575" cap="flat" cmpd="sng" algn="ctr">
+                      <a:solidFill>
+                        <a:schemeClr val="tx1"/>
+                      </a:solidFill>
+                      <a:prstDash val="solid"/>
+                      <a:round/>
+                      <a:headEnd type="none" w="med" len="med"/>
+                      <a:tailEnd type="none" w="med" len="med"/>
+                    </a:lnB>
+                    <a:lnTlToBr>
+                      <a:noFill/>
+                    </a:lnTlToBr>
+                    <a:lnBlToTr>
+                      <a:noFill/>
+                    </a:lnBlToTr>
+                    <a:noFill/>
+                  </a:tcPr>
+                </a:tc>
+                <a:tc>
+                  <a:txBody>
+                    <a:bodyPr/>
+                    <a:lstStyle/>
+                    <a:p>
+                      <a:pPr marL="0" marR="0" lvl="0" indent="0" algn="l" defTabSz="914400" rtl="0" eaLnBrk="1" fontAlgn="base" latinLnBrk="0" hangingPunct="1">
+                        <a:lnSpc>
+                          <a:spcPct val="90000"/>
+                        </a:lnSpc>
+                        <a:spcBef>
+                          <a:spcPts val="1000"/>
+                        </a:spcBef>
+                        <a:spcAft>
+                          <a:spcPct val="0"/>
+                        </a:spcAft>
+                        <a:buClrTx/>
+                        <a:buSzTx/>
+                        <a:buFont typeface="Arial" charset="0"/>
+                        <a:buNone/>
+                        <a:tabLst/>
+                      </a:pPr>
+                      <a:r>
+                        <a:rPr kumimoji="0" lang="en-US" sz="2400" b="0" i="0" u="none" strike="noStrike" cap="none" normalizeH="0" baseline="0" smtClean="0">
+                          <a:ln>
+                            <a:noFill/>
+                          </a:ln>
+                          <a:solidFill>
+                            <a:schemeClr val="tx1"/>
+                          </a:solidFill>
+                          <a:effectLst/>
+                          <a:latin typeface="Calibri" pitchFamily="34" charset="0"/>
+                        </a:rPr>
+                        <a:t>Send “0” to server</a:t>
+                      </a:r>
+                    </a:p>
+                  </a:txBody>
+                  <a:tcPr horzOverflow="overflow">
+                    <a:lnL w="12700" cap="flat" cmpd="sng" algn="ctr">
+                      <a:solidFill>
+                        <a:schemeClr val="tx1"/>
+                      </a:solidFill>
+                      <a:prstDash val="solid"/>
+                      <a:round/>
+                      <a:headEnd type="none" w="med" len="med"/>
+                      <a:tailEnd type="none" w="med" len="med"/>
+                    </a:lnL>
+                    <a:lnR w="28575" cap="flat" cmpd="sng" algn="ctr">
+                      <a:solidFill>
+                        <a:schemeClr val="tx1"/>
+                      </a:solidFill>
+                      <a:prstDash val="solid"/>
+                      <a:round/>
+                      <a:headEnd type="none" w="med" len="med"/>
+                      <a:tailEnd type="none" w="med" len="med"/>
+                    </a:lnR>
+                    <a:lnT w="12700" cap="flat" cmpd="sng" algn="ctr">
+                      <a:solidFill>
+                        <a:schemeClr val="tx1"/>
+                      </a:solidFill>
+                      <a:prstDash val="solid"/>
+                      <a:round/>
+                      <a:headEnd type="none" w="med" len="med"/>
+                      <a:tailEnd type="none" w="med" len="med"/>
+                    </a:lnT>
+                    <a:lnB w="28575" cap="flat" cmpd="sng" algn="ctr">
+                      <a:solidFill>
+                        <a:schemeClr val="tx1"/>
+                      </a:solidFill>
+                      <a:prstDash val="solid"/>
+                      <a:round/>
+                      <a:headEnd type="none" w="med" len="med"/>
+                      <a:tailEnd type="none" w="med" len="med"/>
+                    </a:lnB>
+                    <a:lnTlToBr>
+                      <a:noFill/>
+                    </a:lnTlToBr>
+                    <a:lnBlToTr>
+                      <a:noFill/>
+                    </a:lnBlToTr>
+                    <a:noFill/>
+                  </a:tcPr>
+                </a:tc>
+              </a:tr>
+            </a:tbl>
+          </a:graphicData>
+        </a:graphic>
+      </p:graphicFrame>
     </p:spTree>
     <p:extLst>
       <p:ext uri="{BB962C8B-B14F-4D97-AF65-F5344CB8AC3E}">
-        <p14:creationId xmlns:p14="http://schemas.microsoft.com/office/powerpoint/2010/main" val="3726516333"/>
+        <p14:creationId xmlns:p14="http://schemas.microsoft.com/office/powerpoint/2010/main" val="3867317169"/>
       </p:ext>
     </p:extLst>
   </p:cSld>
@@ -16033,7 +19136,7 @@
   <a:extraClrSchemeLst/>
   <a:extLst>
     <a:ext uri="{05A4C25C-085E-4340-85A3-A5531E510DB2}">
-      <thm15:themeFamily xmlns:thm15="http://schemas.microsoft.com/office/thememl/2012/main" xmlns="" name="Vapor Trail" id="{4FDF2955-7D9C-493C-B9F9-C205151B46CD}" vid="{8F31A783-2159-4870-BC29-2BA7D038EA44}"/>
+      <thm15:themeFamily xmlns="" xmlns:thm15="http://schemas.microsoft.com/office/thememl/2012/main" name="Vapor Trail" id="{4FDF2955-7D9C-493C-B9F9-C205151B46CD}" vid="{8F31A783-2159-4870-BC29-2BA7D038EA44}"/>
     </a:ext>
   </a:extLst>
 </a:theme>
@@ -16294,7 +19397,7 @@
   <a:extraClrSchemeLst/>
   <a:extLst>
     <a:ext uri="{05A4C25C-085E-4340-85A3-A5531E510DB2}">
-      <thm15:themeFamily xmlns:thm15="http://schemas.microsoft.com/office/thememl/2012/main" xmlns="" name="Office Theme" id="{62F939B6-93AF-4DB8-9C6B-D6C7DFDC589F}" vid="{4A3C46E8-61CC-4603-A589-7422A47A8E4A}"/>
+      <thm15:themeFamily xmlns="" xmlns:thm15="http://schemas.microsoft.com/office/thememl/2012/main" name="Office Theme" id="{62F939B6-93AF-4DB8-9C6B-D6C7DFDC589F}" vid="{4A3C46E8-61CC-4603-A589-7422A47A8E4A}"/>
     </a:ext>
   </a:extLst>
 </a:theme>

--- a/Baby monitor System_codeReview.pptx
+++ b/Baby monitor System_codeReview.pptx
@@ -5,7 +5,7 @@
     <p:sldMasterId id="2147483660" r:id="rId1"/>
   </p:sldMasterIdLst>
   <p:notesMasterIdLst>
-    <p:notesMasterId r:id="rId26"/>
+    <p:notesMasterId r:id="rId20"/>
   </p:notesMasterIdLst>
   <p:sldIdLst>
     <p:sldId id="256" r:id="rId2"/>
@@ -20,18 +20,12 @@
     <p:sldId id="272" r:id="rId11"/>
     <p:sldId id="273" r:id="rId12"/>
     <p:sldId id="274" r:id="rId13"/>
-    <p:sldId id="278" r:id="rId14"/>
-    <p:sldId id="279" r:id="rId15"/>
-    <p:sldId id="280" r:id="rId16"/>
-    <p:sldId id="283" r:id="rId17"/>
-    <p:sldId id="289" r:id="rId18"/>
-    <p:sldId id="290" r:id="rId19"/>
-    <p:sldId id="286" r:id="rId20"/>
-    <p:sldId id="287" r:id="rId21"/>
-    <p:sldId id="288" r:id="rId22"/>
-    <p:sldId id="268" r:id="rId23"/>
-    <p:sldId id="266" r:id="rId24"/>
-    <p:sldId id="267" r:id="rId25"/>
+    <p:sldId id="268" r:id="rId14"/>
+    <p:sldId id="290" r:id="rId15"/>
+    <p:sldId id="283" r:id="rId16"/>
+    <p:sldId id="289" r:id="rId17"/>
+    <p:sldId id="266" r:id="rId18"/>
+    <p:sldId id="267" r:id="rId19"/>
   </p:sldIdLst>
   <p:sldSz cx="12192000" cy="6858000"/>
   <p:notesSz cx="6858000" cy="9144000"/>
@@ -132,7 +126,7 @@
   </p:defaultTextStyle>
   <p:extLst>
     <p:ext uri="{EFAFB233-063F-42B5-8137-9DF3F51BA10A}">
-      <p15:sldGuideLst xmlns="" xmlns:p15="http://schemas.microsoft.com/office/powerpoint/2012/main">
+      <p15:sldGuideLst xmlns:p15="http://schemas.microsoft.com/office/powerpoint/2012/main">
         <p15:guide id="1" orient="horz" pos="2160">
           <p15:clr>
             <a:srgbClr val="A4A3A4"/>
@@ -231,7 +225,7 @@
           <a:p>
             <a:fld id="{53F7DCE5-BEA5-4AD0-AD09-D91239E761DC}" type="datetimeFigureOut">
               <a:rPr lang="en-US" smtClean="0"/>
-              <a:t>11/25/2013</a:t>
+              <a:t>11/27/2013</a:t>
             </a:fld>
             <a:endParaRPr lang="en-US"/>
           </a:p>
@@ -584,91 +578,6 @@
 </p:notes>
 </file>
 
-<file path=ppt/notesSlides/notesSlide2.xml><?xml version="1.0" encoding="utf-8"?>
-<p:notes xmlns:a="http://schemas.openxmlformats.org/drawingml/2006/main" xmlns:r="http://schemas.openxmlformats.org/officeDocument/2006/relationships" xmlns:p="http://schemas.openxmlformats.org/presentationml/2006/main">
-  <p:cSld>
-    <p:spTree>
-      <p:nvGrpSpPr>
-        <p:cNvPr id="1" name=""/>
-        <p:cNvGrpSpPr/>
-        <p:nvPr/>
-      </p:nvGrpSpPr>
-      <p:grpSpPr>
-        <a:xfrm>
-          <a:off x="0" y="0"/>
-          <a:ext cx="0" cy="0"/>
-          <a:chOff x="0" y="0"/>
-          <a:chExt cx="0" cy="0"/>
-        </a:xfrm>
-      </p:grpSpPr>
-      <p:sp>
-        <p:nvSpPr>
-          <p:cNvPr id="2" name="Slide Image Placeholder 1"/>
-          <p:cNvSpPr>
-            <a:spLocks noGrp="1" noRot="1" noChangeAspect="1"/>
-          </p:cNvSpPr>
-          <p:nvPr>
-            <p:ph type="sldImg"/>
-          </p:nvPr>
-        </p:nvSpPr>
-        <p:spPr/>
-      </p:sp>
-      <p:sp>
-        <p:nvSpPr>
-          <p:cNvPr id="3" name="Notes Placeholder 2"/>
-          <p:cNvSpPr>
-            <a:spLocks noGrp="1"/>
-          </p:cNvSpPr>
-          <p:nvPr>
-            <p:ph type="body" idx="1"/>
-          </p:nvPr>
-        </p:nvSpPr>
-        <p:spPr/>
-        <p:txBody>
-          <a:bodyPr/>
-          <a:lstStyle/>
-          <a:p>
-            <a:endParaRPr lang="en-US"/>
-          </a:p>
-        </p:txBody>
-      </p:sp>
-      <p:sp>
-        <p:nvSpPr>
-          <p:cNvPr id="4" name="Slide Number Placeholder 3"/>
-          <p:cNvSpPr>
-            <a:spLocks noGrp="1"/>
-          </p:cNvSpPr>
-          <p:nvPr>
-            <p:ph type="sldNum" sz="quarter" idx="10"/>
-          </p:nvPr>
-        </p:nvSpPr>
-        <p:spPr/>
-        <p:txBody>
-          <a:bodyPr/>
-          <a:lstStyle/>
-          <a:p>
-            <a:fld id="{7F5598E4-F0BB-42DA-A653-CD963E926288}" type="slidenum">
-              <a:rPr lang="en-US" smtClean="0"/>
-              <a:pPr/>
-              <a:t>15</a:t>
-            </a:fld>
-            <a:endParaRPr lang="en-US"/>
-          </a:p>
-        </p:txBody>
-      </p:sp>
-    </p:spTree>
-    <p:extLst>
-      <p:ext uri="{BB962C8B-B14F-4D97-AF65-F5344CB8AC3E}">
-        <p14:creationId xmlns:p14="http://schemas.microsoft.com/office/powerpoint/2010/main" val="2563984292"/>
-      </p:ext>
-    </p:extLst>
-  </p:cSld>
-  <p:clrMapOvr>
-    <a:masterClrMapping/>
-  </p:clrMapOvr>
-</p:notes>
-</file>
-
 <file path=ppt/slideLayouts/slideLayout1.xml><?xml version="1.0" encoding="utf-8"?>
 <p:sldLayout xmlns:a="http://schemas.openxmlformats.org/drawingml/2006/main" xmlns:r="http://schemas.openxmlformats.org/officeDocument/2006/relationships" xmlns:p="http://schemas.openxmlformats.org/presentationml/2006/main" type="title" preserve="1">
   <p:cSld name="Title Slide">
@@ -839,7 +748,7 @@
           <a:p>
             <a:fld id="{5FDDC172-157F-4EC3-9A81-21566845DAF3}" type="datetimeFigureOut">
               <a:rPr lang="en-US" smtClean="0"/>
-              <a:t>11/25/2013</a:t>
+              <a:t>11/27/2013</a:t>
             </a:fld>
             <a:endParaRPr lang="en-US"/>
           </a:p>
@@ -1106,7 +1015,7 @@
           <a:p>
             <a:fld id="{5FDDC172-157F-4EC3-9A81-21566845DAF3}" type="datetimeFigureOut">
               <a:rPr lang="en-US" smtClean="0"/>
-              <a:t>11/25/2013</a:t>
+              <a:t>11/27/2013</a:t>
             </a:fld>
             <a:endParaRPr lang="en-US"/>
           </a:p>
@@ -1337,7 +1246,7 @@
           <a:p>
             <a:fld id="{5FDDC172-157F-4EC3-9A81-21566845DAF3}" type="datetimeFigureOut">
               <a:rPr lang="en-US" smtClean="0"/>
-              <a:t>11/25/2013</a:t>
+              <a:t>11/27/2013</a:t>
             </a:fld>
             <a:endParaRPr lang="en-US"/>
           </a:p>
@@ -1647,7 +1556,7 @@
           <a:p>
             <a:fld id="{5FDDC172-157F-4EC3-9A81-21566845DAF3}" type="datetimeFigureOut">
               <a:rPr lang="en-US" smtClean="0"/>
-              <a:t>11/25/2013</a:t>
+              <a:t>11/27/2013</a:t>
             </a:fld>
             <a:endParaRPr lang="en-US"/>
           </a:p>
@@ -2120,7 +2029,7 @@
           <a:p>
             <a:fld id="{5FDDC172-157F-4EC3-9A81-21566845DAF3}" type="datetimeFigureOut">
               <a:rPr lang="en-US" smtClean="0"/>
-              <a:t>11/25/2013</a:t>
+              <a:t>11/27/2013</a:t>
             </a:fld>
             <a:endParaRPr lang="en-US"/>
           </a:p>
@@ -2667,7 +2576,7 @@
           <a:p>
             <a:fld id="{5FDDC172-157F-4EC3-9A81-21566845DAF3}" type="datetimeFigureOut">
               <a:rPr lang="en-US" smtClean="0"/>
-              <a:t>11/25/2013</a:t>
+              <a:t>11/27/2013</a:t>
             </a:fld>
             <a:endParaRPr lang="en-US"/>
           </a:p>
@@ -3441,7 +3350,7 @@
           <a:p>
             <a:fld id="{5FDDC172-157F-4EC3-9A81-21566845DAF3}" type="datetimeFigureOut">
               <a:rPr lang="en-US" smtClean="0"/>
-              <a:t>11/25/2013</a:t>
+              <a:t>11/27/2013</a:t>
             </a:fld>
             <a:endParaRPr lang="en-US"/>
           </a:p>
@@ -3616,7 +3525,7 @@
           <a:p>
             <a:fld id="{5FDDC172-157F-4EC3-9A81-21566845DAF3}" type="datetimeFigureOut">
               <a:rPr lang="en-US" smtClean="0"/>
-              <a:t>11/25/2013</a:t>
+              <a:t>11/27/2013</a:t>
             </a:fld>
             <a:endParaRPr lang="en-US"/>
           </a:p>
@@ -3839,7 +3748,7 @@
           <a:p>
             <a:fld id="{5FDDC172-157F-4EC3-9A81-21566845DAF3}" type="datetimeFigureOut">
               <a:rPr lang="en-US" smtClean="0"/>
-              <a:t>11/25/2013</a:t>
+              <a:t>11/27/2013</a:t>
             </a:fld>
             <a:endParaRPr lang="en-US"/>
           </a:p>
@@ -4019,7 +3928,7 @@
           <a:p>
             <a:fld id="{5FDDC172-157F-4EC3-9A81-21566845DAF3}" type="datetimeFigureOut">
               <a:rPr lang="en-US" smtClean="0"/>
-              <a:t>11/25/2013</a:t>
+              <a:t>11/27/2013</a:t>
             </a:fld>
             <a:endParaRPr lang="en-US"/>
           </a:p>
@@ -4308,7 +4217,7 @@
           <a:p>
             <a:fld id="{5FDDC172-157F-4EC3-9A81-21566845DAF3}" type="datetimeFigureOut">
               <a:rPr lang="en-US" smtClean="0"/>
-              <a:t>11/25/2013</a:t>
+              <a:t>11/27/2013</a:t>
             </a:fld>
             <a:endParaRPr lang="en-US"/>
           </a:p>
@@ -4550,7 +4459,7 @@
           <a:p>
             <a:fld id="{5FDDC172-157F-4EC3-9A81-21566845DAF3}" type="datetimeFigureOut">
               <a:rPr lang="en-US" smtClean="0"/>
-              <a:t>11/25/2013</a:t>
+              <a:t>11/27/2013</a:t>
             </a:fld>
             <a:endParaRPr lang="en-US"/>
           </a:p>
@@ -4929,7 +4838,7 @@
           <a:p>
             <a:fld id="{5FDDC172-157F-4EC3-9A81-21566845DAF3}" type="datetimeFigureOut">
               <a:rPr lang="en-US" smtClean="0"/>
-              <a:t>11/25/2013</a:t>
+              <a:t>11/27/2013</a:t>
             </a:fld>
             <a:endParaRPr lang="en-US"/>
           </a:p>
@@ -5047,7 +4956,7 @@
           <a:p>
             <a:fld id="{5FDDC172-157F-4EC3-9A81-21566845DAF3}" type="datetimeFigureOut">
               <a:rPr lang="en-US" smtClean="0"/>
-              <a:t>11/25/2013</a:t>
+              <a:t>11/27/2013</a:t>
             </a:fld>
             <a:endParaRPr lang="en-US"/>
           </a:p>
@@ -5142,7 +5051,7 @@
           <a:p>
             <a:fld id="{5FDDC172-157F-4EC3-9A81-21566845DAF3}" type="datetimeFigureOut">
               <a:rPr lang="en-US" smtClean="0"/>
-              <a:t>11/25/2013</a:t>
+              <a:t>11/27/2013</a:t>
             </a:fld>
             <a:endParaRPr lang="en-US"/>
           </a:p>
@@ -5391,7 +5300,7 @@
           <a:p>
             <a:fld id="{5FDDC172-157F-4EC3-9A81-21566845DAF3}" type="datetimeFigureOut">
               <a:rPr lang="en-US" smtClean="0"/>
-              <a:t>11/25/2013</a:t>
+              <a:t>11/27/2013</a:t>
             </a:fld>
             <a:endParaRPr lang="en-US"/>
           </a:p>
@@ -5648,7 +5557,7 @@
           <a:p>
             <a:fld id="{5FDDC172-157F-4EC3-9A81-21566845DAF3}" type="datetimeFigureOut">
               <a:rPr lang="en-US" smtClean="0"/>
-              <a:t>11/25/2013</a:t>
+              <a:t>11/27/2013</a:t>
             </a:fld>
             <a:endParaRPr lang="en-US"/>
           </a:p>
@@ -5891,7 +5800,7 @@
           <a:p>
             <a:fld id="{5FDDC172-157F-4EC3-9A81-21566845DAF3}" type="datetimeFigureOut">
               <a:rPr lang="en-US" smtClean="0"/>
-              <a:t>11/25/2013</a:t>
+              <a:t>11/27/2013</a:t>
             </a:fld>
             <a:endParaRPr lang="en-US"/>
           </a:p>
@@ -6963,183 +6872,37 @@
       </p:grpSpPr>
       <p:sp>
         <p:nvSpPr>
-          <p:cNvPr id="4" name="Title 1"/>
-          <p:cNvSpPr txBox="1">
-            <a:spLocks/>
+          <p:cNvPr id="2" name="Title 1"/>
+          <p:cNvSpPr>
+            <a:spLocks noGrp="1"/>
           </p:cNvSpPr>
-          <p:nvPr/>
+          <p:nvPr>
+            <p:ph type="title"/>
+          </p:nvPr>
         </p:nvSpPr>
         <p:spPr>
           <a:xfrm>
-            <a:off x="2209800" y="381001"/>
-            <a:ext cx="7772400" cy="761999"/>
-          </a:xfrm>
-          <a:prstGeom prst="rect">
-            <a:avLst/>
-          </a:prstGeom>
-        </p:spPr>
-        <p:txBody>
-          <a:bodyPr vert="horz" lIns="91440" tIns="45720" rIns="91440" bIns="45720" rtlCol="0" anchor="ctr">
-            <a:normAutofit fontScale="97500"/>
-          </a:bodyPr>
-          <a:lstStyle>
-            <a:lvl1pPr algn="ctr" defTabSz="914400" rtl="0" eaLnBrk="1" latinLnBrk="0" hangingPunct="1">
-              <a:spcBef>
-                <a:spcPct val="0"/>
-              </a:spcBef>
-              <a:buNone/>
-              <a:defRPr sz="4400" kern="1200">
-                <a:solidFill>
-                  <a:schemeClr val="tx1"/>
-                </a:solidFill>
-                <a:latin typeface="+mj-lt"/>
-                <a:ea typeface="+mj-ea"/>
-                <a:cs typeface="+mj-cs"/>
-              </a:defRPr>
-            </a:lvl1pPr>
-          </a:lstStyle>
-          <a:p>
-            <a:r>
-              <a:rPr lang="en-US">
-                <a:latin typeface="Times New Roman" pitchFamily="18" charset="0"/>
-                <a:cs typeface="Times New Roman" pitchFamily="18" charset="0"/>
-              </a:rPr>
-              <a:t>Temperature Sensor</a:t>
-            </a:r>
-            <a:endParaRPr lang="en-US" dirty="0">
-              <a:latin typeface="Times New Roman" pitchFamily="18" charset="0"/>
-              <a:cs typeface="Times New Roman" pitchFamily="18" charset="0"/>
-            </a:endParaRPr>
-          </a:p>
-        </p:txBody>
-      </p:sp>
-      <p:pic>
-        <p:nvPicPr>
-          <p:cNvPr id="5" name="Picture 2" descr="C:\Users\riyadhalsegier\Desktop\gpio1.png"/>
-          <p:cNvPicPr>
-            <a:picLocks noChangeAspect="1" noChangeArrowheads="1"/>
-          </p:cNvPicPr>
-          <p:nvPr/>
-        </p:nvPicPr>
-        <p:blipFill>
-          <a:blip r:embed="rId2">
-            <a:extLst>
-              <a:ext uri="{28A0092B-C50C-407E-A947-70E740481C1C}">
-                <a14:useLocalDpi xmlns:a14="http://schemas.microsoft.com/office/drawing/2010/main" val="0"/>
-              </a:ext>
-            </a:extLst>
-          </a:blip>
-          <a:srcRect/>
-          <a:stretch>
-            <a:fillRect/>
-          </a:stretch>
-        </p:blipFill>
-        <p:spPr bwMode="auto">
-          <a:xfrm>
-            <a:off x="1676400" y="1371601"/>
-            <a:ext cx="5715000" cy="2809875"/>
-          </a:xfrm>
-          <a:prstGeom prst="rect">
-            <a:avLst/>
-          </a:prstGeom>
-          <a:noFill/>
-          <a:extLst>
-            <a:ext uri="{909E8E84-426E-40DD-AFC4-6F175D3DCCD1}">
-              <a14:hiddenFill xmlns:a14="http://schemas.microsoft.com/office/drawing/2010/main">
-                <a:solidFill>
-                  <a:srgbClr val="FFFFFF"/>
-                </a:solidFill>
-              </a14:hiddenFill>
-            </a:ext>
-          </a:extLst>
-        </p:spPr>
-      </p:pic>
-      <p:pic>
-        <p:nvPicPr>
-          <p:cNvPr id="6" name="Picture 3" descr="C:\Users\riyadhalsegier\Desktop\gpio21.png"/>
-          <p:cNvPicPr>
-            <a:picLocks noChangeAspect="1" noChangeArrowheads="1"/>
-          </p:cNvPicPr>
-          <p:nvPr/>
-        </p:nvPicPr>
-        <p:blipFill>
-          <a:blip r:embed="rId3">
-            <a:extLst>
-              <a:ext uri="{28A0092B-C50C-407E-A947-70E740481C1C}">
-                <a14:useLocalDpi xmlns:a14="http://schemas.microsoft.com/office/drawing/2010/main" val="0"/>
-              </a:ext>
-            </a:extLst>
-          </a:blip>
-          <a:srcRect/>
-          <a:stretch>
-            <a:fillRect/>
-          </a:stretch>
-        </p:blipFill>
-        <p:spPr bwMode="auto">
-          <a:xfrm>
-            <a:off x="1662953" y="4397749"/>
-            <a:ext cx="5715000" cy="1304925"/>
-          </a:xfrm>
-          <a:prstGeom prst="rect">
-            <a:avLst/>
-          </a:prstGeom>
-          <a:noFill/>
-          <a:extLst>
-            <a:ext uri="{909E8E84-426E-40DD-AFC4-6F175D3DCCD1}">
-              <a14:hiddenFill xmlns:a14="http://schemas.microsoft.com/office/drawing/2010/main">
-                <a:solidFill>
-                  <a:srgbClr val="FFFFFF"/>
-                </a:solidFill>
-              </a14:hiddenFill>
-            </a:ext>
-          </a:extLst>
-        </p:spPr>
-      </p:pic>
-      <p:pic>
-        <p:nvPicPr>
-          <p:cNvPr id="7" name="Picture 7" descr="C:\Users\riyadhalsegier\Desktop\Connecting the sensor DS18B20.jpg"/>
-          <p:cNvPicPr>
-            <a:picLocks noChangeAspect="1" noChangeArrowheads="1"/>
-          </p:cNvPicPr>
-          <p:nvPr/>
-        </p:nvPicPr>
-        <p:blipFill>
-          <a:blip r:embed="rId4">
-            <a:extLst>
-              <a:ext uri="{28A0092B-C50C-407E-A947-70E740481C1C}">
-                <a14:useLocalDpi xmlns:a14="http://schemas.microsoft.com/office/drawing/2010/main" val="0"/>
-              </a:ext>
-            </a:extLst>
-          </a:blip>
-          <a:srcRect/>
-          <a:stretch>
-            <a:fillRect/>
-          </a:stretch>
-        </p:blipFill>
-        <p:spPr bwMode="auto">
-          <a:xfrm>
-            <a:off x="7543800" y="1587874"/>
-            <a:ext cx="2819400" cy="2809875"/>
-          </a:xfrm>
-          <a:prstGeom prst="rect">
-            <a:avLst/>
-          </a:prstGeom>
-          <a:noFill/>
-          <a:extLst>
-            <a:ext uri="{909E8E84-426E-40DD-AFC4-6F175D3DCCD1}">
-              <a14:hiddenFill xmlns:a14="http://schemas.microsoft.com/office/drawing/2010/main">
-                <a:solidFill>
-                  <a:srgbClr val="FFFFFF"/>
-                </a:solidFill>
-              </a14:hiddenFill>
-            </a:ext>
-          </a:extLst>
-        </p:spPr>
-      </p:pic>
+            <a:off x="419100" y="1735922"/>
+            <a:ext cx="11391900" cy="3426627"/>
+          </a:xfrm>
+        </p:spPr>
+        <p:txBody>
+          <a:bodyPr/>
+          <a:lstStyle/>
+          <a:p>
+            <a:pPr algn="ctr"/>
+            <a:r>
+              <a:rPr lang="en-US" dirty="0" smtClean="0"/>
+              <a:t>Any Questions/Comments?</a:t>
+            </a:r>
+            <a:endParaRPr lang="en-US" dirty="0"/>
+          </a:p>
+        </p:txBody>
+      </p:sp>
     </p:spTree>
     <p:extLst>
       <p:ext uri="{BB962C8B-B14F-4D97-AF65-F5344CB8AC3E}">
-        <p14:creationId xmlns:p14="http://schemas.microsoft.com/office/powerpoint/2010/main" val="493594878"/>
+        <p14:creationId xmlns:p14="http://schemas.microsoft.com/office/powerpoint/2010/main" val="2323493068"/>
       </p:ext>
     </p:extLst>
   </p:cSld>
@@ -7180,4280 +6943,19 @@
             <a:spLocks noGrp="1"/>
           </p:cNvSpPr>
           <p:nvPr>
-            <p:ph type="ctrTitle"/>
+            <p:ph type="title"/>
           </p:nvPr>
         </p:nvSpPr>
         <p:spPr>
           <a:xfrm>
-            <a:off x="2376613" y="755325"/>
-            <a:ext cx="7772400" cy="761999"/>
+            <a:off x="838200" y="365125"/>
+            <a:ext cx="10515600" cy="153988"/>
           </a:xfrm>
         </p:spPr>
         <p:txBody>
           <a:bodyPr>
             <a:normAutofit fontScale="90000"/>
           </a:bodyPr>
-          <a:lstStyle/>
-          <a:p>
-            <a:r>
-              <a:rPr lang="en-US" dirty="0" smtClean="0">
-                <a:latin typeface="Times New Roman" pitchFamily="18" charset="0"/>
-                <a:cs typeface="Times New Roman" pitchFamily="18" charset="0"/>
-              </a:rPr>
-              <a:t>Temperature Sensor</a:t>
-            </a:r>
-            <a:endParaRPr lang="en-US" dirty="0">
-              <a:latin typeface="Times New Roman" pitchFamily="18" charset="0"/>
-              <a:cs typeface="Times New Roman" pitchFamily="18" charset="0"/>
-            </a:endParaRPr>
-          </a:p>
-        </p:txBody>
-      </p:sp>
-      <p:sp>
-        <p:nvSpPr>
-          <p:cNvPr id="4" name="Flowchart: Process 3"/>
-          <p:cNvSpPr/>
-          <p:nvPr/>
-        </p:nvSpPr>
-        <p:spPr>
-          <a:xfrm>
-            <a:off x="2438400" y="1371600"/>
-            <a:ext cx="3048000" cy="1524000"/>
-          </a:xfrm>
-          <a:prstGeom prst="flowChartProcess">
-            <a:avLst/>
-          </a:prstGeom>
-        </p:spPr>
-        <p:style>
-          <a:lnRef idx="1">
-            <a:schemeClr val="dk1"/>
-          </a:lnRef>
-          <a:fillRef idx="2">
-            <a:schemeClr val="dk1"/>
-          </a:fillRef>
-          <a:effectRef idx="1">
-            <a:schemeClr val="dk1"/>
-          </a:effectRef>
-          <a:fontRef idx="minor">
-            <a:schemeClr val="dk1"/>
-          </a:fontRef>
-        </p:style>
-        <p:txBody>
-          <a:bodyPr rtlCol="0" anchor="ctr"/>
-          <a:lstStyle/>
-          <a:p>
-            <a:pPr algn="ctr"/>
-            <a:r>
-              <a:rPr lang="en-US" dirty="0">
-                <a:latin typeface="Times New Roman" pitchFamily="18" charset="0"/>
-                <a:cs typeface="Times New Roman" pitchFamily="18" charset="0"/>
-              </a:rPr>
-              <a:t>void Setup(void);</a:t>
-            </a:r>
-          </a:p>
-          <a:p>
-            <a:pPr algn="ctr"/>
-            <a:r>
-              <a:rPr lang="en-US" sz="1000" dirty="0" err="1"/>
-              <a:t>wiringpi.pinMode</a:t>
-            </a:r>
-            <a:r>
-              <a:rPr lang="en-US" sz="1000" dirty="0"/>
-              <a:t>(25,1)        #red light</a:t>
-            </a:r>
-            <a:br>
-              <a:rPr lang="en-US" sz="1000" dirty="0"/>
-            </a:br>
-            <a:r>
-              <a:rPr lang="en-US" sz="1000" dirty="0" err="1"/>
-              <a:t>wiringpi.pinMode</a:t>
-            </a:r>
-            <a:r>
-              <a:rPr lang="en-US" sz="1000" dirty="0"/>
-              <a:t>(24,1)        #green light</a:t>
-            </a:r>
-            <a:br>
-              <a:rPr lang="en-US" sz="1000" dirty="0"/>
-            </a:br>
-            <a:r>
-              <a:rPr lang="en-US" sz="1000" dirty="0"/>
-              <a:t>…</a:t>
-            </a:r>
-          </a:p>
-          <a:p>
-            <a:r>
-              <a:rPr lang="en-US" sz="1000" dirty="0">
-                <a:latin typeface="Times New Roman" pitchFamily="18" charset="0"/>
-                <a:cs typeface="Times New Roman" pitchFamily="18" charset="0"/>
-              </a:rPr>
-              <a:t>          --------------------------------------------------------</a:t>
-            </a:r>
-          </a:p>
-          <a:p>
-            <a:pPr algn="ctr"/>
-            <a:endParaRPr lang="en-US" sz="1000" dirty="0">
-              <a:latin typeface="Times New Roman" pitchFamily="18" charset="0"/>
-              <a:cs typeface="Times New Roman" pitchFamily="18" charset="0"/>
-            </a:endParaRPr>
-          </a:p>
-        </p:txBody>
-      </p:sp>
-      <p:sp>
-        <p:nvSpPr>
-          <p:cNvPr id="5" name="Flowchart: Process 4"/>
-          <p:cNvSpPr/>
-          <p:nvPr/>
-        </p:nvSpPr>
-        <p:spPr>
-          <a:xfrm>
-            <a:off x="6948503" y="4676274"/>
-            <a:ext cx="3048000" cy="1524000"/>
-          </a:xfrm>
-          <a:prstGeom prst="flowChartProcess">
-            <a:avLst/>
-          </a:prstGeom>
-        </p:spPr>
-        <p:style>
-          <a:lnRef idx="1">
-            <a:schemeClr val="dk1"/>
-          </a:lnRef>
-          <a:fillRef idx="2">
-            <a:schemeClr val="dk1"/>
-          </a:fillRef>
-          <a:effectRef idx="1">
-            <a:schemeClr val="dk1"/>
-          </a:effectRef>
-          <a:fontRef idx="minor">
-            <a:schemeClr val="dk1"/>
-          </a:fontRef>
-        </p:style>
-        <p:txBody>
-          <a:bodyPr rtlCol="0" anchor="ctr"/>
-          <a:lstStyle/>
-          <a:p>
-            <a:pPr algn="ctr"/>
-            <a:r>
-              <a:rPr lang="en-US" dirty="0">
-                <a:latin typeface="Times New Roman" pitchFamily="18" charset="0"/>
-                <a:cs typeface="Times New Roman" pitchFamily="18" charset="0"/>
-              </a:rPr>
-              <a:t>void </a:t>
-            </a:r>
-            <a:r>
-              <a:rPr lang="en-US" dirty="0" err="1">
-                <a:latin typeface="Times New Roman" pitchFamily="18" charset="0"/>
-                <a:cs typeface="Times New Roman" pitchFamily="18" charset="0"/>
-              </a:rPr>
-              <a:t>Led_con</a:t>
-            </a:r>
-            <a:r>
-              <a:rPr lang="en-US" dirty="0">
-                <a:latin typeface="Times New Roman" pitchFamily="18" charset="0"/>
-                <a:cs typeface="Times New Roman" pitchFamily="18" charset="0"/>
-              </a:rPr>
-              <a:t>(</a:t>
-            </a:r>
-            <a:r>
-              <a:rPr lang="en-US" dirty="0" err="1">
-                <a:latin typeface="Times New Roman" pitchFamily="18" charset="0"/>
-                <a:cs typeface="Times New Roman" pitchFamily="18" charset="0"/>
-              </a:rPr>
-              <a:t>int</a:t>
-            </a:r>
-            <a:r>
-              <a:rPr lang="en-US" dirty="0">
-                <a:latin typeface="Times New Roman" pitchFamily="18" charset="0"/>
-                <a:cs typeface="Times New Roman" pitchFamily="18" charset="0"/>
-              </a:rPr>
-              <a:t> Temp);</a:t>
-            </a:r>
-          </a:p>
-          <a:p>
-            <a:pPr algn="ctr"/>
-            <a:endParaRPr lang="en-US" sz="1000" dirty="0">
-              <a:latin typeface="Times New Roman" pitchFamily="18" charset="0"/>
-              <a:cs typeface="Times New Roman" pitchFamily="18" charset="0"/>
-            </a:endParaRPr>
-          </a:p>
-          <a:p>
-            <a:r>
-              <a:rPr lang="en-US" sz="1000" dirty="0"/>
-              <a:t>         </a:t>
-            </a:r>
-            <a:r>
-              <a:rPr lang="en-US" sz="1000" dirty="0" err="1"/>
-              <a:t>wiringpi.digitalWrite</a:t>
-            </a:r>
-            <a:r>
-              <a:rPr lang="en-US" sz="1000" dirty="0"/>
-              <a:t>(25,0)  #red is on</a:t>
-            </a:r>
-            <a:br>
-              <a:rPr lang="en-US" sz="1000" dirty="0"/>
-            </a:br>
-            <a:r>
-              <a:rPr lang="en-US" sz="1000" dirty="0"/>
-              <a:t>         sleep(1)</a:t>
-            </a:r>
-          </a:p>
-          <a:p>
-            <a:r>
-              <a:rPr lang="en-US" sz="1000" dirty="0"/>
-              <a:t>         </a:t>
-            </a:r>
-            <a:r>
-              <a:rPr lang="en-US" sz="1000" dirty="0" err="1"/>
-              <a:t>wiringpi.digitalWrite</a:t>
-            </a:r>
-            <a:r>
-              <a:rPr lang="en-US" sz="1000" dirty="0"/>
-              <a:t>(25,1)  #red is off</a:t>
-            </a:r>
-          </a:p>
-          <a:p>
-            <a:r>
-              <a:rPr lang="en-US" sz="1000" dirty="0"/>
-              <a:t>	                …</a:t>
-            </a:r>
-          </a:p>
-          <a:p>
-            <a:r>
-              <a:rPr lang="en-US" sz="1000" dirty="0">
-                <a:latin typeface="Times New Roman" pitchFamily="18" charset="0"/>
-                <a:cs typeface="Times New Roman" pitchFamily="18" charset="0"/>
-              </a:rPr>
-              <a:t>          --------------------------------------------------------</a:t>
-            </a:r>
-          </a:p>
-          <a:p>
-            <a:pPr algn="ctr"/>
-            <a:r>
-              <a:rPr lang="en-US" sz="1000" dirty="0">
-                <a:latin typeface="Times New Roman" pitchFamily="18" charset="0"/>
-                <a:cs typeface="Times New Roman" pitchFamily="18" charset="0"/>
-              </a:rPr>
-              <a:t>*Temp value is &lt;40°C  or &lt;10°C .</a:t>
-            </a:r>
-            <a:endParaRPr lang="en-US" dirty="0">
-              <a:latin typeface="Times New Roman" pitchFamily="18" charset="0"/>
-              <a:cs typeface="Times New Roman" pitchFamily="18" charset="0"/>
-            </a:endParaRPr>
-          </a:p>
-        </p:txBody>
-      </p:sp>
-      <p:sp>
-        <p:nvSpPr>
-          <p:cNvPr id="6" name="Flowchart: Process 5"/>
-          <p:cNvSpPr/>
-          <p:nvPr/>
-        </p:nvSpPr>
-        <p:spPr>
-          <a:xfrm>
-            <a:off x="6934200" y="1371600"/>
-            <a:ext cx="3048000" cy="1524000"/>
-          </a:xfrm>
-          <a:prstGeom prst="flowChartProcess">
-            <a:avLst/>
-          </a:prstGeom>
-        </p:spPr>
-        <p:style>
-          <a:lnRef idx="1">
-            <a:schemeClr val="dk1"/>
-          </a:lnRef>
-          <a:fillRef idx="2">
-            <a:schemeClr val="dk1"/>
-          </a:fillRef>
-          <a:effectRef idx="1">
-            <a:schemeClr val="dk1"/>
-          </a:effectRef>
-          <a:fontRef idx="minor">
-            <a:schemeClr val="dk1"/>
-          </a:fontRef>
-        </p:style>
-        <p:txBody>
-          <a:bodyPr rtlCol="0" anchor="ctr"/>
-          <a:lstStyle/>
-          <a:p>
-            <a:pPr algn="ctr"/>
-            <a:r>
-              <a:rPr lang="en-US" dirty="0">
-                <a:latin typeface="Times New Roman" pitchFamily="18" charset="0"/>
-                <a:cs typeface="Times New Roman" pitchFamily="18" charset="0"/>
-              </a:rPr>
-              <a:t>void </a:t>
-            </a:r>
-            <a:r>
-              <a:rPr lang="en-US" dirty="0" err="1">
-                <a:latin typeface="Times New Roman" pitchFamily="18" charset="0"/>
-                <a:cs typeface="Times New Roman" pitchFamily="18" charset="0"/>
-              </a:rPr>
-              <a:t>Led_con</a:t>
-            </a:r>
-            <a:r>
-              <a:rPr lang="en-US" dirty="0">
-                <a:latin typeface="Times New Roman" pitchFamily="18" charset="0"/>
-                <a:cs typeface="Times New Roman" pitchFamily="18" charset="0"/>
-              </a:rPr>
-              <a:t>(</a:t>
-            </a:r>
-            <a:r>
-              <a:rPr lang="en-US" dirty="0" err="1">
-                <a:latin typeface="Times New Roman" pitchFamily="18" charset="0"/>
-                <a:cs typeface="Times New Roman" pitchFamily="18" charset="0"/>
-              </a:rPr>
-              <a:t>int</a:t>
-            </a:r>
-            <a:r>
-              <a:rPr lang="en-US" dirty="0">
-                <a:latin typeface="Times New Roman" pitchFamily="18" charset="0"/>
-                <a:cs typeface="Times New Roman" pitchFamily="18" charset="0"/>
-              </a:rPr>
-              <a:t> Temp);</a:t>
-            </a:r>
-          </a:p>
-          <a:p>
-            <a:pPr algn="ctr"/>
-            <a:r>
-              <a:rPr lang="en-US" dirty="0"/>
-              <a:t> </a:t>
-            </a:r>
-            <a:r>
-              <a:rPr lang="en-US" sz="1000" dirty="0" err="1"/>
-              <a:t>wiringpi.digitalWrite</a:t>
-            </a:r>
-            <a:r>
-              <a:rPr lang="en-US" sz="1000" dirty="0"/>
-              <a:t>(24,1)   #green is on</a:t>
-            </a:r>
-          </a:p>
-          <a:p>
-            <a:r>
-              <a:rPr lang="en-US" sz="1000" dirty="0"/>
-              <a:t>	                …</a:t>
-            </a:r>
-          </a:p>
-          <a:p>
-            <a:r>
-              <a:rPr lang="en-US" sz="1000" dirty="0">
-                <a:latin typeface="Times New Roman" pitchFamily="18" charset="0"/>
-                <a:cs typeface="Times New Roman" pitchFamily="18" charset="0"/>
-              </a:rPr>
-              <a:t>          --------------------------------------------------------</a:t>
-            </a:r>
-          </a:p>
-          <a:p>
-            <a:pPr algn="ctr"/>
-            <a:r>
-              <a:rPr lang="en-US" sz="1000" dirty="0">
-                <a:latin typeface="Times New Roman" pitchFamily="18" charset="0"/>
-                <a:cs typeface="Times New Roman" pitchFamily="18" charset="0"/>
-              </a:rPr>
-              <a:t>*Temp value is between 20°C  and 27°C.</a:t>
-            </a:r>
-            <a:endParaRPr lang="en-US" dirty="0">
-              <a:latin typeface="Times New Roman" pitchFamily="18" charset="0"/>
-              <a:cs typeface="Times New Roman" pitchFamily="18" charset="0"/>
-            </a:endParaRPr>
-          </a:p>
-        </p:txBody>
-      </p:sp>
-      <p:sp>
-        <p:nvSpPr>
-          <p:cNvPr id="7" name="Flowchart: Process 6"/>
-          <p:cNvSpPr/>
-          <p:nvPr/>
-        </p:nvSpPr>
-        <p:spPr>
-          <a:xfrm>
-            <a:off x="2438400" y="4660232"/>
-            <a:ext cx="3047997" cy="1524000"/>
-          </a:xfrm>
-          <a:prstGeom prst="flowChartProcess">
-            <a:avLst/>
-          </a:prstGeom>
-        </p:spPr>
-        <p:style>
-          <a:lnRef idx="1">
-            <a:schemeClr val="dk1"/>
-          </a:lnRef>
-          <a:fillRef idx="2">
-            <a:schemeClr val="dk1"/>
-          </a:fillRef>
-          <a:effectRef idx="1">
-            <a:schemeClr val="dk1"/>
-          </a:effectRef>
-          <a:fontRef idx="minor">
-            <a:schemeClr val="dk1"/>
-          </a:fontRef>
-        </p:style>
-        <p:txBody>
-          <a:bodyPr rtlCol="0" anchor="ctr"/>
-          <a:lstStyle/>
-          <a:p>
-            <a:pPr algn="ctr"/>
-            <a:r>
-              <a:rPr lang="en-US" dirty="0">
-                <a:latin typeface="Times New Roman" pitchFamily="18" charset="0"/>
-                <a:cs typeface="Times New Roman" pitchFamily="18" charset="0"/>
-              </a:rPr>
-              <a:t>void cleanup(void);</a:t>
-            </a:r>
-          </a:p>
-          <a:p>
-            <a:pPr algn="ctr"/>
-            <a:endParaRPr lang="en-US" dirty="0">
-              <a:latin typeface="Times New Roman" pitchFamily="18" charset="0"/>
-              <a:cs typeface="Times New Roman" pitchFamily="18" charset="0"/>
-            </a:endParaRPr>
-          </a:p>
-          <a:p>
-            <a:pPr algn="ctr"/>
-            <a:r>
-              <a:rPr lang="en-US" sz="1000" dirty="0"/>
-              <a:t>  </a:t>
-            </a:r>
-            <a:r>
-              <a:rPr lang="en-US" sz="1000" dirty="0" err="1"/>
-              <a:t>wiringpi.digitalWrite</a:t>
-            </a:r>
-            <a:r>
-              <a:rPr lang="en-US" sz="1000" dirty="0"/>
-              <a:t>(25,0)   #red is off</a:t>
-            </a:r>
-            <a:br>
-              <a:rPr lang="en-US" sz="1000" dirty="0"/>
-            </a:br>
-            <a:r>
-              <a:rPr lang="en-US" sz="1000" dirty="0"/>
-              <a:t>        </a:t>
-            </a:r>
-            <a:r>
-              <a:rPr lang="en-US" sz="1000" dirty="0" err="1"/>
-              <a:t>wiringpi.digitalWrite</a:t>
-            </a:r>
-            <a:r>
-              <a:rPr lang="en-US" sz="1000" dirty="0"/>
-              <a:t>(24,0)   #green is off</a:t>
-            </a:r>
-            <a:endParaRPr lang="en-US" dirty="0">
-              <a:latin typeface="Times New Roman" pitchFamily="18" charset="0"/>
-              <a:cs typeface="Times New Roman" pitchFamily="18" charset="0"/>
-            </a:endParaRPr>
-          </a:p>
-          <a:p>
-            <a:r>
-              <a:rPr lang="en-US" sz="1000" dirty="0"/>
-              <a:t>	                …</a:t>
-            </a:r>
-          </a:p>
-          <a:p>
-            <a:r>
-              <a:rPr lang="en-US" sz="1000" dirty="0">
-                <a:latin typeface="Times New Roman" pitchFamily="18" charset="0"/>
-                <a:cs typeface="Times New Roman" pitchFamily="18" charset="0"/>
-              </a:rPr>
-              <a:t>          --------------------------------------------------------</a:t>
-            </a:r>
-            <a:endParaRPr lang="en-US" dirty="0">
-              <a:latin typeface="Times New Roman" pitchFamily="18" charset="0"/>
-              <a:cs typeface="Times New Roman" pitchFamily="18" charset="0"/>
-            </a:endParaRPr>
-          </a:p>
-        </p:txBody>
-      </p:sp>
-      <p:sp>
-        <p:nvSpPr>
-          <p:cNvPr id="8" name="Oval 7"/>
-          <p:cNvSpPr/>
-          <p:nvPr/>
-        </p:nvSpPr>
-        <p:spPr>
-          <a:xfrm>
-            <a:off x="3962397" y="2895600"/>
-            <a:ext cx="4243406" cy="1780674"/>
-          </a:xfrm>
-          <a:prstGeom prst="ellipse">
-            <a:avLst/>
-          </a:prstGeom>
-          <a:ln/>
-        </p:spPr>
-        <p:style>
-          <a:lnRef idx="2">
-            <a:schemeClr val="dk1"/>
-          </a:lnRef>
-          <a:fillRef idx="1">
-            <a:schemeClr val="lt1"/>
-          </a:fillRef>
-          <a:effectRef idx="0">
-            <a:schemeClr val="dk1"/>
-          </a:effectRef>
-          <a:fontRef idx="minor">
-            <a:schemeClr val="dk1"/>
-          </a:fontRef>
-        </p:style>
-        <p:txBody>
-          <a:bodyPr rtlCol="0" anchor="ctr"/>
-          <a:lstStyle/>
-          <a:p>
-            <a:pPr algn="ctr"/>
-            <a:r>
-              <a:rPr lang="en-US" dirty="0">
-                <a:solidFill>
-                  <a:schemeClr val="tx1">
-                    <a:lumMod val="95000"/>
-                    <a:lumOff val="5000"/>
-                  </a:schemeClr>
-                </a:solidFill>
-                <a:latin typeface="Times New Roman" pitchFamily="18" charset="0"/>
-                <a:cs typeface="Times New Roman" pitchFamily="18" charset="0"/>
-              </a:rPr>
-              <a:t>1- Read Temp</a:t>
-            </a:r>
-          </a:p>
-          <a:p>
-            <a:pPr algn="ctr"/>
-            <a:r>
-              <a:rPr lang="en-US" dirty="0">
-                <a:solidFill>
-                  <a:schemeClr val="tx1">
-                    <a:lumMod val="95000"/>
-                    <a:lumOff val="5000"/>
-                  </a:schemeClr>
-                </a:solidFill>
-                <a:latin typeface="Times New Roman" pitchFamily="18" charset="0"/>
-                <a:cs typeface="Times New Roman" pitchFamily="18" charset="0"/>
-              </a:rPr>
-              <a:t>2- Detects and reports the status of the system (etc. working normal, problems…) </a:t>
-            </a:r>
-          </a:p>
-        </p:txBody>
-      </p:sp>
-      <p:cxnSp>
-        <p:nvCxnSpPr>
-          <p:cNvPr id="10" name="Straight Arrow Connector 9"/>
-          <p:cNvCxnSpPr>
-            <a:stCxn id="6" idx="2"/>
-            <a:endCxn id="8" idx="7"/>
-          </p:cNvCxnSpPr>
-          <p:nvPr/>
-        </p:nvCxnSpPr>
-        <p:spPr>
-          <a:xfrm flipH="1">
-            <a:off x="7584372" y="2895600"/>
-            <a:ext cx="873829" cy="260774"/>
-          </a:xfrm>
-          <a:prstGeom prst="straightConnector1">
-            <a:avLst/>
-          </a:prstGeom>
-          <a:ln>
-            <a:tailEnd type="arrow"/>
-          </a:ln>
-        </p:spPr>
-        <p:style>
-          <a:lnRef idx="3">
-            <a:schemeClr val="dk1"/>
-          </a:lnRef>
-          <a:fillRef idx="0">
-            <a:schemeClr val="dk1"/>
-          </a:fillRef>
-          <a:effectRef idx="2">
-            <a:schemeClr val="dk1"/>
-          </a:effectRef>
-          <a:fontRef idx="minor">
-            <a:schemeClr val="tx1"/>
-          </a:fontRef>
-        </p:style>
-      </p:cxnSp>
-      <p:cxnSp>
-        <p:nvCxnSpPr>
-          <p:cNvPr id="12" name="Straight Arrow Connector 11"/>
-          <p:cNvCxnSpPr>
-            <a:stCxn id="4" idx="2"/>
-            <a:endCxn id="8" idx="1"/>
-          </p:cNvCxnSpPr>
-          <p:nvPr/>
-        </p:nvCxnSpPr>
-        <p:spPr>
-          <a:xfrm>
-            <a:off x="3962401" y="2895600"/>
-            <a:ext cx="621429" cy="260774"/>
-          </a:xfrm>
-          <a:prstGeom prst="straightConnector1">
-            <a:avLst/>
-          </a:prstGeom>
-          <a:ln>
-            <a:tailEnd type="arrow"/>
-          </a:ln>
-        </p:spPr>
-        <p:style>
-          <a:lnRef idx="3">
-            <a:schemeClr val="dk1"/>
-          </a:lnRef>
-          <a:fillRef idx="0">
-            <a:schemeClr val="dk1"/>
-          </a:fillRef>
-          <a:effectRef idx="2">
-            <a:schemeClr val="dk1"/>
-          </a:effectRef>
-          <a:fontRef idx="minor">
-            <a:schemeClr val="tx1"/>
-          </a:fontRef>
-        </p:style>
-      </p:cxnSp>
-      <p:cxnSp>
-        <p:nvCxnSpPr>
-          <p:cNvPr id="16" name="Straight Arrow Connector 15"/>
-          <p:cNvCxnSpPr>
-            <a:stCxn id="5" idx="0"/>
-            <a:endCxn id="8" idx="5"/>
-          </p:cNvCxnSpPr>
-          <p:nvPr/>
-        </p:nvCxnSpPr>
-        <p:spPr>
-          <a:xfrm flipH="1" flipV="1">
-            <a:off x="7584371" y="4415500"/>
-            <a:ext cx="888132" cy="260774"/>
-          </a:xfrm>
-          <a:prstGeom prst="straightConnector1">
-            <a:avLst/>
-          </a:prstGeom>
-          <a:ln>
-            <a:tailEnd type="arrow"/>
-          </a:ln>
-        </p:spPr>
-        <p:style>
-          <a:lnRef idx="3">
-            <a:schemeClr val="dk1"/>
-          </a:lnRef>
-          <a:fillRef idx="0">
-            <a:schemeClr val="dk1"/>
-          </a:fillRef>
-          <a:effectRef idx="2">
-            <a:schemeClr val="dk1"/>
-          </a:effectRef>
-          <a:fontRef idx="minor">
-            <a:schemeClr val="tx1"/>
-          </a:fontRef>
-        </p:style>
-      </p:cxnSp>
-      <p:cxnSp>
-        <p:nvCxnSpPr>
-          <p:cNvPr id="18" name="Straight Arrow Connector 17"/>
-          <p:cNvCxnSpPr>
-            <a:stCxn id="7" idx="0"/>
-            <a:endCxn id="8" idx="3"/>
-          </p:cNvCxnSpPr>
-          <p:nvPr/>
-        </p:nvCxnSpPr>
-        <p:spPr>
-          <a:xfrm flipV="1">
-            <a:off x="3962399" y="4415500"/>
-            <a:ext cx="621431" cy="244732"/>
-          </a:xfrm>
-          <a:prstGeom prst="straightConnector1">
-            <a:avLst/>
-          </a:prstGeom>
-          <a:ln>
-            <a:tailEnd type="arrow"/>
-          </a:ln>
-        </p:spPr>
-        <p:style>
-          <a:lnRef idx="3">
-            <a:schemeClr val="dk1"/>
-          </a:lnRef>
-          <a:fillRef idx="0">
-            <a:schemeClr val="dk1"/>
-          </a:fillRef>
-          <a:effectRef idx="2">
-            <a:schemeClr val="dk1"/>
-          </a:effectRef>
-          <a:fontRef idx="minor">
-            <a:schemeClr val="tx1"/>
-          </a:fontRef>
-        </p:style>
-      </p:cxnSp>
-      <p:sp>
-        <p:nvSpPr>
-          <p:cNvPr id="27" name="Right Arrow 26"/>
-          <p:cNvSpPr/>
-          <p:nvPr/>
-        </p:nvSpPr>
-        <p:spPr>
-          <a:xfrm rot="3391550">
-            <a:off x="1701231" y="1688296"/>
-            <a:ext cx="881427" cy="533400"/>
-          </a:xfrm>
-          <a:prstGeom prst="rightArrow">
-            <a:avLst/>
-          </a:prstGeom>
-          <a:ln/>
-        </p:spPr>
-        <p:style>
-          <a:lnRef idx="2">
-            <a:schemeClr val="dk1"/>
-          </a:lnRef>
-          <a:fillRef idx="1">
-            <a:schemeClr val="lt1"/>
-          </a:fillRef>
-          <a:effectRef idx="0">
-            <a:schemeClr val="dk1"/>
-          </a:effectRef>
-          <a:fontRef idx="minor">
-            <a:schemeClr val="dk1"/>
-          </a:fontRef>
-        </p:style>
-        <p:txBody>
-          <a:bodyPr rtlCol="0" anchor="ctr"/>
-          <a:lstStyle/>
-          <a:p>
-            <a:pPr algn="ctr"/>
-            <a:endParaRPr lang="en-US">
-              <a:latin typeface="Times New Roman" pitchFamily="18" charset="0"/>
-              <a:cs typeface="Times New Roman" pitchFamily="18" charset="0"/>
-            </a:endParaRPr>
-          </a:p>
-        </p:txBody>
-      </p:sp>
-      <p:sp>
-        <p:nvSpPr>
-          <p:cNvPr id="36" name="Right Arrow 35"/>
-          <p:cNvSpPr/>
-          <p:nvPr/>
-        </p:nvSpPr>
-        <p:spPr>
-          <a:xfrm rot="2752046">
-            <a:off x="1640737" y="4961519"/>
-            <a:ext cx="922981" cy="533400"/>
-          </a:xfrm>
-          <a:prstGeom prst="rightArrow">
-            <a:avLst/>
-          </a:prstGeom>
-          <a:ln/>
-        </p:spPr>
-        <p:style>
-          <a:lnRef idx="2">
-            <a:schemeClr val="dk1"/>
-          </a:lnRef>
-          <a:fillRef idx="1">
-            <a:schemeClr val="lt1"/>
-          </a:fillRef>
-          <a:effectRef idx="0">
-            <a:schemeClr val="dk1"/>
-          </a:effectRef>
-          <a:fontRef idx="minor">
-            <a:schemeClr val="dk1"/>
-          </a:fontRef>
-        </p:style>
-        <p:txBody>
-          <a:bodyPr rtlCol="0" anchor="ctr"/>
-          <a:lstStyle/>
-          <a:p>
-            <a:pPr algn="ctr"/>
-            <a:endParaRPr lang="en-US">
-              <a:latin typeface="Times New Roman" pitchFamily="18" charset="0"/>
-              <a:cs typeface="Times New Roman" pitchFamily="18" charset="0"/>
-            </a:endParaRPr>
-          </a:p>
-        </p:txBody>
-      </p:sp>
-      <p:sp>
-        <p:nvSpPr>
-          <p:cNvPr id="55" name="TextBox 54"/>
-          <p:cNvSpPr txBox="1"/>
-          <p:nvPr/>
-        </p:nvSpPr>
-        <p:spPr>
-          <a:xfrm>
-            <a:off x="2420321" y="6200274"/>
-            <a:ext cx="7576182" cy="369332"/>
-          </a:xfrm>
-          <a:prstGeom prst="rect">
-            <a:avLst/>
-          </a:prstGeom>
-          <a:noFill/>
-        </p:spPr>
-        <p:txBody>
-          <a:bodyPr wrap="square" rtlCol="0">
-            <a:spAutoFit/>
-          </a:bodyPr>
-          <a:lstStyle/>
-          <a:p>
-            <a:r>
-              <a:rPr lang="en-US" dirty="0">
-                <a:latin typeface="Times New Roman" pitchFamily="18" charset="0"/>
-                <a:cs typeface="Times New Roman" pitchFamily="18" charset="0"/>
-              </a:rPr>
-              <a:t>Figure1.1: General view of the Temperature sensor’s functionality</a:t>
-            </a:r>
-          </a:p>
-        </p:txBody>
-      </p:sp>
-      <p:sp>
-        <p:nvSpPr>
-          <p:cNvPr id="56" name="TextBox 55"/>
-          <p:cNvSpPr txBox="1"/>
-          <p:nvPr/>
-        </p:nvSpPr>
-        <p:spPr>
-          <a:xfrm>
-            <a:off x="1487092" y="1132504"/>
-            <a:ext cx="1309703" cy="307777"/>
-          </a:xfrm>
-          <a:prstGeom prst="rect">
-            <a:avLst/>
-          </a:prstGeom>
-          <a:noFill/>
-        </p:spPr>
-        <p:txBody>
-          <a:bodyPr wrap="square" rtlCol="0">
-            <a:spAutoFit/>
-          </a:bodyPr>
-          <a:lstStyle/>
-          <a:p>
-            <a:r>
-              <a:rPr lang="en-US" sz="1400" dirty="0">
-                <a:latin typeface="Times New Roman" pitchFamily="18" charset="0"/>
-                <a:cs typeface="Times New Roman" pitchFamily="18" charset="0"/>
-              </a:rPr>
-              <a:t>First call</a:t>
-            </a:r>
-          </a:p>
-        </p:txBody>
-      </p:sp>
-      <p:sp>
-        <p:nvSpPr>
-          <p:cNvPr id="58" name="TextBox 57"/>
-          <p:cNvSpPr txBox="1"/>
-          <p:nvPr/>
-        </p:nvSpPr>
-        <p:spPr>
-          <a:xfrm>
-            <a:off x="1487092" y="4415501"/>
-            <a:ext cx="1651573" cy="307777"/>
-          </a:xfrm>
-          <a:prstGeom prst="rect">
-            <a:avLst/>
-          </a:prstGeom>
-          <a:noFill/>
-        </p:spPr>
-        <p:txBody>
-          <a:bodyPr wrap="square" rtlCol="0">
-            <a:spAutoFit/>
-          </a:bodyPr>
-          <a:lstStyle/>
-          <a:p>
-            <a:r>
-              <a:rPr lang="en-US" sz="1400" dirty="0">
-                <a:latin typeface="Times New Roman" pitchFamily="18" charset="0"/>
-                <a:cs typeface="Times New Roman" pitchFamily="18" charset="0"/>
-              </a:rPr>
-              <a:t>Last call</a:t>
-            </a:r>
-          </a:p>
-        </p:txBody>
-      </p:sp>
-      <p:sp>
-        <p:nvSpPr>
-          <p:cNvPr id="60" name="TextBox 59"/>
-          <p:cNvSpPr txBox="1"/>
-          <p:nvPr/>
-        </p:nvSpPr>
-        <p:spPr>
-          <a:xfrm>
-            <a:off x="2420320" y="2895601"/>
-            <a:ext cx="1923080" cy="646331"/>
-          </a:xfrm>
-          <a:prstGeom prst="rect">
-            <a:avLst/>
-          </a:prstGeom>
-          <a:noFill/>
-        </p:spPr>
-        <p:txBody>
-          <a:bodyPr wrap="square" rtlCol="0">
-            <a:spAutoFit/>
-          </a:bodyPr>
-          <a:lstStyle/>
-          <a:p>
-            <a:r>
-              <a:rPr lang="en-US" dirty="0">
-                <a:latin typeface="Times New Roman" pitchFamily="18" charset="0"/>
-                <a:cs typeface="Times New Roman" pitchFamily="18" charset="0"/>
-              </a:rPr>
-              <a:t>Initialize GPIO (sensor and LEDs)</a:t>
-            </a:r>
-          </a:p>
-        </p:txBody>
-      </p:sp>
-      <p:sp>
-        <p:nvSpPr>
-          <p:cNvPr id="61" name="TextBox 60"/>
-          <p:cNvSpPr txBox="1"/>
-          <p:nvPr/>
-        </p:nvSpPr>
-        <p:spPr>
-          <a:xfrm>
-            <a:off x="7830522" y="3062039"/>
-            <a:ext cx="1770679" cy="338554"/>
-          </a:xfrm>
-          <a:prstGeom prst="rect">
-            <a:avLst/>
-          </a:prstGeom>
-          <a:noFill/>
-        </p:spPr>
-        <p:txBody>
-          <a:bodyPr wrap="square" rtlCol="0">
-            <a:spAutoFit/>
-          </a:bodyPr>
-          <a:lstStyle/>
-          <a:p>
-            <a:r>
-              <a:rPr lang="en-US" sz="1600" dirty="0">
-                <a:latin typeface="Times New Roman" pitchFamily="18" charset="0"/>
-                <a:cs typeface="Times New Roman" pitchFamily="18" charset="0"/>
-              </a:rPr>
-              <a:t>Normal mode</a:t>
-            </a:r>
-          </a:p>
-        </p:txBody>
-      </p:sp>
-      <p:sp>
-        <p:nvSpPr>
-          <p:cNvPr id="62" name="TextBox 61"/>
-          <p:cNvSpPr txBox="1"/>
-          <p:nvPr/>
-        </p:nvSpPr>
-        <p:spPr>
-          <a:xfrm>
-            <a:off x="8015107" y="4171287"/>
-            <a:ext cx="1770679" cy="338554"/>
-          </a:xfrm>
-          <a:prstGeom prst="rect">
-            <a:avLst/>
-          </a:prstGeom>
-          <a:noFill/>
-        </p:spPr>
-        <p:txBody>
-          <a:bodyPr wrap="square" rtlCol="0">
-            <a:spAutoFit/>
-          </a:bodyPr>
-          <a:lstStyle/>
-          <a:p>
-            <a:r>
-              <a:rPr lang="en-US" sz="1600" dirty="0">
-                <a:latin typeface="Times New Roman" pitchFamily="18" charset="0"/>
-                <a:cs typeface="Times New Roman" pitchFamily="18" charset="0"/>
-              </a:rPr>
-              <a:t>Dangerous mode</a:t>
-            </a:r>
-          </a:p>
-        </p:txBody>
-      </p:sp>
-      <p:sp>
-        <p:nvSpPr>
-          <p:cNvPr id="64" name="TextBox 63"/>
-          <p:cNvSpPr txBox="1"/>
-          <p:nvPr/>
-        </p:nvSpPr>
-        <p:spPr>
-          <a:xfrm>
-            <a:off x="2438400" y="4012484"/>
-            <a:ext cx="1770679" cy="646331"/>
-          </a:xfrm>
-          <a:prstGeom prst="rect">
-            <a:avLst/>
-          </a:prstGeom>
-          <a:noFill/>
-        </p:spPr>
-        <p:txBody>
-          <a:bodyPr wrap="square" rtlCol="0">
-            <a:spAutoFit/>
-          </a:bodyPr>
-          <a:lstStyle/>
-          <a:p>
-            <a:r>
-              <a:rPr lang="en-US" dirty="0">
-                <a:latin typeface="Times New Roman" pitchFamily="18" charset="0"/>
-                <a:cs typeface="Times New Roman" pitchFamily="18" charset="0"/>
-              </a:rPr>
-              <a:t>Reset GPIO (sensor and </a:t>
-            </a:r>
-            <a:r>
-              <a:rPr lang="en-US" dirty="0" err="1">
-                <a:latin typeface="Times New Roman" pitchFamily="18" charset="0"/>
-                <a:cs typeface="Times New Roman" pitchFamily="18" charset="0"/>
-              </a:rPr>
-              <a:t>leds</a:t>
-            </a:r>
-            <a:r>
-              <a:rPr lang="en-US" dirty="0">
-                <a:latin typeface="Times New Roman" pitchFamily="18" charset="0"/>
-                <a:cs typeface="Times New Roman" pitchFamily="18" charset="0"/>
-              </a:rPr>
-              <a:t>)</a:t>
-            </a:r>
-          </a:p>
-        </p:txBody>
-      </p:sp>
-    </p:spTree>
-    <p:extLst>
-      <p:ext uri="{BB962C8B-B14F-4D97-AF65-F5344CB8AC3E}">
-        <p14:creationId xmlns:p14="http://schemas.microsoft.com/office/powerpoint/2010/main" val="1848554734"/>
-      </p:ext>
-    </p:extLst>
-  </p:cSld>
-  <p:clrMapOvr>
-    <a:masterClrMapping/>
-  </p:clrMapOvr>
-  <p:timing>
-    <p:tnLst>
-      <p:par>
-        <p:cTn id="1" dur="indefinite" restart="never" nodeType="tmRoot"/>
-      </p:par>
-    </p:tnLst>
-  </p:timing>
-</p:sld>
-</file>
-
-<file path=ppt/slides/slide15.xml><?xml version="1.0" encoding="utf-8"?>
-<p:sld xmlns:a="http://schemas.openxmlformats.org/drawingml/2006/main" xmlns:r="http://schemas.openxmlformats.org/officeDocument/2006/relationships" xmlns:p="http://schemas.openxmlformats.org/presentationml/2006/main">
-  <p:cSld>
-    <p:spTree>
-      <p:nvGrpSpPr>
-        <p:cNvPr id="1" name=""/>
-        <p:cNvGrpSpPr/>
-        <p:nvPr/>
-      </p:nvGrpSpPr>
-      <p:grpSpPr>
-        <a:xfrm>
-          <a:off x="0" y="0"/>
-          <a:ext cx="0" cy="0"/>
-          <a:chOff x="0" y="0"/>
-          <a:chExt cx="0" cy="0"/>
-        </a:xfrm>
-      </p:grpSpPr>
-      <p:graphicFrame>
-        <p:nvGraphicFramePr>
-          <p:cNvPr id="4" name="Table 3"/>
-          <p:cNvGraphicFramePr>
-            <a:graphicFrameLocks noGrp="1"/>
-          </p:cNvGraphicFramePr>
-          <p:nvPr>
-            <p:extLst/>
-          </p:nvPr>
-        </p:nvGraphicFramePr>
-        <p:xfrm>
-          <a:off x="1752600" y="914400"/>
-          <a:ext cx="8839198" cy="5200898"/>
-        </p:xfrm>
-        <a:graphic>
-          <a:graphicData uri="http://schemas.openxmlformats.org/drawingml/2006/table">
-            <a:tbl>
-              <a:tblPr firstRow="1" firstCol="1" bandRow="1">
-                <a:tableStyleId>{5C22544A-7EE6-4342-B048-85BDC9FD1C3A}</a:tableStyleId>
-              </a:tblPr>
-              <a:tblGrid>
-                <a:gridCol w="964112"/>
-                <a:gridCol w="1245688"/>
-                <a:gridCol w="914400"/>
-                <a:gridCol w="2286000"/>
-                <a:gridCol w="2209800"/>
-                <a:gridCol w="1219198"/>
-              </a:tblGrid>
-              <a:tr h="746590">
-                <a:tc>
-                  <a:txBody>
-                    <a:bodyPr/>
-                    <a:lstStyle/>
-                    <a:p>
-                      <a:pPr marL="0" marR="0" algn="ctr">
-                        <a:lnSpc>
-                          <a:spcPct val="115000"/>
-                        </a:lnSpc>
-                        <a:spcBef>
-                          <a:spcPts val="0"/>
-                        </a:spcBef>
-                        <a:spcAft>
-                          <a:spcPts val="0"/>
-                        </a:spcAft>
-                      </a:pPr>
-                      <a:r>
-                        <a:rPr lang="en-US" sz="1600" dirty="0">
-                          <a:effectLst/>
-                          <a:latin typeface="Times New Roman" pitchFamily="18" charset="0"/>
-                          <a:cs typeface="Times New Roman" pitchFamily="18" charset="0"/>
-                        </a:rPr>
-                        <a:t>Function</a:t>
-                      </a:r>
-                    </a:p>
-                    <a:p>
-                      <a:pPr marL="0" marR="0" algn="ctr">
-                        <a:lnSpc>
-                          <a:spcPct val="115000"/>
-                        </a:lnSpc>
-                        <a:spcBef>
-                          <a:spcPts val="0"/>
-                        </a:spcBef>
-                        <a:spcAft>
-                          <a:spcPts val="0"/>
-                        </a:spcAft>
-                      </a:pPr>
-                      <a:r>
-                        <a:rPr lang="en-US" sz="1800" dirty="0">
-                          <a:effectLst/>
-                          <a:latin typeface="Times New Roman" pitchFamily="18" charset="0"/>
-                          <a:cs typeface="Times New Roman" pitchFamily="18" charset="0"/>
-                        </a:rPr>
-                        <a:t>Name</a:t>
-                      </a:r>
-                      <a:endParaRPr lang="en-US" sz="1800" dirty="0">
-                        <a:effectLst/>
-                        <a:latin typeface="Times New Roman" pitchFamily="18" charset="0"/>
-                        <a:ea typeface="Calibri"/>
-                        <a:cs typeface="Times New Roman" pitchFamily="18" charset="0"/>
-                      </a:endParaRPr>
-                    </a:p>
-                  </a:txBody>
-                  <a:tcPr marL="68580" marR="68580" marT="0" marB="0"/>
-                </a:tc>
-                <a:tc>
-                  <a:txBody>
-                    <a:bodyPr/>
-                    <a:lstStyle/>
-                    <a:p>
-                      <a:pPr marL="0" marR="0" algn="ctr">
-                        <a:lnSpc>
-                          <a:spcPct val="115000"/>
-                        </a:lnSpc>
-                        <a:spcBef>
-                          <a:spcPts val="0"/>
-                        </a:spcBef>
-                        <a:spcAft>
-                          <a:spcPts val="0"/>
-                        </a:spcAft>
-                      </a:pPr>
-                      <a:r>
-                        <a:rPr lang="en-US" sz="1800" dirty="0">
-                          <a:effectLst/>
-                          <a:latin typeface="Times New Roman" pitchFamily="18" charset="0"/>
-                          <a:cs typeface="Times New Roman" pitchFamily="18" charset="0"/>
-                        </a:rPr>
-                        <a:t>Argument</a:t>
-                      </a:r>
-                      <a:endParaRPr lang="en-US" sz="1800" dirty="0">
-                        <a:effectLst/>
-                        <a:latin typeface="Times New Roman" pitchFamily="18" charset="0"/>
-                        <a:ea typeface="Calibri"/>
-                        <a:cs typeface="Times New Roman" pitchFamily="18" charset="0"/>
-                      </a:endParaRPr>
-                    </a:p>
-                  </a:txBody>
-                  <a:tcPr marL="68580" marR="68580" marT="0" marB="0"/>
-                </a:tc>
-                <a:tc>
-                  <a:txBody>
-                    <a:bodyPr/>
-                    <a:lstStyle/>
-                    <a:p>
-                      <a:pPr marL="0" marR="0" algn="ctr">
-                        <a:lnSpc>
-                          <a:spcPct val="115000"/>
-                        </a:lnSpc>
-                        <a:spcBef>
-                          <a:spcPts val="0"/>
-                        </a:spcBef>
-                        <a:spcAft>
-                          <a:spcPts val="0"/>
-                        </a:spcAft>
-                      </a:pPr>
-                      <a:r>
-                        <a:rPr lang="en-US" sz="1800" dirty="0">
-                          <a:effectLst/>
-                          <a:latin typeface="Times New Roman" pitchFamily="18" charset="0"/>
-                          <a:cs typeface="Times New Roman" pitchFamily="18" charset="0"/>
-                        </a:rPr>
-                        <a:t>Test</a:t>
-                      </a:r>
-                      <a:endParaRPr lang="en-US" sz="1800" dirty="0">
-                        <a:effectLst/>
-                        <a:latin typeface="Times New Roman" pitchFamily="18" charset="0"/>
-                        <a:ea typeface="Calibri"/>
-                        <a:cs typeface="Times New Roman" pitchFamily="18" charset="0"/>
-                      </a:endParaRPr>
-                    </a:p>
-                  </a:txBody>
-                  <a:tcPr marL="68580" marR="68580" marT="0" marB="0"/>
-                </a:tc>
-                <a:tc>
-                  <a:txBody>
-                    <a:bodyPr/>
-                    <a:lstStyle/>
-                    <a:p>
-                      <a:pPr marL="0" marR="0" algn="ctr">
-                        <a:lnSpc>
-                          <a:spcPct val="115000"/>
-                        </a:lnSpc>
-                        <a:spcBef>
-                          <a:spcPts val="0"/>
-                        </a:spcBef>
-                        <a:spcAft>
-                          <a:spcPts val="0"/>
-                        </a:spcAft>
-                      </a:pPr>
-                      <a:r>
-                        <a:rPr lang="en-US" sz="1800">
-                          <a:effectLst/>
-                          <a:latin typeface="Times New Roman" pitchFamily="18" charset="0"/>
-                          <a:cs typeface="Times New Roman" pitchFamily="18" charset="0"/>
-                        </a:rPr>
-                        <a:t>Passed Information/</a:t>
-                      </a:r>
-                    </a:p>
-                    <a:p>
-                      <a:pPr marL="0" marR="0" algn="ctr">
-                        <a:lnSpc>
-                          <a:spcPct val="115000"/>
-                        </a:lnSpc>
-                        <a:spcBef>
-                          <a:spcPts val="0"/>
-                        </a:spcBef>
-                        <a:spcAft>
-                          <a:spcPts val="0"/>
-                        </a:spcAft>
-                      </a:pPr>
-                      <a:r>
-                        <a:rPr lang="en-US" sz="1800">
-                          <a:effectLst/>
-                          <a:latin typeface="Times New Roman" pitchFamily="18" charset="0"/>
-                          <a:cs typeface="Times New Roman" pitchFamily="18" charset="0"/>
-                        </a:rPr>
-                        <a:t>Action preformed</a:t>
-                      </a:r>
-                      <a:endParaRPr lang="en-US" sz="1800">
-                        <a:effectLst/>
-                        <a:latin typeface="Times New Roman" pitchFamily="18" charset="0"/>
-                        <a:ea typeface="Calibri"/>
-                        <a:cs typeface="Times New Roman" pitchFamily="18" charset="0"/>
-                      </a:endParaRPr>
-                    </a:p>
-                  </a:txBody>
-                  <a:tcPr marL="68580" marR="68580" marT="0" marB="0"/>
-                </a:tc>
-                <a:tc>
-                  <a:txBody>
-                    <a:bodyPr/>
-                    <a:lstStyle/>
-                    <a:p>
-                      <a:pPr marL="0" marR="0" algn="ctr">
-                        <a:lnSpc>
-                          <a:spcPct val="115000"/>
-                        </a:lnSpc>
-                        <a:spcBef>
-                          <a:spcPts val="0"/>
-                        </a:spcBef>
-                        <a:spcAft>
-                          <a:spcPts val="0"/>
-                        </a:spcAft>
-                      </a:pPr>
-                      <a:r>
-                        <a:rPr lang="en-US" sz="1800">
-                          <a:effectLst/>
-                          <a:latin typeface="Times New Roman" pitchFamily="18" charset="0"/>
-                          <a:cs typeface="Times New Roman" pitchFamily="18" charset="0"/>
-                        </a:rPr>
-                        <a:t>Expected result</a:t>
-                      </a:r>
-                      <a:endParaRPr lang="en-US" sz="1800">
-                        <a:effectLst/>
-                        <a:latin typeface="Times New Roman" pitchFamily="18" charset="0"/>
-                        <a:ea typeface="Calibri"/>
-                        <a:cs typeface="Times New Roman" pitchFamily="18" charset="0"/>
-                      </a:endParaRPr>
-                    </a:p>
-                  </a:txBody>
-                  <a:tcPr marL="68580" marR="68580" marT="0" marB="0"/>
-                </a:tc>
-                <a:tc>
-                  <a:txBody>
-                    <a:bodyPr/>
-                    <a:lstStyle/>
-                    <a:p>
-                      <a:pPr marL="0" marR="0" algn="ctr">
-                        <a:lnSpc>
-                          <a:spcPct val="115000"/>
-                        </a:lnSpc>
-                        <a:spcBef>
-                          <a:spcPts val="0"/>
-                        </a:spcBef>
-                        <a:spcAft>
-                          <a:spcPts val="0"/>
-                        </a:spcAft>
-                      </a:pPr>
-                      <a:r>
-                        <a:rPr lang="en-US" sz="1800">
-                          <a:effectLst/>
-                          <a:latin typeface="Times New Roman" pitchFamily="18" charset="0"/>
-                          <a:cs typeface="Times New Roman" pitchFamily="18" charset="0"/>
-                        </a:rPr>
-                        <a:t>Actual</a:t>
-                      </a:r>
-                      <a:endParaRPr lang="en-US" sz="1800">
-                        <a:effectLst/>
-                        <a:latin typeface="Times New Roman" pitchFamily="18" charset="0"/>
-                        <a:ea typeface="Calibri"/>
-                        <a:cs typeface="Times New Roman" pitchFamily="18" charset="0"/>
-                      </a:endParaRPr>
-                    </a:p>
-                  </a:txBody>
-                  <a:tcPr marL="68580" marR="68580" marT="0" marB="0"/>
-                </a:tc>
-              </a:tr>
-              <a:tr h="574489">
-                <a:tc>
-                  <a:txBody>
-                    <a:bodyPr/>
-                    <a:lstStyle/>
-                    <a:p>
-                      <a:pPr marL="0" marR="0" algn="ctr">
-                        <a:lnSpc>
-                          <a:spcPct val="115000"/>
-                        </a:lnSpc>
-                        <a:spcBef>
-                          <a:spcPts val="0"/>
-                        </a:spcBef>
-                        <a:spcAft>
-                          <a:spcPts val="0"/>
-                        </a:spcAft>
-                      </a:pPr>
-                      <a:r>
-                        <a:rPr lang="en-US" sz="1600" dirty="0" err="1">
-                          <a:effectLst/>
-                          <a:latin typeface="Times New Roman" pitchFamily="18" charset="0"/>
-                          <a:cs typeface="Times New Roman" pitchFamily="18" charset="0"/>
-                        </a:rPr>
-                        <a:t>Led_con</a:t>
-                      </a:r>
-                      <a:endParaRPr lang="en-US" sz="1600" dirty="0">
-                        <a:effectLst/>
-                        <a:latin typeface="Times New Roman" pitchFamily="18" charset="0"/>
-                        <a:ea typeface="Calibri"/>
-                        <a:cs typeface="Times New Roman" pitchFamily="18" charset="0"/>
-                      </a:endParaRPr>
-                    </a:p>
-                  </a:txBody>
-                  <a:tcPr marL="68580" marR="68580" marT="0" marB="0"/>
-                </a:tc>
-                <a:tc>
-                  <a:txBody>
-                    <a:bodyPr/>
-                    <a:lstStyle/>
-                    <a:p>
-                      <a:pPr marL="0" marR="0" algn="ctr">
-                        <a:lnSpc>
-                          <a:spcPct val="115000"/>
-                        </a:lnSpc>
-                        <a:spcBef>
-                          <a:spcPts val="0"/>
-                        </a:spcBef>
-                        <a:spcAft>
-                          <a:spcPts val="0"/>
-                        </a:spcAft>
-                      </a:pPr>
-                      <a:r>
-                        <a:rPr lang="en-US" sz="1800">
-                          <a:effectLst/>
-                          <a:latin typeface="Times New Roman" pitchFamily="18" charset="0"/>
-                          <a:cs typeface="Times New Roman" pitchFamily="18" charset="0"/>
-                        </a:rPr>
-                        <a:t>Int Temp</a:t>
-                      </a:r>
-                      <a:endParaRPr lang="en-US" sz="1800">
-                        <a:effectLst/>
-                        <a:latin typeface="Times New Roman" pitchFamily="18" charset="0"/>
-                        <a:ea typeface="Calibri"/>
-                        <a:cs typeface="Times New Roman" pitchFamily="18" charset="0"/>
-                      </a:endParaRPr>
-                    </a:p>
-                  </a:txBody>
-                  <a:tcPr marL="68580" marR="68580" marT="0" marB="0"/>
-                </a:tc>
-                <a:tc>
-                  <a:txBody>
-                    <a:bodyPr/>
-                    <a:lstStyle/>
-                    <a:p>
-                      <a:pPr marL="0" marR="0" algn="ctr">
-                        <a:lnSpc>
-                          <a:spcPct val="115000"/>
-                        </a:lnSpc>
-                        <a:spcBef>
-                          <a:spcPts val="0"/>
-                        </a:spcBef>
-                        <a:spcAft>
-                          <a:spcPts val="0"/>
-                        </a:spcAft>
-                      </a:pPr>
-                      <a:r>
-                        <a:rPr lang="en-US" sz="1800" dirty="0">
-                          <a:effectLst/>
-                          <a:latin typeface="Times New Roman" pitchFamily="18" charset="0"/>
-                          <a:cs typeface="Times New Roman" pitchFamily="18" charset="0"/>
-                        </a:rPr>
-                        <a:t> </a:t>
-                      </a:r>
-                      <a:r>
-                        <a:rPr lang="en-US" sz="1600" dirty="0" smtClean="0">
-                          <a:effectLst/>
-                          <a:latin typeface="Times New Roman" pitchFamily="18" charset="0"/>
-                          <a:cs typeface="Times New Roman" pitchFamily="18" charset="0"/>
-                        </a:rPr>
-                        <a:t>Method</a:t>
-                      </a:r>
-                      <a:endParaRPr lang="en-US" sz="1600" dirty="0">
-                        <a:effectLst/>
-                        <a:latin typeface="Times New Roman" pitchFamily="18" charset="0"/>
-                        <a:ea typeface="Calibri"/>
-                        <a:cs typeface="Times New Roman" pitchFamily="18" charset="0"/>
-                      </a:endParaRPr>
-                    </a:p>
-                  </a:txBody>
-                  <a:tcPr marL="68580" marR="68580" marT="0" marB="0"/>
-                </a:tc>
-                <a:tc>
-                  <a:txBody>
-                    <a:bodyPr/>
-                    <a:lstStyle/>
-                    <a:p>
-                      <a:pPr marL="0" marR="0" algn="ctr">
-                        <a:lnSpc>
-                          <a:spcPct val="115000"/>
-                        </a:lnSpc>
-                        <a:spcBef>
-                          <a:spcPts val="0"/>
-                        </a:spcBef>
-                        <a:spcAft>
-                          <a:spcPts val="0"/>
-                        </a:spcAft>
-                      </a:pPr>
-                      <a:r>
-                        <a:rPr lang="en-US" sz="1800" dirty="0" smtClean="0">
-                          <a:effectLst/>
-                          <a:latin typeface="Times New Roman" pitchFamily="18" charset="0"/>
-                          <a:cs typeface="Times New Roman" pitchFamily="18" charset="0"/>
-                        </a:rPr>
-                        <a:t>T=Max(40 </a:t>
-                      </a:r>
-                      <a:r>
-                        <a:rPr lang="en-US" sz="1800" dirty="0">
-                          <a:effectLst/>
-                          <a:latin typeface="Times New Roman" pitchFamily="18" charset="0"/>
-                          <a:cs typeface="Times New Roman" pitchFamily="18" charset="0"/>
-                        </a:rPr>
-                        <a:t>°C</a:t>
-                      </a:r>
-                      <a:r>
-                        <a:rPr lang="en-US" sz="1800" dirty="0" smtClean="0">
-                          <a:effectLst/>
-                          <a:latin typeface="Times New Roman" pitchFamily="18" charset="0"/>
-                          <a:cs typeface="Times New Roman" pitchFamily="18" charset="0"/>
-                        </a:rPr>
-                        <a:t>)</a:t>
-                      </a:r>
-                    </a:p>
-                    <a:p>
-                      <a:pPr marL="0" marR="0" algn="ctr">
-                        <a:lnSpc>
-                          <a:spcPct val="115000"/>
-                        </a:lnSpc>
-                        <a:spcBef>
-                          <a:spcPts val="0"/>
-                        </a:spcBef>
-                        <a:spcAft>
-                          <a:spcPts val="0"/>
-                        </a:spcAft>
-                      </a:pPr>
-                      <a:r>
-                        <a:rPr lang="en-US" sz="1000" dirty="0" smtClean="0">
-                          <a:effectLst/>
-                          <a:latin typeface="Times New Roman" pitchFamily="18" charset="0"/>
-                          <a:ea typeface="Calibri"/>
-                          <a:cs typeface="Times New Roman" pitchFamily="18" charset="0"/>
-                        </a:rPr>
-                        <a:t>*Min(10</a:t>
-                      </a:r>
-                      <a:r>
-                        <a:rPr lang="en-US" sz="1000" dirty="0" smtClean="0">
-                          <a:effectLst/>
-                          <a:latin typeface="Times New Roman" pitchFamily="18" charset="0"/>
-                          <a:cs typeface="Times New Roman" pitchFamily="18" charset="0"/>
-                        </a:rPr>
-                        <a:t>°C) cab be used</a:t>
-                      </a:r>
-                      <a:endParaRPr lang="en-US" sz="1000" dirty="0">
-                        <a:effectLst/>
-                        <a:latin typeface="Times New Roman" pitchFamily="18" charset="0"/>
-                        <a:ea typeface="Calibri"/>
-                        <a:cs typeface="Times New Roman" pitchFamily="18" charset="0"/>
-                      </a:endParaRPr>
-                    </a:p>
-                  </a:txBody>
-                  <a:tcPr marL="68580" marR="68580" marT="0" marB="0"/>
-                </a:tc>
-                <a:tc>
-                  <a:txBody>
-                    <a:bodyPr/>
-                    <a:lstStyle/>
-                    <a:p>
-                      <a:pPr marL="0" marR="0" algn="ctr">
-                        <a:lnSpc>
-                          <a:spcPct val="115000"/>
-                        </a:lnSpc>
-                        <a:spcBef>
-                          <a:spcPts val="0"/>
-                        </a:spcBef>
-                        <a:spcAft>
-                          <a:spcPts val="0"/>
-                        </a:spcAft>
-                      </a:pPr>
-                      <a:r>
-                        <a:rPr lang="en-US" sz="1800">
-                          <a:effectLst/>
-                          <a:latin typeface="Times New Roman" pitchFamily="18" charset="0"/>
-                          <a:cs typeface="Times New Roman" pitchFamily="18" charset="0"/>
-                        </a:rPr>
-                        <a:t>Flashing the red led (Void)</a:t>
-                      </a:r>
-                      <a:endParaRPr lang="en-US" sz="1800">
-                        <a:effectLst/>
-                        <a:latin typeface="Times New Roman" pitchFamily="18" charset="0"/>
-                        <a:ea typeface="Calibri"/>
-                        <a:cs typeface="Times New Roman" pitchFamily="18" charset="0"/>
-                      </a:endParaRPr>
-                    </a:p>
-                  </a:txBody>
-                  <a:tcPr marL="68580" marR="68580" marT="0" marB="0"/>
-                </a:tc>
-                <a:tc>
-                  <a:txBody>
-                    <a:bodyPr/>
-                    <a:lstStyle/>
-                    <a:p>
-                      <a:pPr marL="0" marR="0" algn="ctr">
-                        <a:lnSpc>
-                          <a:spcPct val="115000"/>
-                        </a:lnSpc>
-                        <a:spcBef>
-                          <a:spcPts val="0"/>
-                        </a:spcBef>
-                        <a:spcAft>
-                          <a:spcPts val="0"/>
-                        </a:spcAft>
-                      </a:pPr>
-                      <a:r>
-                        <a:rPr lang="en-US" sz="1800">
-                          <a:effectLst/>
-                          <a:latin typeface="Times New Roman" pitchFamily="18" charset="0"/>
-                          <a:cs typeface="Times New Roman" pitchFamily="18" charset="0"/>
-                        </a:rPr>
-                        <a:t>Passed</a:t>
-                      </a:r>
-                      <a:endParaRPr lang="en-US" sz="1800">
-                        <a:effectLst/>
-                        <a:latin typeface="Times New Roman" pitchFamily="18" charset="0"/>
-                        <a:ea typeface="Calibri"/>
-                        <a:cs typeface="Times New Roman" pitchFamily="18" charset="0"/>
-                      </a:endParaRPr>
-                    </a:p>
-                  </a:txBody>
-                  <a:tcPr marL="68580" marR="68580" marT="0" marB="0"/>
-                </a:tc>
-              </a:tr>
-              <a:tr h="431473">
-                <a:tc>
-                  <a:txBody>
-                    <a:bodyPr/>
-                    <a:lstStyle/>
-                    <a:p>
-                      <a:pPr marL="0" marR="0" algn="ctr">
-                        <a:lnSpc>
-                          <a:spcPct val="115000"/>
-                        </a:lnSpc>
-                        <a:spcBef>
-                          <a:spcPts val="0"/>
-                        </a:spcBef>
-                        <a:spcAft>
-                          <a:spcPts val="0"/>
-                        </a:spcAft>
-                      </a:pPr>
-                      <a:r>
-                        <a:rPr lang="en-US" sz="1600" dirty="0" err="1">
-                          <a:effectLst/>
-                          <a:latin typeface="Times New Roman" pitchFamily="18" charset="0"/>
-                          <a:cs typeface="Times New Roman" pitchFamily="18" charset="0"/>
-                        </a:rPr>
-                        <a:t>Led_con</a:t>
-                      </a:r>
-                      <a:endParaRPr lang="en-US" sz="1600" dirty="0">
-                        <a:effectLst/>
-                        <a:latin typeface="Times New Roman" pitchFamily="18" charset="0"/>
-                        <a:ea typeface="Calibri"/>
-                        <a:cs typeface="Times New Roman" pitchFamily="18" charset="0"/>
-                      </a:endParaRPr>
-                    </a:p>
-                  </a:txBody>
-                  <a:tcPr marL="68580" marR="68580" marT="0" marB="0"/>
-                </a:tc>
-                <a:tc>
-                  <a:txBody>
-                    <a:bodyPr/>
-                    <a:lstStyle/>
-                    <a:p>
-                      <a:pPr marL="0" marR="0" algn="ctr">
-                        <a:lnSpc>
-                          <a:spcPct val="115000"/>
-                        </a:lnSpc>
-                        <a:spcBef>
-                          <a:spcPts val="0"/>
-                        </a:spcBef>
-                        <a:spcAft>
-                          <a:spcPts val="0"/>
-                        </a:spcAft>
-                      </a:pPr>
-                      <a:r>
-                        <a:rPr lang="en-US" sz="1800" dirty="0" err="1">
-                          <a:effectLst/>
-                          <a:latin typeface="Times New Roman" pitchFamily="18" charset="0"/>
-                          <a:cs typeface="Times New Roman" pitchFamily="18" charset="0"/>
-                        </a:rPr>
-                        <a:t>Int</a:t>
-                      </a:r>
-                      <a:r>
-                        <a:rPr lang="en-US" sz="1800" dirty="0">
-                          <a:effectLst/>
-                          <a:latin typeface="Times New Roman" pitchFamily="18" charset="0"/>
-                          <a:cs typeface="Times New Roman" pitchFamily="18" charset="0"/>
-                        </a:rPr>
-                        <a:t> Temp</a:t>
-                      </a:r>
-                      <a:endParaRPr lang="en-US" sz="1800" dirty="0">
-                        <a:effectLst/>
-                        <a:latin typeface="Times New Roman" pitchFamily="18" charset="0"/>
-                        <a:ea typeface="Calibri"/>
-                        <a:cs typeface="Times New Roman" pitchFamily="18" charset="0"/>
-                      </a:endParaRPr>
-                    </a:p>
-                  </a:txBody>
-                  <a:tcPr marL="68580" marR="68580" marT="0" marB="0"/>
-                </a:tc>
-                <a:tc>
-                  <a:txBody>
-                    <a:bodyPr/>
-                    <a:lstStyle/>
-                    <a:p>
-                      <a:pPr marL="0" marR="0" algn="ctr">
-                        <a:lnSpc>
-                          <a:spcPct val="115000"/>
-                        </a:lnSpc>
-                        <a:spcBef>
-                          <a:spcPts val="0"/>
-                        </a:spcBef>
-                        <a:spcAft>
-                          <a:spcPts val="0"/>
-                        </a:spcAft>
-                      </a:pPr>
-                      <a:r>
-                        <a:rPr lang="en-US" sz="1600" dirty="0" smtClean="0">
-                          <a:effectLst/>
-                          <a:latin typeface="Times New Roman" pitchFamily="18" charset="0"/>
-                          <a:cs typeface="Times New Roman" pitchFamily="18" charset="0"/>
-                        </a:rPr>
-                        <a:t>Method</a:t>
-                      </a:r>
-                      <a:r>
-                        <a:rPr lang="en-US" sz="1800" dirty="0">
-                          <a:effectLst/>
-                          <a:latin typeface="Times New Roman" pitchFamily="18" charset="0"/>
-                          <a:cs typeface="Times New Roman" pitchFamily="18" charset="0"/>
-                        </a:rPr>
-                        <a:t> </a:t>
-                      </a:r>
-                      <a:endParaRPr lang="en-US" sz="1800" dirty="0">
-                        <a:effectLst/>
-                        <a:latin typeface="Times New Roman" pitchFamily="18" charset="0"/>
-                        <a:ea typeface="Calibri"/>
-                        <a:cs typeface="Times New Roman" pitchFamily="18" charset="0"/>
-                      </a:endParaRPr>
-                    </a:p>
-                  </a:txBody>
-                  <a:tcPr marL="68580" marR="68580" marT="0" marB="0"/>
-                </a:tc>
-                <a:tc>
-                  <a:txBody>
-                    <a:bodyPr/>
-                    <a:lstStyle/>
-                    <a:p>
-                      <a:pPr marL="0" marR="0" algn="ctr">
-                        <a:lnSpc>
-                          <a:spcPct val="115000"/>
-                        </a:lnSpc>
-                        <a:spcBef>
-                          <a:spcPts val="0"/>
-                        </a:spcBef>
-                        <a:spcAft>
-                          <a:spcPts val="0"/>
-                        </a:spcAft>
-                      </a:pPr>
-                      <a:r>
-                        <a:rPr lang="en-US" sz="1800" dirty="0">
-                          <a:effectLst/>
-                          <a:latin typeface="Times New Roman" pitchFamily="18" charset="0"/>
-                          <a:cs typeface="Times New Roman" pitchFamily="18" charset="0"/>
-                        </a:rPr>
-                        <a:t>T=NR* (</a:t>
-                      </a:r>
-                      <a:r>
-                        <a:rPr lang="en-US" sz="1800" dirty="0" err="1">
-                          <a:effectLst/>
-                          <a:latin typeface="Times New Roman" pitchFamily="18" charset="0"/>
-                          <a:cs typeface="Times New Roman" pitchFamily="18" charset="0"/>
-                        </a:rPr>
-                        <a:t>x°C</a:t>
-                      </a:r>
-                      <a:r>
-                        <a:rPr lang="en-US" sz="1800" dirty="0" smtClean="0">
-                          <a:effectLst/>
-                          <a:latin typeface="Times New Roman" pitchFamily="18" charset="0"/>
-                          <a:cs typeface="Times New Roman" pitchFamily="18" charset="0"/>
-                        </a:rPr>
-                        <a:t>)</a:t>
-                      </a:r>
-                    </a:p>
-                    <a:p>
-                      <a:pPr marL="0" marR="0" algn="ctr">
-                        <a:lnSpc>
-                          <a:spcPct val="115000"/>
-                        </a:lnSpc>
-                        <a:spcBef>
-                          <a:spcPts val="0"/>
-                        </a:spcBef>
-                        <a:spcAft>
-                          <a:spcPts val="0"/>
-                        </a:spcAft>
-                      </a:pPr>
-                      <a:r>
-                        <a:rPr lang="en-US" sz="1000" dirty="0" smtClean="0">
-                          <a:effectLst/>
-                          <a:latin typeface="Times New Roman" pitchFamily="18" charset="0"/>
-                          <a:ea typeface="Calibri"/>
-                          <a:cs typeface="Times New Roman" pitchFamily="18" charset="0"/>
-                        </a:rPr>
-                        <a:t>Normal Range(20</a:t>
-                      </a:r>
-                      <a:r>
-                        <a:rPr lang="en-US" sz="1000" dirty="0" smtClean="0">
-                          <a:effectLst/>
-                          <a:latin typeface="Times New Roman" pitchFamily="18" charset="0"/>
-                          <a:cs typeface="Times New Roman" pitchFamily="18" charset="0"/>
-                        </a:rPr>
-                        <a:t>°C</a:t>
-                      </a:r>
-                      <a:r>
-                        <a:rPr lang="en-US" sz="1000" dirty="0" smtClean="0">
-                          <a:effectLst/>
-                          <a:latin typeface="Times New Roman" pitchFamily="18" charset="0"/>
-                          <a:ea typeface="Calibri"/>
-                          <a:cs typeface="Times New Roman" pitchFamily="18" charset="0"/>
-                        </a:rPr>
-                        <a:t> to 27</a:t>
-                      </a:r>
-                      <a:r>
-                        <a:rPr lang="en-US" sz="1000" dirty="0" smtClean="0">
-                          <a:effectLst/>
-                          <a:latin typeface="Times New Roman" pitchFamily="18" charset="0"/>
-                          <a:cs typeface="Times New Roman" pitchFamily="18" charset="0"/>
-                        </a:rPr>
-                        <a:t>°C</a:t>
-                      </a:r>
-                      <a:r>
-                        <a:rPr lang="en-US" sz="1000" dirty="0" smtClean="0">
-                          <a:effectLst/>
-                          <a:latin typeface="Times New Roman" pitchFamily="18" charset="0"/>
-                          <a:ea typeface="Calibri"/>
-                          <a:cs typeface="Times New Roman" pitchFamily="18" charset="0"/>
-                        </a:rPr>
-                        <a:t>)</a:t>
-                      </a:r>
-                      <a:endParaRPr lang="en-US" sz="1000" dirty="0">
-                        <a:effectLst/>
-                        <a:latin typeface="Times New Roman" pitchFamily="18" charset="0"/>
-                        <a:ea typeface="Calibri"/>
-                        <a:cs typeface="Times New Roman" pitchFamily="18" charset="0"/>
-                      </a:endParaRPr>
-                    </a:p>
-                  </a:txBody>
-                  <a:tcPr marL="68580" marR="68580" marT="0" marB="0"/>
-                </a:tc>
-                <a:tc>
-                  <a:txBody>
-                    <a:bodyPr/>
-                    <a:lstStyle/>
-                    <a:p>
-                      <a:pPr marL="0" marR="0" algn="ctr">
-                        <a:lnSpc>
-                          <a:spcPct val="115000"/>
-                        </a:lnSpc>
-                        <a:spcBef>
-                          <a:spcPts val="0"/>
-                        </a:spcBef>
-                        <a:spcAft>
-                          <a:spcPts val="0"/>
-                        </a:spcAft>
-                      </a:pPr>
-                      <a:r>
-                        <a:rPr lang="en-US" sz="1800">
-                          <a:effectLst/>
-                          <a:latin typeface="Times New Roman" pitchFamily="18" charset="0"/>
-                          <a:cs typeface="Times New Roman" pitchFamily="18" charset="0"/>
-                        </a:rPr>
-                        <a:t>Green led is on(Void)</a:t>
-                      </a:r>
-                      <a:endParaRPr lang="en-US" sz="1800">
-                        <a:effectLst/>
-                        <a:latin typeface="Times New Roman" pitchFamily="18" charset="0"/>
-                        <a:ea typeface="Calibri"/>
-                        <a:cs typeface="Times New Roman" pitchFamily="18" charset="0"/>
-                      </a:endParaRPr>
-                    </a:p>
-                  </a:txBody>
-                  <a:tcPr marL="68580" marR="68580" marT="0" marB="0"/>
-                </a:tc>
-                <a:tc>
-                  <a:txBody>
-                    <a:bodyPr/>
-                    <a:lstStyle/>
-                    <a:p>
-                      <a:pPr marL="0" marR="0" algn="ctr">
-                        <a:lnSpc>
-                          <a:spcPct val="115000"/>
-                        </a:lnSpc>
-                        <a:spcBef>
-                          <a:spcPts val="0"/>
-                        </a:spcBef>
-                        <a:spcAft>
-                          <a:spcPts val="0"/>
-                        </a:spcAft>
-                      </a:pPr>
-                      <a:r>
-                        <a:rPr lang="en-US" sz="1800">
-                          <a:effectLst/>
-                          <a:latin typeface="Times New Roman" pitchFamily="18" charset="0"/>
-                          <a:cs typeface="Times New Roman" pitchFamily="18" charset="0"/>
-                        </a:rPr>
-                        <a:t>Passed</a:t>
-                      </a:r>
-                      <a:endParaRPr lang="en-US" sz="1800">
-                        <a:effectLst/>
-                        <a:latin typeface="Times New Roman" pitchFamily="18" charset="0"/>
-                        <a:ea typeface="Calibri"/>
-                        <a:cs typeface="Times New Roman" pitchFamily="18" charset="0"/>
-                      </a:endParaRPr>
-                    </a:p>
-                  </a:txBody>
-                  <a:tcPr marL="68580" marR="68580" marT="0" marB="0"/>
-                </a:tc>
-              </a:tr>
-              <a:tr h="574489">
-                <a:tc>
-                  <a:txBody>
-                    <a:bodyPr/>
-                    <a:lstStyle/>
-                    <a:p>
-                      <a:pPr marL="0" marR="0" algn="ctr">
-                        <a:lnSpc>
-                          <a:spcPct val="115000"/>
-                        </a:lnSpc>
-                        <a:spcBef>
-                          <a:spcPts val="0"/>
-                        </a:spcBef>
-                        <a:spcAft>
-                          <a:spcPts val="0"/>
-                        </a:spcAft>
-                      </a:pPr>
-                      <a:r>
-                        <a:rPr lang="en-US" sz="1800" dirty="0">
-                          <a:effectLst/>
-                          <a:latin typeface="Times New Roman" pitchFamily="18" charset="0"/>
-                          <a:cs typeface="Times New Roman" pitchFamily="18" charset="0"/>
-                        </a:rPr>
-                        <a:t>setup</a:t>
-                      </a:r>
-                      <a:endParaRPr lang="en-US" sz="1800" dirty="0">
-                        <a:effectLst/>
-                        <a:latin typeface="Times New Roman" pitchFamily="18" charset="0"/>
-                        <a:ea typeface="Calibri"/>
-                        <a:cs typeface="Times New Roman" pitchFamily="18" charset="0"/>
-                      </a:endParaRPr>
-                    </a:p>
-                  </a:txBody>
-                  <a:tcPr marL="68580" marR="68580" marT="0" marB="0"/>
-                </a:tc>
-                <a:tc>
-                  <a:txBody>
-                    <a:bodyPr/>
-                    <a:lstStyle/>
-                    <a:p>
-                      <a:pPr marL="0" marR="0" algn="ctr">
-                        <a:lnSpc>
-                          <a:spcPct val="115000"/>
-                        </a:lnSpc>
-                        <a:spcBef>
-                          <a:spcPts val="0"/>
-                        </a:spcBef>
-                        <a:spcAft>
-                          <a:spcPts val="0"/>
-                        </a:spcAft>
-                      </a:pPr>
-                      <a:r>
-                        <a:rPr lang="en-US" sz="1800">
-                          <a:effectLst/>
-                          <a:latin typeface="Times New Roman" pitchFamily="18" charset="0"/>
-                          <a:cs typeface="Times New Roman" pitchFamily="18" charset="0"/>
-                        </a:rPr>
-                        <a:t>Nothing</a:t>
-                      </a:r>
-                      <a:endParaRPr lang="en-US" sz="1800">
-                        <a:effectLst/>
-                        <a:latin typeface="Times New Roman" pitchFamily="18" charset="0"/>
-                        <a:ea typeface="Calibri"/>
-                        <a:cs typeface="Times New Roman" pitchFamily="18" charset="0"/>
-                      </a:endParaRPr>
-                    </a:p>
-                  </a:txBody>
-                  <a:tcPr marL="68580" marR="68580" marT="0" marB="0"/>
-                </a:tc>
-                <a:tc>
-                  <a:txBody>
-                    <a:bodyPr/>
-                    <a:lstStyle/>
-                    <a:p>
-                      <a:pPr marL="0" marR="0" algn="ctr">
-                        <a:lnSpc>
-                          <a:spcPct val="115000"/>
-                        </a:lnSpc>
-                        <a:spcBef>
-                          <a:spcPts val="0"/>
-                        </a:spcBef>
-                        <a:spcAft>
-                          <a:spcPts val="0"/>
-                        </a:spcAft>
-                      </a:pPr>
-                      <a:r>
-                        <a:rPr lang="en-US" sz="1600" dirty="0" smtClean="0">
-                          <a:effectLst/>
-                          <a:latin typeface="Times New Roman" pitchFamily="18" charset="0"/>
-                          <a:cs typeface="Times New Roman" pitchFamily="18" charset="0"/>
-                        </a:rPr>
-                        <a:t>Method</a:t>
-                      </a:r>
-                      <a:r>
-                        <a:rPr lang="en-US" sz="1800" dirty="0">
-                          <a:effectLst/>
-                          <a:latin typeface="Times New Roman" pitchFamily="18" charset="0"/>
-                          <a:cs typeface="Times New Roman" pitchFamily="18" charset="0"/>
-                        </a:rPr>
-                        <a:t> </a:t>
-                      </a:r>
-                      <a:endParaRPr lang="en-US" sz="1800" dirty="0">
-                        <a:effectLst/>
-                        <a:latin typeface="Times New Roman" pitchFamily="18" charset="0"/>
-                        <a:ea typeface="Calibri"/>
-                        <a:cs typeface="Times New Roman" pitchFamily="18" charset="0"/>
-                      </a:endParaRPr>
-                    </a:p>
-                  </a:txBody>
-                  <a:tcPr marL="68580" marR="68580" marT="0" marB="0"/>
-                </a:tc>
-                <a:tc>
-                  <a:txBody>
-                    <a:bodyPr/>
-                    <a:lstStyle/>
-                    <a:p>
-                      <a:pPr marL="0" marR="0" algn="ctr">
-                        <a:lnSpc>
-                          <a:spcPct val="115000"/>
-                        </a:lnSpc>
-                        <a:spcBef>
-                          <a:spcPts val="0"/>
-                        </a:spcBef>
-                        <a:spcAft>
-                          <a:spcPts val="0"/>
-                        </a:spcAft>
-                      </a:pPr>
-                      <a:r>
-                        <a:rPr lang="en-US" sz="1800" dirty="0">
-                          <a:effectLst/>
-                          <a:latin typeface="Times New Roman" pitchFamily="18" charset="0"/>
-                          <a:cs typeface="Times New Roman" pitchFamily="18" charset="0"/>
-                        </a:rPr>
-                        <a:t>Nothing</a:t>
-                      </a:r>
-                      <a:endParaRPr lang="en-US" sz="1800" dirty="0">
-                        <a:effectLst/>
-                        <a:latin typeface="Times New Roman" pitchFamily="18" charset="0"/>
-                        <a:ea typeface="Calibri"/>
-                        <a:cs typeface="Times New Roman" pitchFamily="18" charset="0"/>
-                      </a:endParaRPr>
-                    </a:p>
-                  </a:txBody>
-                  <a:tcPr marL="68580" marR="68580" marT="0" marB="0"/>
-                </a:tc>
-                <a:tc>
-                  <a:txBody>
-                    <a:bodyPr/>
-                    <a:lstStyle/>
-                    <a:p>
-                      <a:pPr marL="0" marR="0" algn="ctr">
-                        <a:lnSpc>
-                          <a:spcPct val="115000"/>
-                        </a:lnSpc>
-                        <a:spcBef>
-                          <a:spcPts val="0"/>
-                        </a:spcBef>
-                        <a:spcAft>
-                          <a:spcPts val="0"/>
-                        </a:spcAft>
-                      </a:pPr>
-                      <a:r>
-                        <a:rPr lang="en-US" sz="1800">
-                          <a:effectLst/>
-                          <a:latin typeface="Times New Roman" pitchFamily="18" charset="0"/>
-                          <a:cs typeface="Times New Roman" pitchFamily="18" charset="0"/>
-                        </a:rPr>
-                        <a:t>Flashing the green led(Void)</a:t>
-                      </a:r>
-                      <a:endParaRPr lang="en-US" sz="1800">
-                        <a:effectLst/>
-                        <a:latin typeface="Times New Roman" pitchFamily="18" charset="0"/>
-                        <a:ea typeface="Calibri"/>
-                        <a:cs typeface="Times New Roman" pitchFamily="18" charset="0"/>
-                      </a:endParaRPr>
-                    </a:p>
-                  </a:txBody>
-                  <a:tcPr marL="68580" marR="68580" marT="0" marB="0"/>
-                </a:tc>
-                <a:tc>
-                  <a:txBody>
-                    <a:bodyPr/>
-                    <a:lstStyle/>
-                    <a:p>
-                      <a:pPr marL="0" marR="0" algn="ctr">
-                        <a:lnSpc>
-                          <a:spcPct val="115000"/>
-                        </a:lnSpc>
-                        <a:spcBef>
-                          <a:spcPts val="0"/>
-                        </a:spcBef>
-                        <a:spcAft>
-                          <a:spcPts val="0"/>
-                        </a:spcAft>
-                      </a:pPr>
-                      <a:r>
-                        <a:rPr lang="en-US" sz="1800" dirty="0">
-                          <a:effectLst/>
-                          <a:latin typeface="Times New Roman" pitchFamily="18" charset="0"/>
-                          <a:cs typeface="Times New Roman" pitchFamily="18" charset="0"/>
-                        </a:rPr>
-                        <a:t>Passed</a:t>
-                      </a:r>
-                      <a:endParaRPr lang="en-US" sz="1800" dirty="0">
-                        <a:effectLst/>
-                        <a:latin typeface="Times New Roman" pitchFamily="18" charset="0"/>
-                        <a:ea typeface="Calibri"/>
-                        <a:cs typeface="Times New Roman" pitchFamily="18" charset="0"/>
-                      </a:endParaRPr>
-                    </a:p>
-                  </a:txBody>
-                  <a:tcPr marL="68580" marR="68580" marT="0" marB="0"/>
-                </a:tc>
-              </a:tr>
-              <a:tr h="870430">
-                <a:tc>
-                  <a:txBody>
-                    <a:bodyPr/>
-                    <a:lstStyle/>
-                    <a:p>
-                      <a:pPr marL="0" marR="0" algn="ctr">
-                        <a:lnSpc>
-                          <a:spcPct val="115000"/>
-                        </a:lnSpc>
-                        <a:spcBef>
-                          <a:spcPts val="0"/>
-                        </a:spcBef>
-                        <a:spcAft>
-                          <a:spcPts val="0"/>
-                        </a:spcAft>
-                      </a:pPr>
-                      <a:r>
-                        <a:rPr lang="en-US" sz="1800" dirty="0">
-                          <a:effectLst/>
-                          <a:latin typeface="Times New Roman" pitchFamily="18" charset="0"/>
-                          <a:cs typeface="Times New Roman" pitchFamily="18" charset="0"/>
-                        </a:rPr>
-                        <a:t>cleanup</a:t>
-                      </a:r>
-                      <a:endParaRPr lang="en-US" sz="1800" dirty="0">
-                        <a:effectLst/>
-                        <a:latin typeface="Times New Roman" pitchFamily="18" charset="0"/>
-                        <a:ea typeface="Calibri"/>
-                        <a:cs typeface="Times New Roman" pitchFamily="18" charset="0"/>
-                      </a:endParaRPr>
-                    </a:p>
-                  </a:txBody>
-                  <a:tcPr marL="68580" marR="68580" marT="0" marB="0"/>
-                </a:tc>
-                <a:tc>
-                  <a:txBody>
-                    <a:bodyPr/>
-                    <a:lstStyle/>
-                    <a:p>
-                      <a:pPr marL="0" marR="0" algn="ctr">
-                        <a:lnSpc>
-                          <a:spcPct val="115000"/>
-                        </a:lnSpc>
-                        <a:spcBef>
-                          <a:spcPts val="0"/>
-                        </a:spcBef>
-                        <a:spcAft>
-                          <a:spcPts val="0"/>
-                        </a:spcAft>
-                      </a:pPr>
-                      <a:r>
-                        <a:rPr lang="en-US" sz="1800" dirty="0">
-                          <a:effectLst/>
-                          <a:latin typeface="Times New Roman" pitchFamily="18" charset="0"/>
-                          <a:cs typeface="Times New Roman" pitchFamily="18" charset="0"/>
-                        </a:rPr>
-                        <a:t>Nothing</a:t>
-                      </a:r>
-                      <a:endParaRPr lang="en-US" sz="1800" dirty="0">
-                        <a:effectLst/>
-                        <a:latin typeface="Times New Roman" pitchFamily="18" charset="0"/>
-                        <a:ea typeface="Calibri"/>
-                        <a:cs typeface="Times New Roman" pitchFamily="18" charset="0"/>
-                      </a:endParaRPr>
-                    </a:p>
-                  </a:txBody>
-                  <a:tcPr marL="68580" marR="68580" marT="0" marB="0"/>
-                </a:tc>
-                <a:tc>
-                  <a:txBody>
-                    <a:bodyPr/>
-                    <a:lstStyle/>
-                    <a:p>
-                      <a:pPr marL="0" marR="0" algn="ctr">
-                        <a:lnSpc>
-                          <a:spcPct val="115000"/>
-                        </a:lnSpc>
-                        <a:spcBef>
-                          <a:spcPts val="0"/>
-                        </a:spcBef>
-                        <a:spcAft>
-                          <a:spcPts val="0"/>
-                        </a:spcAft>
-                      </a:pPr>
-                      <a:r>
-                        <a:rPr lang="en-US" sz="1600" dirty="0">
-                          <a:effectLst/>
-                          <a:latin typeface="Times New Roman" pitchFamily="18" charset="0"/>
-                          <a:cs typeface="Times New Roman" pitchFamily="18" charset="0"/>
-                        </a:rPr>
-                        <a:t> </a:t>
-                      </a:r>
-                      <a:r>
-                        <a:rPr lang="en-US" sz="1600" dirty="0" smtClean="0">
-                          <a:effectLst/>
-                          <a:latin typeface="Times New Roman" pitchFamily="18" charset="0"/>
-                          <a:cs typeface="Times New Roman" pitchFamily="18" charset="0"/>
-                        </a:rPr>
-                        <a:t>Method</a:t>
-                      </a:r>
-                      <a:endParaRPr lang="en-US" sz="1600" dirty="0">
-                        <a:effectLst/>
-                        <a:latin typeface="Times New Roman" pitchFamily="18" charset="0"/>
-                        <a:ea typeface="Calibri"/>
-                        <a:cs typeface="Times New Roman" pitchFamily="18" charset="0"/>
-                      </a:endParaRPr>
-                    </a:p>
-                  </a:txBody>
-                  <a:tcPr marL="68580" marR="68580" marT="0" marB="0"/>
-                </a:tc>
-                <a:tc>
-                  <a:txBody>
-                    <a:bodyPr/>
-                    <a:lstStyle/>
-                    <a:p>
-                      <a:pPr marL="0" marR="0" algn="ctr">
-                        <a:lnSpc>
-                          <a:spcPct val="115000"/>
-                        </a:lnSpc>
-                        <a:spcBef>
-                          <a:spcPts val="0"/>
-                        </a:spcBef>
-                        <a:spcAft>
-                          <a:spcPts val="0"/>
-                        </a:spcAft>
-                      </a:pPr>
-                      <a:r>
-                        <a:rPr lang="en-US" sz="1800" dirty="0">
-                          <a:effectLst/>
-                          <a:latin typeface="Times New Roman" pitchFamily="18" charset="0"/>
-                          <a:cs typeface="Times New Roman" pitchFamily="18" charset="0"/>
-                        </a:rPr>
-                        <a:t>Nothing</a:t>
-                      </a:r>
-                      <a:endParaRPr lang="en-US" sz="1800" dirty="0">
-                        <a:effectLst/>
-                        <a:latin typeface="Times New Roman" pitchFamily="18" charset="0"/>
-                        <a:ea typeface="Calibri"/>
-                        <a:cs typeface="Times New Roman" pitchFamily="18" charset="0"/>
-                      </a:endParaRPr>
-                    </a:p>
-                  </a:txBody>
-                  <a:tcPr marL="68580" marR="68580" marT="0" marB="0"/>
-                </a:tc>
-                <a:tc>
-                  <a:txBody>
-                    <a:bodyPr/>
-                    <a:lstStyle/>
-                    <a:p>
-                      <a:pPr marL="0" marR="0" algn="ctr">
-                        <a:lnSpc>
-                          <a:spcPct val="115000"/>
-                        </a:lnSpc>
-                        <a:spcBef>
-                          <a:spcPts val="0"/>
-                        </a:spcBef>
-                        <a:spcAft>
-                          <a:spcPts val="0"/>
-                        </a:spcAft>
-                      </a:pPr>
-                      <a:r>
-                        <a:rPr lang="en-US" sz="1800">
-                          <a:effectLst/>
-                          <a:latin typeface="Times New Roman" pitchFamily="18" charset="0"/>
-                          <a:cs typeface="Times New Roman" pitchFamily="18" charset="0"/>
-                        </a:rPr>
-                        <a:t>Flashing both (green and red)</a:t>
-                      </a:r>
-                    </a:p>
-                    <a:p>
-                      <a:pPr marL="0" marR="0" algn="ctr">
-                        <a:lnSpc>
-                          <a:spcPct val="115000"/>
-                        </a:lnSpc>
-                        <a:spcBef>
-                          <a:spcPts val="0"/>
-                        </a:spcBef>
-                        <a:spcAft>
-                          <a:spcPts val="0"/>
-                        </a:spcAft>
-                      </a:pPr>
-                      <a:r>
-                        <a:rPr lang="en-US" sz="1800">
-                          <a:effectLst/>
-                          <a:latin typeface="Times New Roman" pitchFamily="18" charset="0"/>
-                          <a:cs typeface="Times New Roman" pitchFamily="18" charset="0"/>
-                        </a:rPr>
-                        <a:t>(Void)</a:t>
-                      </a:r>
-                      <a:endParaRPr lang="en-US" sz="1800">
-                        <a:effectLst/>
-                        <a:latin typeface="Times New Roman" pitchFamily="18" charset="0"/>
-                        <a:ea typeface="Calibri"/>
-                        <a:cs typeface="Times New Roman" pitchFamily="18" charset="0"/>
-                      </a:endParaRPr>
-                    </a:p>
-                  </a:txBody>
-                  <a:tcPr marL="68580" marR="68580" marT="0" marB="0"/>
-                </a:tc>
-                <a:tc>
-                  <a:txBody>
-                    <a:bodyPr/>
-                    <a:lstStyle/>
-                    <a:p>
-                      <a:pPr marL="0" marR="0" algn="ctr">
-                        <a:lnSpc>
-                          <a:spcPct val="115000"/>
-                        </a:lnSpc>
-                        <a:spcBef>
-                          <a:spcPts val="0"/>
-                        </a:spcBef>
-                        <a:spcAft>
-                          <a:spcPts val="0"/>
-                        </a:spcAft>
-                      </a:pPr>
-                      <a:r>
-                        <a:rPr lang="en-US" sz="1800" dirty="0">
-                          <a:effectLst/>
-                          <a:latin typeface="Times New Roman" pitchFamily="18" charset="0"/>
-                          <a:cs typeface="Times New Roman" pitchFamily="18" charset="0"/>
-                        </a:rPr>
-                        <a:t>Passed</a:t>
-                      </a:r>
-                      <a:endParaRPr lang="en-US" sz="1800" dirty="0">
-                        <a:effectLst/>
-                        <a:latin typeface="Times New Roman" pitchFamily="18" charset="0"/>
-                        <a:ea typeface="Calibri"/>
-                        <a:cs typeface="Times New Roman" pitchFamily="18" charset="0"/>
-                      </a:endParaRPr>
-                    </a:p>
-                  </a:txBody>
-                  <a:tcPr marL="68580" marR="68580" marT="0" marB="0"/>
-                </a:tc>
-              </a:tr>
-              <a:tr h="870430">
-                <a:tc>
-                  <a:txBody>
-                    <a:bodyPr/>
-                    <a:lstStyle/>
-                    <a:p>
-                      <a:pPr marL="0" marR="0" algn="ctr">
-                        <a:lnSpc>
-                          <a:spcPct val="115000"/>
-                        </a:lnSpc>
-                        <a:spcBef>
-                          <a:spcPts val="0"/>
-                        </a:spcBef>
-                        <a:spcAft>
-                          <a:spcPts val="0"/>
-                        </a:spcAft>
-                      </a:pPr>
-                      <a:r>
-                        <a:rPr lang="en-US" sz="1800">
-                          <a:effectLst/>
-                          <a:latin typeface="Times New Roman" pitchFamily="18" charset="0"/>
-                          <a:cs typeface="Times New Roman" pitchFamily="18" charset="0"/>
-                        </a:rPr>
-                        <a:t> </a:t>
-                      </a:r>
-                      <a:endParaRPr lang="en-US" sz="1800">
-                        <a:effectLst/>
-                        <a:latin typeface="Times New Roman" pitchFamily="18" charset="0"/>
-                        <a:ea typeface="Calibri"/>
-                        <a:cs typeface="Times New Roman" pitchFamily="18" charset="0"/>
-                      </a:endParaRPr>
-                    </a:p>
-                  </a:txBody>
-                  <a:tcPr marL="68580" marR="68580" marT="0" marB="0"/>
-                </a:tc>
-                <a:tc>
-                  <a:txBody>
-                    <a:bodyPr/>
-                    <a:lstStyle/>
-                    <a:p>
-                      <a:pPr marL="0" marR="0" algn="ctr">
-                        <a:lnSpc>
-                          <a:spcPct val="115000"/>
-                        </a:lnSpc>
-                        <a:spcBef>
-                          <a:spcPts val="0"/>
-                        </a:spcBef>
-                        <a:spcAft>
-                          <a:spcPts val="0"/>
-                        </a:spcAft>
-                      </a:pPr>
-                      <a:r>
-                        <a:rPr lang="en-US" sz="1800">
-                          <a:effectLst/>
-                          <a:latin typeface="Times New Roman" pitchFamily="18" charset="0"/>
-                          <a:cs typeface="Times New Roman" pitchFamily="18" charset="0"/>
-                        </a:rPr>
-                        <a:t> </a:t>
-                      </a:r>
-                      <a:endParaRPr lang="en-US" sz="1800">
-                        <a:effectLst/>
-                        <a:latin typeface="Times New Roman" pitchFamily="18" charset="0"/>
-                        <a:ea typeface="Calibri"/>
-                        <a:cs typeface="Times New Roman" pitchFamily="18" charset="0"/>
-                      </a:endParaRPr>
-                    </a:p>
-                  </a:txBody>
-                  <a:tcPr marL="68580" marR="68580" marT="0" marB="0"/>
-                </a:tc>
-                <a:tc>
-                  <a:txBody>
-                    <a:bodyPr/>
-                    <a:lstStyle/>
-                    <a:p>
-                      <a:pPr marL="0" marR="0" algn="ctr">
-                        <a:lnSpc>
-                          <a:spcPct val="115000"/>
-                        </a:lnSpc>
-                        <a:spcBef>
-                          <a:spcPts val="0"/>
-                        </a:spcBef>
-                        <a:spcAft>
-                          <a:spcPts val="0"/>
-                        </a:spcAft>
-                      </a:pPr>
-                      <a:r>
-                        <a:rPr lang="en-US" sz="1800" dirty="0" err="1" smtClean="0">
-                          <a:effectLst/>
-                          <a:latin typeface="Times New Roman" pitchFamily="18" charset="0"/>
-                          <a:cs typeface="Times New Roman" pitchFamily="18" charset="0"/>
-                        </a:rPr>
-                        <a:t>HTCase</a:t>
-                      </a:r>
-                      <a:r>
-                        <a:rPr lang="en-US" sz="1800" dirty="0" smtClean="0">
-                          <a:effectLst/>
-                          <a:latin typeface="Times New Roman" pitchFamily="18" charset="0"/>
-                          <a:cs typeface="Times New Roman" pitchFamily="18" charset="0"/>
-                        </a:rPr>
-                        <a:t> one</a:t>
-                      </a:r>
-                      <a:endParaRPr lang="en-US" sz="1800" dirty="0">
-                        <a:effectLst/>
-                        <a:latin typeface="Times New Roman" pitchFamily="18" charset="0"/>
-                        <a:ea typeface="Calibri"/>
-                        <a:cs typeface="Times New Roman" pitchFamily="18" charset="0"/>
-                      </a:endParaRPr>
-                    </a:p>
-                  </a:txBody>
-                  <a:tcPr marL="68580" marR="68580" marT="0" marB="0"/>
-                </a:tc>
-                <a:tc>
-                  <a:txBody>
-                    <a:bodyPr/>
-                    <a:lstStyle/>
-                    <a:p>
-                      <a:pPr marL="0" marR="0" algn="ctr">
-                        <a:lnSpc>
-                          <a:spcPct val="115000"/>
-                        </a:lnSpc>
-                        <a:spcBef>
-                          <a:spcPts val="0"/>
-                        </a:spcBef>
-                        <a:spcAft>
-                          <a:spcPts val="0"/>
-                        </a:spcAft>
-                      </a:pPr>
-                      <a:r>
-                        <a:rPr lang="en-US" sz="1800" dirty="0">
-                          <a:effectLst/>
-                          <a:latin typeface="Times New Roman" pitchFamily="18" charset="0"/>
-                          <a:cs typeface="Times New Roman" pitchFamily="18" charset="0"/>
-                        </a:rPr>
-                        <a:t>Touch the sensor with an ice cube ( in a plastic bag)</a:t>
-                      </a:r>
-                      <a:endParaRPr lang="en-US" sz="1800" dirty="0">
-                        <a:effectLst/>
-                        <a:latin typeface="Times New Roman" pitchFamily="18" charset="0"/>
-                        <a:ea typeface="Calibri"/>
-                        <a:cs typeface="Times New Roman" pitchFamily="18" charset="0"/>
-                      </a:endParaRPr>
-                    </a:p>
-                  </a:txBody>
-                  <a:tcPr marL="68580" marR="68580" marT="0" marB="0"/>
-                </a:tc>
-                <a:tc>
-                  <a:txBody>
-                    <a:bodyPr/>
-                    <a:lstStyle/>
-                    <a:p>
-                      <a:pPr marL="0" marR="0" algn="ctr">
-                        <a:lnSpc>
-                          <a:spcPct val="115000"/>
-                        </a:lnSpc>
-                        <a:spcBef>
-                          <a:spcPts val="0"/>
-                        </a:spcBef>
-                        <a:spcAft>
-                          <a:spcPts val="0"/>
-                        </a:spcAft>
-                      </a:pPr>
-                      <a:r>
-                        <a:rPr lang="en-US" sz="1800" dirty="0">
-                          <a:effectLst/>
-                          <a:latin typeface="Times New Roman" pitchFamily="18" charset="0"/>
-                          <a:cs typeface="Times New Roman" pitchFamily="18" charset="0"/>
-                        </a:rPr>
-                        <a:t>Temperature readings are decreasing</a:t>
-                      </a:r>
-                      <a:endParaRPr lang="en-US" sz="1800" dirty="0">
-                        <a:effectLst/>
-                        <a:latin typeface="Times New Roman" pitchFamily="18" charset="0"/>
-                        <a:ea typeface="Calibri"/>
-                        <a:cs typeface="Times New Roman" pitchFamily="18" charset="0"/>
-                      </a:endParaRPr>
-                    </a:p>
-                  </a:txBody>
-                  <a:tcPr marL="68580" marR="68580" marT="0" marB="0"/>
-                </a:tc>
-                <a:tc>
-                  <a:txBody>
-                    <a:bodyPr/>
-                    <a:lstStyle/>
-                    <a:p>
-                      <a:pPr marL="0" marR="0" algn="ctr">
-                        <a:lnSpc>
-                          <a:spcPct val="115000"/>
-                        </a:lnSpc>
-                        <a:spcBef>
-                          <a:spcPts val="0"/>
-                        </a:spcBef>
-                        <a:spcAft>
-                          <a:spcPts val="0"/>
-                        </a:spcAft>
-                      </a:pPr>
-                      <a:r>
-                        <a:rPr lang="en-US" sz="1800">
-                          <a:effectLst/>
-                          <a:latin typeface="Times New Roman" pitchFamily="18" charset="0"/>
-                          <a:cs typeface="Times New Roman" pitchFamily="18" charset="0"/>
-                        </a:rPr>
-                        <a:t>Passed</a:t>
-                      </a:r>
-                      <a:endParaRPr lang="en-US" sz="1800">
-                        <a:effectLst/>
-                        <a:latin typeface="Times New Roman" pitchFamily="18" charset="0"/>
-                        <a:ea typeface="Calibri"/>
-                        <a:cs typeface="Times New Roman" pitchFamily="18" charset="0"/>
-                      </a:endParaRPr>
-                    </a:p>
-                  </a:txBody>
-                  <a:tcPr marL="68580" marR="68580" marT="0" marB="0"/>
-                </a:tc>
-              </a:tr>
-              <a:tr h="808900">
-                <a:tc>
-                  <a:txBody>
-                    <a:bodyPr/>
-                    <a:lstStyle/>
-                    <a:p>
-                      <a:pPr marL="0" marR="0" algn="ctr">
-                        <a:lnSpc>
-                          <a:spcPct val="115000"/>
-                        </a:lnSpc>
-                        <a:spcBef>
-                          <a:spcPts val="0"/>
-                        </a:spcBef>
-                        <a:spcAft>
-                          <a:spcPts val="0"/>
-                        </a:spcAft>
-                      </a:pPr>
-                      <a:r>
-                        <a:rPr lang="en-US" sz="1800">
-                          <a:effectLst/>
-                          <a:latin typeface="Times New Roman" pitchFamily="18" charset="0"/>
-                          <a:cs typeface="Times New Roman" pitchFamily="18" charset="0"/>
-                        </a:rPr>
-                        <a:t> </a:t>
-                      </a:r>
-                      <a:endParaRPr lang="en-US" sz="1800">
-                        <a:effectLst/>
-                        <a:latin typeface="Times New Roman" pitchFamily="18" charset="0"/>
-                        <a:ea typeface="Calibri"/>
-                        <a:cs typeface="Times New Roman" pitchFamily="18" charset="0"/>
-                      </a:endParaRPr>
-                    </a:p>
-                  </a:txBody>
-                  <a:tcPr marL="68580" marR="68580" marT="0" marB="0"/>
-                </a:tc>
-                <a:tc>
-                  <a:txBody>
-                    <a:bodyPr/>
-                    <a:lstStyle/>
-                    <a:p>
-                      <a:pPr marL="0" marR="0" algn="ctr">
-                        <a:lnSpc>
-                          <a:spcPct val="115000"/>
-                        </a:lnSpc>
-                        <a:spcBef>
-                          <a:spcPts val="0"/>
-                        </a:spcBef>
-                        <a:spcAft>
-                          <a:spcPts val="0"/>
-                        </a:spcAft>
-                      </a:pPr>
-                      <a:r>
-                        <a:rPr lang="en-US" sz="1800" dirty="0">
-                          <a:effectLst/>
-                          <a:latin typeface="Times New Roman" pitchFamily="18" charset="0"/>
-                          <a:cs typeface="Times New Roman" pitchFamily="18" charset="0"/>
-                        </a:rPr>
-                        <a:t> </a:t>
-                      </a:r>
-                      <a:endParaRPr lang="en-US" sz="1800" dirty="0">
-                        <a:effectLst/>
-                        <a:latin typeface="Times New Roman" pitchFamily="18" charset="0"/>
-                        <a:ea typeface="Calibri"/>
-                        <a:cs typeface="Times New Roman" pitchFamily="18" charset="0"/>
-                      </a:endParaRPr>
-                    </a:p>
-                  </a:txBody>
-                  <a:tcPr marL="68580" marR="68580" marT="0" marB="0"/>
-                </a:tc>
-                <a:tc>
-                  <a:txBody>
-                    <a:bodyPr/>
-                    <a:lstStyle/>
-                    <a:p>
-                      <a:pPr marL="0" marR="0" algn="ctr">
-                        <a:lnSpc>
-                          <a:spcPct val="115000"/>
-                        </a:lnSpc>
-                        <a:spcBef>
-                          <a:spcPts val="0"/>
-                        </a:spcBef>
-                        <a:spcAft>
-                          <a:spcPts val="0"/>
-                        </a:spcAft>
-                      </a:pPr>
-                      <a:r>
-                        <a:rPr lang="en-US" sz="1800" dirty="0" err="1" smtClean="0">
-                          <a:effectLst/>
-                          <a:latin typeface="Times New Roman" pitchFamily="18" charset="0"/>
-                          <a:cs typeface="Times New Roman" pitchFamily="18" charset="0"/>
-                        </a:rPr>
-                        <a:t>HTCase</a:t>
-                      </a:r>
-                      <a:r>
-                        <a:rPr lang="en-US" sz="1800" dirty="0" smtClean="0">
-                          <a:effectLst/>
-                          <a:latin typeface="Times New Roman" pitchFamily="18" charset="0"/>
-                          <a:cs typeface="Times New Roman" pitchFamily="18" charset="0"/>
-                        </a:rPr>
-                        <a:t> two</a:t>
-                      </a:r>
-                      <a:endParaRPr lang="en-US" sz="1800" dirty="0">
-                        <a:effectLst/>
-                        <a:latin typeface="Times New Roman" pitchFamily="18" charset="0"/>
-                        <a:ea typeface="Calibri"/>
-                        <a:cs typeface="Times New Roman" pitchFamily="18" charset="0"/>
-                      </a:endParaRPr>
-                    </a:p>
-                  </a:txBody>
-                  <a:tcPr marL="68580" marR="68580" marT="0" marB="0"/>
-                </a:tc>
-                <a:tc>
-                  <a:txBody>
-                    <a:bodyPr/>
-                    <a:lstStyle/>
-                    <a:p>
-                      <a:pPr marL="0" marR="0" algn="ctr">
-                        <a:lnSpc>
-                          <a:spcPct val="115000"/>
-                        </a:lnSpc>
-                        <a:spcBef>
-                          <a:spcPts val="0"/>
-                        </a:spcBef>
-                        <a:spcAft>
-                          <a:spcPts val="0"/>
-                        </a:spcAft>
-                      </a:pPr>
-                      <a:r>
-                        <a:rPr lang="en-US" sz="1800" dirty="0">
-                          <a:effectLst/>
-                          <a:latin typeface="Times New Roman" pitchFamily="18" charset="0"/>
-                          <a:cs typeface="Times New Roman" pitchFamily="18" charset="0"/>
-                        </a:rPr>
-                        <a:t>Place a hot object  on the sensor</a:t>
-                      </a:r>
-                      <a:endParaRPr lang="en-US" sz="1800" dirty="0">
-                        <a:effectLst/>
-                        <a:latin typeface="Times New Roman" pitchFamily="18" charset="0"/>
-                        <a:ea typeface="Calibri"/>
-                        <a:cs typeface="Times New Roman" pitchFamily="18" charset="0"/>
-                      </a:endParaRPr>
-                    </a:p>
-                  </a:txBody>
-                  <a:tcPr marL="68580" marR="68580" marT="0" marB="0"/>
-                </a:tc>
-                <a:tc>
-                  <a:txBody>
-                    <a:bodyPr/>
-                    <a:lstStyle/>
-                    <a:p>
-                      <a:pPr marL="0" marR="0" algn="ctr">
-                        <a:lnSpc>
-                          <a:spcPct val="115000"/>
-                        </a:lnSpc>
-                        <a:spcBef>
-                          <a:spcPts val="0"/>
-                        </a:spcBef>
-                        <a:spcAft>
-                          <a:spcPts val="0"/>
-                        </a:spcAft>
-                      </a:pPr>
-                      <a:r>
-                        <a:rPr lang="en-US" sz="1800" dirty="0">
-                          <a:effectLst/>
-                          <a:latin typeface="Times New Roman" pitchFamily="18" charset="0"/>
-                          <a:cs typeface="Times New Roman" pitchFamily="18" charset="0"/>
-                        </a:rPr>
-                        <a:t>Temperature readings are increasing</a:t>
-                      </a:r>
-                      <a:endParaRPr lang="en-US" sz="1800" dirty="0">
-                        <a:effectLst/>
-                        <a:latin typeface="Times New Roman" pitchFamily="18" charset="0"/>
-                        <a:ea typeface="Calibri"/>
-                        <a:cs typeface="Times New Roman" pitchFamily="18" charset="0"/>
-                      </a:endParaRPr>
-                    </a:p>
-                  </a:txBody>
-                  <a:tcPr marL="68580" marR="68580" marT="0" marB="0"/>
-                </a:tc>
-                <a:tc>
-                  <a:txBody>
-                    <a:bodyPr/>
-                    <a:lstStyle/>
-                    <a:p>
-                      <a:pPr marL="0" marR="0" algn="ctr">
-                        <a:lnSpc>
-                          <a:spcPct val="115000"/>
-                        </a:lnSpc>
-                        <a:spcBef>
-                          <a:spcPts val="0"/>
-                        </a:spcBef>
-                        <a:spcAft>
-                          <a:spcPts val="0"/>
-                        </a:spcAft>
-                      </a:pPr>
-                      <a:r>
-                        <a:rPr lang="en-US" sz="1800" dirty="0">
-                          <a:effectLst/>
-                          <a:latin typeface="Times New Roman" pitchFamily="18" charset="0"/>
-                          <a:cs typeface="Times New Roman" pitchFamily="18" charset="0"/>
-                        </a:rPr>
-                        <a:t>Passed</a:t>
-                      </a:r>
-                      <a:endParaRPr lang="en-US" sz="1800" dirty="0">
-                        <a:effectLst/>
-                        <a:latin typeface="Times New Roman" pitchFamily="18" charset="0"/>
-                        <a:ea typeface="Calibri"/>
-                        <a:cs typeface="Times New Roman" pitchFamily="18" charset="0"/>
-                      </a:endParaRPr>
-                    </a:p>
-                  </a:txBody>
-                  <a:tcPr marL="68580" marR="68580" marT="0" marB="0"/>
-                </a:tc>
-              </a:tr>
-            </a:tbl>
-          </a:graphicData>
-        </a:graphic>
-      </p:graphicFrame>
-      <p:sp>
-        <p:nvSpPr>
-          <p:cNvPr id="5" name="TextBox 4"/>
-          <p:cNvSpPr txBox="1"/>
-          <p:nvPr/>
-        </p:nvSpPr>
-        <p:spPr>
-          <a:xfrm>
-            <a:off x="1676400" y="6224372"/>
-            <a:ext cx="5715000" cy="369332"/>
-          </a:xfrm>
-          <a:prstGeom prst="rect">
-            <a:avLst/>
-          </a:prstGeom>
-          <a:noFill/>
-        </p:spPr>
-        <p:txBody>
-          <a:bodyPr wrap="square" rtlCol="0">
-            <a:spAutoFit/>
-          </a:bodyPr>
-          <a:lstStyle/>
-          <a:p>
-            <a:r>
-              <a:rPr lang="en-US" dirty="0">
-                <a:latin typeface="Times New Roman" pitchFamily="18" charset="0"/>
-                <a:cs typeface="Times New Roman" pitchFamily="18" charset="0"/>
-              </a:rPr>
-              <a:t>Table 1.1: Details about Temperature sensor's test cases</a:t>
-            </a:r>
-          </a:p>
-        </p:txBody>
-      </p:sp>
-    </p:spTree>
-    <p:extLst>
-      <p:ext uri="{BB962C8B-B14F-4D97-AF65-F5344CB8AC3E}">
-        <p14:creationId xmlns:p14="http://schemas.microsoft.com/office/powerpoint/2010/main" val="1121056593"/>
-      </p:ext>
-    </p:extLst>
-  </p:cSld>
-  <p:clrMapOvr>
-    <a:masterClrMapping/>
-  </p:clrMapOvr>
-  <p:timing>
-    <p:tnLst>
-      <p:par>
-        <p:cTn id="1" dur="indefinite" restart="never" nodeType="tmRoot"/>
-      </p:par>
-    </p:tnLst>
-  </p:timing>
-</p:sld>
-</file>
-
-<file path=ppt/slides/slide16.xml><?xml version="1.0" encoding="utf-8"?>
-<p:sld xmlns:a="http://schemas.openxmlformats.org/drawingml/2006/main" xmlns:r="http://schemas.openxmlformats.org/officeDocument/2006/relationships" xmlns:p="http://schemas.openxmlformats.org/presentationml/2006/main">
-  <p:cSld>
-    <p:spTree>
-      <p:nvGrpSpPr>
-        <p:cNvPr id="1" name=""/>
-        <p:cNvGrpSpPr/>
-        <p:nvPr/>
-      </p:nvGrpSpPr>
-      <p:grpSpPr>
-        <a:xfrm>
-          <a:off x="0" y="0"/>
-          <a:ext cx="0" cy="0"/>
-          <a:chOff x="0" y="0"/>
-          <a:chExt cx="0" cy="0"/>
-        </a:xfrm>
-      </p:grpSpPr>
-      <p:sp>
-        <p:nvSpPr>
-          <p:cNvPr id="4" name="Title 3"/>
-          <p:cNvSpPr>
-            <a:spLocks noGrp="1"/>
-          </p:cNvSpPr>
-          <p:nvPr>
-            <p:ph type="title"/>
-          </p:nvPr>
-        </p:nvSpPr>
-        <p:spPr/>
-        <p:txBody>
-          <a:bodyPr/>
-          <a:lstStyle/>
-          <a:p>
-            <a:r>
-              <a:rPr lang="en-CA" dirty="0" smtClean="0"/>
-              <a:t>			</a:t>
-            </a:r>
-            <a:r>
-              <a:rPr lang="en-CA" dirty="0" err="1" smtClean="0"/>
-              <a:t>Raspi</a:t>
-            </a:r>
-            <a:r>
-              <a:rPr lang="en-CA" dirty="0" smtClean="0"/>
-              <a:t> Mic</a:t>
-            </a:r>
-            <a:endParaRPr lang="en-CA" dirty="0"/>
-          </a:p>
-        </p:txBody>
-      </p:sp>
-      <p:sp>
-        <p:nvSpPr>
-          <p:cNvPr id="5" name="Content Placeholder 4"/>
-          <p:cNvSpPr>
-            <a:spLocks noGrp="1"/>
-          </p:cNvSpPr>
-          <p:nvPr>
-            <p:ph idx="1"/>
-          </p:nvPr>
-        </p:nvSpPr>
-        <p:spPr/>
-        <p:txBody>
-          <a:bodyPr/>
-          <a:lstStyle/>
-          <a:p>
-            <a:r>
-              <a:rPr lang="en-CA" dirty="0" err="1" smtClean="0"/>
-              <a:t>readInput</a:t>
-            </a:r>
-            <a:r>
-              <a:rPr lang="en-CA" dirty="0" smtClean="0"/>
-              <a:t> is a file in the Raspberry pi that reads the sound from the microphone and analyses the volume to verify if the sound is high or low and sends the result through TCP/IP to the server.</a:t>
-            </a:r>
-            <a:endParaRPr lang="en-CA" dirty="0"/>
-          </a:p>
-        </p:txBody>
-      </p:sp>
-      <p:sp>
-        <p:nvSpPr>
-          <p:cNvPr id="6" name="Flowchart: Process 5"/>
-          <p:cNvSpPr/>
-          <p:nvPr/>
-        </p:nvSpPr>
-        <p:spPr>
-          <a:xfrm>
-            <a:off x="7014729" y="3949876"/>
-            <a:ext cx="1724890" cy="1039091"/>
-          </a:xfrm>
-          <a:prstGeom prst="flowChartProcess">
-            <a:avLst/>
-          </a:prstGeom>
-        </p:spPr>
-        <p:style>
-          <a:lnRef idx="2">
-            <a:schemeClr val="accent1">
-              <a:shade val="50000"/>
-            </a:schemeClr>
-          </a:lnRef>
-          <a:fillRef idx="1">
-            <a:schemeClr val="accent1"/>
-          </a:fillRef>
-          <a:effectRef idx="0">
-            <a:schemeClr val="accent1"/>
-          </a:effectRef>
-          <a:fontRef idx="minor">
-            <a:schemeClr val="lt1"/>
-          </a:fontRef>
-        </p:style>
-        <p:txBody>
-          <a:bodyPr rtlCol="0" anchor="ctr"/>
-          <a:lstStyle/>
-          <a:p>
-            <a:pPr algn="ctr"/>
-            <a:r>
-              <a:rPr lang="en-CA" dirty="0" smtClean="0"/>
-              <a:t>Snowball </a:t>
-            </a:r>
-          </a:p>
-          <a:p>
-            <a:pPr algn="ctr"/>
-            <a:r>
-              <a:rPr lang="en-CA" dirty="0" smtClean="0"/>
-              <a:t>Microphone</a:t>
-            </a:r>
-            <a:endParaRPr lang="en-CA" dirty="0"/>
-          </a:p>
-        </p:txBody>
-      </p:sp>
-      <p:sp>
-        <p:nvSpPr>
-          <p:cNvPr id="7" name="Flowchart: Process 6"/>
-          <p:cNvSpPr/>
-          <p:nvPr/>
-        </p:nvSpPr>
-        <p:spPr>
-          <a:xfrm>
-            <a:off x="1827064" y="3195838"/>
-            <a:ext cx="2961410" cy="2547170"/>
-          </a:xfrm>
-          <a:prstGeom prst="flowChartProcess">
-            <a:avLst/>
-          </a:prstGeom>
-        </p:spPr>
-        <p:style>
-          <a:lnRef idx="2">
-            <a:schemeClr val="accent1">
-              <a:shade val="50000"/>
-            </a:schemeClr>
-          </a:lnRef>
-          <a:fillRef idx="1">
-            <a:schemeClr val="accent1"/>
-          </a:fillRef>
-          <a:effectRef idx="0">
-            <a:schemeClr val="accent1"/>
-          </a:effectRef>
-          <a:fontRef idx="minor">
-            <a:schemeClr val="lt1"/>
-          </a:fontRef>
-        </p:style>
-        <p:txBody>
-          <a:bodyPr rtlCol="0" anchor="ctr"/>
-          <a:lstStyle/>
-          <a:p>
-            <a:pPr algn="ctr"/>
-            <a:r>
-              <a:rPr lang="en-CA" dirty="0" err="1" smtClean="0"/>
-              <a:t>Raspi</a:t>
-            </a:r>
-            <a:endParaRPr lang="en-CA" dirty="0"/>
-          </a:p>
-        </p:txBody>
-      </p:sp>
-      <p:sp>
-        <p:nvSpPr>
-          <p:cNvPr id="8" name="Left Arrow 7"/>
-          <p:cNvSpPr/>
-          <p:nvPr/>
-        </p:nvSpPr>
-        <p:spPr>
-          <a:xfrm>
-            <a:off x="8969083" y="3972755"/>
-            <a:ext cx="332509" cy="228600"/>
-          </a:xfrm>
-          <a:prstGeom prst="leftArrow">
-            <a:avLst/>
-          </a:prstGeom>
-        </p:spPr>
-        <p:style>
-          <a:lnRef idx="2">
-            <a:schemeClr val="accent1">
-              <a:shade val="50000"/>
-            </a:schemeClr>
-          </a:lnRef>
-          <a:fillRef idx="1">
-            <a:schemeClr val="accent1"/>
-          </a:fillRef>
-          <a:effectRef idx="0">
-            <a:schemeClr val="accent1"/>
-          </a:effectRef>
-          <a:fontRef idx="minor">
-            <a:schemeClr val="lt1"/>
-          </a:fontRef>
-        </p:style>
-        <p:txBody>
-          <a:bodyPr rtlCol="0" anchor="ctr"/>
-          <a:lstStyle/>
-          <a:p>
-            <a:pPr algn="ctr"/>
-            <a:endParaRPr lang="en-CA"/>
-          </a:p>
-        </p:txBody>
-      </p:sp>
-      <p:sp>
-        <p:nvSpPr>
-          <p:cNvPr id="9" name="Left Arrow 8"/>
-          <p:cNvSpPr/>
-          <p:nvPr/>
-        </p:nvSpPr>
-        <p:spPr>
-          <a:xfrm>
-            <a:off x="8979474" y="4399946"/>
-            <a:ext cx="311728" cy="202227"/>
-          </a:xfrm>
-          <a:prstGeom prst="leftArrow">
-            <a:avLst/>
-          </a:prstGeom>
-        </p:spPr>
-        <p:style>
-          <a:lnRef idx="2">
-            <a:schemeClr val="accent1">
-              <a:shade val="50000"/>
-            </a:schemeClr>
-          </a:lnRef>
-          <a:fillRef idx="1">
-            <a:schemeClr val="accent1"/>
-          </a:fillRef>
-          <a:effectRef idx="0">
-            <a:schemeClr val="accent1"/>
-          </a:effectRef>
-          <a:fontRef idx="minor">
-            <a:schemeClr val="lt1"/>
-          </a:fontRef>
-        </p:style>
-        <p:txBody>
-          <a:bodyPr rtlCol="0" anchor="ctr"/>
-          <a:lstStyle/>
-          <a:p>
-            <a:pPr algn="ctr"/>
-            <a:endParaRPr lang="en-CA"/>
-          </a:p>
-        </p:txBody>
-      </p:sp>
-      <p:sp>
-        <p:nvSpPr>
-          <p:cNvPr id="10" name="Left Arrow 9"/>
-          <p:cNvSpPr/>
-          <p:nvPr/>
-        </p:nvSpPr>
-        <p:spPr>
-          <a:xfrm>
-            <a:off x="9003282" y="4770755"/>
-            <a:ext cx="311728" cy="228599"/>
-          </a:xfrm>
-          <a:prstGeom prst="leftArrow">
-            <a:avLst/>
-          </a:prstGeom>
-        </p:spPr>
-        <p:style>
-          <a:lnRef idx="2">
-            <a:schemeClr val="accent1">
-              <a:shade val="50000"/>
-            </a:schemeClr>
-          </a:lnRef>
-          <a:fillRef idx="1">
-            <a:schemeClr val="accent1"/>
-          </a:fillRef>
-          <a:effectRef idx="0">
-            <a:schemeClr val="accent1"/>
-          </a:effectRef>
-          <a:fontRef idx="minor">
-            <a:schemeClr val="lt1"/>
-          </a:fontRef>
-        </p:style>
-        <p:txBody>
-          <a:bodyPr rtlCol="0" anchor="ctr"/>
-          <a:lstStyle/>
-          <a:p>
-            <a:pPr algn="ctr"/>
-            <a:endParaRPr lang="en-CA"/>
-          </a:p>
-        </p:txBody>
-      </p:sp>
-      <p:sp>
-        <p:nvSpPr>
-          <p:cNvPr id="12" name="TextBox 11"/>
-          <p:cNvSpPr txBox="1"/>
-          <p:nvPr/>
-        </p:nvSpPr>
-        <p:spPr>
-          <a:xfrm>
-            <a:off x="9554865" y="4004755"/>
-            <a:ext cx="1401043" cy="923330"/>
-          </a:xfrm>
-          <a:prstGeom prst="rect">
-            <a:avLst/>
-          </a:prstGeom>
-          <a:noFill/>
-        </p:spPr>
-        <p:txBody>
-          <a:bodyPr wrap="square" rtlCol="0">
-            <a:spAutoFit/>
-          </a:bodyPr>
-          <a:lstStyle/>
-          <a:p>
-            <a:r>
-              <a:rPr lang="en-CA" dirty="0" smtClean="0"/>
-              <a:t>Sound coming into microphone</a:t>
-            </a:r>
-            <a:endParaRPr lang="en-CA" dirty="0"/>
-          </a:p>
-        </p:txBody>
-      </p:sp>
-      <p:sp>
-        <p:nvSpPr>
-          <p:cNvPr id="13" name="Left-Right Arrow 12"/>
-          <p:cNvSpPr/>
-          <p:nvPr/>
-        </p:nvSpPr>
-        <p:spPr>
-          <a:xfrm>
-            <a:off x="5349154" y="4322385"/>
-            <a:ext cx="914400" cy="294075"/>
-          </a:xfrm>
-          <a:prstGeom prst="leftRightArrow">
-            <a:avLst/>
-          </a:prstGeom>
-        </p:spPr>
-        <p:style>
-          <a:lnRef idx="2">
-            <a:schemeClr val="accent1">
-              <a:shade val="50000"/>
-            </a:schemeClr>
-          </a:lnRef>
-          <a:fillRef idx="1">
-            <a:schemeClr val="accent1"/>
-          </a:fillRef>
-          <a:effectRef idx="0">
-            <a:schemeClr val="accent1"/>
-          </a:effectRef>
-          <a:fontRef idx="minor">
-            <a:schemeClr val="lt1"/>
-          </a:fontRef>
-        </p:style>
-        <p:txBody>
-          <a:bodyPr rtlCol="0" anchor="ctr"/>
-          <a:lstStyle/>
-          <a:p>
-            <a:pPr algn="ctr"/>
-            <a:endParaRPr lang="en-CA"/>
-          </a:p>
-        </p:txBody>
-      </p:sp>
-      <p:sp>
-        <p:nvSpPr>
-          <p:cNvPr id="14" name="Flowchart: Process 13"/>
-          <p:cNvSpPr/>
-          <p:nvPr/>
-        </p:nvSpPr>
-        <p:spPr>
-          <a:xfrm>
-            <a:off x="3232000" y="4928085"/>
-            <a:ext cx="1224398" cy="475188"/>
-          </a:xfrm>
-          <a:prstGeom prst="flowChartProcess">
-            <a:avLst/>
-          </a:prstGeom>
-        </p:spPr>
-        <p:style>
-          <a:lnRef idx="2">
-            <a:schemeClr val="accent1">
-              <a:shade val="50000"/>
-            </a:schemeClr>
-          </a:lnRef>
-          <a:fillRef idx="1">
-            <a:schemeClr val="accent1"/>
-          </a:fillRef>
-          <a:effectRef idx="0">
-            <a:schemeClr val="accent1"/>
-          </a:effectRef>
-          <a:fontRef idx="minor">
-            <a:schemeClr val="lt1"/>
-          </a:fontRef>
-        </p:style>
-        <p:txBody>
-          <a:bodyPr rtlCol="0" anchor="ctr"/>
-          <a:lstStyle/>
-          <a:p>
-            <a:pPr algn="ctr"/>
-            <a:r>
-              <a:rPr lang="en-CA" dirty="0" err="1" smtClean="0"/>
-              <a:t>readInput</a:t>
-            </a:r>
-            <a:endParaRPr lang="en-CA" dirty="0"/>
-          </a:p>
-        </p:txBody>
-      </p:sp>
-      <p:sp>
-        <p:nvSpPr>
-          <p:cNvPr id="15" name="TextBox 14"/>
-          <p:cNvSpPr txBox="1"/>
-          <p:nvPr/>
-        </p:nvSpPr>
-        <p:spPr>
-          <a:xfrm>
-            <a:off x="5507182" y="3803073"/>
-            <a:ext cx="562975" cy="369332"/>
-          </a:xfrm>
-          <a:prstGeom prst="rect">
-            <a:avLst/>
-          </a:prstGeom>
-          <a:noFill/>
-        </p:spPr>
-        <p:txBody>
-          <a:bodyPr wrap="none" rtlCol="0">
-            <a:spAutoFit/>
-          </a:bodyPr>
-          <a:lstStyle/>
-          <a:p>
-            <a:r>
-              <a:rPr lang="en-CA" dirty="0" smtClean="0"/>
-              <a:t>USB</a:t>
-            </a:r>
-            <a:endParaRPr lang="en-CA" dirty="0"/>
-          </a:p>
-        </p:txBody>
-      </p:sp>
-    </p:spTree>
-    <p:extLst>
-      <p:ext uri="{BB962C8B-B14F-4D97-AF65-F5344CB8AC3E}">
-        <p14:creationId xmlns:p14="http://schemas.microsoft.com/office/powerpoint/2010/main" val="1728136393"/>
-      </p:ext>
-    </p:extLst>
-  </p:cSld>
-  <p:clrMapOvr>
-    <a:masterClrMapping/>
-  </p:clrMapOvr>
-  <p:timing>
-    <p:tnLst>
-      <p:par>
-        <p:cTn id="1" dur="indefinite" restart="never" nodeType="tmRoot"/>
-      </p:par>
-    </p:tnLst>
-  </p:timing>
-</p:sld>
-</file>
-
-<file path=ppt/slides/slide17.xml><?xml version="1.0" encoding="utf-8"?>
-<p:sld xmlns:a="http://schemas.openxmlformats.org/drawingml/2006/main" xmlns:r="http://schemas.openxmlformats.org/officeDocument/2006/relationships" xmlns:p="http://schemas.openxmlformats.org/presentationml/2006/main">
-  <p:cSld>
-    <p:spTree>
-      <p:nvGrpSpPr>
-        <p:cNvPr id="1" name=""/>
-        <p:cNvGrpSpPr/>
-        <p:nvPr/>
-      </p:nvGrpSpPr>
-      <p:grpSpPr>
-        <a:xfrm>
-          <a:off x="0" y="0"/>
-          <a:ext cx="0" cy="0"/>
-          <a:chOff x="0" y="0"/>
-          <a:chExt cx="0" cy="0"/>
-        </a:xfrm>
-      </p:grpSpPr>
-      <p:sp>
-        <p:nvSpPr>
-          <p:cNvPr id="2" name="Title 1"/>
-          <p:cNvSpPr>
-            <a:spLocks noGrp="1"/>
-          </p:cNvSpPr>
-          <p:nvPr>
-            <p:ph type="title"/>
-          </p:nvPr>
-        </p:nvSpPr>
-        <p:spPr>
-          <a:xfrm>
-            <a:off x="838200" y="365125"/>
-            <a:ext cx="10674350" cy="611188"/>
-          </a:xfrm>
-        </p:spPr>
-        <p:txBody>
-          <a:bodyPr>
-            <a:normAutofit/>
-          </a:bodyPr>
-          <a:lstStyle/>
-          <a:p>
-            <a:r>
-              <a:rPr lang="en-CA" sz="4000" smtClean="0"/>
-              <a:t>		Functionality of RaspiMic</a:t>
-            </a:r>
-          </a:p>
-        </p:txBody>
-      </p:sp>
-      <p:sp>
-        <p:nvSpPr>
-          <p:cNvPr id="3" name="Content Placeholder 2"/>
-          <p:cNvSpPr>
-            <a:spLocks noGrp="1"/>
-          </p:cNvSpPr>
-          <p:nvPr>
-            <p:ph idx="1"/>
-          </p:nvPr>
-        </p:nvSpPr>
-        <p:spPr>
-          <a:xfrm>
-            <a:off x="693738" y="944563"/>
-            <a:ext cx="10674350" cy="5200650"/>
-          </a:xfrm>
-        </p:spPr>
-        <p:txBody>
-          <a:bodyPr/>
-          <a:lstStyle/>
-          <a:p>
-            <a:pPr>
-              <a:lnSpc>
-                <a:spcPct val="70000"/>
-              </a:lnSpc>
-            </a:pPr>
-            <a:endParaRPr lang="en-CA" sz="2600" smtClean="0"/>
-          </a:p>
-        </p:txBody>
-      </p:sp>
-      <p:sp>
-        <p:nvSpPr>
-          <p:cNvPr id="14340" name="Oval 4"/>
-          <p:cNvSpPr>
-            <a:spLocks noChangeArrowheads="1"/>
-          </p:cNvSpPr>
-          <p:nvPr/>
-        </p:nvSpPr>
-        <p:spPr bwMode="auto">
-          <a:xfrm>
-            <a:off x="1828800" y="1700213"/>
-            <a:ext cx="3192463" cy="1379537"/>
-          </a:xfrm>
-          <a:prstGeom prst="ellipse">
-            <a:avLst/>
-          </a:prstGeom>
-          <a:solidFill>
-            <a:schemeClr val="accent1"/>
-          </a:solidFill>
-          <a:ln w="9525">
-            <a:solidFill>
-              <a:schemeClr val="tx1"/>
-            </a:solidFill>
-            <a:round/>
-            <a:headEnd/>
-            <a:tailEnd/>
-          </a:ln>
-          <a:effectLst/>
-        </p:spPr>
-        <p:txBody>
-          <a:bodyPr wrap="none" anchor="ctr"/>
-          <a:lstStyle/>
-          <a:p>
-            <a:pPr algn="ctr"/>
-            <a:endParaRPr lang="en-US"/>
-          </a:p>
-        </p:txBody>
-      </p:sp>
-      <p:sp>
-        <p:nvSpPr>
-          <p:cNvPr id="14341" name="Oval 5"/>
-          <p:cNvSpPr>
-            <a:spLocks noChangeArrowheads="1"/>
-          </p:cNvSpPr>
-          <p:nvPr/>
-        </p:nvSpPr>
-        <p:spPr bwMode="auto">
-          <a:xfrm>
-            <a:off x="7348538" y="1701800"/>
-            <a:ext cx="3319462" cy="1347788"/>
-          </a:xfrm>
-          <a:prstGeom prst="ellipse">
-            <a:avLst/>
-          </a:prstGeom>
-          <a:solidFill>
-            <a:schemeClr val="accent1"/>
-          </a:solidFill>
-          <a:ln w="9525">
-            <a:solidFill>
-              <a:schemeClr val="tx1"/>
-            </a:solidFill>
-            <a:round/>
-            <a:headEnd/>
-            <a:tailEnd/>
-          </a:ln>
-          <a:effectLst/>
-        </p:spPr>
-        <p:txBody>
-          <a:bodyPr wrap="none" anchor="ctr"/>
-          <a:lstStyle/>
-          <a:p>
-            <a:pPr algn="ctr"/>
-            <a:endParaRPr lang="en-US"/>
-          </a:p>
-        </p:txBody>
-      </p:sp>
-      <p:sp>
-        <p:nvSpPr>
-          <p:cNvPr id="14342" name="Oval 6"/>
-          <p:cNvSpPr>
-            <a:spLocks noChangeArrowheads="1"/>
-          </p:cNvSpPr>
-          <p:nvPr/>
-        </p:nvSpPr>
-        <p:spPr bwMode="auto">
-          <a:xfrm>
-            <a:off x="1843088" y="4525963"/>
-            <a:ext cx="3111500" cy="1425575"/>
-          </a:xfrm>
-          <a:prstGeom prst="ellipse">
-            <a:avLst/>
-          </a:prstGeom>
-          <a:solidFill>
-            <a:schemeClr val="accent1"/>
-          </a:solidFill>
-          <a:ln w="9525">
-            <a:solidFill>
-              <a:schemeClr val="tx1"/>
-            </a:solidFill>
-            <a:round/>
-            <a:headEnd/>
-            <a:tailEnd/>
-          </a:ln>
-          <a:effectLst/>
-        </p:spPr>
-        <p:txBody>
-          <a:bodyPr wrap="none" anchor="ctr"/>
-          <a:lstStyle/>
-          <a:p>
-            <a:endParaRPr lang="en-US"/>
-          </a:p>
-        </p:txBody>
-      </p:sp>
-      <p:sp>
-        <p:nvSpPr>
-          <p:cNvPr id="14343" name="Oval 7"/>
-          <p:cNvSpPr>
-            <a:spLocks noChangeArrowheads="1"/>
-          </p:cNvSpPr>
-          <p:nvPr/>
-        </p:nvSpPr>
-        <p:spPr bwMode="auto">
-          <a:xfrm>
-            <a:off x="7331075" y="4476750"/>
-            <a:ext cx="3417888" cy="1444625"/>
-          </a:xfrm>
-          <a:prstGeom prst="ellipse">
-            <a:avLst/>
-          </a:prstGeom>
-          <a:solidFill>
-            <a:schemeClr val="accent1"/>
-          </a:solidFill>
-          <a:ln w="9525">
-            <a:solidFill>
-              <a:schemeClr val="tx1"/>
-            </a:solidFill>
-            <a:round/>
-            <a:headEnd/>
-            <a:tailEnd/>
-          </a:ln>
-          <a:effectLst/>
-        </p:spPr>
-        <p:txBody>
-          <a:bodyPr wrap="none" anchor="ctr"/>
-          <a:lstStyle/>
-          <a:p>
-            <a:pPr algn="ctr"/>
-            <a:r>
-              <a:rPr lang="en-US"/>
-              <a:t>  </a:t>
-            </a:r>
-          </a:p>
-          <a:p>
-            <a:pPr algn="ctr"/>
-            <a:r>
-              <a:rPr lang="en-US"/>
-              <a:t>Void analyseData(volume)</a:t>
-            </a:r>
-          </a:p>
-          <a:p>
-            <a:pPr algn="ctr"/>
-            <a:r>
-              <a:rPr lang="en-US"/>
-              <a:t>*volume &lt;10000</a:t>
-            </a:r>
-          </a:p>
-          <a:p>
-            <a:pPr algn="ctr"/>
-            <a:r>
-              <a:rPr lang="en-US"/>
-              <a:t>Send “0” to server</a:t>
-            </a:r>
-          </a:p>
-          <a:p>
-            <a:pPr algn="ctr"/>
-            <a:endParaRPr lang="en-US"/>
-          </a:p>
-        </p:txBody>
-      </p:sp>
-      <p:sp>
-        <p:nvSpPr>
-          <p:cNvPr id="14344" name="Oval 8"/>
-          <p:cNvSpPr>
-            <a:spLocks noChangeArrowheads="1"/>
-          </p:cNvSpPr>
-          <p:nvPr/>
-        </p:nvSpPr>
-        <p:spPr bwMode="auto">
-          <a:xfrm>
-            <a:off x="4538663" y="3111500"/>
-            <a:ext cx="2984500" cy="1508125"/>
-          </a:xfrm>
-          <a:prstGeom prst="ellipse">
-            <a:avLst/>
-          </a:prstGeom>
-          <a:solidFill>
-            <a:schemeClr val="accent1"/>
-          </a:solidFill>
-          <a:ln w="9525">
-            <a:solidFill>
-              <a:schemeClr val="tx1"/>
-            </a:solidFill>
-            <a:round/>
-            <a:headEnd/>
-            <a:tailEnd/>
-          </a:ln>
-          <a:effectLst/>
-        </p:spPr>
-        <p:txBody>
-          <a:bodyPr wrap="none" anchor="ctr"/>
-          <a:lstStyle/>
-          <a:p>
-            <a:endParaRPr lang="en-US"/>
-          </a:p>
-        </p:txBody>
-      </p:sp>
-      <p:sp>
-        <p:nvSpPr>
-          <p:cNvPr id="14345" name="Text Box 9"/>
-          <p:cNvSpPr txBox="1">
-            <a:spLocks noChangeArrowheads="1"/>
-          </p:cNvSpPr>
-          <p:nvPr/>
-        </p:nvSpPr>
-        <p:spPr bwMode="auto">
-          <a:xfrm>
-            <a:off x="1946275" y="1768475"/>
-            <a:ext cx="2647950" cy="1190625"/>
-          </a:xfrm>
-          <a:prstGeom prst="rect">
-            <a:avLst/>
-          </a:prstGeom>
-          <a:noFill/>
-          <a:ln w="9525">
-            <a:noFill/>
-            <a:miter lim="800000"/>
-            <a:headEnd/>
-            <a:tailEnd/>
-          </a:ln>
-          <a:effectLst/>
-        </p:spPr>
-        <p:txBody>
-          <a:bodyPr wrap="none">
-            <a:spAutoFit/>
-          </a:bodyPr>
-          <a:lstStyle/>
-          <a:p>
-            <a:r>
-              <a:rPr lang="en-US"/>
-              <a:t>         Void setup()</a:t>
-            </a:r>
-          </a:p>
-          <a:p>
-            <a:r>
-              <a:rPr lang="en-US"/>
-              <a:t>Opens input device and </a:t>
-            </a:r>
-          </a:p>
-          <a:p>
-            <a:r>
-              <a:rPr lang="en-US"/>
-              <a:t>Sets its attributes for </a:t>
-            </a:r>
-          </a:p>
-          <a:p>
-            <a:r>
-              <a:rPr lang="en-US"/>
-              <a:t>         reading data</a:t>
-            </a:r>
-          </a:p>
-        </p:txBody>
-      </p:sp>
-      <p:sp>
-        <p:nvSpPr>
-          <p:cNvPr id="14346" name="Text Box 10"/>
-          <p:cNvSpPr txBox="1">
-            <a:spLocks noChangeArrowheads="1"/>
-          </p:cNvSpPr>
-          <p:nvPr/>
-        </p:nvSpPr>
-        <p:spPr bwMode="auto">
-          <a:xfrm>
-            <a:off x="-92075" y="2073275"/>
-            <a:ext cx="184150" cy="366713"/>
-          </a:xfrm>
-          <a:prstGeom prst="rect">
-            <a:avLst/>
-          </a:prstGeom>
-          <a:noFill/>
-          <a:ln w="9525">
-            <a:noFill/>
-            <a:miter lim="800000"/>
-            <a:headEnd/>
-            <a:tailEnd/>
-          </a:ln>
-          <a:effectLst/>
-        </p:spPr>
-        <p:txBody>
-          <a:bodyPr wrap="none">
-            <a:spAutoFit/>
-          </a:bodyPr>
-          <a:lstStyle/>
-          <a:p>
-            <a:endParaRPr lang="en-US"/>
-          </a:p>
-        </p:txBody>
-      </p:sp>
-      <p:sp>
-        <p:nvSpPr>
-          <p:cNvPr id="14349" name="Text Box 13"/>
-          <p:cNvSpPr txBox="1">
-            <a:spLocks noChangeArrowheads="1"/>
-          </p:cNvSpPr>
-          <p:nvPr/>
-        </p:nvSpPr>
-        <p:spPr bwMode="auto">
-          <a:xfrm>
-            <a:off x="7497763" y="1944688"/>
-            <a:ext cx="3232150" cy="1190625"/>
-          </a:xfrm>
-          <a:prstGeom prst="rect">
-            <a:avLst/>
-          </a:prstGeom>
-          <a:noFill/>
-          <a:ln w="9525">
-            <a:noFill/>
-            <a:miter lim="800000"/>
-            <a:headEnd/>
-            <a:tailEnd/>
-          </a:ln>
-          <a:effectLst/>
-        </p:spPr>
-        <p:txBody>
-          <a:bodyPr wrap="none">
-            <a:spAutoFit/>
-          </a:bodyPr>
-          <a:lstStyle/>
-          <a:p>
-            <a:r>
-              <a:rPr lang="en-US"/>
-              <a:t>Void readData(input device)</a:t>
-            </a:r>
-          </a:p>
-          <a:p>
-            <a:r>
-              <a:rPr lang="en-US"/>
-              <a:t>Read data and verify the max </a:t>
-            </a:r>
-          </a:p>
-          <a:p>
-            <a:r>
-              <a:rPr lang="en-US"/>
-              <a:t>Of the samples</a:t>
-            </a:r>
-          </a:p>
-          <a:p>
-            <a:endParaRPr lang="en-US"/>
-          </a:p>
-        </p:txBody>
-      </p:sp>
-      <p:sp>
-        <p:nvSpPr>
-          <p:cNvPr id="14350" name="Text Box 14"/>
-          <p:cNvSpPr txBox="1">
-            <a:spLocks noChangeArrowheads="1"/>
-          </p:cNvSpPr>
-          <p:nvPr/>
-        </p:nvSpPr>
-        <p:spPr bwMode="auto">
-          <a:xfrm>
-            <a:off x="2027238" y="4784725"/>
-            <a:ext cx="2863850" cy="915988"/>
-          </a:xfrm>
-          <a:prstGeom prst="rect">
-            <a:avLst/>
-          </a:prstGeom>
-          <a:noFill/>
-          <a:ln w="9525">
-            <a:noFill/>
-            <a:miter lim="800000"/>
-            <a:headEnd/>
-            <a:tailEnd/>
-          </a:ln>
-          <a:effectLst/>
-        </p:spPr>
-        <p:txBody>
-          <a:bodyPr wrap="none">
-            <a:spAutoFit/>
-          </a:bodyPr>
-          <a:lstStyle/>
-          <a:p>
-            <a:r>
-              <a:rPr lang="en-US"/>
-              <a:t>Void analyseData(volume)</a:t>
-            </a:r>
-          </a:p>
-          <a:p>
-            <a:r>
-              <a:rPr lang="en-US"/>
-              <a:t>    *volume &gt;=10000</a:t>
-            </a:r>
-          </a:p>
-          <a:p>
-            <a:r>
-              <a:rPr lang="en-US"/>
-              <a:t>    Send “1” to server</a:t>
-            </a:r>
-          </a:p>
-        </p:txBody>
-      </p:sp>
-      <p:sp>
-        <p:nvSpPr>
-          <p:cNvPr id="14355" name="Text Box 19"/>
-          <p:cNvSpPr txBox="1">
-            <a:spLocks noChangeArrowheads="1"/>
-          </p:cNvSpPr>
-          <p:nvPr/>
-        </p:nvSpPr>
-        <p:spPr bwMode="auto">
-          <a:xfrm>
-            <a:off x="4752975" y="3308350"/>
-            <a:ext cx="2711450" cy="1190625"/>
-          </a:xfrm>
-          <a:prstGeom prst="rect">
-            <a:avLst/>
-          </a:prstGeom>
-          <a:noFill/>
-          <a:ln w="9525">
-            <a:noFill/>
-            <a:miter lim="800000"/>
-            <a:headEnd/>
-            <a:tailEnd/>
-          </a:ln>
-          <a:effectLst/>
-        </p:spPr>
-        <p:txBody>
-          <a:bodyPr wrap="none">
-            <a:spAutoFit/>
-          </a:bodyPr>
-          <a:lstStyle/>
-          <a:p>
-            <a:r>
-              <a:rPr lang="en-US"/>
-              <a:t>1, Read sound from </a:t>
-            </a:r>
-          </a:p>
-          <a:p>
-            <a:r>
-              <a:rPr lang="en-US"/>
-              <a:t>    environment</a:t>
-            </a:r>
-          </a:p>
-          <a:p>
-            <a:r>
-              <a:rPr lang="en-US"/>
-              <a:t>2,  Determine if sound is </a:t>
-            </a:r>
-          </a:p>
-          <a:p>
-            <a:r>
-              <a:rPr lang="en-US"/>
-              <a:t>      dangerous or not</a:t>
-            </a:r>
-          </a:p>
-        </p:txBody>
-      </p:sp>
-      <p:sp>
-        <p:nvSpPr>
-          <p:cNvPr id="14357" name="Line 21"/>
-          <p:cNvSpPr>
-            <a:spLocks noChangeShapeType="1"/>
-          </p:cNvSpPr>
-          <p:nvPr/>
-        </p:nvSpPr>
-        <p:spPr bwMode="auto">
-          <a:xfrm>
-            <a:off x="3994150" y="3128963"/>
-            <a:ext cx="625475" cy="304800"/>
-          </a:xfrm>
-          <a:prstGeom prst="line">
-            <a:avLst/>
-          </a:prstGeom>
-          <a:noFill/>
-          <a:ln w="9525">
-            <a:solidFill>
-              <a:schemeClr val="tx1"/>
-            </a:solidFill>
-            <a:round/>
-            <a:headEnd/>
-            <a:tailEnd type="triangle" w="med" len="med"/>
-          </a:ln>
-          <a:effectLst/>
-        </p:spPr>
-        <p:txBody>
-          <a:bodyPr/>
-          <a:lstStyle/>
-          <a:p>
-            <a:endParaRPr lang="en-US"/>
-          </a:p>
-        </p:txBody>
-      </p:sp>
-      <p:sp>
-        <p:nvSpPr>
-          <p:cNvPr id="14360" name="Line 24"/>
-          <p:cNvSpPr>
-            <a:spLocks noChangeShapeType="1"/>
-          </p:cNvSpPr>
-          <p:nvPr/>
-        </p:nvSpPr>
-        <p:spPr bwMode="auto">
-          <a:xfrm flipH="1">
-            <a:off x="7315200" y="3063875"/>
-            <a:ext cx="593725" cy="257175"/>
-          </a:xfrm>
-          <a:prstGeom prst="line">
-            <a:avLst/>
-          </a:prstGeom>
-          <a:noFill/>
-          <a:ln w="9525">
-            <a:solidFill>
-              <a:schemeClr val="tx1"/>
-            </a:solidFill>
-            <a:round/>
-            <a:headEnd/>
-            <a:tailEnd type="triangle" w="med" len="med"/>
-          </a:ln>
-          <a:effectLst/>
-        </p:spPr>
-        <p:txBody>
-          <a:bodyPr/>
-          <a:lstStyle/>
-          <a:p>
-            <a:endParaRPr lang="en-US"/>
-          </a:p>
-        </p:txBody>
-      </p:sp>
-      <p:sp>
-        <p:nvSpPr>
-          <p:cNvPr id="14363" name="Line 27"/>
-          <p:cNvSpPr>
-            <a:spLocks noChangeShapeType="1"/>
-          </p:cNvSpPr>
-          <p:nvPr/>
-        </p:nvSpPr>
-        <p:spPr bwMode="auto">
-          <a:xfrm flipV="1">
-            <a:off x="4508500" y="4411663"/>
-            <a:ext cx="336550" cy="207962"/>
-          </a:xfrm>
-          <a:prstGeom prst="line">
-            <a:avLst/>
-          </a:prstGeom>
-          <a:noFill/>
-          <a:ln w="9525">
-            <a:solidFill>
-              <a:schemeClr val="tx1"/>
-            </a:solidFill>
-            <a:round/>
-            <a:headEnd/>
-            <a:tailEnd type="triangle" w="med" len="med"/>
-          </a:ln>
-          <a:effectLst/>
-        </p:spPr>
-        <p:txBody>
-          <a:bodyPr/>
-          <a:lstStyle/>
-          <a:p>
-            <a:endParaRPr lang="en-US"/>
-          </a:p>
-        </p:txBody>
-      </p:sp>
-      <p:sp>
-        <p:nvSpPr>
-          <p:cNvPr id="14367" name="Line 31"/>
-          <p:cNvSpPr>
-            <a:spLocks noChangeShapeType="1"/>
-          </p:cNvSpPr>
-          <p:nvPr/>
-        </p:nvSpPr>
-        <p:spPr bwMode="auto">
-          <a:xfrm flipH="1" flipV="1">
-            <a:off x="7362825" y="4330700"/>
-            <a:ext cx="288925" cy="288925"/>
-          </a:xfrm>
-          <a:prstGeom prst="line">
-            <a:avLst/>
-          </a:prstGeom>
-          <a:noFill/>
-          <a:ln w="9525">
-            <a:solidFill>
-              <a:schemeClr val="tx1"/>
-            </a:solidFill>
-            <a:round/>
-            <a:headEnd/>
-            <a:tailEnd type="triangle" w="med" len="med"/>
-          </a:ln>
-          <a:effectLst/>
-        </p:spPr>
-        <p:txBody>
-          <a:bodyPr/>
-          <a:lstStyle/>
-          <a:p>
-            <a:endParaRPr lang="en-US"/>
-          </a:p>
-        </p:txBody>
-      </p:sp>
-      <p:sp>
-        <p:nvSpPr>
-          <p:cNvPr id="14368" name="AutoShape 32"/>
-          <p:cNvSpPr>
-            <a:spLocks noChangeArrowheads="1"/>
-          </p:cNvSpPr>
-          <p:nvPr/>
-        </p:nvSpPr>
-        <p:spPr bwMode="auto">
-          <a:xfrm>
-            <a:off x="1557338" y="1509713"/>
-            <a:ext cx="485775" cy="542925"/>
-          </a:xfrm>
-          <a:prstGeom prst="downArrow">
-            <a:avLst>
-              <a:gd name="adj1" fmla="val 50000"/>
-              <a:gd name="adj2" fmla="val 27941"/>
-            </a:avLst>
-          </a:prstGeom>
-          <a:solidFill>
-            <a:schemeClr val="accent1"/>
-          </a:solidFill>
-          <a:ln w="9525">
-            <a:solidFill>
-              <a:schemeClr val="tx1"/>
-            </a:solidFill>
-            <a:miter lim="800000"/>
-            <a:headEnd/>
-            <a:tailEnd/>
-          </a:ln>
-          <a:effectLst/>
-        </p:spPr>
-        <p:txBody>
-          <a:bodyPr wrap="none" anchor="ctr"/>
-          <a:lstStyle/>
-          <a:p>
-            <a:endParaRPr lang="en-US"/>
-          </a:p>
-        </p:txBody>
-      </p:sp>
-      <p:sp>
-        <p:nvSpPr>
-          <p:cNvPr id="14369" name="Text Box 33"/>
-          <p:cNvSpPr txBox="1">
-            <a:spLocks noChangeArrowheads="1"/>
-          </p:cNvSpPr>
-          <p:nvPr/>
-        </p:nvSpPr>
-        <p:spPr bwMode="auto">
-          <a:xfrm>
-            <a:off x="1239838" y="1047750"/>
-            <a:ext cx="1123950" cy="366713"/>
-          </a:xfrm>
-          <a:prstGeom prst="rect">
-            <a:avLst/>
-          </a:prstGeom>
-          <a:noFill/>
-          <a:ln w="9525">
-            <a:noFill/>
-            <a:miter lim="800000"/>
-            <a:headEnd/>
-            <a:tailEnd/>
-          </a:ln>
-          <a:effectLst/>
-        </p:spPr>
-        <p:txBody>
-          <a:bodyPr wrap="none">
-            <a:spAutoFit/>
-          </a:bodyPr>
-          <a:lstStyle/>
-          <a:p>
-            <a:r>
-              <a:rPr lang="en-US"/>
-              <a:t>First step</a:t>
-            </a:r>
-          </a:p>
-        </p:txBody>
-      </p:sp>
-      <p:sp>
-        <p:nvSpPr>
-          <p:cNvPr id="14370" name="Text Box 34"/>
-          <p:cNvSpPr txBox="1">
-            <a:spLocks noChangeArrowheads="1"/>
-          </p:cNvSpPr>
-          <p:nvPr/>
-        </p:nvSpPr>
-        <p:spPr bwMode="auto">
-          <a:xfrm>
-            <a:off x="8167688" y="4078288"/>
-            <a:ext cx="1555750" cy="366712"/>
-          </a:xfrm>
-          <a:prstGeom prst="rect">
-            <a:avLst/>
-          </a:prstGeom>
-          <a:noFill/>
-          <a:ln w="9525">
-            <a:noFill/>
-            <a:miter lim="800000"/>
-            <a:headEnd/>
-            <a:tailEnd/>
-          </a:ln>
-          <a:effectLst/>
-        </p:spPr>
-        <p:txBody>
-          <a:bodyPr wrap="none">
-            <a:spAutoFit/>
-          </a:bodyPr>
-          <a:lstStyle/>
-          <a:p>
-            <a:r>
-              <a:rPr lang="en-US"/>
-              <a:t>Normal mode</a:t>
-            </a:r>
-          </a:p>
-        </p:txBody>
-      </p:sp>
-      <p:sp>
-        <p:nvSpPr>
-          <p:cNvPr id="14371" name="Text Box 35"/>
-          <p:cNvSpPr txBox="1">
-            <a:spLocks noChangeArrowheads="1"/>
-          </p:cNvSpPr>
-          <p:nvPr/>
-        </p:nvSpPr>
-        <p:spPr bwMode="auto">
-          <a:xfrm>
-            <a:off x="2073275" y="4064000"/>
-            <a:ext cx="1936750" cy="366713"/>
-          </a:xfrm>
-          <a:prstGeom prst="rect">
-            <a:avLst/>
-          </a:prstGeom>
-          <a:noFill/>
-          <a:ln w="9525">
-            <a:noFill/>
-            <a:miter lim="800000"/>
-            <a:headEnd/>
-            <a:tailEnd/>
-          </a:ln>
-          <a:effectLst/>
-        </p:spPr>
-        <p:txBody>
-          <a:bodyPr wrap="none">
-            <a:spAutoFit/>
-          </a:bodyPr>
-          <a:lstStyle/>
-          <a:p>
-            <a:r>
-              <a:rPr lang="en-US"/>
-              <a:t>Dangerous mode</a:t>
-            </a:r>
-          </a:p>
-        </p:txBody>
-      </p:sp>
-      <p:sp>
-        <p:nvSpPr>
-          <p:cNvPr id="14372" name="Text Box 36"/>
-          <p:cNvSpPr txBox="1">
-            <a:spLocks noChangeArrowheads="1"/>
-          </p:cNvSpPr>
-          <p:nvPr/>
-        </p:nvSpPr>
-        <p:spPr bwMode="auto">
-          <a:xfrm>
-            <a:off x="8040688" y="1239838"/>
-            <a:ext cx="1454150" cy="366712"/>
-          </a:xfrm>
-          <a:prstGeom prst="rect">
-            <a:avLst/>
-          </a:prstGeom>
-          <a:noFill/>
-          <a:ln w="9525">
-            <a:noFill/>
-            <a:miter lim="800000"/>
-            <a:headEnd/>
-            <a:tailEnd/>
-          </a:ln>
-          <a:effectLst/>
-        </p:spPr>
-        <p:txBody>
-          <a:bodyPr wrap="none">
-            <a:spAutoFit/>
-          </a:bodyPr>
-          <a:lstStyle/>
-          <a:p>
-            <a:r>
-              <a:rPr lang="en-US"/>
-              <a:t>Second step</a:t>
-            </a:r>
-          </a:p>
-        </p:txBody>
-      </p:sp>
-      <p:sp>
-        <p:nvSpPr>
-          <p:cNvPr id="14373" name="Text Box 37"/>
-          <p:cNvSpPr txBox="1">
-            <a:spLocks noChangeArrowheads="1"/>
-          </p:cNvSpPr>
-          <p:nvPr/>
-        </p:nvSpPr>
-        <p:spPr bwMode="auto">
-          <a:xfrm>
-            <a:off x="5441950" y="4864100"/>
-            <a:ext cx="1200150" cy="366713"/>
-          </a:xfrm>
-          <a:prstGeom prst="rect">
-            <a:avLst/>
-          </a:prstGeom>
-          <a:noFill/>
-          <a:ln w="9525">
-            <a:noFill/>
-            <a:miter lim="800000"/>
-            <a:headEnd/>
-            <a:tailEnd/>
-          </a:ln>
-          <a:effectLst/>
-        </p:spPr>
-        <p:txBody>
-          <a:bodyPr wrap="none">
-            <a:spAutoFit/>
-          </a:bodyPr>
-          <a:lstStyle/>
-          <a:p>
-            <a:r>
-              <a:rPr lang="en-US"/>
-              <a:t>Third step</a:t>
-            </a:r>
-          </a:p>
-        </p:txBody>
-      </p:sp>
-      <p:sp>
-        <p:nvSpPr>
-          <p:cNvPr id="14374" name="AutoShape 38"/>
-          <p:cNvSpPr>
-            <a:spLocks noChangeArrowheads="1"/>
-          </p:cNvSpPr>
-          <p:nvPr/>
-        </p:nvSpPr>
-        <p:spPr bwMode="auto">
-          <a:xfrm>
-            <a:off x="5021263" y="5197475"/>
-            <a:ext cx="2197100" cy="320675"/>
-          </a:xfrm>
-          <a:prstGeom prst="leftRightArrow">
-            <a:avLst>
-              <a:gd name="adj1" fmla="val 50000"/>
-              <a:gd name="adj2" fmla="val 137030"/>
-            </a:avLst>
-          </a:prstGeom>
-          <a:solidFill>
-            <a:schemeClr val="accent1"/>
-          </a:solidFill>
-          <a:ln w="9525">
-            <a:solidFill>
-              <a:schemeClr val="tx1"/>
-            </a:solidFill>
-            <a:miter lim="800000"/>
-            <a:headEnd/>
-            <a:tailEnd/>
-          </a:ln>
-          <a:effectLst/>
-        </p:spPr>
-        <p:txBody>
-          <a:bodyPr wrap="none" anchor="ctr"/>
-          <a:lstStyle/>
-          <a:p>
-            <a:endParaRPr lang="en-US"/>
-          </a:p>
-        </p:txBody>
-      </p:sp>
-    </p:spTree>
-    <p:extLst>
-      <p:ext uri="{BB962C8B-B14F-4D97-AF65-F5344CB8AC3E}">
-        <p14:creationId xmlns:p14="http://schemas.microsoft.com/office/powerpoint/2010/main" val="2352791478"/>
-      </p:ext>
-    </p:extLst>
-  </p:cSld>
-  <p:clrMapOvr>
-    <a:masterClrMapping/>
-  </p:clrMapOvr>
-  <p:timing>
-    <p:tnLst>
-      <p:par>
-        <p:cTn id="1" dur="indefinite" restart="never" nodeType="tmRoot"/>
-      </p:par>
-    </p:tnLst>
-  </p:timing>
-</p:sld>
-</file>
-
-<file path=ppt/slides/slide18.xml><?xml version="1.0" encoding="utf-8"?>
-<p:sld xmlns:a="http://schemas.openxmlformats.org/drawingml/2006/main" xmlns:r="http://schemas.openxmlformats.org/officeDocument/2006/relationships" xmlns:p="http://schemas.openxmlformats.org/presentationml/2006/main">
-  <p:cSld>
-    <p:spTree>
-      <p:nvGrpSpPr>
-        <p:cNvPr id="1" name=""/>
-        <p:cNvGrpSpPr/>
-        <p:nvPr/>
-      </p:nvGrpSpPr>
-      <p:grpSpPr>
-        <a:xfrm>
-          <a:off x="0" y="0"/>
-          <a:ext cx="0" cy="0"/>
-          <a:chOff x="0" y="0"/>
-          <a:chExt cx="0" cy="0"/>
-        </a:xfrm>
-      </p:grpSpPr>
-      <p:sp>
-        <p:nvSpPr>
-          <p:cNvPr id="2" name="Title 1"/>
-          <p:cNvSpPr>
-            <a:spLocks noGrp="1"/>
-          </p:cNvSpPr>
-          <p:nvPr>
-            <p:ph type="title"/>
-          </p:nvPr>
-        </p:nvSpPr>
-        <p:spPr>
-          <a:xfrm>
-            <a:off x="838200" y="365125"/>
-            <a:ext cx="10515600" cy="153988"/>
-          </a:xfrm>
-        </p:spPr>
-        <p:txBody>
-          <a:bodyPr/>
           <a:lstStyle/>
           <a:p>
             <a:r>
@@ -14043,7 +9545,7 @@
 </p:sld>
 </file>
 
-<file path=ppt/slides/slide19.xml><?xml version="1.0" encoding="utf-8"?>
+<file path=ppt/slides/slide15.xml><?xml version="1.0" encoding="utf-8"?>
 <p:sld xmlns:a="http://schemas.openxmlformats.org/drawingml/2006/main" xmlns:r="http://schemas.openxmlformats.org/officeDocument/2006/relationships" xmlns:p="http://schemas.openxmlformats.org/presentationml/2006/main">
   <p:cSld>
     <p:spTree>
@@ -14062,6 +9564,460 @@
       </p:grpSpPr>
       <p:sp>
         <p:nvSpPr>
+          <p:cNvPr id="4" name="Title 3"/>
+          <p:cNvSpPr>
+            <a:spLocks noGrp="1"/>
+          </p:cNvSpPr>
+          <p:nvPr>
+            <p:ph type="title"/>
+          </p:nvPr>
+        </p:nvSpPr>
+        <p:spPr/>
+        <p:txBody>
+          <a:bodyPr/>
+          <a:lstStyle/>
+          <a:p>
+            <a:r>
+              <a:rPr lang="en-CA" dirty="0" smtClean="0"/>
+              <a:t>			</a:t>
+            </a:r>
+            <a:r>
+              <a:rPr lang="en-CA" dirty="0" err="1" smtClean="0"/>
+              <a:t>Raspi</a:t>
+            </a:r>
+            <a:r>
+              <a:rPr lang="en-CA" dirty="0" smtClean="0"/>
+              <a:t> Mic</a:t>
+            </a:r>
+            <a:endParaRPr lang="en-CA" dirty="0"/>
+          </a:p>
+        </p:txBody>
+      </p:sp>
+      <p:sp>
+        <p:nvSpPr>
+          <p:cNvPr id="5" name="Content Placeholder 4"/>
+          <p:cNvSpPr>
+            <a:spLocks noGrp="1"/>
+          </p:cNvSpPr>
+          <p:nvPr>
+            <p:ph idx="1"/>
+          </p:nvPr>
+        </p:nvSpPr>
+        <p:spPr/>
+        <p:txBody>
+          <a:bodyPr/>
+          <a:lstStyle/>
+          <a:p>
+            <a:r>
+              <a:rPr lang="en-CA" dirty="0" err="1" smtClean="0"/>
+              <a:t>readInput</a:t>
+            </a:r>
+            <a:r>
+              <a:rPr lang="en-CA" dirty="0" smtClean="0"/>
+              <a:t> is a file in the Raspberry pi that reads the sound from the microphone and analyses the volume to verify if the sound is high or low and sends the result through TCP/IP to the server.</a:t>
+            </a:r>
+            <a:endParaRPr lang="en-CA" dirty="0"/>
+          </a:p>
+        </p:txBody>
+      </p:sp>
+      <p:sp>
+        <p:nvSpPr>
+          <p:cNvPr id="6" name="Flowchart: Process 5"/>
+          <p:cNvSpPr/>
+          <p:nvPr/>
+        </p:nvSpPr>
+        <p:spPr>
+          <a:xfrm>
+            <a:off x="7014729" y="3949876"/>
+            <a:ext cx="1724890" cy="1039091"/>
+          </a:xfrm>
+          <a:prstGeom prst="flowChartProcess">
+            <a:avLst/>
+          </a:prstGeom>
+        </p:spPr>
+        <p:style>
+          <a:lnRef idx="2">
+            <a:schemeClr val="accent1">
+              <a:shade val="50000"/>
+            </a:schemeClr>
+          </a:lnRef>
+          <a:fillRef idx="1">
+            <a:schemeClr val="accent1"/>
+          </a:fillRef>
+          <a:effectRef idx="0">
+            <a:schemeClr val="accent1"/>
+          </a:effectRef>
+          <a:fontRef idx="minor">
+            <a:schemeClr val="lt1"/>
+          </a:fontRef>
+        </p:style>
+        <p:txBody>
+          <a:bodyPr rtlCol="0" anchor="ctr"/>
+          <a:lstStyle/>
+          <a:p>
+            <a:pPr algn="ctr"/>
+            <a:r>
+              <a:rPr lang="en-CA" dirty="0" smtClean="0"/>
+              <a:t>Snowball </a:t>
+            </a:r>
+          </a:p>
+          <a:p>
+            <a:pPr algn="ctr"/>
+            <a:r>
+              <a:rPr lang="en-CA" dirty="0" smtClean="0"/>
+              <a:t>Microphone</a:t>
+            </a:r>
+            <a:endParaRPr lang="en-CA" dirty="0"/>
+          </a:p>
+        </p:txBody>
+      </p:sp>
+      <p:sp>
+        <p:nvSpPr>
+          <p:cNvPr id="7" name="Flowchart: Process 6"/>
+          <p:cNvSpPr/>
+          <p:nvPr/>
+        </p:nvSpPr>
+        <p:spPr>
+          <a:xfrm>
+            <a:off x="1827064" y="3195838"/>
+            <a:ext cx="2961410" cy="2547170"/>
+          </a:xfrm>
+          <a:prstGeom prst="flowChartProcess">
+            <a:avLst/>
+          </a:prstGeom>
+        </p:spPr>
+        <p:style>
+          <a:lnRef idx="2">
+            <a:schemeClr val="accent1">
+              <a:shade val="50000"/>
+            </a:schemeClr>
+          </a:lnRef>
+          <a:fillRef idx="1">
+            <a:schemeClr val="accent1"/>
+          </a:fillRef>
+          <a:effectRef idx="0">
+            <a:schemeClr val="accent1"/>
+          </a:effectRef>
+          <a:fontRef idx="minor">
+            <a:schemeClr val="lt1"/>
+          </a:fontRef>
+        </p:style>
+        <p:txBody>
+          <a:bodyPr rtlCol="0" anchor="ctr"/>
+          <a:lstStyle/>
+          <a:p>
+            <a:pPr algn="ctr"/>
+            <a:r>
+              <a:rPr lang="en-CA" dirty="0" err="1" smtClean="0"/>
+              <a:t>Raspi</a:t>
+            </a:r>
+            <a:endParaRPr lang="en-CA" dirty="0"/>
+          </a:p>
+        </p:txBody>
+      </p:sp>
+      <p:sp>
+        <p:nvSpPr>
+          <p:cNvPr id="8" name="Left Arrow 7"/>
+          <p:cNvSpPr/>
+          <p:nvPr/>
+        </p:nvSpPr>
+        <p:spPr>
+          <a:xfrm>
+            <a:off x="8969083" y="3972755"/>
+            <a:ext cx="332509" cy="228600"/>
+          </a:xfrm>
+          <a:prstGeom prst="leftArrow">
+            <a:avLst/>
+          </a:prstGeom>
+        </p:spPr>
+        <p:style>
+          <a:lnRef idx="2">
+            <a:schemeClr val="accent1">
+              <a:shade val="50000"/>
+            </a:schemeClr>
+          </a:lnRef>
+          <a:fillRef idx="1">
+            <a:schemeClr val="accent1"/>
+          </a:fillRef>
+          <a:effectRef idx="0">
+            <a:schemeClr val="accent1"/>
+          </a:effectRef>
+          <a:fontRef idx="minor">
+            <a:schemeClr val="lt1"/>
+          </a:fontRef>
+        </p:style>
+        <p:txBody>
+          <a:bodyPr rtlCol="0" anchor="ctr"/>
+          <a:lstStyle/>
+          <a:p>
+            <a:pPr algn="ctr"/>
+            <a:endParaRPr lang="en-CA"/>
+          </a:p>
+        </p:txBody>
+      </p:sp>
+      <p:sp>
+        <p:nvSpPr>
+          <p:cNvPr id="9" name="Left Arrow 8"/>
+          <p:cNvSpPr/>
+          <p:nvPr/>
+        </p:nvSpPr>
+        <p:spPr>
+          <a:xfrm>
+            <a:off x="8979474" y="4399946"/>
+            <a:ext cx="311728" cy="202227"/>
+          </a:xfrm>
+          <a:prstGeom prst="leftArrow">
+            <a:avLst/>
+          </a:prstGeom>
+        </p:spPr>
+        <p:style>
+          <a:lnRef idx="2">
+            <a:schemeClr val="accent1">
+              <a:shade val="50000"/>
+            </a:schemeClr>
+          </a:lnRef>
+          <a:fillRef idx="1">
+            <a:schemeClr val="accent1"/>
+          </a:fillRef>
+          <a:effectRef idx="0">
+            <a:schemeClr val="accent1"/>
+          </a:effectRef>
+          <a:fontRef idx="minor">
+            <a:schemeClr val="lt1"/>
+          </a:fontRef>
+        </p:style>
+        <p:txBody>
+          <a:bodyPr rtlCol="0" anchor="ctr"/>
+          <a:lstStyle/>
+          <a:p>
+            <a:pPr algn="ctr"/>
+            <a:endParaRPr lang="en-CA"/>
+          </a:p>
+        </p:txBody>
+      </p:sp>
+      <p:sp>
+        <p:nvSpPr>
+          <p:cNvPr id="10" name="Left Arrow 9"/>
+          <p:cNvSpPr/>
+          <p:nvPr/>
+        </p:nvSpPr>
+        <p:spPr>
+          <a:xfrm>
+            <a:off x="9003282" y="4770755"/>
+            <a:ext cx="311728" cy="228599"/>
+          </a:xfrm>
+          <a:prstGeom prst="leftArrow">
+            <a:avLst/>
+          </a:prstGeom>
+        </p:spPr>
+        <p:style>
+          <a:lnRef idx="2">
+            <a:schemeClr val="accent1">
+              <a:shade val="50000"/>
+            </a:schemeClr>
+          </a:lnRef>
+          <a:fillRef idx="1">
+            <a:schemeClr val="accent1"/>
+          </a:fillRef>
+          <a:effectRef idx="0">
+            <a:schemeClr val="accent1"/>
+          </a:effectRef>
+          <a:fontRef idx="minor">
+            <a:schemeClr val="lt1"/>
+          </a:fontRef>
+        </p:style>
+        <p:txBody>
+          <a:bodyPr rtlCol="0" anchor="ctr"/>
+          <a:lstStyle/>
+          <a:p>
+            <a:pPr algn="ctr"/>
+            <a:endParaRPr lang="en-CA"/>
+          </a:p>
+        </p:txBody>
+      </p:sp>
+      <p:sp>
+        <p:nvSpPr>
+          <p:cNvPr id="12" name="TextBox 11"/>
+          <p:cNvSpPr txBox="1"/>
+          <p:nvPr/>
+        </p:nvSpPr>
+        <p:spPr>
+          <a:xfrm>
+            <a:off x="9554865" y="4004755"/>
+            <a:ext cx="1401043" cy="923330"/>
+          </a:xfrm>
+          <a:prstGeom prst="rect">
+            <a:avLst/>
+          </a:prstGeom>
+          <a:noFill/>
+        </p:spPr>
+        <p:txBody>
+          <a:bodyPr wrap="square" rtlCol="0">
+            <a:spAutoFit/>
+          </a:bodyPr>
+          <a:lstStyle/>
+          <a:p>
+            <a:r>
+              <a:rPr lang="en-CA" dirty="0" smtClean="0"/>
+              <a:t>Sound coming into microphone</a:t>
+            </a:r>
+            <a:endParaRPr lang="en-CA" dirty="0"/>
+          </a:p>
+        </p:txBody>
+      </p:sp>
+      <p:sp>
+        <p:nvSpPr>
+          <p:cNvPr id="13" name="Left-Right Arrow 12"/>
+          <p:cNvSpPr/>
+          <p:nvPr/>
+        </p:nvSpPr>
+        <p:spPr>
+          <a:xfrm>
+            <a:off x="5349154" y="4322385"/>
+            <a:ext cx="914400" cy="294075"/>
+          </a:xfrm>
+          <a:prstGeom prst="leftRightArrow">
+            <a:avLst/>
+          </a:prstGeom>
+        </p:spPr>
+        <p:style>
+          <a:lnRef idx="2">
+            <a:schemeClr val="accent1">
+              <a:shade val="50000"/>
+            </a:schemeClr>
+          </a:lnRef>
+          <a:fillRef idx="1">
+            <a:schemeClr val="accent1"/>
+          </a:fillRef>
+          <a:effectRef idx="0">
+            <a:schemeClr val="accent1"/>
+          </a:effectRef>
+          <a:fontRef idx="minor">
+            <a:schemeClr val="lt1"/>
+          </a:fontRef>
+        </p:style>
+        <p:txBody>
+          <a:bodyPr rtlCol="0" anchor="ctr"/>
+          <a:lstStyle/>
+          <a:p>
+            <a:pPr algn="ctr"/>
+            <a:endParaRPr lang="en-CA"/>
+          </a:p>
+        </p:txBody>
+      </p:sp>
+      <p:sp>
+        <p:nvSpPr>
+          <p:cNvPr id="14" name="Flowchart: Process 13"/>
+          <p:cNvSpPr/>
+          <p:nvPr/>
+        </p:nvSpPr>
+        <p:spPr>
+          <a:xfrm>
+            <a:off x="3232000" y="4928085"/>
+            <a:ext cx="1224398" cy="475188"/>
+          </a:xfrm>
+          <a:prstGeom prst="flowChartProcess">
+            <a:avLst/>
+          </a:prstGeom>
+        </p:spPr>
+        <p:style>
+          <a:lnRef idx="2">
+            <a:schemeClr val="accent1">
+              <a:shade val="50000"/>
+            </a:schemeClr>
+          </a:lnRef>
+          <a:fillRef idx="1">
+            <a:schemeClr val="accent1"/>
+          </a:fillRef>
+          <a:effectRef idx="0">
+            <a:schemeClr val="accent1"/>
+          </a:effectRef>
+          <a:fontRef idx="minor">
+            <a:schemeClr val="lt1"/>
+          </a:fontRef>
+        </p:style>
+        <p:txBody>
+          <a:bodyPr rtlCol="0" anchor="ctr"/>
+          <a:lstStyle/>
+          <a:p>
+            <a:pPr algn="ctr"/>
+            <a:r>
+              <a:rPr lang="en-CA" dirty="0" err="1" smtClean="0"/>
+              <a:t>readInput</a:t>
+            </a:r>
+            <a:endParaRPr lang="en-CA" dirty="0"/>
+          </a:p>
+        </p:txBody>
+      </p:sp>
+      <p:sp>
+        <p:nvSpPr>
+          <p:cNvPr id="15" name="TextBox 14"/>
+          <p:cNvSpPr txBox="1"/>
+          <p:nvPr/>
+        </p:nvSpPr>
+        <p:spPr>
+          <a:xfrm>
+            <a:off x="5507182" y="3803073"/>
+            <a:ext cx="562975" cy="369332"/>
+          </a:xfrm>
+          <a:prstGeom prst="rect">
+            <a:avLst/>
+          </a:prstGeom>
+          <a:noFill/>
+        </p:spPr>
+        <p:txBody>
+          <a:bodyPr wrap="none" rtlCol="0">
+            <a:spAutoFit/>
+          </a:bodyPr>
+          <a:lstStyle/>
+          <a:p>
+            <a:r>
+              <a:rPr lang="en-CA" dirty="0" smtClean="0"/>
+              <a:t>USB</a:t>
+            </a:r>
+            <a:endParaRPr lang="en-CA" dirty="0"/>
+          </a:p>
+        </p:txBody>
+      </p:sp>
+    </p:spTree>
+    <p:extLst>
+      <p:ext uri="{BB962C8B-B14F-4D97-AF65-F5344CB8AC3E}">
+        <p14:creationId xmlns:p14="http://schemas.microsoft.com/office/powerpoint/2010/main" val="1728136393"/>
+      </p:ext>
+    </p:extLst>
+  </p:cSld>
+  <p:clrMapOvr>
+    <a:masterClrMapping/>
+  </p:clrMapOvr>
+  <p:timing>
+    <p:tnLst>
+      <p:par>
+        <p:cTn id="1" dur="indefinite" restart="never" nodeType="tmRoot"/>
+      </p:par>
+    </p:tnLst>
+  </p:timing>
+</p:sld>
+</file>
+
+<file path=ppt/slides/slide16.xml><?xml version="1.0" encoding="utf-8"?>
+<p:sld xmlns:a="http://schemas.openxmlformats.org/drawingml/2006/main" xmlns:r="http://schemas.openxmlformats.org/officeDocument/2006/relationships" xmlns:p="http://schemas.openxmlformats.org/presentationml/2006/main">
+  <p:cSld>
+    <p:spTree>
+      <p:nvGrpSpPr>
+        <p:cNvPr id="1" name=""/>
+        <p:cNvGrpSpPr/>
+        <p:nvPr/>
+      </p:nvGrpSpPr>
+      <p:grpSpPr>
+        <a:xfrm>
+          <a:off x="0" y="0"/>
+          <a:ext cx="0" cy="0"/>
+          <a:chOff x="0" y="0"/>
+          <a:chExt cx="0" cy="0"/>
+        </a:xfrm>
+      </p:grpSpPr>
+      <p:sp>
+        <p:nvSpPr>
           <p:cNvPr id="2" name="Title 1"/>
           <p:cNvSpPr>
             <a:spLocks noGrp="1"/>
@@ -14072,17 +10028,984 @@
         </p:nvSpPr>
         <p:spPr>
           <a:xfrm>
-            <a:off x="1824038" y="661342"/>
-            <a:ext cx="8610600" cy="1293028"/>
+            <a:off x="838200" y="365125"/>
+            <a:ext cx="10674350" cy="611188"/>
+          </a:xfrm>
+        </p:spPr>
+        <p:txBody>
+          <a:bodyPr>
+            <a:normAutofit fontScale="90000"/>
+          </a:bodyPr>
+          <a:lstStyle/>
+          <a:p>
+            <a:r>
+              <a:rPr lang="en-CA" sz="4000" smtClean="0"/>
+              <a:t>		Functionality of RaspiMic</a:t>
+            </a:r>
+          </a:p>
+        </p:txBody>
+      </p:sp>
+      <p:sp>
+        <p:nvSpPr>
+          <p:cNvPr id="3" name="Content Placeholder 2"/>
+          <p:cNvSpPr>
+            <a:spLocks noGrp="1"/>
+          </p:cNvSpPr>
+          <p:nvPr>
+            <p:ph idx="1"/>
+          </p:nvPr>
+        </p:nvSpPr>
+        <p:spPr>
+          <a:xfrm>
+            <a:off x="693738" y="944563"/>
+            <a:ext cx="10674350" cy="5200650"/>
           </a:xfrm>
         </p:spPr>
         <p:txBody>
           <a:bodyPr/>
           <a:lstStyle/>
           <a:p>
+            <a:pPr>
+              <a:lnSpc>
+                <a:spcPct val="70000"/>
+              </a:lnSpc>
+            </a:pPr>
+            <a:endParaRPr lang="en-CA" sz="2600" smtClean="0"/>
+          </a:p>
+        </p:txBody>
+      </p:sp>
+      <p:sp>
+        <p:nvSpPr>
+          <p:cNvPr id="14340" name="Oval 4"/>
+          <p:cNvSpPr>
+            <a:spLocks noChangeArrowheads="1"/>
+          </p:cNvSpPr>
+          <p:nvPr/>
+        </p:nvSpPr>
+        <p:spPr bwMode="auto">
+          <a:xfrm>
+            <a:off x="1828800" y="1700213"/>
+            <a:ext cx="3192463" cy="1379537"/>
+          </a:xfrm>
+          <a:prstGeom prst="ellipse">
+            <a:avLst/>
+          </a:prstGeom>
+          <a:solidFill>
+            <a:schemeClr val="accent1"/>
+          </a:solidFill>
+          <a:ln w="9525">
+            <a:solidFill>
+              <a:schemeClr val="tx1"/>
+            </a:solidFill>
+            <a:round/>
+            <a:headEnd/>
+            <a:tailEnd/>
+          </a:ln>
+          <a:effectLst/>
+        </p:spPr>
+        <p:txBody>
+          <a:bodyPr wrap="none" anchor="ctr"/>
+          <a:lstStyle/>
+          <a:p>
+            <a:pPr algn="ctr"/>
+            <a:endParaRPr lang="en-US"/>
+          </a:p>
+        </p:txBody>
+      </p:sp>
+      <p:sp>
+        <p:nvSpPr>
+          <p:cNvPr id="14341" name="Oval 5"/>
+          <p:cNvSpPr>
+            <a:spLocks noChangeArrowheads="1"/>
+          </p:cNvSpPr>
+          <p:nvPr/>
+        </p:nvSpPr>
+        <p:spPr bwMode="auto">
+          <a:xfrm>
+            <a:off x="7348538" y="1701800"/>
+            <a:ext cx="3319462" cy="1347788"/>
+          </a:xfrm>
+          <a:prstGeom prst="ellipse">
+            <a:avLst/>
+          </a:prstGeom>
+          <a:solidFill>
+            <a:schemeClr val="accent1"/>
+          </a:solidFill>
+          <a:ln w="9525">
+            <a:solidFill>
+              <a:schemeClr val="tx1"/>
+            </a:solidFill>
+            <a:round/>
+            <a:headEnd/>
+            <a:tailEnd/>
+          </a:ln>
+          <a:effectLst/>
+        </p:spPr>
+        <p:txBody>
+          <a:bodyPr wrap="none" anchor="ctr"/>
+          <a:lstStyle/>
+          <a:p>
+            <a:pPr algn="ctr"/>
+            <a:endParaRPr lang="en-US"/>
+          </a:p>
+        </p:txBody>
+      </p:sp>
+      <p:sp>
+        <p:nvSpPr>
+          <p:cNvPr id="14342" name="Oval 6"/>
+          <p:cNvSpPr>
+            <a:spLocks noChangeArrowheads="1"/>
+          </p:cNvSpPr>
+          <p:nvPr/>
+        </p:nvSpPr>
+        <p:spPr bwMode="auto">
+          <a:xfrm>
+            <a:off x="1843088" y="4525963"/>
+            <a:ext cx="3111500" cy="1425575"/>
+          </a:xfrm>
+          <a:prstGeom prst="ellipse">
+            <a:avLst/>
+          </a:prstGeom>
+          <a:solidFill>
+            <a:schemeClr val="accent1"/>
+          </a:solidFill>
+          <a:ln w="9525">
+            <a:solidFill>
+              <a:schemeClr val="tx1"/>
+            </a:solidFill>
+            <a:round/>
+            <a:headEnd/>
+            <a:tailEnd/>
+          </a:ln>
+          <a:effectLst/>
+        </p:spPr>
+        <p:txBody>
+          <a:bodyPr wrap="none" anchor="ctr"/>
+          <a:lstStyle/>
+          <a:p>
+            <a:endParaRPr lang="en-US"/>
+          </a:p>
+        </p:txBody>
+      </p:sp>
+      <p:sp>
+        <p:nvSpPr>
+          <p:cNvPr id="14343" name="Oval 7"/>
+          <p:cNvSpPr>
+            <a:spLocks noChangeArrowheads="1"/>
+          </p:cNvSpPr>
+          <p:nvPr/>
+        </p:nvSpPr>
+        <p:spPr bwMode="auto">
+          <a:xfrm>
+            <a:off x="7331075" y="4476750"/>
+            <a:ext cx="3417888" cy="1444625"/>
+          </a:xfrm>
+          <a:prstGeom prst="ellipse">
+            <a:avLst/>
+          </a:prstGeom>
+          <a:solidFill>
+            <a:schemeClr val="accent1"/>
+          </a:solidFill>
+          <a:ln w="9525">
+            <a:solidFill>
+              <a:schemeClr val="tx1"/>
+            </a:solidFill>
+            <a:round/>
+            <a:headEnd/>
+            <a:tailEnd/>
+          </a:ln>
+          <a:effectLst/>
+        </p:spPr>
+        <p:txBody>
+          <a:bodyPr wrap="none" anchor="ctr"/>
+          <a:lstStyle/>
+          <a:p>
+            <a:pPr algn="ctr"/>
+            <a:r>
+              <a:rPr lang="en-US"/>
+              <a:t>  </a:t>
+            </a:r>
+          </a:p>
+          <a:p>
+            <a:pPr algn="ctr"/>
+            <a:r>
+              <a:rPr lang="en-US"/>
+              <a:t>Void analyseData(volume)</a:t>
+            </a:r>
+          </a:p>
+          <a:p>
+            <a:pPr algn="ctr"/>
+            <a:r>
+              <a:rPr lang="en-US"/>
+              <a:t>*volume &lt;10000</a:t>
+            </a:r>
+          </a:p>
+          <a:p>
+            <a:pPr algn="ctr"/>
+            <a:r>
+              <a:rPr lang="en-US"/>
+              <a:t>Send “0” to server</a:t>
+            </a:r>
+          </a:p>
+          <a:p>
+            <a:pPr algn="ctr"/>
+            <a:endParaRPr lang="en-US"/>
+          </a:p>
+        </p:txBody>
+      </p:sp>
+      <p:sp>
+        <p:nvSpPr>
+          <p:cNvPr id="14344" name="Oval 8"/>
+          <p:cNvSpPr>
+            <a:spLocks noChangeArrowheads="1"/>
+          </p:cNvSpPr>
+          <p:nvPr/>
+        </p:nvSpPr>
+        <p:spPr bwMode="auto">
+          <a:xfrm>
+            <a:off x="4538663" y="3111500"/>
+            <a:ext cx="2984500" cy="1508125"/>
+          </a:xfrm>
+          <a:prstGeom prst="ellipse">
+            <a:avLst/>
+          </a:prstGeom>
+          <a:solidFill>
+            <a:schemeClr val="accent1"/>
+          </a:solidFill>
+          <a:ln w="9525">
+            <a:solidFill>
+              <a:schemeClr val="tx1"/>
+            </a:solidFill>
+            <a:round/>
+            <a:headEnd/>
+            <a:tailEnd/>
+          </a:ln>
+          <a:effectLst/>
+        </p:spPr>
+        <p:txBody>
+          <a:bodyPr wrap="none" anchor="ctr"/>
+          <a:lstStyle/>
+          <a:p>
+            <a:endParaRPr lang="en-US"/>
+          </a:p>
+        </p:txBody>
+      </p:sp>
+      <p:sp>
+        <p:nvSpPr>
+          <p:cNvPr id="14345" name="Text Box 9"/>
+          <p:cNvSpPr txBox="1">
+            <a:spLocks noChangeArrowheads="1"/>
+          </p:cNvSpPr>
+          <p:nvPr/>
+        </p:nvSpPr>
+        <p:spPr bwMode="auto">
+          <a:xfrm>
+            <a:off x="1946275" y="1768475"/>
+            <a:ext cx="2647950" cy="1190625"/>
+          </a:xfrm>
+          <a:prstGeom prst="rect">
+            <a:avLst/>
+          </a:prstGeom>
+          <a:noFill/>
+          <a:ln w="9525">
+            <a:noFill/>
+            <a:miter lim="800000"/>
+            <a:headEnd/>
+            <a:tailEnd/>
+          </a:ln>
+          <a:effectLst/>
+        </p:spPr>
+        <p:txBody>
+          <a:bodyPr wrap="none">
+            <a:spAutoFit/>
+          </a:bodyPr>
+          <a:lstStyle/>
+          <a:p>
+            <a:r>
+              <a:rPr lang="en-US"/>
+              <a:t>         Void setup()</a:t>
+            </a:r>
+          </a:p>
+          <a:p>
+            <a:r>
+              <a:rPr lang="en-US"/>
+              <a:t>Opens input device and </a:t>
+            </a:r>
+          </a:p>
+          <a:p>
+            <a:r>
+              <a:rPr lang="en-US"/>
+              <a:t>Sets its attributes for </a:t>
+            </a:r>
+          </a:p>
+          <a:p>
+            <a:r>
+              <a:rPr lang="en-US"/>
+              <a:t>         reading data</a:t>
+            </a:r>
+          </a:p>
+        </p:txBody>
+      </p:sp>
+      <p:sp>
+        <p:nvSpPr>
+          <p:cNvPr id="14346" name="Text Box 10"/>
+          <p:cNvSpPr txBox="1">
+            <a:spLocks noChangeArrowheads="1"/>
+          </p:cNvSpPr>
+          <p:nvPr/>
+        </p:nvSpPr>
+        <p:spPr bwMode="auto">
+          <a:xfrm>
+            <a:off x="-92075" y="2073275"/>
+            <a:ext cx="184150" cy="366713"/>
+          </a:xfrm>
+          <a:prstGeom prst="rect">
+            <a:avLst/>
+          </a:prstGeom>
+          <a:noFill/>
+          <a:ln w="9525">
+            <a:noFill/>
+            <a:miter lim="800000"/>
+            <a:headEnd/>
+            <a:tailEnd/>
+          </a:ln>
+          <a:effectLst/>
+        </p:spPr>
+        <p:txBody>
+          <a:bodyPr wrap="none">
+            <a:spAutoFit/>
+          </a:bodyPr>
+          <a:lstStyle/>
+          <a:p>
+            <a:endParaRPr lang="en-US"/>
+          </a:p>
+        </p:txBody>
+      </p:sp>
+      <p:sp>
+        <p:nvSpPr>
+          <p:cNvPr id="14349" name="Text Box 13"/>
+          <p:cNvSpPr txBox="1">
+            <a:spLocks noChangeArrowheads="1"/>
+          </p:cNvSpPr>
+          <p:nvPr/>
+        </p:nvSpPr>
+        <p:spPr bwMode="auto">
+          <a:xfrm>
+            <a:off x="7497763" y="1944688"/>
+            <a:ext cx="3232150" cy="1190625"/>
+          </a:xfrm>
+          <a:prstGeom prst="rect">
+            <a:avLst/>
+          </a:prstGeom>
+          <a:noFill/>
+          <a:ln w="9525">
+            <a:noFill/>
+            <a:miter lim="800000"/>
+            <a:headEnd/>
+            <a:tailEnd/>
+          </a:ln>
+          <a:effectLst/>
+        </p:spPr>
+        <p:txBody>
+          <a:bodyPr wrap="none">
+            <a:spAutoFit/>
+          </a:bodyPr>
+          <a:lstStyle/>
+          <a:p>
+            <a:r>
+              <a:rPr lang="en-US"/>
+              <a:t>Void readData(input device)</a:t>
+            </a:r>
+          </a:p>
+          <a:p>
+            <a:r>
+              <a:rPr lang="en-US"/>
+              <a:t>Read data and verify the max </a:t>
+            </a:r>
+          </a:p>
+          <a:p>
+            <a:r>
+              <a:rPr lang="en-US"/>
+              <a:t>Of the samples</a:t>
+            </a:r>
+          </a:p>
+          <a:p>
+            <a:endParaRPr lang="en-US"/>
+          </a:p>
+        </p:txBody>
+      </p:sp>
+      <p:sp>
+        <p:nvSpPr>
+          <p:cNvPr id="14350" name="Text Box 14"/>
+          <p:cNvSpPr txBox="1">
+            <a:spLocks noChangeArrowheads="1"/>
+          </p:cNvSpPr>
+          <p:nvPr/>
+        </p:nvSpPr>
+        <p:spPr bwMode="auto">
+          <a:xfrm>
+            <a:off x="2027238" y="4784725"/>
+            <a:ext cx="2863850" cy="915988"/>
+          </a:xfrm>
+          <a:prstGeom prst="rect">
+            <a:avLst/>
+          </a:prstGeom>
+          <a:noFill/>
+          <a:ln w="9525">
+            <a:noFill/>
+            <a:miter lim="800000"/>
+            <a:headEnd/>
+            <a:tailEnd/>
+          </a:ln>
+          <a:effectLst/>
+        </p:spPr>
+        <p:txBody>
+          <a:bodyPr wrap="none">
+            <a:spAutoFit/>
+          </a:bodyPr>
+          <a:lstStyle/>
+          <a:p>
+            <a:r>
+              <a:rPr lang="en-US"/>
+              <a:t>Void analyseData(volume)</a:t>
+            </a:r>
+          </a:p>
+          <a:p>
+            <a:r>
+              <a:rPr lang="en-US"/>
+              <a:t>    *volume &gt;=10000</a:t>
+            </a:r>
+          </a:p>
+          <a:p>
+            <a:r>
+              <a:rPr lang="en-US"/>
+              <a:t>    Send “1” to server</a:t>
+            </a:r>
+          </a:p>
+        </p:txBody>
+      </p:sp>
+      <p:sp>
+        <p:nvSpPr>
+          <p:cNvPr id="14355" name="Text Box 19"/>
+          <p:cNvSpPr txBox="1">
+            <a:spLocks noChangeArrowheads="1"/>
+          </p:cNvSpPr>
+          <p:nvPr/>
+        </p:nvSpPr>
+        <p:spPr bwMode="auto">
+          <a:xfrm>
+            <a:off x="4752975" y="3308350"/>
+            <a:ext cx="2711450" cy="1190625"/>
+          </a:xfrm>
+          <a:prstGeom prst="rect">
+            <a:avLst/>
+          </a:prstGeom>
+          <a:noFill/>
+          <a:ln w="9525">
+            <a:noFill/>
+            <a:miter lim="800000"/>
+            <a:headEnd/>
+            <a:tailEnd/>
+          </a:ln>
+          <a:effectLst/>
+        </p:spPr>
+        <p:txBody>
+          <a:bodyPr wrap="none">
+            <a:spAutoFit/>
+          </a:bodyPr>
+          <a:lstStyle/>
+          <a:p>
+            <a:r>
+              <a:rPr lang="en-US"/>
+              <a:t>1, Read sound from </a:t>
+            </a:r>
+          </a:p>
+          <a:p>
+            <a:r>
+              <a:rPr lang="en-US"/>
+              <a:t>    environment</a:t>
+            </a:r>
+          </a:p>
+          <a:p>
+            <a:r>
+              <a:rPr lang="en-US"/>
+              <a:t>2,  Determine if sound is </a:t>
+            </a:r>
+          </a:p>
+          <a:p>
+            <a:r>
+              <a:rPr lang="en-US"/>
+              <a:t>      dangerous or not</a:t>
+            </a:r>
+          </a:p>
+        </p:txBody>
+      </p:sp>
+      <p:sp>
+        <p:nvSpPr>
+          <p:cNvPr id="14357" name="Line 21"/>
+          <p:cNvSpPr>
+            <a:spLocks noChangeShapeType="1"/>
+          </p:cNvSpPr>
+          <p:nvPr/>
+        </p:nvSpPr>
+        <p:spPr bwMode="auto">
+          <a:xfrm>
+            <a:off x="3994150" y="3128963"/>
+            <a:ext cx="625475" cy="304800"/>
+          </a:xfrm>
+          <a:prstGeom prst="line">
+            <a:avLst/>
+          </a:prstGeom>
+          <a:noFill/>
+          <a:ln w="9525">
+            <a:solidFill>
+              <a:schemeClr val="tx1"/>
+            </a:solidFill>
+            <a:round/>
+            <a:headEnd/>
+            <a:tailEnd type="triangle" w="med" len="med"/>
+          </a:ln>
+          <a:effectLst/>
+        </p:spPr>
+        <p:txBody>
+          <a:bodyPr/>
+          <a:lstStyle/>
+          <a:p>
+            <a:endParaRPr lang="en-US"/>
+          </a:p>
+        </p:txBody>
+      </p:sp>
+      <p:sp>
+        <p:nvSpPr>
+          <p:cNvPr id="14360" name="Line 24"/>
+          <p:cNvSpPr>
+            <a:spLocks noChangeShapeType="1"/>
+          </p:cNvSpPr>
+          <p:nvPr/>
+        </p:nvSpPr>
+        <p:spPr bwMode="auto">
+          <a:xfrm flipH="1">
+            <a:off x="7315200" y="3063875"/>
+            <a:ext cx="593725" cy="257175"/>
+          </a:xfrm>
+          <a:prstGeom prst="line">
+            <a:avLst/>
+          </a:prstGeom>
+          <a:noFill/>
+          <a:ln w="9525">
+            <a:solidFill>
+              <a:schemeClr val="tx1"/>
+            </a:solidFill>
+            <a:round/>
+            <a:headEnd/>
+            <a:tailEnd type="triangle" w="med" len="med"/>
+          </a:ln>
+          <a:effectLst/>
+        </p:spPr>
+        <p:txBody>
+          <a:bodyPr/>
+          <a:lstStyle/>
+          <a:p>
+            <a:endParaRPr lang="en-US"/>
+          </a:p>
+        </p:txBody>
+      </p:sp>
+      <p:sp>
+        <p:nvSpPr>
+          <p:cNvPr id="14363" name="Line 27"/>
+          <p:cNvSpPr>
+            <a:spLocks noChangeShapeType="1"/>
+          </p:cNvSpPr>
+          <p:nvPr/>
+        </p:nvSpPr>
+        <p:spPr bwMode="auto">
+          <a:xfrm flipV="1">
+            <a:off x="4508500" y="4411663"/>
+            <a:ext cx="336550" cy="207962"/>
+          </a:xfrm>
+          <a:prstGeom prst="line">
+            <a:avLst/>
+          </a:prstGeom>
+          <a:noFill/>
+          <a:ln w="9525">
+            <a:solidFill>
+              <a:schemeClr val="tx1"/>
+            </a:solidFill>
+            <a:round/>
+            <a:headEnd/>
+            <a:tailEnd type="triangle" w="med" len="med"/>
+          </a:ln>
+          <a:effectLst/>
+        </p:spPr>
+        <p:txBody>
+          <a:bodyPr/>
+          <a:lstStyle/>
+          <a:p>
+            <a:endParaRPr lang="en-US"/>
+          </a:p>
+        </p:txBody>
+      </p:sp>
+      <p:sp>
+        <p:nvSpPr>
+          <p:cNvPr id="14367" name="Line 31"/>
+          <p:cNvSpPr>
+            <a:spLocks noChangeShapeType="1"/>
+          </p:cNvSpPr>
+          <p:nvPr/>
+        </p:nvSpPr>
+        <p:spPr bwMode="auto">
+          <a:xfrm flipH="1" flipV="1">
+            <a:off x="7362825" y="4330700"/>
+            <a:ext cx="288925" cy="288925"/>
+          </a:xfrm>
+          <a:prstGeom prst="line">
+            <a:avLst/>
+          </a:prstGeom>
+          <a:noFill/>
+          <a:ln w="9525">
+            <a:solidFill>
+              <a:schemeClr val="tx1"/>
+            </a:solidFill>
+            <a:round/>
+            <a:headEnd/>
+            <a:tailEnd type="triangle" w="med" len="med"/>
+          </a:ln>
+          <a:effectLst/>
+        </p:spPr>
+        <p:txBody>
+          <a:bodyPr/>
+          <a:lstStyle/>
+          <a:p>
+            <a:endParaRPr lang="en-US"/>
+          </a:p>
+        </p:txBody>
+      </p:sp>
+      <p:sp>
+        <p:nvSpPr>
+          <p:cNvPr id="14368" name="AutoShape 32"/>
+          <p:cNvSpPr>
+            <a:spLocks noChangeArrowheads="1"/>
+          </p:cNvSpPr>
+          <p:nvPr/>
+        </p:nvSpPr>
+        <p:spPr bwMode="auto">
+          <a:xfrm>
+            <a:off x="1557338" y="1509713"/>
+            <a:ext cx="485775" cy="542925"/>
+          </a:xfrm>
+          <a:prstGeom prst="downArrow">
+            <a:avLst>
+              <a:gd name="adj1" fmla="val 50000"/>
+              <a:gd name="adj2" fmla="val 27941"/>
+            </a:avLst>
+          </a:prstGeom>
+          <a:solidFill>
+            <a:schemeClr val="accent1"/>
+          </a:solidFill>
+          <a:ln w="9525">
+            <a:solidFill>
+              <a:schemeClr val="tx1"/>
+            </a:solidFill>
+            <a:miter lim="800000"/>
+            <a:headEnd/>
+            <a:tailEnd/>
+          </a:ln>
+          <a:effectLst/>
+        </p:spPr>
+        <p:txBody>
+          <a:bodyPr wrap="none" anchor="ctr"/>
+          <a:lstStyle/>
+          <a:p>
+            <a:endParaRPr lang="en-US"/>
+          </a:p>
+        </p:txBody>
+      </p:sp>
+      <p:sp>
+        <p:nvSpPr>
+          <p:cNvPr id="14369" name="Text Box 33"/>
+          <p:cNvSpPr txBox="1">
+            <a:spLocks noChangeArrowheads="1"/>
+          </p:cNvSpPr>
+          <p:nvPr/>
+        </p:nvSpPr>
+        <p:spPr bwMode="auto">
+          <a:xfrm>
+            <a:off x="1239838" y="1047750"/>
+            <a:ext cx="1123950" cy="366713"/>
+          </a:xfrm>
+          <a:prstGeom prst="rect">
+            <a:avLst/>
+          </a:prstGeom>
+          <a:noFill/>
+          <a:ln w="9525">
+            <a:noFill/>
+            <a:miter lim="800000"/>
+            <a:headEnd/>
+            <a:tailEnd/>
+          </a:ln>
+          <a:effectLst/>
+        </p:spPr>
+        <p:txBody>
+          <a:bodyPr wrap="none">
+            <a:spAutoFit/>
+          </a:bodyPr>
+          <a:lstStyle/>
+          <a:p>
+            <a:r>
+              <a:rPr lang="en-US"/>
+              <a:t>First step</a:t>
+            </a:r>
+          </a:p>
+        </p:txBody>
+      </p:sp>
+      <p:sp>
+        <p:nvSpPr>
+          <p:cNvPr id="14370" name="Text Box 34"/>
+          <p:cNvSpPr txBox="1">
+            <a:spLocks noChangeArrowheads="1"/>
+          </p:cNvSpPr>
+          <p:nvPr/>
+        </p:nvSpPr>
+        <p:spPr bwMode="auto">
+          <a:xfrm>
+            <a:off x="8167688" y="4078288"/>
+            <a:ext cx="1555750" cy="366712"/>
+          </a:xfrm>
+          <a:prstGeom prst="rect">
+            <a:avLst/>
+          </a:prstGeom>
+          <a:noFill/>
+          <a:ln w="9525">
+            <a:noFill/>
+            <a:miter lim="800000"/>
+            <a:headEnd/>
+            <a:tailEnd/>
+          </a:ln>
+          <a:effectLst/>
+        </p:spPr>
+        <p:txBody>
+          <a:bodyPr wrap="none">
+            <a:spAutoFit/>
+          </a:bodyPr>
+          <a:lstStyle/>
+          <a:p>
+            <a:r>
+              <a:rPr lang="en-US"/>
+              <a:t>Normal mode</a:t>
+            </a:r>
+          </a:p>
+        </p:txBody>
+      </p:sp>
+      <p:sp>
+        <p:nvSpPr>
+          <p:cNvPr id="14371" name="Text Box 35"/>
+          <p:cNvSpPr txBox="1">
+            <a:spLocks noChangeArrowheads="1"/>
+          </p:cNvSpPr>
+          <p:nvPr/>
+        </p:nvSpPr>
+        <p:spPr bwMode="auto">
+          <a:xfrm>
+            <a:off x="2073275" y="4064000"/>
+            <a:ext cx="1936750" cy="366713"/>
+          </a:xfrm>
+          <a:prstGeom prst="rect">
+            <a:avLst/>
+          </a:prstGeom>
+          <a:noFill/>
+          <a:ln w="9525">
+            <a:noFill/>
+            <a:miter lim="800000"/>
+            <a:headEnd/>
+            <a:tailEnd/>
+          </a:ln>
+          <a:effectLst/>
+        </p:spPr>
+        <p:txBody>
+          <a:bodyPr wrap="none">
+            <a:spAutoFit/>
+          </a:bodyPr>
+          <a:lstStyle/>
+          <a:p>
+            <a:r>
+              <a:rPr lang="en-US"/>
+              <a:t>Dangerous mode</a:t>
+            </a:r>
+          </a:p>
+        </p:txBody>
+      </p:sp>
+      <p:sp>
+        <p:nvSpPr>
+          <p:cNvPr id="14372" name="Text Box 36"/>
+          <p:cNvSpPr txBox="1">
+            <a:spLocks noChangeArrowheads="1"/>
+          </p:cNvSpPr>
+          <p:nvPr/>
+        </p:nvSpPr>
+        <p:spPr bwMode="auto">
+          <a:xfrm>
+            <a:off x="8040688" y="1239838"/>
+            <a:ext cx="1454150" cy="366712"/>
+          </a:xfrm>
+          <a:prstGeom prst="rect">
+            <a:avLst/>
+          </a:prstGeom>
+          <a:noFill/>
+          <a:ln w="9525">
+            <a:noFill/>
+            <a:miter lim="800000"/>
+            <a:headEnd/>
+            <a:tailEnd/>
+          </a:ln>
+          <a:effectLst/>
+        </p:spPr>
+        <p:txBody>
+          <a:bodyPr wrap="none">
+            <a:spAutoFit/>
+          </a:bodyPr>
+          <a:lstStyle/>
+          <a:p>
+            <a:r>
+              <a:rPr lang="en-US"/>
+              <a:t>Second step</a:t>
+            </a:r>
+          </a:p>
+        </p:txBody>
+      </p:sp>
+      <p:sp>
+        <p:nvSpPr>
+          <p:cNvPr id="14373" name="Text Box 37"/>
+          <p:cNvSpPr txBox="1">
+            <a:spLocks noChangeArrowheads="1"/>
+          </p:cNvSpPr>
+          <p:nvPr/>
+        </p:nvSpPr>
+        <p:spPr bwMode="auto">
+          <a:xfrm>
+            <a:off x="5441950" y="4864100"/>
+            <a:ext cx="1200150" cy="366713"/>
+          </a:xfrm>
+          <a:prstGeom prst="rect">
+            <a:avLst/>
+          </a:prstGeom>
+          <a:noFill/>
+          <a:ln w="9525">
+            <a:noFill/>
+            <a:miter lim="800000"/>
+            <a:headEnd/>
+            <a:tailEnd/>
+          </a:ln>
+          <a:effectLst/>
+        </p:spPr>
+        <p:txBody>
+          <a:bodyPr wrap="none">
+            <a:spAutoFit/>
+          </a:bodyPr>
+          <a:lstStyle/>
+          <a:p>
+            <a:r>
+              <a:rPr lang="en-US"/>
+              <a:t>Third step</a:t>
+            </a:r>
+          </a:p>
+        </p:txBody>
+      </p:sp>
+      <p:sp>
+        <p:nvSpPr>
+          <p:cNvPr id="14374" name="AutoShape 38"/>
+          <p:cNvSpPr>
+            <a:spLocks noChangeArrowheads="1"/>
+          </p:cNvSpPr>
+          <p:nvPr/>
+        </p:nvSpPr>
+        <p:spPr bwMode="auto">
+          <a:xfrm>
+            <a:off x="5021263" y="5197475"/>
+            <a:ext cx="2197100" cy="320675"/>
+          </a:xfrm>
+          <a:prstGeom prst="leftRightArrow">
+            <a:avLst>
+              <a:gd name="adj1" fmla="val 50000"/>
+              <a:gd name="adj2" fmla="val 137030"/>
+            </a:avLst>
+          </a:prstGeom>
+          <a:solidFill>
+            <a:schemeClr val="accent1"/>
+          </a:solidFill>
+          <a:ln w="9525">
+            <a:solidFill>
+              <a:schemeClr val="tx1"/>
+            </a:solidFill>
+            <a:miter lim="800000"/>
+            <a:headEnd/>
+            <a:tailEnd/>
+          </a:ln>
+          <a:effectLst/>
+        </p:spPr>
+        <p:txBody>
+          <a:bodyPr wrap="none" anchor="ctr"/>
+          <a:lstStyle/>
+          <a:p>
+            <a:endParaRPr lang="en-US"/>
+          </a:p>
+        </p:txBody>
+      </p:sp>
+    </p:spTree>
+    <p:extLst>
+      <p:ext uri="{BB962C8B-B14F-4D97-AF65-F5344CB8AC3E}">
+        <p14:creationId xmlns:p14="http://schemas.microsoft.com/office/powerpoint/2010/main" val="2352791478"/>
+      </p:ext>
+    </p:extLst>
+  </p:cSld>
+  <p:clrMapOvr>
+    <a:masterClrMapping/>
+  </p:clrMapOvr>
+  <p:timing>
+    <p:tnLst>
+      <p:par>
+        <p:cTn id="1" dur="indefinite" restart="never" nodeType="tmRoot"/>
+      </p:par>
+    </p:tnLst>
+  </p:timing>
+</p:sld>
+</file>
+
+<file path=ppt/slides/slide17.xml><?xml version="1.0" encoding="utf-8"?>
+<p:sld xmlns:a="http://schemas.openxmlformats.org/drawingml/2006/main" xmlns:r="http://schemas.openxmlformats.org/officeDocument/2006/relationships" xmlns:p="http://schemas.openxmlformats.org/presentationml/2006/main">
+  <p:cSld>
+    <p:spTree>
+      <p:nvGrpSpPr>
+        <p:cNvPr id="1" name=""/>
+        <p:cNvGrpSpPr/>
+        <p:nvPr/>
+      </p:nvGrpSpPr>
+      <p:grpSpPr>
+        <a:xfrm>
+          <a:off x="0" y="0"/>
+          <a:ext cx="0" cy="0"/>
+          <a:chOff x="0" y="0"/>
+          <a:chExt cx="0" cy="0"/>
+        </a:xfrm>
+      </p:grpSpPr>
+      <p:sp>
+        <p:nvSpPr>
+          <p:cNvPr id="2" name="Title 1"/>
+          <p:cNvSpPr>
+            <a:spLocks noGrp="1"/>
+          </p:cNvSpPr>
+          <p:nvPr>
+            <p:ph type="title"/>
+          </p:nvPr>
+        </p:nvSpPr>
+        <p:spPr/>
+        <p:txBody>
+          <a:bodyPr/>
+          <a:lstStyle/>
+          <a:p>
+            <a:pPr algn="l"/>
             <a:r>
               <a:rPr lang="en-US" dirty="0" smtClean="0"/>
-              <a:t>Image Stream top level System Diagram</a:t>
+              <a:t>Appendix: controller</a:t>
             </a:r>
             <a:endParaRPr lang="en-US" dirty="0"/>
           </a:p>
@@ -14090,62 +11013,156 @@
       </p:sp>
       <p:pic>
         <p:nvPicPr>
-          <p:cNvPr id="2053" name="Picture 5"/>
+          <p:cNvPr id="4" name="Picture 3"/>
           <p:cNvPicPr>
-            <a:picLocks noChangeAspect="1" noChangeArrowheads="1"/>
+            <a:picLocks noChangeAspect="1"/>
           </p:cNvPicPr>
           <p:nvPr/>
         </p:nvPicPr>
         <p:blipFill>
-          <a:blip r:embed="rId2">
-            <a:extLst>
-              <a:ext uri="{28A0092B-C50C-407E-A947-70E740481C1C}">
-                <a14:useLocalDpi xmlns:a14="http://schemas.microsoft.com/office/drawing/2010/main" val="0"/>
-              </a:ext>
-            </a:extLst>
-          </a:blip>
-          <a:srcRect/>
+          <a:blip r:embed="rId2"/>
           <a:stretch>
             <a:fillRect/>
           </a:stretch>
         </p:blipFill>
-        <p:spPr bwMode="auto">
-          <a:xfrm>
-            <a:off x="1414462" y="2264456"/>
-            <a:ext cx="9361487" cy="2619375"/>
+        <p:spPr>
+          <a:xfrm>
+            <a:off x="1428750" y="1704976"/>
+            <a:ext cx="8334375" cy="4933950"/>
           </a:xfrm>
           <a:prstGeom prst="rect">
             <a:avLst/>
           </a:prstGeom>
-          <a:noFill/>
-          <a:ln>
-            <a:noFill/>
-          </a:ln>
-          <a:extLst>
-            <a:ext uri="{909E8E84-426E-40DD-AFC4-6F175D3DCCD1}">
-              <a14:hiddenFill xmlns:a14="http://schemas.microsoft.com/office/drawing/2010/main">
-                <a:solidFill>
-                  <a:schemeClr val="accent1"/>
-                </a:solidFill>
-              </a14:hiddenFill>
-            </a:ext>
-            <a:ext uri="{91240B29-F687-4F45-9708-019B960494DF}">
-              <a14:hiddenLine xmlns:a14="http://schemas.microsoft.com/office/drawing/2010/main" w="9525">
-                <a:solidFill>
-                  <a:schemeClr val="tx1"/>
-                </a:solidFill>
-                <a:miter lim="800000"/>
-                <a:headEnd/>
-                <a:tailEnd/>
-              </a14:hiddenLine>
-            </a:ext>
-          </a:extLst>
         </p:spPr>
       </p:pic>
     </p:spTree>
     <p:extLst>
       <p:ext uri="{BB962C8B-B14F-4D97-AF65-F5344CB8AC3E}">
-        <p14:creationId xmlns:p14="http://schemas.microsoft.com/office/powerpoint/2010/main" val="1963374827"/>
+        <p14:creationId xmlns:p14="http://schemas.microsoft.com/office/powerpoint/2010/main" val="1082128541"/>
+      </p:ext>
+    </p:extLst>
+  </p:cSld>
+  <p:clrMapOvr>
+    <a:masterClrMapping/>
+  </p:clrMapOvr>
+  <p:timing>
+    <p:tnLst>
+      <p:par>
+        <p:cTn id="1" dur="indefinite" restart="never" nodeType="tmRoot"/>
+      </p:par>
+    </p:tnLst>
+  </p:timing>
+</p:sld>
+</file>
+
+<file path=ppt/slides/slide18.xml><?xml version="1.0" encoding="utf-8"?>
+<p:sld xmlns:a="http://schemas.openxmlformats.org/drawingml/2006/main" xmlns:r="http://schemas.openxmlformats.org/officeDocument/2006/relationships" xmlns:p="http://schemas.openxmlformats.org/presentationml/2006/main">
+  <p:cSld>
+    <p:spTree>
+      <p:nvGrpSpPr>
+        <p:cNvPr id="1" name=""/>
+        <p:cNvGrpSpPr/>
+        <p:nvPr/>
+      </p:nvGrpSpPr>
+      <p:grpSpPr>
+        <a:xfrm>
+          <a:off x="0" y="0"/>
+          <a:ext cx="0" cy="0"/>
+          <a:chOff x="0" y="0"/>
+          <a:chExt cx="0" cy="0"/>
+        </a:xfrm>
+      </p:grpSpPr>
+      <p:sp>
+        <p:nvSpPr>
+          <p:cNvPr id="2" name="Title 1"/>
+          <p:cNvSpPr>
+            <a:spLocks noGrp="1"/>
+          </p:cNvSpPr>
+          <p:nvPr>
+            <p:ph type="title"/>
+          </p:nvPr>
+        </p:nvSpPr>
+        <p:spPr>
+          <a:xfrm>
+            <a:off x="2019300" y="269073"/>
+            <a:ext cx="8610600" cy="1293028"/>
+          </a:xfrm>
+        </p:spPr>
+        <p:txBody>
+          <a:bodyPr/>
+          <a:lstStyle/>
+          <a:p>
+            <a:pPr algn="l"/>
+            <a:r>
+              <a:rPr lang="en-US" dirty="0" smtClean="0"/>
+              <a:t>Appendix : </a:t>
+            </a:r>
+            <a:r>
+              <a:rPr lang="en-US" dirty="0" err="1" smtClean="0"/>
+              <a:t>BArCHart</a:t>
+            </a:r>
+            <a:r>
+              <a:rPr lang="en-US" dirty="0" smtClean="0"/>
+              <a:t> Model</a:t>
+            </a:r>
+            <a:endParaRPr lang="en-US" dirty="0"/>
+          </a:p>
+        </p:txBody>
+      </p:sp>
+      <p:pic>
+        <p:nvPicPr>
+          <p:cNvPr id="4" name="Content Placeholder 3"/>
+          <p:cNvPicPr>
+            <a:picLocks noGrp="1" noChangeAspect="1"/>
+          </p:cNvPicPr>
+          <p:nvPr>
+            <p:ph idx="1"/>
+          </p:nvPr>
+        </p:nvPicPr>
+        <p:blipFill>
+          <a:blip r:embed="rId2"/>
+          <a:stretch>
+            <a:fillRect/>
+          </a:stretch>
+        </p:blipFill>
+        <p:spPr>
+          <a:xfrm>
+            <a:off x="552450" y="1717675"/>
+            <a:ext cx="5991225" cy="4877647"/>
+          </a:xfrm>
+          <a:prstGeom prst="rect">
+            <a:avLst/>
+          </a:prstGeom>
+        </p:spPr>
+      </p:pic>
+      <p:pic>
+        <p:nvPicPr>
+          <p:cNvPr id="5" name="Picture 4"/>
+          <p:cNvPicPr>
+            <a:picLocks noChangeAspect="1"/>
+          </p:cNvPicPr>
+          <p:nvPr/>
+        </p:nvPicPr>
+        <p:blipFill>
+          <a:blip r:embed="rId3"/>
+          <a:stretch>
+            <a:fillRect/>
+          </a:stretch>
+        </p:blipFill>
+        <p:spPr>
+          <a:xfrm>
+            <a:off x="6843712" y="2438400"/>
+            <a:ext cx="4886325" cy="2133600"/>
+          </a:xfrm>
+          <a:prstGeom prst="rect">
+            <a:avLst/>
+          </a:prstGeom>
+        </p:spPr>
+      </p:pic>
+    </p:spTree>
+    <p:extLst>
+      <p:ext uri="{BB962C8B-B14F-4D97-AF65-F5344CB8AC3E}">
+        <p14:creationId xmlns:p14="http://schemas.microsoft.com/office/powerpoint/2010/main" val="3975665253"/>
       </p:ext>
     </p:extLst>
   </p:cSld>
@@ -14829,501 +11846,6 @@
     <p:extLst>
       <p:ext uri="{BB962C8B-B14F-4D97-AF65-F5344CB8AC3E}">
         <p14:creationId xmlns:p14="http://schemas.microsoft.com/office/powerpoint/2010/main" val="1776743616"/>
-      </p:ext>
-    </p:extLst>
-  </p:cSld>
-  <p:clrMapOvr>
-    <a:masterClrMapping/>
-  </p:clrMapOvr>
-  <p:timing>
-    <p:tnLst>
-      <p:par>
-        <p:cTn id="1" dur="indefinite" restart="never" nodeType="tmRoot"/>
-      </p:par>
-    </p:tnLst>
-  </p:timing>
-</p:sld>
-</file>
-
-<file path=ppt/slides/slide20.xml><?xml version="1.0" encoding="utf-8"?>
-<p:sld xmlns:a="http://schemas.openxmlformats.org/drawingml/2006/main" xmlns:r="http://schemas.openxmlformats.org/officeDocument/2006/relationships" xmlns:p="http://schemas.openxmlformats.org/presentationml/2006/main">
-  <p:cSld>
-    <p:spTree>
-      <p:nvGrpSpPr>
-        <p:cNvPr id="1" name=""/>
-        <p:cNvGrpSpPr/>
-        <p:nvPr/>
-      </p:nvGrpSpPr>
-      <p:grpSpPr>
-        <a:xfrm>
-          <a:off x="0" y="0"/>
-          <a:ext cx="0" cy="0"/>
-          <a:chOff x="0" y="0"/>
-          <a:chExt cx="0" cy="0"/>
-        </a:xfrm>
-      </p:grpSpPr>
-      <p:sp>
-        <p:nvSpPr>
-          <p:cNvPr id="2" name="Title 1"/>
-          <p:cNvSpPr>
-            <a:spLocks noGrp="1"/>
-          </p:cNvSpPr>
-          <p:nvPr>
-            <p:ph type="title"/>
-          </p:nvPr>
-        </p:nvSpPr>
-        <p:spPr>
-          <a:xfrm>
-            <a:off x="3011714" y="194233"/>
-            <a:ext cx="8610600" cy="1293028"/>
-          </a:xfrm>
-        </p:spPr>
-        <p:txBody>
-          <a:bodyPr/>
-          <a:lstStyle/>
-          <a:p>
-            <a:r>
-              <a:rPr lang="en-US" dirty="0" smtClean="0"/>
-              <a:t>Software Level System Diagram</a:t>
-            </a:r>
-            <a:endParaRPr lang="en-US" dirty="0"/>
-          </a:p>
-        </p:txBody>
-      </p:sp>
-      <p:pic>
-        <p:nvPicPr>
-          <p:cNvPr id="1026" name="Picture 2"/>
-          <p:cNvPicPr>
-            <a:picLocks noChangeAspect="1" noChangeArrowheads="1"/>
-          </p:cNvPicPr>
-          <p:nvPr/>
-        </p:nvPicPr>
-        <p:blipFill>
-          <a:blip r:embed="rId2">
-            <a:extLst>
-              <a:ext uri="{28A0092B-C50C-407E-A947-70E740481C1C}">
-                <a14:useLocalDpi xmlns:a14="http://schemas.microsoft.com/office/drawing/2010/main" val="0"/>
-              </a:ext>
-            </a:extLst>
-          </a:blip>
-          <a:srcRect/>
-          <a:stretch>
-            <a:fillRect/>
-          </a:stretch>
-        </p:blipFill>
-        <p:spPr bwMode="auto">
-          <a:xfrm>
-            <a:off x="1163410" y="1487261"/>
-            <a:ext cx="10039350" cy="4667250"/>
-          </a:xfrm>
-          <a:prstGeom prst="rect">
-            <a:avLst/>
-          </a:prstGeom>
-          <a:noFill/>
-          <a:ln>
-            <a:noFill/>
-          </a:ln>
-          <a:extLst>
-            <a:ext uri="{909E8E84-426E-40DD-AFC4-6F175D3DCCD1}">
-              <a14:hiddenFill xmlns:a14="http://schemas.microsoft.com/office/drawing/2010/main">
-                <a:solidFill>
-                  <a:schemeClr val="accent1"/>
-                </a:solidFill>
-              </a14:hiddenFill>
-            </a:ext>
-            <a:ext uri="{91240B29-F687-4F45-9708-019B960494DF}">
-              <a14:hiddenLine xmlns:a14="http://schemas.microsoft.com/office/drawing/2010/main" w="9525">
-                <a:solidFill>
-                  <a:schemeClr val="tx1"/>
-                </a:solidFill>
-                <a:miter lim="800000"/>
-                <a:headEnd/>
-                <a:tailEnd/>
-              </a14:hiddenLine>
-            </a:ext>
-          </a:extLst>
-        </p:spPr>
-      </p:pic>
-    </p:spTree>
-    <p:extLst>
-      <p:ext uri="{BB962C8B-B14F-4D97-AF65-F5344CB8AC3E}">
-        <p14:creationId xmlns:p14="http://schemas.microsoft.com/office/powerpoint/2010/main" val="1589608749"/>
-      </p:ext>
-    </p:extLst>
-  </p:cSld>
-  <p:clrMapOvr>
-    <a:masterClrMapping/>
-  </p:clrMapOvr>
-  <p:timing>
-    <p:tnLst>
-      <p:par>
-        <p:cTn id="1" dur="indefinite" restart="never" nodeType="tmRoot"/>
-      </p:par>
-    </p:tnLst>
-  </p:timing>
-</p:sld>
-</file>
-
-<file path=ppt/slides/slide21.xml><?xml version="1.0" encoding="utf-8"?>
-<p:sld xmlns:a="http://schemas.openxmlformats.org/drawingml/2006/main" xmlns:r="http://schemas.openxmlformats.org/officeDocument/2006/relationships" xmlns:p="http://schemas.openxmlformats.org/presentationml/2006/main">
-  <p:cSld>
-    <p:spTree>
-      <p:nvGrpSpPr>
-        <p:cNvPr id="1" name=""/>
-        <p:cNvGrpSpPr/>
-        <p:nvPr/>
-      </p:nvGrpSpPr>
-      <p:grpSpPr>
-        <a:xfrm>
-          <a:off x="0" y="0"/>
-          <a:ext cx="0" cy="0"/>
-          <a:chOff x="0" y="0"/>
-          <a:chExt cx="0" cy="0"/>
-        </a:xfrm>
-      </p:grpSpPr>
-      <p:pic>
-        <p:nvPicPr>
-          <p:cNvPr id="1026" name="Picture 2" descr="C:\Users\riyadhalsegier\Desktop\Test result.jpg"/>
-          <p:cNvPicPr>
-            <a:picLocks noChangeAspect="1" noChangeArrowheads="1"/>
-          </p:cNvPicPr>
-          <p:nvPr/>
-        </p:nvPicPr>
-        <p:blipFill>
-          <a:blip r:embed="rId2">
-            <a:extLst>
-              <a:ext uri="{28A0092B-C50C-407E-A947-70E740481C1C}">
-                <a14:useLocalDpi xmlns:a14="http://schemas.microsoft.com/office/drawing/2010/main" val="0"/>
-              </a:ext>
-            </a:extLst>
-          </a:blip>
-          <a:srcRect/>
-          <a:stretch>
-            <a:fillRect/>
-          </a:stretch>
-        </p:blipFill>
-        <p:spPr bwMode="auto">
-          <a:xfrm>
-            <a:off x="1710381" y="1594279"/>
-            <a:ext cx="9707263" cy="4608814"/>
-          </a:xfrm>
-          <a:prstGeom prst="rect">
-            <a:avLst/>
-          </a:prstGeom>
-          <a:noFill/>
-          <a:extLst>
-            <a:ext uri="{909E8E84-426E-40DD-AFC4-6F175D3DCCD1}">
-              <a14:hiddenFill xmlns:a14="http://schemas.microsoft.com/office/drawing/2010/main">
-                <a:solidFill>
-                  <a:srgbClr val="FFFFFF"/>
-                </a:solidFill>
-              </a14:hiddenFill>
-            </a:ext>
-          </a:extLst>
-        </p:spPr>
-      </p:pic>
-      <p:sp>
-        <p:nvSpPr>
-          <p:cNvPr id="4" name="TextBox 3"/>
-          <p:cNvSpPr txBox="1"/>
-          <p:nvPr/>
-        </p:nvSpPr>
-        <p:spPr>
-          <a:xfrm>
-            <a:off x="3684887" y="702965"/>
-            <a:ext cx="5758249" cy="707886"/>
-          </a:xfrm>
-          <a:prstGeom prst="rect">
-            <a:avLst/>
-          </a:prstGeom>
-          <a:noFill/>
-        </p:spPr>
-        <p:txBody>
-          <a:bodyPr wrap="square" rtlCol="0">
-            <a:spAutoFit/>
-          </a:bodyPr>
-          <a:lstStyle/>
-          <a:p>
-            <a:r>
-              <a:rPr lang="en-US" sz="4000" dirty="0" smtClean="0"/>
-              <a:t>FPS testing</a:t>
-            </a:r>
-            <a:endParaRPr lang="en-US" sz="4000" dirty="0"/>
-          </a:p>
-        </p:txBody>
-      </p:sp>
-    </p:spTree>
-    <p:extLst>
-      <p:ext uri="{BB962C8B-B14F-4D97-AF65-F5344CB8AC3E}">
-        <p14:creationId xmlns:p14="http://schemas.microsoft.com/office/powerpoint/2010/main" val="1832564986"/>
-      </p:ext>
-    </p:extLst>
-  </p:cSld>
-  <p:clrMapOvr>
-    <a:masterClrMapping/>
-  </p:clrMapOvr>
-</p:sld>
-</file>
-
-<file path=ppt/slides/slide22.xml><?xml version="1.0" encoding="utf-8"?>
-<p:sld xmlns:a="http://schemas.openxmlformats.org/drawingml/2006/main" xmlns:r="http://schemas.openxmlformats.org/officeDocument/2006/relationships" xmlns:p="http://schemas.openxmlformats.org/presentationml/2006/main">
-  <p:cSld>
-    <p:spTree>
-      <p:nvGrpSpPr>
-        <p:cNvPr id="1" name=""/>
-        <p:cNvGrpSpPr/>
-        <p:nvPr/>
-      </p:nvGrpSpPr>
-      <p:grpSpPr>
-        <a:xfrm>
-          <a:off x="0" y="0"/>
-          <a:ext cx="0" cy="0"/>
-          <a:chOff x="0" y="0"/>
-          <a:chExt cx="0" cy="0"/>
-        </a:xfrm>
-      </p:grpSpPr>
-      <p:sp>
-        <p:nvSpPr>
-          <p:cNvPr id="2" name="Title 1"/>
-          <p:cNvSpPr>
-            <a:spLocks noGrp="1"/>
-          </p:cNvSpPr>
-          <p:nvPr>
-            <p:ph type="title"/>
-          </p:nvPr>
-        </p:nvSpPr>
-        <p:spPr>
-          <a:xfrm>
-            <a:off x="419100" y="1735922"/>
-            <a:ext cx="11391900" cy="3426627"/>
-          </a:xfrm>
-        </p:spPr>
-        <p:txBody>
-          <a:bodyPr/>
-          <a:lstStyle/>
-          <a:p>
-            <a:pPr algn="ctr"/>
-            <a:r>
-              <a:rPr lang="en-US" dirty="0" smtClean="0"/>
-              <a:t>Any Questions/Comments?</a:t>
-            </a:r>
-            <a:endParaRPr lang="en-US" dirty="0"/>
-          </a:p>
-        </p:txBody>
-      </p:sp>
-    </p:spTree>
-    <p:extLst>
-      <p:ext uri="{BB962C8B-B14F-4D97-AF65-F5344CB8AC3E}">
-        <p14:creationId xmlns:p14="http://schemas.microsoft.com/office/powerpoint/2010/main" val="2323493068"/>
-      </p:ext>
-    </p:extLst>
-  </p:cSld>
-  <p:clrMapOvr>
-    <a:masterClrMapping/>
-  </p:clrMapOvr>
-  <p:timing>
-    <p:tnLst>
-      <p:par>
-        <p:cTn id="1" dur="indefinite" restart="never" nodeType="tmRoot"/>
-      </p:par>
-    </p:tnLst>
-  </p:timing>
-</p:sld>
-</file>
-
-<file path=ppt/slides/slide23.xml><?xml version="1.0" encoding="utf-8"?>
-<p:sld xmlns:a="http://schemas.openxmlformats.org/drawingml/2006/main" xmlns:r="http://schemas.openxmlformats.org/officeDocument/2006/relationships" xmlns:p="http://schemas.openxmlformats.org/presentationml/2006/main">
-  <p:cSld>
-    <p:spTree>
-      <p:nvGrpSpPr>
-        <p:cNvPr id="1" name=""/>
-        <p:cNvGrpSpPr/>
-        <p:nvPr/>
-      </p:nvGrpSpPr>
-      <p:grpSpPr>
-        <a:xfrm>
-          <a:off x="0" y="0"/>
-          <a:ext cx="0" cy="0"/>
-          <a:chOff x="0" y="0"/>
-          <a:chExt cx="0" cy="0"/>
-        </a:xfrm>
-      </p:grpSpPr>
-      <p:sp>
-        <p:nvSpPr>
-          <p:cNvPr id="2" name="Title 1"/>
-          <p:cNvSpPr>
-            <a:spLocks noGrp="1"/>
-          </p:cNvSpPr>
-          <p:nvPr>
-            <p:ph type="title"/>
-          </p:nvPr>
-        </p:nvSpPr>
-        <p:spPr/>
-        <p:txBody>
-          <a:bodyPr/>
-          <a:lstStyle/>
-          <a:p>
-            <a:pPr algn="l"/>
-            <a:r>
-              <a:rPr lang="en-US" dirty="0" smtClean="0"/>
-              <a:t>Appendix: controller</a:t>
-            </a:r>
-            <a:endParaRPr lang="en-US" dirty="0"/>
-          </a:p>
-        </p:txBody>
-      </p:sp>
-      <p:pic>
-        <p:nvPicPr>
-          <p:cNvPr id="4" name="Picture 3"/>
-          <p:cNvPicPr>
-            <a:picLocks noChangeAspect="1"/>
-          </p:cNvPicPr>
-          <p:nvPr/>
-        </p:nvPicPr>
-        <p:blipFill>
-          <a:blip r:embed="rId2"/>
-          <a:stretch>
-            <a:fillRect/>
-          </a:stretch>
-        </p:blipFill>
-        <p:spPr>
-          <a:xfrm>
-            <a:off x="1428750" y="1704976"/>
-            <a:ext cx="8334375" cy="4933950"/>
-          </a:xfrm>
-          <a:prstGeom prst="rect">
-            <a:avLst/>
-          </a:prstGeom>
-        </p:spPr>
-      </p:pic>
-    </p:spTree>
-    <p:extLst>
-      <p:ext uri="{BB962C8B-B14F-4D97-AF65-F5344CB8AC3E}">
-        <p14:creationId xmlns:p14="http://schemas.microsoft.com/office/powerpoint/2010/main" val="1082128541"/>
-      </p:ext>
-    </p:extLst>
-  </p:cSld>
-  <p:clrMapOvr>
-    <a:masterClrMapping/>
-  </p:clrMapOvr>
-  <p:timing>
-    <p:tnLst>
-      <p:par>
-        <p:cTn id="1" dur="indefinite" restart="never" nodeType="tmRoot"/>
-      </p:par>
-    </p:tnLst>
-  </p:timing>
-</p:sld>
-</file>
-
-<file path=ppt/slides/slide24.xml><?xml version="1.0" encoding="utf-8"?>
-<p:sld xmlns:a="http://schemas.openxmlformats.org/drawingml/2006/main" xmlns:r="http://schemas.openxmlformats.org/officeDocument/2006/relationships" xmlns:p="http://schemas.openxmlformats.org/presentationml/2006/main">
-  <p:cSld>
-    <p:spTree>
-      <p:nvGrpSpPr>
-        <p:cNvPr id="1" name=""/>
-        <p:cNvGrpSpPr/>
-        <p:nvPr/>
-      </p:nvGrpSpPr>
-      <p:grpSpPr>
-        <a:xfrm>
-          <a:off x="0" y="0"/>
-          <a:ext cx="0" cy="0"/>
-          <a:chOff x="0" y="0"/>
-          <a:chExt cx="0" cy="0"/>
-        </a:xfrm>
-      </p:grpSpPr>
-      <p:sp>
-        <p:nvSpPr>
-          <p:cNvPr id="2" name="Title 1"/>
-          <p:cNvSpPr>
-            <a:spLocks noGrp="1"/>
-          </p:cNvSpPr>
-          <p:nvPr>
-            <p:ph type="title"/>
-          </p:nvPr>
-        </p:nvSpPr>
-        <p:spPr>
-          <a:xfrm>
-            <a:off x="2019300" y="269073"/>
-            <a:ext cx="8610600" cy="1293028"/>
-          </a:xfrm>
-        </p:spPr>
-        <p:txBody>
-          <a:bodyPr/>
-          <a:lstStyle/>
-          <a:p>
-            <a:pPr algn="l"/>
-            <a:r>
-              <a:rPr lang="en-US" dirty="0" smtClean="0"/>
-              <a:t>Appendix : </a:t>
-            </a:r>
-            <a:r>
-              <a:rPr lang="en-US" dirty="0" err="1" smtClean="0"/>
-              <a:t>BArCHart</a:t>
-            </a:r>
-            <a:r>
-              <a:rPr lang="en-US" dirty="0" smtClean="0"/>
-              <a:t> Model</a:t>
-            </a:r>
-            <a:endParaRPr lang="en-US" dirty="0"/>
-          </a:p>
-        </p:txBody>
-      </p:sp>
-      <p:pic>
-        <p:nvPicPr>
-          <p:cNvPr id="4" name="Content Placeholder 3"/>
-          <p:cNvPicPr>
-            <a:picLocks noGrp="1" noChangeAspect="1"/>
-          </p:cNvPicPr>
-          <p:nvPr>
-            <p:ph idx="1"/>
-          </p:nvPr>
-        </p:nvPicPr>
-        <p:blipFill>
-          <a:blip r:embed="rId2"/>
-          <a:stretch>
-            <a:fillRect/>
-          </a:stretch>
-        </p:blipFill>
-        <p:spPr>
-          <a:xfrm>
-            <a:off x="552450" y="1717675"/>
-            <a:ext cx="5991225" cy="4877647"/>
-          </a:xfrm>
-          <a:prstGeom prst="rect">
-            <a:avLst/>
-          </a:prstGeom>
-        </p:spPr>
-      </p:pic>
-      <p:pic>
-        <p:nvPicPr>
-          <p:cNvPr id="5" name="Picture 4"/>
-          <p:cNvPicPr>
-            <a:picLocks noChangeAspect="1"/>
-          </p:cNvPicPr>
-          <p:nvPr/>
-        </p:nvPicPr>
-        <p:blipFill>
-          <a:blip r:embed="rId3"/>
-          <a:stretch>
-            <a:fillRect/>
-          </a:stretch>
-        </p:blipFill>
-        <p:spPr>
-          <a:xfrm>
-            <a:off x="6843712" y="2438400"/>
-            <a:ext cx="4886325" cy="2133600"/>
-          </a:xfrm>
-          <a:prstGeom prst="rect">
-            <a:avLst/>
-          </a:prstGeom>
-        </p:spPr>
-      </p:pic>
-    </p:spTree>
-    <p:extLst>
-      <p:ext uri="{BB962C8B-B14F-4D97-AF65-F5344CB8AC3E}">
-        <p14:creationId xmlns:p14="http://schemas.microsoft.com/office/powerpoint/2010/main" val="3975665253"/>
       </p:ext>
     </p:extLst>
   </p:cSld>
@@ -18398,7 +14920,11 @@
             <a:pPr algn="l"/>
             <a:r>
               <a:rPr lang="en-US" dirty="0" smtClean="0"/>
-              <a:t>GUI Client</a:t>
+              <a:t>(GUI) </a:t>
+            </a:r>
+            <a:r>
+              <a:rPr lang="en-US" dirty="0" smtClean="0"/>
+              <a:t>Client</a:t>
             </a:r>
             <a:br>
               <a:rPr lang="en-US" dirty="0" smtClean="0"/>
@@ -18413,7 +14939,7 @@
       </p:sp>
       <p:pic>
         <p:nvPicPr>
-          <p:cNvPr id="6" name="Picture 5"/>
+          <p:cNvPr id="3" name="Picture 2"/>
           <p:cNvPicPr>
             <a:picLocks noChangeAspect="1"/>
           </p:cNvPicPr>
@@ -18427,14 +14953,150 @@
         </p:blipFill>
         <p:spPr>
           <a:xfrm>
-            <a:off x="3629025" y="352575"/>
-            <a:ext cx="7753350" cy="6219675"/>
+            <a:off x="4069473" y="93132"/>
+            <a:ext cx="7257554" cy="6683775"/>
           </a:xfrm>
           <a:prstGeom prst="rect">
             <a:avLst/>
           </a:prstGeom>
         </p:spPr>
       </p:pic>
+      <p:sp>
+        <p:nvSpPr>
+          <p:cNvPr id="4" name="Rectangle 3"/>
+          <p:cNvSpPr/>
+          <p:nvPr/>
+        </p:nvSpPr>
+        <p:spPr>
+          <a:xfrm>
+            <a:off x="3657600" y="1713470"/>
+            <a:ext cx="7578811" cy="2784389"/>
+          </a:xfrm>
+          <a:prstGeom prst="rect">
+            <a:avLst/>
+          </a:prstGeom>
+          <a:noFill/>
+          <a:ln>
+            <a:solidFill>
+              <a:schemeClr val="accent1"/>
+            </a:solidFill>
+          </a:ln>
+        </p:spPr>
+        <p:style>
+          <a:lnRef idx="2">
+            <a:schemeClr val="accent1">
+              <a:shade val="50000"/>
+            </a:schemeClr>
+          </a:lnRef>
+          <a:fillRef idx="1">
+            <a:schemeClr val="accent1"/>
+          </a:fillRef>
+          <a:effectRef idx="0">
+            <a:schemeClr val="accent1"/>
+          </a:effectRef>
+          <a:fontRef idx="minor">
+            <a:schemeClr val="lt1"/>
+          </a:fontRef>
+        </p:style>
+        <p:txBody>
+          <a:bodyPr rtlCol="0" anchor="ctr"/>
+          <a:lstStyle/>
+          <a:p>
+            <a:pPr algn="ctr"/>
+            <a:endParaRPr lang="en-US"/>
+          </a:p>
+        </p:txBody>
+      </p:sp>
+      <p:sp>
+        <p:nvSpPr>
+          <p:cNvPr id="5" name="TextBox 4"/>
+          <p:cNvSpPr txBox="1"/>
+          <p:nvPr/>
+        </p:nvSpPr>
+        <p:spPr>
+          <a:xfrm>
+            <a:off x="2611395" y="2545492"/>
+            <a:ext cx="1046205" cy="369332"/>
+          </a:xfrm>
+          <a:prstGeom prst="rect">
+            <a:avLst/>
+          </a:prstGeom>
+          <a:noFill/>
+        </p:spPr>
+        <p:txBody>
+          <a:bodyPr wrap="square" rtlCol="0">
+            <a:spAutoFit/>
+          </a:bodyPr>
+          <a:lstStyle/>
+          <a:p>
+            <a:r>
+              <a:rPr lang="en-US" dirty="0" smtClean="0"/>
+              <a:t>Model</a:t>
+            </a:r>
+            <a:endParaRPr lang="en-US" dirty="0"/>
+          </a:p>
+        </p:txBody>
+      </p:sp>
+      <p:sp>
+        <p:nvSpPr>
+          <p:cNvPr id="7" name="TextBox 6"/>
+          <p:cNvSpPr txBox="1"/>
+          <p:nvPr/>
+        </p:nvSpPr>
+        <p:spPr>
+          <a:xfrm>
+            <a:off x="3105665" y="5346357"/>
+            <a:ext cx="766119" cy="369332"/>
+          </a:xfrm>
+          <a:prstGeom prst="rect">
+            <a:avLst/>
+          </a:prstGeom>
+          <a:noFill/>
+        </p:spPr>
+        <p:txBody>
+          <a:bodyPr wrap="square" rtlCol="0">
+            <a:spAutoFit/>
+          </a:bodyPr>
+          <a:lstStyle/>
+          <a:p>
+            <a:r>
+              <a:rPr lang="en-US" dirty="0" smtClean="0"/>
+              <a:t>View</a:t>
+            </a:r>
+            <a:endParaRPr lang="en-US" dirty="0"/>
+          </a:p>
+        </p:txBody>
+      </p:sp>
+      <p:sp>
+        <p:nvSpPr>
+          <p:cNvPr id="8" name="TextBox 7"/>
+          <p:cNvSpPr txBox="1"/>
+          <p:nvPr/>
+        </p:nvSpPr>
+        <p:spPr>
+          <a:xfrm>
+            <a:off x="10062501" y="4861010"/>
+            <a:ext cx="1676399" cy="369332"/>
+          </a:xfrm>
+          <a:prstGeom prst="rect">
+            <a:avLst/>
+          </a:prstGeom>
+          <a:noFill/>
+        </p:spPr>
+        <p:txBody>
+          <a:bodyPr wrap="square" rtlCol="0">
+            <a:spAutoFit/>
+          </a:bodyPr>
+          <a:lstStyle/>
+          <a:p>
+            <a:r>
+              <a:rPr lang="en-US" dirty="0" smtClean="0"/>
+              <a:t>Controller</a:t>
+            </a:r>
+            <a:endParaRPr lang="en-US" dirty="0"/>
+          </a:p>
+        </p:txBody>
+      </p:sp>
     </p:spTree>
     <p:extLst>
       <p:ext uri="{BB962C8B-B14F-4D97-AF65-F5344CB8AC3E}">
@@ -18660,7 +15322,7 @@
         </p:nvSpPr>
         <p:spPr>
           <a:xfrm>
-            <a:off x="2514600" y="126198"/>
+            <a:off x="805249" y="1213592"/>
             <a:ext cx="8610600" cy="1293028"/>
           </a:xfrm>
         </p:spPr>
@@ -18683,13 +15345,11 @@
       </p:sp>
       <p:pic>
         <p:nvPicPr>
-          <p:cNvPr id="4" name="Content Placeholder 3"/>
+          <p:cNvPr id="5" name="Picture 4"/>
           <p:cNvPicPr>
-            <a:picLocks noGrp="1" noChangeAspect="1"/>
+            <a:picLocks noChangeAspect="1"/>
           </p:cNvPicPr>
-          <p:nvPr>
-            <p:ph idx="1"/>
-          </p:nvPr>
+          <p:nvPr/>
         </p:nvPicPr>
         <p:blipFill>
           <a:blip r:embed="rId2"/>
@@ -18699,8 +15359,8 @@
         </p:blipFill>
         <p:spPr>
           <a:xfrm>
-            <a:off x="1638300" y="1285875"/>
-            <a:ext cx="7724775" cy="5313364"/>
+            <a:off x="5618205" y="284076"/>
+            <a:ext cx="6038336" cy="6404993"/>
           </a:xfrm>
           <a:prstGeom prst="rect">
             <a:avLst/>
@@ -19136,7 +15796,7 @@
   <a:extraClrSchemeLst/>
   <a:extLst>
     <a:ext uri="{05A4C25C-085E-4340-85A3-A5531E510DB2}">
-      <thm15:themeFamily xmlns="" xmlns:thm15="http://schemas.microsoft.com/office/thememl/2012/main" name="Vapor Trail" id="{4FDF2955-7D9C-493C-B9F9-C205151B46CD}" vid="{8F31A783-2159-4870-BC29-2BA7D038EA44}"/>
+      <thm15:themeFamily xmlns:thm15="http://schemas.microsoft.com/office/thememl/2012/main" name="Vapor Trail" id="{4FDF2955-7D9C-493C-B9F9-C205151B46CD}" vid="{8F31A783-2159-4870-BC29-2BA7D038EA44}"/>
     </a:ext>
   </a:extLst>
 </a:theme>
@@ -19397,7 +16057,7 @@
   <a:extraClrSchemeLst/>
   <a:extLst>
     <a:ext uri="{05A4C25C-085E-4340-85A3-A5531E510DB2}">
-      <thm15:themeFamily xmlns="" xmlns:thm15="http://schemas.microsoft.com/office/thememl/2012/main" name="Office Theme" id="{62F939B6-93AF-4DB8-9C6B-D6C7DFDC589F}" vid="{4A3C46E8-61CC-4603-A589-7422A47A8E4A}"/>
+      <thm15:themeFamily xmlns:thm15="http://schemas.microsoft.com/office/thememl/2012/main" name="Office Theme" id="{62F939B6-93AF-4DB8-9C6B-D6C7DFDC589F}" vid="{4A3C46E8-61CC-4603-A589-7422A47A8E4A}"/>
     </a:ext>
   </a:extLst>
 </a:theme>

--- a/Baby monitor System_codeReview.pptx
+++ b/Baby monitor System_codeReview.pptx
@@ -5,7 +5,7 @@
     <p:sldMasterId id="2147483660" r:id="rId1"/>
   </p:sldMasterIdLst>
   <p:notesMasterIdLst>
-    <p:notesMasterId r:id="rId20"/>
+    <p:notesMasterId r:id="rId19"/>
   </p:notesMasterIdLst>
   <p:sldIdLst>
     <p:sldId id="256" r:id="rId2"/>
@@ -20,12 +20,11 @@
     <p:sldId id="272" r:id="rId11"/>
     <p:sldId id="273" r:id="rId12"/>
     <p:sldId id="274" r:id="rId13"/>
-    <p:sldId id="268" r:id="rId14"/>
-    <p:sldId id="290" r:id="rId15"/>
-    <p:sldId id="283" r:id="rId16"/>
-    <p:sldId id="289" r:id="rId17"/>
-    <p:sldId id="266" r:id="rId18"/>
-    <p:sldId id="267" r:id="rId19"/>
+    <p:sldId id="291" r:id="rId14"/>
+    <p:sldId id="268" r:id="rId15"/>
+    <p:sldId id="290" r:id="rId16"/>
+    <p:sldId id="283" r:id="rId17"/>
+    <p:sldId id="289" r:id="rId18"/>
   </p:sldIdLst>
   <p:sldSz cx="12192000" cy="6858000"/>
   <p:notesSz cx="6858000" cy="9144000"/>
@@ -126,7 +125,7 @@
   </p:defaultTextStyle>
   <p:extLst>
     <p:ext uri="{EFAFB233-063F-42B5-8137-9DF3F51BA10A}">
-      <p15:sldGuideLst xmlns:p15="http://schemas.microsoft.com/office/powerpoint/2012/main">
+      <p15:sldGuideLst xmlns="" xmlns:p15="http://schemas.microsoft.com/office/powerpoint/2012/main">
         <p15:guide id="1" orient="horz" pos="2160">
           <p15:clr>
             <a:srgbClr val="A4A3A4"/>
@@ -6882,6 +6881,361 @@
         </p:nvSpPr>
         <p:spPr>
           <a:xfrm>
+            <a:off x="3731793" y="558581"/>
+            <a:ext cx="8610600" cy="1293028"/>
+          </a:xfrm>
+        </p:spPr>
+        <p:txBody>
+          <a:bodyPr/>
+          <a:lstStyle/>
+          <a:p>
+            <a:pPr algn="l"/>
+            <a:r>
+              <a:rPr lang="en-US" dirty="0" smtClean="0"/>
+              <a:t>Progress :</a:t>
+            </a:r>
+            <a:endParaRPr lang="en-US" dirty="0"/>
+          </a:p>
+        </p:txBody>
+      </p:sp>
+      <p:pic>
+        <p:nvPicPr>
+          <p:cNvPr id="1025" name="Picture 1"/>
+          <p:cNvPicPr>
+            <a:picLocks noChangeAspect="1" noChangeArrowheads="1"/>
+          </p:cNvPicPr>
+          <p:nvPr/>
+        </p:nvPicPr>
+        <p:blipFill>
+          <a:blip r:embed="rId2">
+            <a:extLst>
+              <a:ext uri="{28A0092B-C50C-407E-A947-70E740481C1C}">
+                <a14:useLocalDpi xmlns:a14="http://schemas.microsoft.com/office/drawing/2010/main" val="0"/>
+              </a:ext>
+            </a:extLst>
+          </a:blip>
+          <a:srcRect/>
+          <a:stretch>
+            <a:fillRect/>
+          </a:stretch>
+        </p:blipFill>
+        <p:spPr bwMode="auto">
+          <a:xfrm>
+            <a:off x="705852" y="1851609"/>
+            <a:ext cx="10619873" cy="4716307"/>
+          </a:xfrm>
+          <a:prstGeom prst="rect">
+            <a:avLst/>
+          </a:prstGeom>
+          <a:noFill/>
+          <a:ln>
+            <a:noFill/>
+          </a:ln>
+          <a:extLst>
+            <a:ext uri="{909E8E84-426E-40DD-AFC4-6F175D3DCCD1}">
+              <a14:hiddenFill xmlns:a14="http://schemas.microsoft.com/office/drawing/2010/main">
+                <a:solidFill>
+                  <a:schemeClr val="accent1"/>
+                </a:solidFill>
+              </a14:hiddenFill>
+            </a:ext>
+            <a:ext uri="{91240B29-F687-4F45-9708-019B960494DF}">
+              <a14:hiddenLine xmlns:a14="http://schemas.microsoft.com/office/drawing/2010/main" w="9525">
+                <a:solidFill>
+                  <a:schemeClr val="tx1"/>
+                </a:solidFill>
+                <a:miter lim="800000"/>
+                <a:headEnd/>
+                <a:tailEnd/>
+              </a14:hiddenLine>
+            </a:ext>
+          </a:extLst>
+        </p:spPr>
+      </p:pic>
+      <p:sp>
+        <p:nvSpPr>
+          <p:cNvPr id="6" name="Smiley Face 5"/>
+          <p:cNvSpPr/>
+          <p:nvPr/>
+        </p:nvSpPr>
+        <p:spPr>
+          <a:xfrm>
+            <a:off x="7491663" y="2727158"/>
+            <a:ext cx="529389" cy="449179"/>
+          </a:xfrm>
+          <a:prstGeom prst="smileyFace">
+            <a:avLst/>
+          </a:prstGeom>
+        </p:spPr>
+        <p:style>
+          <a:lnRef idx="2">
+            <a:schemeClr val="accent4">
+              <a:shade val="50000"/>
+            </a:schemeClr>
+          </a:lnRef>
+          <a:fillRef idx="1">
+            <a:schemeClr val="accent4"/>
+          </a:fillRef>
+          <a:effectRef idx="0">
+            <a:schemeClr val="accent4"/>
+          </a:effectRef>
+          <a:fontRef idx="minor">
+            <a:schemeClr val="lt1"/>
+          </a:fontRef>
+        </p:style>
+        <p:txBody>
+          <a:bodyPr rtlCol="0" anchor="ctr"/>
+          <a:lstStyle/>
+          <a:p>
+            <a:pPr algn="ctr"/>
+            <a:endParaRPr lang="en-US"/>
+          </a:p>
+        </p:txBody>
+      </p:sp>
+      <p:sp>
+        <p:nvSpPr>
+          <p:cNvPr id="8" name="Smiley Face 7"/>
+          <p:cNvSpPr/>
+          <p:nvPr/>
+        </p:nvSpPr>
+        <p:spPr>
+          <a:xfrm>
+            <a:off x="7491663" y="3489158"/>
+            <a:ext cx="529389" cy="449179"/>
+          </a:xfrm>
+          <a:prstGeom prst="smileyFace">
+            <a:avLst/>
+          </a:prstGeom>
+        </p:spPr>
+        <p:style>
+          <a:lnRef idx="2">
+            <a:schemeClr val="accent4">
+              <a:shade val="50000"/>
+            </a:schemeClr>
+          </a:lnRef>
+          <a:fillRef idx="1">
+            <a:schemeClr val="accent4"/>
+          </a:fillRef>
+          <a:effectRef idx="0">
+            <a:schemeClr val="accent4"/>
+          </a:effectRef>
+          <a:fontRef idx="minor">
+            <a:schemeClr val="lt1"/>
+          </a:fontRef>
+        </p:style>
+        <p:txBody>
+          <a:bodyPr rtlCol="0" anchor="ctr"/>
+          <a:lstStyle/>
+          <a:p>
+            <a:pPr algn="ctr"/>
+            <a:endParaRPr lang="en-US"/>
+          </a:p>
+        </p:txBody>
+      </p:sp>
+      <p:sp>
+        <p:nvSpPr>
+          <p:cNvPr id="9" name="Smiley Face 8"/>
+          <p:cNvSpPr/>
+          <p:nvPr/>
+        </p:nvSpPr>
+        <p:spPr>
+          <a:xfrm>
+            <a:off x="7491662" y="4225804"/>
+            <a:ext cx="529389" cy="449179"/>
+          </a:xfrm>
+          <a:prstGeom prst="smileyFace">
+            <a:avLst/>
+          </a:prstGeom>
+        </p:spPr>
+        <p:style>
+          <a:lnRef idx="2">
+            <a:schemeClr val="accent4">
+              <a:shade val="50000"/>
+            </a:schemeClr>
+          </a:lnRef>
+          <a:fillRef idx="1">
+            <a:schemeClr val="accent4"/>
+          </a:fillRef>
+          <a:effectRef idx="0">
+            <a:schemeClr val="accent4"/>
+          </a:effectRef>
+          <a:fontRef idx="minor">
+            <a:schemeClr val="lt1"/>
+          </a:fontRef>
+        </p:style>
+        <p:txBody>
+          <a:bodyPr rtlCol="0" anchor="ctr"/>
+          <a:lstStyle/>
+          <a:p>
+            <a:pPr algn="ctr"/>
+            <a:endParaRPr lang="en-US"/>
+          </a:p>
+        </p:txBody>
+      </p:sp>
+      <p:sp>
+        <p:nvSpPr>
+          <p:cNvPr id="10" name="Smiley Face 9"/>
+          <p:cNvSpPr/>
+          <p:nvPr/>
+        </p:nvSpPr>
+        <p:spPr>
+          <a:xfrm>
+            <a:off x="7491663" y="5093369"/>
+            <a:ext cx="529389" cy="449179"/>
+          </a:xfrm>
+          <a:prstGeom prst="smileyFace">
+            <a:avLst/>
+          </a:prstGeom>
+        </p:spPr>
+        <p:style>
+          <a:lnRef idx="2">
+            <a:schemeClr val="accent4">
+              <a:shade val="50000"/>
+            </a:schemeClr>
+          </a:lnRef>
+          <a:fillRef idx="1">
+            <a:schemeClr val="accent4"/>
+          </a:fillRef>
+          <a:effectRef idx="0">
+            <a:schemeClr val="accent4"/>
+          </a:effectRef>
+          <a:fontRef idx="minor">
+            <a:schemeClr val="lt1"/>
+          </a:fontRef>
+        </p:style>
+        <p:txBody>
+          <a:bodyPr rtlCol="0" anchor="ctr"/>
+          <a:lstStyle/>
+          <a:p>
+            <a:pPr algn="ctr"/>
+            <a:endParaRPr lang="en-US"/>
+          </a:p>
+        </p:txBody>
+      </p:sp>
+      <p:sp>
+        <p:nvSpPr>
+          <p:cNvPr id="7" name="&quot;No&quot; Symbol 6"/>
+          <p:cNvSpPr/>
+          <p:nvPr/>
+        </p:nvSpPr>
+        <p:spPr>
+          <a:xfrm>
+            <a:off x="7491662" y="5935579"/>
+            <a:ext cx="529389" cy="465221"/>
+          </a:xfrm>
+          <a:prstGeom prst="noSmoking">
+            <a:avLst/>
+          </a:prstGeom>
+        </p:spPr>
+        <p:style>
+          <a:lnRef idx="2">
+            <a:schemeClr val="accent1">
+              <a:shade val="50000"/>
+            </a:schemeClr>
+          </a:lnRef>
+          <a:fillRef idx="1">
+            <a:schemeClr val="accent1"/>
+          </a:fillRef>
+          <a:effectRef idx="0">
+            <a:schemeClr val="accent1"/>
+          </a:effectRef>
+          <a:fontRef idx="minor">
+            <a:schemeClr val="lt1"/>
+          </a:fontRef>
+        </p:style>
+        <p:txBody>
+          <a:bodyPr rtlCol="0" anchor="ctr"/>
+          <a:lstStyle/>
+          <a:p>
+            <a:pPr algn="ctr"/>
+            <a:endParaRPr lang="en-US">
+              <a:solidFill>
+                <a:schemeClr val="tx1"/>
+              </a:solidFill>
+            </a:endParaRPr>
+          </a:p>
+        </p:txBody>
+      </p:sp>
+      <p:sp>
+        <p:nvSpPr>
+          <p:cNvPr id="11" name="TextBox 10"/>
+          <p:cNvSpPr txBox="1"/>
+          <p:nvPr/>
+        </p:nvSpPr>
+        <p:spPr>
+          <a:xfrm>
+            <a:off x="5245768" y="5877580"/>
+            <a:ext cx="2791325" cy="523220"/>
+          </a:xfrm>
+          <a:prstGeom prst="rect">
+            <a:avLst/>
+          </a:prstGeom>
+          <a:noFill/>
+        </p:spPr>
+        <p:txBody>
+          <a:bodyPr wrap="square" rtlCol="0">
+            <a:spAutoFit/>
+          </a:bodyPr>
+          <a:lstStyle/>
+          <a:p>
+            <a:r>
+              <a:rPr lang="en-US" sz="2800" b="1" dirty="0" smtClean="0">
+                <a:solidFill>
+                  <a:schemeClr val="bg1"/>
+                </a:solidFill>
+              </a:rPr>
+              <a:t>In progress</a:t>
+            </a:r>
+            <a:endParaRPr lang="en-US" sz="2800" b="1" dirty="0">
+              <a:solidFill>
+                <a:schemeClr val="bg1"/>
+              </a:solidFill>
+            </a:endParaRPr>
+          </a:p>
+        </p:txBody>
+      </p:sp>
+    </p:spTree>
+    <p:extLst>
+      <p:ext uri="{BB962C8B-B14F-4D97-AF65-F5344CB8AC3E}">
+        <p14:creationId xmlns:p14="http://schemas.microsoft.com/office/powerpoint/2010/main" val="874828896"/>
+      </p:ext>
+    </p:extLst>
+  </p:cSld>
+  <p:clrMapOvr>
+    <a:masterClrMapping/>
+  </p:clrMapOvr>
+</p:sld>
+</file>
+
+<file path=ppt/slides/slide14.xml><?xml version="1.0" encoding="utf-8"?>
+<p:sld xmlns:a="http://schemas.openxmlformats.org/drawingml/2006/main" xmlns:r="http://schemas.openxmlformats.org/officeDocument/2006/relationships" xmlns:p="http://schemas.openxmlformats.org/presentationml/2006/main">
+  <p:cSld>
+    <p:spTree>
+      <p:nvGrpSpPr>
+        <p:cNvPr id="1" name=""/>
+        <p:cNvGrpSpPr/>
+        <p:nvPr/>
+      </p:nvGrpSpPr>
+      <p:grpSpPr>
+        <a:xfrm>
+          <a:off x="0" y="0"/>
+          <a:ext cx="0" cy="0"/>
+          <a:chOff x="0" y="0"/>
+          <a:chExt cx="0" cy="0"/>
+        </a:xfrm>
+      </p:grpSpPr>
+      <p:sp>
+        <p:nvSpPr>
+          <p:cNvPr id="2" name="Title 1"/>
+          <p:cNvSpPr>
+            <a:spLocks noGrp="1"/>
+          </p:cNvSpPr>
+          <p:nvPr>
+            <p:ph type="title"/>
+          </p:nvPr>
+        </p:nvSpPr>
+        <p:spPr>
+          <a:xfrm>
             <a:off x="419100" y="1735922"/>
             <a:ext cx="11391900" cy="3426627"/>
           </a:xfrm>
@@ -6919,7 +7273,7 @@
 </p:sld>
 </file>
 
-<file path=ppt/slides/slide14.xml><?xml version="1.0" encoding="utf-8"?>
+<file path=ppt/slides/slide15.xml><?xml version="1.0" encoding="utf-8"?>
 <p:sld xmlns:a="http://schemas.openxmlformats.org/drawingml/2006/main" xmlns:r="http://schemas.openxmlformats.org/officeDocument/2006/relationships" xmlns:p="http://schemas.openxmlformats.org/presentationml/2006/main">
   <p:cSld>
     <p:spTree>
@@ -9545,460 +9899,6 @@
 </p:sld>
 </file>
 
-<file path=ppt/slides/slide15.xml><?xml version="1.0" encoding="utf-8"?>
-<p:sld xmlns:a="http://schemas.openxmlformats.org/drawingml/2006/main" xmlns:r="http://schemas.openxmlformats.org/officeDocument/2006/relationships" xmlns:p="http://schemas.openxmlformats.org/presentationml/2006/main">
-  <p:cSld>
-    <p:spTree>
-      <p:nvGrpSpPr>
-        <p:cNvPr id="1" name=""/>
-        <p:cNvGrpSpPr/>
-        <p:nvPr/>
-      </p:nvGrpSpPr>
-      <p:grpSpPr>
-        <a:xfrm>
-          <a:off x="0" y="0"/>
-          <a:ext cx="0" cy="0"/>
-          <a:chOff x="0" y="0"/>
-          <a:chExt cx="0" cy="0"/>
-        </a:xfrm>
-      </p:grpSpPr>
-      <p:sp>
-        <p:nvSpPr>
-          <p:cNvPr id="4" name="Title 3"/>
-          <p:cNvSpPr>
-            <a:spLocks noGrp="1"/>
-          </p:cNvSpPr>
-          <p:nvPr>
-            <p:ph type="title"/>
-          </p:nvPr>
-        </p:nvSpPr>
-        <p:spPr/>
-        <p:txBody>
-          <a:bodyPr/>
-          <a:lstStyle/>
-          <a:p>
-            <a:r>
-              <a:rPr lang="en-CA" dirty="0" smtClean="0"/>
-              <a:t>			</a:t>
-            </a:r>
-            <a:r>
-              <a:rPr lang="en-CA" dirty="0" err="1" smtClean="0"/>
-              <a:t>Raspi</a:t>
-            </a:r>
-            <a:r>
-              <a:rPr lang="en-CA" dirty="0" smtClean="0"/>
-              <a:t> Mic</a:t>
-            </a:r>
-            <a:endParaRPr lang="en-CA" dirty="0"/>
-          </a:p>
-        </p:txBody>
-      </p:sp>
-      <p:sp>
-        <p:nvSpPr>
-          <p:cNvPr id="5" name="Content Placeholder 4"/>
-          <p:cNvSpPr>
-            <a:spLocks noGrp="1"/>
-          </p:cNvSpPr>
-          <p:nvPr>
-            <p:ph idx="1"/>
-          </p:nvPr>
-        </p:nvSpPr>
-        <p:spPr/>
-        <p:txBody>
-          <a:bodyPr/>
-          <a:lstStyle/>
-          <a:p>
-            <a:r>
-              <a:rPr lang="en-CA" dirty="0" err="1" smtClean="0"/>
-              <a:t>readInput</a:t>
-            </a:r>
-            <a:r>
-              <a:rPr lang="en-CA" dirty="0" smtClean="0"/>
-              <a:t> is a file in the Raspberry pi that reads the sound from the microphone and analyses the volume to verify if the sound is high or low and sends the result through TCP/IP to the server.</a:t>
-            </a:r>
-            <a:endParaRPr lang="en-CA" dirty="0"/>
-          </a:p>
-        </p:txBody>
-      </p:sp>
-      <p:sp>
-        <p:nvSpPr>
-          <p:cNvPr id="6" name="Flowchart: Process 5"/>
-          <p:cNvSpPr/>
-          <p:nvPr/>
-        </p:nvSpPr>
-        <p:spPr>
-          <a:xfrm>
-            <a:off x="7014729" y="3949876"/>
-            <a:ext cx="1724890" cy="1039091"/>
-          </a:xfrm>
-          <a:prstGeom prst="flowChartProcess">
-            <a:avLst/>
-          </a:prstGeom>
-        </p:spPr>
-        <p:style>
-          <a:lnRef idx="2">
-            <a:schemeClr val="accent1">
-              <a:shade val="50000"/>
-            </a:schemeClr>
-          </a:lnRef>
-          <a:fillRef idx="1">
-            <a:schemeClr val="accent1"/>
-          </a:fillRef>
-          <a:effectRef idx="0">
-            <a:schemeClr val="accent1"/>
-          </a:effectRef>
-          <a:fontRef idx="minor">
-            <a:schemeClr val="lt1"/>
-          </a:fontRef>
-        </p:style>
-        <p:txBody>
-          <a:bodyPr rtlCol="0" anchor="ctr"/>
-          <a:lstStyle/>
-          <a:p>
-            <a:pPr algn="ctr"/>
-            <a:r>
-              <a:rPr lang="en-CA" dirty="0" smtClean="0"/>
-              <a:t>Snowball </a:t>
-            </a:r>
-          </a:p>
-          <a:p>
-            <a:pPr algn="ctr"/>
-            <a:r>
-              <a:rPr lang="en-CA" dirty="0" smtClean="0"/>
-              <a:t>Microphone</a:t>
-            </a:r>
-            <a:endParaRPr lang="en-CA" dirty="0"/>
-          </a:p>
-        </p:txBody>
-      </p:sp>
-      <p:sp>
-        <p:nvSpPr>
-          <p:cNvPr id="7" name="Flowchart: Process 6"/>
-          <p:cNvSpPr/>
-          <p:nvPr/>
-        </p:nvSpPr>
-        <p:spPr>
-          <a:xfrm>
-            <a:off x="1827064" y="3195838"/>
-            <a:ext cx="2961410" cy="2547170"/>
-          </a:xfrm>
-          <a:prstGeom prst="flowChartProcess">
-            <a:avLst/>
-          </a:prstGeom>
-        </p:spPr>
-        <p:style>
-          <a:lnRef idx="2">
-            <a:schemeClr val="accent1">
-              <a:shade val="50000"/>
-            </a:schemeClr>
-          </a:lnRef>
-          <a:fillRef idx="1">
-            <a:schemeClr val="accent1"/>
-          </a:fillRef>
-          <a:effectRef idx="0">
-            <a:schemeClr val="accent1"/>
-          </a:effectRef>
-          <a:fontRef idx="minor">
-            <a:schemeClr val="lt1"/>
-          </a:fontRef>
-        </p:style>
-        <p:txBody>
-          <a:bodyPr rtlCol="0" anchor="ctr"/>
-          <a:lstStyle/>
-          <a:p>
-            <a:pPr algn="ctr"/>
-            <a:r>
-              <a:rPr lang="en-CA" dirty="0" err="1" smtClean="0"/>
-              <a:t>Raspi</a:t>
-            </a:r>
-            <a:endParaRPr lang="en-CA" dirty="0"/>
-          </a:p>
-        </p:txBody>
-      </p:sp>
-      <p:sp>
-        <p:nvSpPr>
-          <p:cNvPr id="8" name="Left Arrow 7"/>
-          <p:cNvSpPr/>
-          <p:nvPr/>
-        </p:nvSpPr>
-        <p:spPr>
-          <a:xfrm>
-            <a:off x="8969083" y="3972755"/>
-            <a:ext cx="332509" cy="228600"/>
-          </a:xfrm>
-          <a:prstGeom prst="leftArrow">
-            <a:avLst/>
-          </a:prstGeom>
-        </p:spPr>
-        <p:style>
-          <a:lnRef idx="2">
-            <a:schemeClr val="accent1">
-              <a:shade val="50000"/>
-            </a:schemeClr>
-          </a:lnRef>
-          <a:fillRef idx="1">
-            <a:schemeClr val="accent1"/>
-          </a:fillRef>
-          <a:effectRef idx="0">
-            <a:schemeClr val="accent1"/>
-          </a:effectRef>
-          <a:fontRef idx="minor">
-            <a:schemeClr val="lt1"/>
-          </a:fontRef>
-        </p:style>
-        <p:txBody>
-          <a:bodyPr rtlCol="0" anchor="ctr"/>
-          <a:lstStyle/>
-          <a:p>
-            <a:pPr algn="ctr"/>
-            <a:endParaRPr lang="en-CA"/>
-          </a:p>
-        </p:txBody>
-      </p:sp>
-      <p:sp>
-        <p:nvSpPr>
-          <p:cNvPr id="9" name="Left Arrow 8"/>
-          <p:cNvSpPr/>
-          <p:nvPr/>
-        </p:nvSpPr>
-        <p:spPr>
-          <a:xfrm>
-            <a:off x="8979474" y="4399946"/>
-            <a:ext cx="311728" cy="202227"/>
-          </a:xfrm>
-          <a:prstGeom prst="leftArrow">
-            <a:avLst/>
-          </a:prstGeom>
-        </p:spPr>
-        <p:style>
-          <a:lnRef idx="2">
-            <a:schemeClr val="accent1">
-              <a:shade val="50000"/>
-            </a:schemeClr>
-          </a:lnRef>
-          <a:fillRef idx="1">
-            <a:schemeClr val="accent1"/>
-          </a:fillRef>
-          <a:effectRef idx="0">
-            <a:schemeClr val="accent1"/>
-          </a:effectRef>
-          <a:fontRef idx="minor">
-            <a:schemeClr val="lt1"/>
-          </a:fontRef>
-        </p:style>
-        <p:txBody>
-          <a:bodyPr rtlCol="0" anchor="ctr"/>
-          <a:lstStyle/>
-          <a:p>
-            <a:pPr algn="ctr"/>
-            <a:endParaRPr lang="en-CA"/>
-          </a:p>
-        </p:txBody>
-      </p:sp>
-      <p:sp>
-        <p:nvSpPr>
-          <p:cNvPr id="10" name="Left Arrow 9"/>
-          <p:cNvSpPr/>
-          <p:nvPr/>
-        </p:nvSpPr>
-        <p:spPr>
-          <a:xfrm>
-            <a:off x="9003282" y="4770755"/>
-            <a:ext cx="311728" cy="228599"/>
-          </a:xfrm>
-          <a:prstGeom prst="leftArrow">
-            <a:avLst/>
-          </a:prstGeom>
-        </p:spPr>
-        <p:style>
-          <a:lnRef idx="2">
-            <a:schemeClr val="accent1">
-              <a:shade val="50000"/>
-            </a:schemeClr>
-          </a:lnRef>
-          <a:fillRef idx="1">
-            <a:schemeClr val="accent1"/>
-          </a:fillRef>
-          <a:effectRef idx="0">
-            <a:schemeClr val="accent1"/>
-          </a:effectRef>
-          <a:fontRef idx="minor">
-            <a:schemeClr val="lt1"/>
-          </a:fontRef>
-        </p:style>
-        <p:txBody>
-          <a:bodyPr rtlCol="0" anchor="ctr"/>
-          <a:lstStyle/>
-          <a:p>
-            <a:pPr algn="ctr"/>
-            <a:endParaRPr lang="en-CA"/>
-          </a:p>
-        </p:txBody>
-      </p:sp>
-      <p:sp>
-        <p:nvSpPr>
-          <p:cNvPr id="12" name="TextBox 11"/>
-          <p:cNvSpPr txBox="1"/>
-          <p:nvPr/>
-        </p:nvSpPr>
-        <p:spPr>
-          <a:xfrm>
-            <a:off x="9554865" y="4004755"/>
-            <a:ext cx="1401043" cy="923330"/>
-          </a:xfrm>
-          <a:prstGeom prst="rect">
-            <a:avLst/>
-          </a:prstGeom>
-          <a:noFill/>
-        </p:spPr>
-        <p:txBody>
-          <a:bodyPr wrap="square" rtlCol="0">
-            <a:spAutoFit/>
-          </a:bodyPr>
-          <a:lstStyle/>
-          <a:p>
-            <a:r>
-              <a:rPr lang="en-CA" dirty="0" smtClean="0"/>
-              <a:t>Sound coming into microphone</a:t>
-            </a:r>
-            <a:endParaRPr lang="en-CA" dirty="0"/>
-          </a:p>
-        </p:txBody>
-      </p:sp>
-      <p:sp>
-        <p:nvSpPr>
-          <p:cNvPr id="13" name="Left-Right Arrow 12"/>
-          <p:cNvSpPr/>
-          <p:nvPr/>
-        </p:nvSpPr>
-        <p:spPr>
-          <a:xfrm>
-            <a:off x="5349154" y="4322385"/>
-            <a:ext cx="914400" cy="294075"/>
-          </a:xfrm>
-          <a:prstGeom prst="leftRightArrow">
-            <a:avLst/>
-          </a:prstGeom>
-        </p:spPr>
-        <p:style>
-          <a:lnRef idx="2">
-            <a:schemeClr val="accent1">
-              <a:shade val="50000"/>
-            </a:schemeClr>
-          </a:lnRef>
-          <a:fillRef idx="1">
-            <a:schemeClr val="accent1"/>
-          </a:fillRef>
-          <a:effectRef idx="0">
-            <a:schemeClr val="accent1"/>
-          </a:effectRef>
-          <a:fontRef idx="minor">
-            <a:schemeClr val="lt1"/>
-          </a:fontRef>
-        </p:style>
-        <p:txBody>
-          <a:bodyPr rtlCol="0" anchor="ctr"/>
-          <a:lstStyle/>
-          <a:p>
-            <a:pPr algn="ctr"/>
-            <a:endParaRPr lang="en-CA"/>
-          </a:p>
-        </p:txBody>
-      </p:sp>
-      <p:sp>
-        <p:nvSpPr>
-          <p:cNvPr id="14" name="Flowchart: Process 13"/>
-          <p:cNvSpPr/>
-          <p:nvPr/>
-        </p:nvSpPr>
-        <p:spPr>
-          <a:xfrm>
-            <a:off x="3232000" y="4928085"/>
-            <a:ext cx="1224398" cy="475188"/>
-          </a:xfrm>
-          <a:prstGeom prst="flowChartProcess">
-            <a:avLst/>
-          </a:prstGeom>
-        </p:spPr>
-        <p:style>
-          <a:lnRef idx="2">
-            <a:schemeClr val="accent1">
-              <a:shade val="50000"/>
-            </a:schemeClr>
-          </a:lnRef>
-          <a:fillRef idx="1">
-            <a:schemeClr val="accent1"/>
-          </a:fillRef>
-          <a:effectRef idx="0">
-            <a:schemeClr val="accent1"/>
-          </a:effectRef>
-          <a:fontRef idx="minor">
-            <a:schemeClr val="lt1"/>
-          </a:fontRef>
-        </p:style>
-        <p:txBody>
-          <a:bodyPr rtlCol="0" anchor="ctr"/>
-          <a:lstStyle/>
-          <a:p>
-            <a:pPr algn="ctr"/>
-            <a:r>
-              <a:rPr lang="en-CA" dirty="0" err="1" smtClean="0"/>
-              <a:t>readInput</a:t>
-            </a:r>
-            <a:endParaRPr lang="en-CA" dirty="0"/>
-          </a:p>
-        </p:txBody>
-      </p:sp>
-      <p:sp>
-        <p:nvSpPr>
-          <p:cNvPr id="15" name="TextBox 14"/>
-          <p:cNvSpPr txBox="1"/>
-          <p:nvPr/>
-        </p:nvSpPr>
-        <p:spPr>
-          <a:xfrm>
-            <a:off x="5507182" y="3803073"/>
-            <a:ext cx="562975" cy="369332"/>
-          </a:xfrm>
-          <a:prstGeom prst="rect">
-            <a:avLst/>
-          </a:prstGeom>
-          <a:noFill/>
-        </p:spPr>
-        <p:txBody>
-          <a:bodyPr wrap="none" rtlCol="0">
-            <a:spAutoFit/>
-          </a:bodyPr>
-          <a:lstStyle/>
-          <a:p>
-            <a:r>
-              <a:rPr lang="en-CA" dirty="0" smtClean="0"/>
-              <a:t>USB</a:t>
-            </a:r>
-            <a:endParaRPr lang="en-CA" dirty="0"/>
-          </a:p>
-        </p:txBody>
-      </p:sp>
-    </p:spTree>
-    <p:extLst>
-      <p:ext uri="{BB962C8B-B14F-4D97-AF65-F5344CB8AC3E}">
-        <p14:creationId xmlns:p14="http://schemas.microsoft.com/office/powerpoint/2010/main" val="1728136393"/>
-      </p:ext>
-    </p:extLst>
-  </p:cSld>
-  <p:clrMapOvr>
-    <a:masterClrMapping/>
-  </p:clrMapOvr>
-  <p:timing>
-    <p:tnLst>
-      <p:par>
-        <p:cTn id="1" dur="indefinite" restart="never" nodeType="tmRoot"/>
-      </p:par>
-    </p:tnLst>
-  </p:timing>
-</p:sld>
-</file>
-
 <file path=ppt/slides/slide16.xml><?xml version="1.0" encoding="utf-8"?>
 <p:sld xmlns:a="http://schemas.openxmlformats.org/drawingml/2006/main" xmlns:r="http://schemas.openxmlformats.org/officeDocument/2006/relationships" xmlns:p="http://schemas.openxmlformats.org/presentationml/2006/main">
   <p:cSld>
@@ -10018,7 +9918,7 @@
       </p:grpSpPr>
       <p:sp>
         <p:nvSpPr>
-          <p:cNvPr id="2" name="Title 1"/>
+          <p:cNvPr id="4" name="Title 3"/>
           <p:cNvSpPr>
             <a:spLocks noGrp="1"/>
           </p:cNvSpPr>
@@ -10026,28 +9926,30 @@
             <p:ph type="title"/>
           </p:nvPr>
         </p:nvSpPr>
-        <p:spPr>
-          <a:xfrm>
-            <a:off x="838200" y="365125"/>
-            <a:ext cx="10674350" cy="611188"/>
-          </a:xfrm>
-        </p:spPr>
-        <p:txBody>
-          <a:bodyPr>
-            <a:normAutofit fontScale="90000"/>
-          </a:bodyPr>
+        <p:spPr/>
+        <p:txBody>
+          <a:bodyPr/>
           <a:lstStyle/>
           <a:p>
             <a:r>
-              <a:rPr lang="en-CA" sz="4000" smtClean="0"/>
-              <a:t>		Functionality of RaspiMic</a:t>
-            </a:r>
-          </a:p>
-        </p:txBody>
-      </p:sp>
-      <p:sp>
-        <p:nvSpPr>
-          <p:cNvPr id="3" name="Content Placeholder 2"/>
+              <a:rPr lang="en-CA" dirty="0" smtClean="0"/>
+              <a:t>			</a:t>
+            </a:r>
+            <a:r>
+              <a:rPr lang="en-CA" dirty="0" err="1" smtClean="0"/>
+              <a:t>Raspi</a:t>
+            </a:r>
+            <a:r>
+              <a:rPr lang="en-CA" dirty="0" smtClean="0"/>
+              <a:t> Mic</a:t>
+            </a:r>
+            <a:endParaRPr lang="en-CA" dirty="0"/>
+          </a:p>
+        </p:txBody>
+      </p:sp>
+      <p:sp>
+        <p:nvSpPr>
+          <p:cNvPr id="5" name="Content Placeholder 4"/>
           <p:cNvSpPr>
             <a:spLocks noGrp="1"/>
           </p:cNvSpPr>
@@ -10055,905 +9957,386 @@
             <p:ph idx="1"/>
           </p:nvPr>
         </p:nvSpPr>
-        <p:spPr>
-          <a:xfrm>
-            <a:off x="693738" y="944563"/>
-            <a:ext cx="10674350" cy="5200650"/>
-          </a:xfrm>
-        </p:spPr>
+        <p:spPr/>
         <p:txBody>
           <a:bodyPr/>
           <a:lstStyle/>
           <a:p>
-            <a:pPr>
-              <a:lnSpc>
-                <a:spcPct val="70000"/>
-              </a:lnSpc>
-            </a:pPr>
-            <a:endParaRPr lang="en-CA" sz="2600" smtClean="0"/>
-          </a:p>
-        </p:txBody>
-      </p:sp>
-      <p:sp>
-        <p:nvSpPr>
-          <p:cNvPr id="14340" name="Oval 4"/>
-          <p:cNvSpPr>
-            <a:spLocks noChangeArrowheads="1"/>
-          </p:cNvSpPr>
+            <a:r>
+              <a:rPr lang="en-CA" dirty="0" err="1" smtClean="0"/>
+              <a:t>readInput</a:t>
+            </a:r>
+            <a:r>
+              <a:rPr lang="en-CA" dirty="0" smtClean="0"/>
+              <a:t> is a file in the Raspberry pi that reads the sound from the microphone and analyses the volume to verify if the sound is high or low and sends the result through TCP/IP to the server.</a:t>
+            </a:r>
+            <a:endParaRPr lang="en-CA" dirty="0"/>
+          </a:p>
+        </p:txBody>
+      </p:sp>
+      <p:sp>
+        <p:nvSpPr>
+          <p:cNvPr id="6" name="Flowchart: Process 5"/>
+          <p:cNvSpPr/>
           <p:nvPr/>
         </p:nvSpPr>
-        <p:spPr bwMode="auto">
-          <a:xfrm>
-            <a:off x="1828800" y="1700213"/>
-            <a:ext cx="3192463" cy="1379537"/>
-          </a:xfrm>
-          <a:prstGeom prst="ellipse">
+        <p:spPr>
+          <a:xfrm>
+            <a:off x="7014729" y="3949876"/>
+            <a:ext cx="1724890" cy="1039091"/>
+          </a:xfrm>
+          <a:prstGeom prst="flowChartProcess">
             <a:avLst/>
           </a:prstGeom>
-          <a:solidFill>
+        </p:spPr>
+        <p:style>
+          <a:lnRef idx="2">
+            <a:schemeClr val="accent1">
+              <a:shade val="50000"/>
+            </a:schemeClr>
+          </a:lnRef>
+          <a:fillRef idx="1">
             <a:schemeClr val="accent1"/>
-          </a:solidFill>
-          <a:ln w="9525">
-            <a:solidFill>
-              <a:schemeClr val="tx1"/>
-            </a:solidFill>
-            <a:round/>
-            <a:headEnd/>
-            <a:tailEnd/>
-          </a:ln>
-          <a:effectLst/>
-        </p:spPr>
-        <p:txBody>
-          <a:bodyPr wrap="none" anchor="ctr"/>
+          </a:fillRef>
+          <a:effectRef idx="0">
+            <a:schemeClr val="accent1"/>
+          </a:effectRef>
+          <a:fontRef idx="minor">
+            <a:schemeClr val="lt1"/>
+          </a:fontRef>
+        </p:style>
+        <p:txBody>
+          <a:bodyPr rtlCol="0" anchor="ctr"/>
           <a:lstStyle/>
           <a:p>
             <a:pPr algn="ctr"/>
-            <a:endParaRPr lang="en-US"/>
-          </a:p>
-        </p:txBody>
-      </p:sp>
-      <p:sp>
-        <p:nvSpPr>
-          <p:cNvPr id="14341" name="Oval 5"/>
-          <p:cNvSpPr>
-            <a:spLocks noChangeArrowheads="1"/>
-          </p:cNvSpPr>
+            <a:r>
+              <a:rPr lang="en-CA" dirty="0" smtClean="0"/>
+              <a:t>Snowball </a:t>
+            </a:r>
+          </a:p>
+          <a:p>
+            <a:pPr algn="ctr"/>
+            <a:r>
+              <a:rPr lang="en-CA" dirty="0" smtClean="0"/>
+              <a:t>Microphone</a:t>
+            </a:r>
+            <a:endParaRPr lang="en-CA" dirty="0"/>
+          </a:p>
+        </p:txBody>
+      </p:sp>
+      <p:sp>
+        <p:nvSpPr>
+          <p:cNvPr id="7" name="Flowchart: Process 6"/>
+          <p:cNvSpPr/>
           <p:nvPr/>
         </p:nvSpPr>
-        <p:spPr bwMode="auto">
-          <a:xfrm>
-            <a:off x="7348538" y="1701800"/>
-            <a:ext cx="3319462" cy="1347788"/>
-          </a:xfrm>
-          <a:prstGeom prst="ellipse">
+        <p:spPr>
+          <a:xfrm>
+            <a:off x="1827064" y="3195838"/>
+            <a:ext cx="2961410" cy="2547170"/>
+          </a:xfrm>
+          <a:prstGeom prst="flowChartProcess">
             <a:avLst/>
           </a:prstGeom>
-          <a:solidFill>
+        </p:spPr>
+        <p:style>
+          <a:lnRef idx="2">
+            <a:schemeClr val="accent1">
+              <a:shade val="50000"/>
+            </a:schemeClr>
+          </a:lnRef>
+          <a:fillRef idx="1">
             <a:schemeClr val="accent1"/>
-          </a:solidFill>
-          <a:ln w="9525">
-            <a:solidFill>
-              <a:schemeClr val="tx1"/>
-            </a:solidFill>
-            <a:round/>
-            <a:headEnd/>
-            <a:tailEnd/>
-          </a:ln>
-          <a:effectLst/>
-        </p:spPr>
-        <p:txBody>
-          <a:bodyPr wrap="none" anchor="ctr"/>
+          </a:fillRef>
+          <a:effectRef idx="0">
+            <a:schemeClr val="accent1"/>
+          </a:effectRef>
+          <a:fontRef idx="minor">
+            <a:schemeClr val="lt1"/>
+          </a:fontRef>
+        </p:style>
+        <p:txBody>
+          <a:bodyPr rtlCol="0" anchor="ctr"/>
           <a:lstStyle/>
           <a:p>
             <a:pPr algn="ctr"/>
-            <a:endParaRPr lang="en-US"/>
-          </a:p>
-        </p:txBody>
-      </p:sp>
-      <p:sp>
-        <p:nvSpPr>
-          <p:cNvPr id="14342" name="Oval 6"/>
-          <p:cNvSpPr>
-            <a:spLocks noChangeArrowheads="1"/>
-          </p:cNvSpPr>
+            <a:r>
+              <a:rPr lang="en-CA" dirty="0" err="1" smtClean="0"/>
+              <a:t>Raspi</a:t>
+            </a:r>
+            <a:endParaRPr lang="en-CA" dirty="0"/>
+          </a:p>
+        </p:txBody>
+      </p:sp>
+      <p:sp>
+        <p:nvSpPr>
+          <p:cNvPr id="8" name="Left Arrow 7"/>
+          <p:cNvSpPr/>
           <p:nvPr/>
         </p:nvSpPr>
-        <p:spPr bwMode="auto">
-          <a:xfrm>
-            <a:off x="1843088" y="4525963"/>
-            <a:ext cx="3111500" cy="1425575"/>
-          </a:xfrm>
-          <a:prstGeom prst="ellipse">
+        <p:spPr>
+          <a:xfrm>
+            <a:off x="8969083" y="3972755"/>
+            <a:ext cx="332509" cy="228600"/>
+          </a:xfrm>
+          <a:prstGeom prst="leftArrow">
             <a:avLst/>
           </a:prstGeom>
-          <a:solidFill>
+        </p:spPr>
+        <p:style>
+          <a:lnRef idx="2">
+            <a:schemeClr val="accent1">
+              <a:shade val="50000"/>
+            </a:schemeClr>
+          </a:lnRef>
+          <a:fillRef idx="1">
             <a:schemeClr val="accent1"/>
-          </a:solidFill>
-          <a:ln w="9525">
-            <a:solidFill>
-              <a:schemeClr val="tx1"/>
-            </a:solidFill>
-            <a:round/>
-            <a:headEnd/>
-            <a:tailEnd/>
-          </a:ln>
-          <a:effectLst/>
-        </p:spPr>
-        <p:txBody>
-          <a:bodyPr wrap="none" anchor="ctr"/>
+          </a:fillRef>
+          <a:effectRef idx="0">
+            <a:schemeClr val="accent1"/>
+          </a:effectRef>
+          <a:fontRef idx="minor">
+            <a:schemeClr val="lt1"/>
+          </a:fontRef>
+        </p:style>
+        <p:txBody>
+          <a:bodyPr rtlCol="0" anchor="ctr"/>
           <a:lstStyle/>
           <a:p>
-            <a:endParaRPr lang="en-US"/>
-          </a:p>
-        </p:txBody>
-      </p:sp>
-      <p:sp>
-        <p:nvSpPr>
-          <p:cNvPr id="14343" name="Oval 7"/>
-          <p:cNvSpPr>
-            <a:spLocks noChangeArrowheads="1"/>
-          </p:cNvSpPr>
+            <a:pPr algn="ctr"/>
+            <a:endParaRPr lang="en-CA"/>
+          </a:p>
+        </p:txBody>
+      </p:sp>
+      <p:sp>
+        <p:nvSpPr>
+          <p:cNvPr id="9" name="Left Arrow 8"/>
+          <p:cNvSpPr/>
           <p:nvPr/>
         </p:nvSpPr>
-        <p:spPr bwMode="auto">
-          <a:xfrm>
-            <a:off x="7331075" y="4476750"/>
-            <a:ext cx="3417888" cy="1444625"/>
-          </a:xfrm>
-          <a:prstGeom prst="ellipse">
+        <p:spPr>
+          <a:xfrm>
+            <a:off x="8979474" y="4399946"/>
+            <a:ext cx="311728" cy="202227"/>
+          </a:xfrm>
+          <a:prstGeom prst="leftArrow">
             <a:avLst/>
           </a:prstGeom>
-          <a:solidFill>
+        </p:spPr>
+        <p:style>
+          <a:lnRef idx="2">
+            <a:schemeClr val="accent1">
+              <a:shade val="50000"/>
+            </a:schemeClr>
+          </a:lnRef>
+          <a:fillRef idx="1">
             <a:schemeClr val="accent1"/>
-          </a:solidFill>
-          <a:ln w="9525">
-            <a:solidFill>
-              <a:schemeClr val="tx1"/>
-            </a:solidFill>
-            <a:round/>
-            <a:headEnd/>
-            <a:tailEnd/>
-          </a:ln>
-          <a:effectLst/>
-        </p:spPr>
-        <p:txBody>
-          <a:bodyPr wrap="none" anchor="ctr"/>
+          </a:fillRef>
+          <a:effectRef idx="0">
+            <a:schemeClr val="accent1"/>
+          </a:effectRef>
+          <a:fontRef idx="minor">
+            <a:schemeClr val="lt1"/>
+          </a:fontRef>
+        </p:style>
+        <p:txBody>
+          <a:bodyPr rtlCol="0" anchor="ctr"/>
           <a:lstStyle/>
           <a:p>
             <a:pPr algn="ctr"/>
-            <a:r>
-              <a:rPr lang="en-US"/>
-              <a:t>  </a:t>
-            </a:r>
-          </a:p>
-          <a:p>
-            <a:pPr algn="ctr"/>
-            <a:r>
-              <a:rPr lang="en-US"/>
-              <a:t>Void analyseData(volume)</a:t>
-            </a:r>
-          </a:p>
-          <a:p>
-            <a:pPr algn="ctr"/>
-            <a:r>
-              <a:rPr lang="en-US"/>
-              <a:t>*volume &lt;10000</a:t>
-            </a:r>
-          </a:p>
-          <a:p>
-            <a:pPr algn="ctr"/>
-            <a:r>
-              <a:rPr lang="en-US"/>
-              <a:t>Send “0” to server</a:t>
-            </a:r>
-          </a:p>
-          <a:p>
-            <a:pPr algn="ctr"/>
-            <a:endParaRPr lang="en-US"/>
-          </a:p>
-        </p:txBody>
-      </p:sp>
-      <p:sp>
-        <p:nvSpPr>
-          <p:cNvPr id="14344" name="Oval 8"/>
-          <p:cNvSpPr>
-            <a:spLocks noChangeArrowheads="1"/>
-          </p:cNvSpPr>
+            <a:endParaRPr lang="en-CA"/>
+          </a:p>
+        </p:txBody>
+      </p:sp>
+      <p:sp>
+        <p:nvSpPr>
+          <p:cNvPr id="10" name="Left Arrow 9"/>
+          <p:cNvSpPr/>
           <p:nvPr/>
         </p:nvSpPr>
-        <p:spPr bwMode="auto">
-          <a:xfrm>
-            <a:off x="4538663" y="3111500"/>
-            <a:ext cx="2984500" cy="1508125"/>
-          </a:xfrm>
-          <a:prstGeom prst="ellipse">
+        <p:spPr>
+          <a:xfrm>
+            <a:off x="9003282" y="4770755"/>
+            <a:ext cx="311728" cy="228599"/>
+          </a:xfrm>
+          <a:prstGeom prst="leftArrow">
             <a:avLst/>
           </a:prstGeom>
-          <a:solidFill>
+        </p:spPr>
+        <p:style>
+          <a:lnRef idx="2">
+            <a:schemeClr val="accent1">
+              <a:shade val="50000"/>
+            </a:schemeClr>
+          </a:lnRef>
+          <a:fillRef idx="1">
             <a:schemeClr val="accent1"/>
-          </a:solidFill>
-          <a:ln w="9525">
-            <a:solidFill>
-              <a:schemeClr val="tx1"/>
-            </a:solidFill>
-            <a:round/>
-            <a:headEnd/>
-            <a:tailEnd/>
-          </a:ln>
-          <a:effectLst/>
-        </p:spPr>
-        <p:txBody>
-          <a:bodyPr wrap="none" anchor="ctr"/>
+          </a:fillRef>
+          <a:effectRef idx="0">
+            <a:schemeClr val="accent1"/>
+          </a:effectRef>
+          <a:fontRef idx="minor">
+            <a:schemeClr val="lt1"/>
+          </a:fontRef>
+        </p:style>
+        <p:txBody>
+          <a:bodyPr rtlCol="0" anchor="ctr"/>
           <a:lstStyle/>
           <a:p>
-            <a:endParaRPr lang="en-US"/>
-          </a:p>
-        </p:txBody>
-      </p:sp>
-      <p:sp>
-        <p:nvSpPr>
-          <p:cNvPr id="14345" name="Text Box 9"/>
-          <p:cNvSpPr txBox="1">
-            <a:spLocks noChangeArrowheads="1"/>
-          </p:cNvSpPr>
+            <a:pPr algn="ctr"/>
+            <a:endParaRPr lang="en-CA"/>
+          </a:p>
+        </p:txBody>
+      </p:sp>
+      <p:sp>
+        <p:nvSpPr>
+          <p:cNvPr id="12" name="TextBox 11"/>
+          <p:cNvSpPr txBox="1"/>
           <p:nvPr/>
         </p:nvSpPr>
-        <p:spPr bwMode="auto">
-          <a:xfrm>
-            <a:off x="1946275" y="1768475"/>
-            <a:ext cx="2647950" cy="1190625"/>
+        <p:spPr>
+          <a:xfrm>
+            <a:off x="9554865" y="4004755"/>
+            <a:ext cx="1401043" cy="923330"/>
           </a:xfrm>
           <a:prstGeom prst="rect">
             <a:avLst/>
           </a:prstGeom>
           <a:noFill/>
-          <a:ln w="9525">
-            <a:noFill/>
-            <a:miter lim="800000"/>
-            <a:headEnd/>
-            <a:tailEnd/>
-          </a:ln>
-          <a:effectLst/>
-        </p:spPr>
-        <p:txBody>
-          <a:bodyPr wrap="none">
+        </p:spPr>
+        <p:txBody>
+          <a:bodyPr wrap="square" rtlCol="0">
             <a:spAutoFit/>
           </a:bodyPr>
           <a:lstStyle/>
           <a:p>
             <a:r>
-              <a:rPr lang="en-US"/>
-              <a:t>         Void setup()</a:t>
-            </a:r>
-          </a:p>
-          <a:p>
-            <a:r>
-              <a:rPr lang="en-US"/>
-              <a:t>Opens input device and </a:t>
-            </a:r>
-          </a:p>
-          <a:p>
-            <a:r>
-              <a:rPr lang="en-US"/>
-              <a:t>Sets its attributes for </a:t>
-            </a:r>
-          </a:p>
-          <a:p>
-            <a:r>
-              <a:rPr lang="en-US"/>
-              <a:t>         reading data</a:t>
-            </a:r>
-          </a:p>
-        </p:txBody>
-      </p:sp>
-      <p:sp>
-        <p:nvSpPr>
-          <p:cNvPr id="14346" name="Text Box 10"/>
-          <p:cNvSpPr txBox="1">
-            <a:spLocks noChangeArrowheads="1"/>
-          </p:cNvSpPr>
+              <a:rPr lang="en-CA" dirty="0" smtClean="0"/>
+              <a:t>Sound coming into microphone</a:t>
+            </a:r>
+            <a:endParaRPr lang="en-CA" dirty="0"/>
+          </a:p>
+        </p:txBody>
+      </p:sp>
+      <p:sp>
+        <p:nvSpPr>
+          <p:cNvPr id="13" name="Left-Right Arrow 12"/>
+          <p:cNvSpPr/>
           <p:nvPr/>
         </p:nvSpPr>
-        <p:spPr bwMode="auto">
-          <a:xfrm>
-            <a:off x="-92075" y="2073275"/>
-            <a:ext cx="184150" cy="366713"/>
+        <p:spPr>
+          <a:xfrm>
+            <a:off x="5349154" y="4322385"/>
+            <a:ext cx="914400" cy="294075"/>
+          </a:xfrm>
+          <a:prstGeom prst="leftRightArrow">
+            <a:avLst/>
+          </a:prstGeom>
+        </p:spPr>
+        <p:style>
+          <a:lnRef idx="2">
+            <a:schemeClr val="accent1">
+              <a:shade val="50000"/>
+            </a:schemeClr>
+          </a:lnRef>
+          <a:fillRef idx="1">
+            <a:schemeClr val="accent1"/>
+          </a:fillRef>
+          <a:effectRef idx="0">
+            <a:schemeClr val="accent1"/>
+          </a:effectRef>
+          <a:fontRef idx="minor">
+            <a:schemeClr val="lt1"/>
+          </a:fontRef>
+        </p:style>
+        <p:txBody>
+          <a:bodyPr rtlCol="0" anchor="ctr"/>
+          <a:lstStyle/>
+          <a:p>
+            <a:pPr algn="ctr"/>
+            <a:endParaRPr lang="en-CA"/>
+          </a:p>
+        </p:txBody>
+      </p:sp>
+      <p:sp>
+        <p:nvSpPr>
+          <p:cNvPr id="14" name="Flowchart: Process 13"/>
+          <p:cNvSpPr/>
+          <p:nvPr/>
+        </p:nvSpPr>
+        <p:spPr>
+          <a:xfrm>
+            <a:off x="3232000" y="4928085"/>
+            <a:ext cx="1224398" cy="475188"/>
+          </a:xfrm>
+          <a:prstGeom prst="flowChartProcess">
+            <a:avLst/>
+          </a:prstGeom>
+        </p:spPr>
+        <p:style>
+          <a:lnRef idx="2">
+            <a:schemeClr val="accent1">
+              <a:shade val="50000"/>
+            </a:schemeClr>
+          </a:lnRef>
+          <a:fillRef idx="1">
+            <a:schemeClr val="accent1"/>
+          </a:fillRef>
+          <a:effectRef idx="0">
+            <a:schemeClr val="accent1"/>
+          </a:effectRef>
+          <a:fontRef idx="minor">
+            <a:schemeClr val="lt1"/>
+          </a:fontRef>
+        </p:style>
+        <p:txBody>
+          <a:bodyPr rtlCol="0" anchor="ctr"/>
+          <a:lstStyle/>
+          <a:p>
+            <a:pPr algn="ctr"/>
+            <a:r>
+              <a:rPr lang="en-CA" dirty="0" err="1" smtClean="0"/>
+              <a:t>readInput</a:t>
+            </a:r>
+            <a:endParaRPr lang="en-CA" dirty="0"/>
+          </a:p>
+        </p:txBody>
+      </p:sp>
+      <p:sp>
+        <p:nvSpPr>
+          <p:cNvPr id="15" name="TextBox 14"/>
+          <p:cNvSpPr txBox="1"/>
+          <p:nvPr/>
+        </p:nvSpPr>
+        <p:spPr>
+          <a:xfrm>
+            <a:off x="5507182" y="3803073"/>
+            <a:ext cx="562975" cy="369332"/>
           </a:xfrm>
           <a:prstGeom prst="rect">
             <a:avLst/>
           </a:prstGeom>
           <a:noFill/>
-          <a:ln w="9525">
-            <a:noFill/>
-            <a:miter lim="800000"/>
-            <a:headEnd/>
-            <a:tailEnd/>
-          </a:ln>
-          <a:effectLst/>
-        </p:spPr>
-        <p:txBody>
-          <a:bodyPr wrap="none">
+        </p:spPr>
+        <p:txBody>
+          <a:bodyPr wrap="none" rtlCol="0">
             <a:spAutoFit/>
           </a:bodyPr>
           <a:lstStyle/>
           <a:p>
-            <a:endParaRPr lang="en-US"/>
-          </a:p>
-        </p:txBody>
-      </p:sp>
-      <p:sp>
-        <p:nvSpPr>
-          <p:cNvPr id="14349" name="Text Box 13"/>
-          <p:cNvSpPr txBox="1">
-            <a:spLocks noChangeArrowheads="1"/>
-          </p:cNvSpPr>
-          <p:nvPr/>
-        </p:nvSpPr>
-        <p:spPr bwMode="auto">
-          <a:xfrm>
-            <a:off x="7497763" y="1944688"/>
-            <a:ext cx="3232150" cy="1190625"/>
-          </a:xfrm>
-          <a:prstGeom prst="rect">
-            <a:avLst/>
-          </a:prstGeom>
-          <a:noFill/>
-          <a:ln w="9525">
-            <a:noFill/>
-            <a:miter lim="800000"/>
-            <a:headEnd/>
-            <a:tailEnd/>
-          </a:ln>
-          <a:effectLst/>
-        </p:spPr>
-        <p:txBody>
-          <a:bodyPr wrap="none">
-            <a:spAutoFit/>
-          </a:bodyPr>
-          <a:lstStyle/>
-          <a:p>
-            <a:r>
-              <a:rPr lang="en-US"/>
-              <a:t>Void readData(input device)</a:t>
-            </a:r>
-          </a:p>
-          <a:p>
-            <a:r>
-              <a:rPr lang="en-US"/>
-              <a:t>Read data and verify the max </a:t>
-            </a:r>
-          </a:p>
-          <a:p>
-            <a:r>
-              <a:rPr lang="en-US"/>
-              <a:t>Of the samples</a:t>
-            </a:r>
-          </a:p>
-          <a:p>
-            <a:endParaRPr lang="en-US"/>
-          </a:p>
-        </p:txBody>
-      </p:sp>
-      <p:sp>
-        <p:nvSpPr>
-          <p:cNvPr id="14350" name="Text Box 14"/>
-          <p:cNvSpPr txBox="1">
-            <a:spLocks noChangeArrowheads="1"/>
-          </p:cNvSpPr>
-          <p:nvPr/>
-        </p:nvSpPr>
-        <p:spPr bwMode="auto">
-          <a:xfrm>
-            <a:off x="2027238" y="4784725"/>
-            <a:ext cx="2863850" cy="915988"/>
-          </a:xfrm>
-          <a:prstGeom prst="rect">
-            <a:avLst/>
-          </a:prstGeom>
-          <a:noFill/>
-          <a:ln w="9525">
-            <a:noFill/>
-            <a:miter lim="800000"/>
-            <a:headEnd/>
-            <a:tailEnd/>
-          </a:ln>
-          <a:effectLst/>
-        </p:spPr>
-        <p:txBody>
-          <a:bodyPr wrap="none">
-            <a:spAutoFit/>
-          </a:bodyPr>
-          <a:lstStyle/>
-          <a:p>
-            <a:r>
-              <a:rPr lang="en-US"/>
-              <a:t>Void analyseData(volume)</a:t>
-            </a:r>
-          </a:p>
-          <a:p>
-            <a:r>
-              <a:rPr lang="en-US"/>
-              <a:t>    *volume &gt;=10000</a:t>
-            </a:r>
-          </a:p>
-          <a:p>
-            <a:r>
-              <a:rPr lang="en-US"/>
-              <a:t>    Send “1” to server</a:t>
-            </a:r>
-          </a:p>
-        </p:txBody>
-      </p:sp>
-      <p:sp>
-        <p:nvSpPr>
-          <p:cNvPr id="14355" name="Text Box 19"/>
-          <p:cNvSpPr txBox="1">
-            <a:spLocks noChangeArrowheads="1"/>
-          </p:cNvSpPr>
-          <p:nvPr/>
-        </p:nvSpPr>
-        <p:spPr bwMode="auto">
-          <a:xfrm>
-            <a:off x="4752975" y="3308350"/>
-            <a:ext cx="2711450" cy="1190625"/>
-          </a:xfrm>
-          <a:prstGeom prst="rect">
-            <a:avLst/>
-          </a:prstGeom>
-          <a:noFill/>
-          <a:ln w="9525">
-            <a:noFill/>
-            <a:miter lim="800000"/>
-            <a:headEnd/>
-            <a:tailEnd/>
-          </a:ln>
-          <a:effectLst/>
-        </p:spPr>
-        <p:txBody>
-          <a:bodyPr wrap="none">
-            <a:spAutoFit/>
-          </a:bodyPr>
-          <a:lstStyle/>
-          <a:p>
-            <a:r>
-              <a:rPr lang="en-US"/>
-              <a:t>1, Read sound from </a:t>
-            </a:r>
-          </a:p>
-          <a:p>
-            <a:r>
-              <a:rPr lang="en-US"/>
-              <a:t>    environment</a:t>
-            </a:r>
-          </a:p>
-          <a:p>
-            <a:r>
-              <a:rPr lang="en-US"/>
-              <a:t>2,  Determine if sound is </a:t>
-            </a:r>
-          </a:p>
-          <a:p>
-            <a:r>
-              <a:rPr lang="en-US"/>
-              <a:t>      dangerous or not</a:t>
-            </a:r>
-          </a:p>
-        </p:txBody>
-      </p:sp>
-      <p:sp>
-        <p:nvSpPr>
-          <p:cNvPr id="14357" name="Line 21"/>
-          <p:cNvSpPr>
-            <a:spLocks noChangeShapeType="1"/>
-          </p:cNvSpPr>
-          <p:nvPr/>
-        </p:nvSpPr>
-        <p:spPr bwMode="auto">
-          <a:xfrm>
-            <a:off x="3994150" y="3128963"/>
-            <a:ext cx="625475" cy="304800"/>
-          </a:xfrm>
-          <a:prstGeom prst="line">
-            <a:avLst/>
-          </a:prstGeom>
-          <a:noFill/>
-          <a:ln w="9525">
-            <a:solidFill>
-              <a:schemeClr val="tx1"/>
-            </a:solidFill>
-            <a:round/>
-            <a:headEnd/>
-            <a:tailEnd type="triangle" w="med" len="med"/>
-          </a:ln>
-          <a:effectLst/>
-        </p:spPr>
-        <p:txBody>
-          <a:bodyPr/>
-          <a:lstStyle/>
-          <a:p>
-            <a:endParaRPr lang="en-US"/>
-          </a:p>
-        </p:txBody>
-      </p:sp>
-      <p:sp>
-        <p:nvSpPr>
-          <p:cNvPr id="14360" name="Line 24"/>
-          <p:cNvSpPr>
-            <a:spLocks noChangeShapeType="1"/>
-          </p:cNvSpPr>
-          <p:nvPr/>
-        </p:nvSpPr>
-        <p:spPr bwMode="auto">
-          <a:xfrm flipH="1">
-            <a:off x="7315200" y="3063875"/>
-            <a:ext cx="593725" cy="257175"/>
-          </a:xfrm>
-          <a:prstGeom prst="line">
-            <a:avLst/>
-          </a:prstGeom>
-          <a:noFill/>
-          <a:ln w="9525">
-            <a:solidFill>
-              <a:schemeClr val="tx1"/>
-            </a:solidFill>
-            <a:round/>
-            <a:headEnd/>
-            <a:tailEnd type="triangle" w="med" len="med"/>
-          </a:ln>
-          <a:effectLst/>
-        </p:spPr>
-        <p:txBody>
-          <a:bodyPr/>
-          <a:lstStyle/>
-          <a:p>
-            <a:endParaRPr lang="en-US"/>
-          </a:p>
-        </p:txBody>
-      </p:sp>
-      <p:sp>
-        <p:nvSpPr>
-          <p:cNvPr id="14363" name="Line 27"/>
-          <p:cNvSpPr>
-            <a:spLocks noChangeShapeType="1"/>
-          </p:cNvSpPr>
-          <p:nvPr/>
-        </p:nvSpPr>
-        <p:spPr bwMode="auto">
-          <a:xfrm flipV="1">
-            <a:off x="4508500" y="4411663"/>
-            <a:ext cx="336550" cy="207962"/>
-          </a:xfrm>
-          <a:prstGeom prst="line">
-            <a:avLst/>
-          </a:prstGeom>
-          <a:noFill/>
-          <a:ln w="9525">
-            <a:solidFill>
-              <a:schemeClr val="tx1"/>
-            </a:solidFill>
-            <a:round/>
-            <a:headEnd/>
-            <a:tailEnd type="triangle" w="med" len="med"/>
-          </a:ln>
-          <a:effectLst/>
-        </p:spPr>
-        <p:txBody>
-          <a:bodyPr/>
-          <a:lstStyle/>
-          <a:p>
-            <a:endParaRPr lang="en-US"/>
-          </a:p>
-        </p:txBody>
-      </p:sp>
-      <p:sp>
-        <p:nvSpPr>
-          <p:cNvPr id="14367" name="Line 31"/>
-          <p:cNvSpPr>
-            <a:spLocks noChangeShapeType="1"/>
-          </p:cNvSpPr>
-          <p:nvPr/>
-        </p:nvSpPr>
-        <p:spPr bwMode="auto">
-          <a:xfrm flipH="1" flipV="1">
-            <a:off x="7362825" y="4330700"/>
-            <a:ext cx="288925" cy="288925"/>
-          </a:xfrm>
-          <a:prstGeom prst="line">
-            <a:avLst/>
-          </a:prstGeom>
-          <a:noFill/>
-          <a:ln w="9525">
-            <a:solidFill>
-              <a:schemeClr val="tx1"/>
-            </a:solidFill>
-            <a:round/>
-            <a:headEnd/>
-            <a:tailEnd type="triangle" w="med" len="med"/>
-          </a:ln>
-          <a:effectLst/>
-        </p:spPr>
-        <p:txBody>
-          <a:bodyPr/>
-          <a:lstStyle/>
-          <a:p>
-            <a:endParaRPr lang="en-US"/>
-          </a:p>
-        </p:txBody>
-      </p:sp>
-      <p:sp>
-        <p:nvSpPr>
-          <p:cNvPr id="14368" name="AutoShape 32"/>
-          <p:cNvSpPr>
-            <a:spLocks noChangeArrowheads="1"/>
-          </p:cNvSpPr>
-          <p:nvPr/>
-        </p:nvSpPr>
-        <p:spPr bwMode="auto">
-          <a:xfrm>
-            <a:off x="1557338" y="1509713"/>
-            <a:ext cx="485775" cy="542925"/>
-          </a:xfrm>
-          <a:prstGeom prst="downArrow">
-            <a:avLst>
-              <a:gd name="adj1" fmla="val 50000"/>
-              <a:gd name="adj2" fmla="val 27941"/>
-            </a:avLst>
-          </a:prstGeom>
-          <a:solidFill>
-            <a:schemeClr val="accent1"/>
-          </a:solidFill>
-          <a:ln w="9525">
-            <a:solidFill>
-              <a:schemeClr val="tx1"/>
-            </a:solidFill>
-            <a:miter lim="800000"/>
-            <a:headEnd/>
-            <a:tailEnd/>
-          </a:ln>
-          <a:effectLst/>
-        </p:spPr>
-        <p:txBody>
-          <a:bodyPr wrap="none" anchor="ctr"/>
-          <a:lstStyle/>
-          <a:p>
-            <a:endParaRPr lang="en-US"/>
-          </a:p>
-        </p:txBody>
-      </p:sp>
-      <p:sp>
-        <p:nvSpPr>
-          <p:cNvPr id="14369" name="Text Box 33"/>
-          <p:cNvSpPr txBox="1">
-            <a:spLocks noChangeArrowheads="1"/>
-          </p:cNvSpPr>
-          <p:nvPr/>
-        </p:nvSpPr>
-        <p:spPr bwMode="auto">
-          <a:xfrm>
-            <a:off x="1239838" y="1047750"/>
-            <a:ext cx="1123950" cy="366713"/>
-          </a:xfrm>
-          <a:prstGeom prst="rect">
-            <a:avLst/>
-          </a:prstGeom>
-          <a:noFill/>
-          <a:ln w="9525">
-            <a:noFill/>
-            <a:miter lim="800000"/>
-            <a:headEnd/>
-            <a:tailEnd/>
-          </a:ln>
-          <a:effectLst/>
-        </p:spPr>
-        <p:txBody>
-          <a:bodyPr wrap="none">
-            <a:spAutoFit/>
-          </a:bodyPr>
-          <a:lstStyle/>
-          <a:p>
-            <a:r>
-              <a:rPr lang="en-US"/>
-              <a:t>First step</a:t>
-            </a:r>
-          </a:p>
-        </p:txBody>
-      </p:sp>
-      <p:sp>
-        <p:nvSpPr>
-          <p:cNvPr id="14370" name="Text Box 34"/>
-          <p:cNvSpPr txBox="1">
-            <a:spLocks noChangeArrowheads="1"/>
-          </p:cNvSpPr>
-          <p:nvPr/>
-        </p:nvSpPr>
-        <p:spPr bwMode="auto">
-          <a:xfrm>
-            <a:off x="8167688" y="4078288"/>
-            <a:ext cx="1555750" cy="366712"/>
-          </a:xfrm>
-          <a:prstGeom prst="rect">
-            <a:avLst/>
-          </a:prstGeom>
-          <a:noFill/>
-          <a:ln w="9525">
-            <a:noFill/>
-            <a:miter lim="800000"/>
-            <a:headEnd/>
-            <a:tailEnd/>
-          </a:ln>
-          <a:effectLst/>
-        </p:spPr>
-        <p:txBody>
-          <a:bodyPr wrap="none">
-            <a:spAutoFit/>
-          </a:bodyPr>
-          <a:lstStyle/>
-          <a:p>
-            <a:r>
-              <a:rPr lang="en-US"/>
-              <a:t>Normal mode</a:t>
-            </a:r>
-          </a:p>
-        </p:txBody>
-      </p:sp>
-      <p:sp>
-        <p:nvSpPr>
-          <p:cNvPr id="14371" name="Text Box 35"/>
-          <p:cNvSpPr txBox="1">
-            <a:spLocks noChangeArrowheads="1"/>
-          </p:cNvSpPr>
-          <p:nvPr/>
-        </p:nvSpPr>
-        <p:spPr bwMode="auto">
-          <a:xfrm>
-            <a:off x="2073275" y="4064000"/>
-            <a:ext cx="1936750" cy="366713"/>
-          </a:xfrm>
-          <a:prstGeom prst="rect">
-            <a:avLst/>
-          </a:prstGeom>
-          <a:noFill/>
-          <a:ln w="9525">
-            <a:noFill/>
-            <a:miter lim="800000"/>
-            <a:headEnd/>
-            <a:tailEnd/>
-          </a:ln>
-          <a:effectLst/>
-        </p:spPr>
-        <p:txBody>
-          <a:bodyPr wrap="none">
-            <a:spAutoFit/>
-          </a:bodyPr>
-          <a:lstStyle/>
-          <a:p>
-            <a:r>
-              <a:rPr lang="en-US"/>
-              <a:t>Dangerous mode</a:t>
-            </a:r>
-          </a:p>
-        </p:txBody>
-      </p:sp>
-      <p:sp>
-        <p:nvSpPr>
-          <p:cNvPr id="14372" name="Text Box 36"/>
-          <p:cNvSpPr txBox="1">
-            <a:spLocks noChangeArrowheads="1"/>
-          </p:cNvSpPr>
-          <p:nvPr/>
-        </p:nvSpPr>
-        <p:spPr bwMode="auto">
-          <a:xfrm>
-            <a:off x="8040688" y="1239838"/>
-            <a:ext cx="1454150" cy="366712"/>
-          </a:xfrm>
-          <a:prstGeom prst="rect">
-            <a:avLst/>
-          </a:prstGeom>
-          <a:noFill/>
-          <a:ln w="9525">
-            <a:noFill/>
-            <a:miter lim="800000"/>
-            <a:headEnd/>
-            <a:tailEnd/>
-          </a:ln>
-          <a:effectLst/>
-        </p:spPr>
-        <p:txBody>
-          <a:bodyPr wrap="none">
-            <a:spAutoFit/>
-          </a:bodyPr>
-          <a:lstStyle/>
-          <a:p>
-            <a:r>
-              <a:rPr lang="en-US"/>
-              <a:t>Second step</a:t>
-            </a:r>
-          </a:p>
-        </p:txBody>
-      </p:sp>
-      <p:sp>
-        <p:nvSpPr>
-          <p:cNvPr id="14373" name="Text Box 37"/>
-          <p:cNvSpPr txBox="1">
-            <a:spLocks noChangeArrowheads="1"/>
-          </p:cNvSpPr>
-          <p:nvPr/>
-        </p:nvSpPr>
-        <p:spPr bwMode="auto">
-          <a:xfrm>
-            <a:off x="5441950" y="4864100"/>
-            <a:ext cx="1200150" cy="366713"/>
-          </a:xfrm>
-          <a:prstGeom prst="rect">
-            <a:avLst/>
-          </a:prstGeom>
-          <a:noFill/>
-          <a:ln w="9525">
-            <a:noFill/>
-            <a:miter lim="800000"/>
-            <a:headEnd/>
-            <a:tailEnd/>
-          </a:ln>
-          <a:effectLst/>
-        </p:spPr>
-        <p:txBody>
-          <a:bodyPr wrap="none">
-            <a:spAutoFit/>
-          </a:bodyPr>
-          <a:lstStyle/>
-          <a:p>
-            <a:r>
-              <a:rPr lang="en-US"/>
-              <a:t>Third step</a:t>
-            </a:r>
-          </a:p>
-        </p:txBody>
-      </p:sp>
-      <p:sp>
-        <p:nvSpPr>
-          <p:cNvPr id="14374" name="AutoShape 38"/>
-          <p:cNvSpPr>
-            <a:spLocks noChangeArrowheads="1"/>
-          </p:cNvSpPr>
-          <p:nvPr/>
-        </p:nvSpPr>
-        <p:spPr bwMode="auto">
-          <a:xfrm>
-            <a:off x="5021263" y="5197475"/>
-            <a:ext cx="2197100" cy="320675"/>
-          </a:xfrm>
-          <a:prstGeom prst="leftRightArrow">
-            <a:avLst>
-              <a:gd name="adj1" fmla="val 50000"/>
-              <a:gd name="adj2" fmla="val 137030"/>
-            </a:avLst>
-          </a:prstGeom>
-          <a:solidFill>
-            <a:schemeClr val="accent1"/>
-          </a:solidFill>
-          <a:ln w="9525">
-            <a:solidFill>
-              <a:schemeClr val="tx1"/>
-            </a:solidFill>
-            <a:miter lim="800000"/>
-            <a:headEnd/>
-            <a:tailEnd/>
-          </a:ln>
-          <a:effectLst/>
-        </p:spPr>
-        <p:txBody>
-          <a:bodyPr wrap="none" anchor="ctr"/>
-          <a:lstStyle/>
-          <a:p>
-            <a:endParaRPr lang="en-US"/>
+            <a:r>
+              <a:rPr lang="en-CA" dirty="0" smtClean="0"/>
+              <a:t>USB</a:t>
+            </a:r>
+            <a:endParaRPr lang="en-CA" dirty="0"/>
           </a:p>
         </p:txBody>
       </p:sp>
     </p:spTree>
     <p:extLst>
       <p:ext uri="{BB962C8B-B14F-4D97-AF65-F5344CB8AC3E}">
-        <p14:creationId xmlns:p14="http://schemas.microsoft.com/office/powerpoint/2010/main" val="2352791478"/>
+        <p14:creationId xmlns:p14="http://schemas.microsoft.com/office/powerpoint/2010/main" val="1728136393"/>
       </p:ext>
     </p:extLst>
   </p:cSld>
@@ -10997,172 +10380,934 @@
             <p:ph type="title"/>
           </p:nvPr>
         </p:nvSpPr>
-        <p:spPr/>
-        <p:txBody>
-          <a:bodyPr/>
+        <p:spPr>
+          <a:xfrm>
+            <a:off x="838200" y="365125"/>
+            <a:ext cx="10674350" cy="611188"/>
+          </a:xfrm>
+        </p:spPr>
+        <p:txBody>
+          <a:bodyPr>
+            <a:normAutofit fontScale="90000"/>
+          </a:bodyPr>
           <a:lstStyle/>
           <a:p>
-            <a:pPr algn="l"/>
-            <a:r>
-              <a:rPr lang="en-US" dirty="0" smtClean="0"/>
-              <a:t>Appendix: controller</a:t>
-            </a:r>
-            <a:endParaRPr lang="en-US" dirty="0"/>
-          </a:p>
-        </p:txBody>
-      </p:sp>
-      <p:pic>
-        <p:nvPicPr>
-          <p:cNvPr id="4" name="Picture 3"/>
-          <p:cNvPicPr>
-            <a:picLocks noChangeAspect="1"/>
-          </p:cNvPicPr>
-          <p:nvPr/>
-        </p:nvPicPr>
-        <p:blipFill>
-          <a:blip r:embed="rId2"/>
-          <a:stretch>
-            <a:fillRect/>
-          </a:stretch>
-        </p:blipFill>
-        <p:spPr>
-          <a:xfrm>
-            <a:off x="1428750" y="1704976"/>
-            <a:ext cx="8334375" cy="4933950"/>
-          </a:xfrm>
-          <a:prstGeom prst="rect">
-            <a:avLst/>
-          </a:prstGeom>
-        </p:spPr>
-      </p:pic>
-    </p:spTree>
-    <p:extLst>
-      <p:ext uri="{BB962C8B-B14F-4D97-AF65-F5344CB8AC3E}">
-        <p14:creationId xmlns:p14="http://schemas.microsoft.com/office/powerpoint/2010/main" val="1082128541"/>
-      </p:ext>
-    </p:extLst>
-  </p:cSld>
-  <p:clrMapOvr>
-    <a:masterClrMapping/>
-  </p:clrMapOvr>
-  <p:timing>
-    <p:tnLst>
-      <p:par>
-        <p:cTn id="1" dur="indefinite" restart="never" nodeType="tmRoot"/>
-      </p:par>
-    </p:tnLst>
-  </p:timing>
-</p:sld>
-</file>
-
-<file path=ppt/slides/slide18.xml><?xml version="1.0" encoding="utf-8"?>
-<p:sld xmlns:a="http://schemas.openxmlformats.org/drawingml/2006/main" xmlns:r="http://schemas.openxmlformats.org/officeDocument/2006/relationships" xmlns:p="http://schemas.openxmlformats.org/presentationml/2006/main">
-  <p:cSld>
-    <p:spTree>
-      <p:nvGrpSpPr>
-        <p:cNvPr id="1" name=""/>
-        <p:cNvGrpSpPr/>
-        <p:nvPr/>
-      </p:nvGrpSpPr>
-      <p:grpSpPr>
-        <a:xfrm>
-          <a:off x="0" y="0"/>
-          <a:ext cx="0" cy="0"/>
-          <a:chOff x="0" y="0"/>
-          <a:chExt cx="0" cy="0"/>
-        </a:xfrm>
-      </p:grpSpPr>
-      <p:sp>
-        <p:nvSpPr>
-          <p:cNvPr id="2" name="Title 1"/>
+            <a:r>
+              <a:rPr lang="en-CA" sz="4000" smtClean="0"/>
+              <a:t>		Functionality of RaspiMic</a:t>
+            </a:r>
+          </a:p>
+        </p:txBody>
+      </p:sp>
+      <p:sp>
+        <p:nvSpPr>
+          <p:cNvPr id="3" name="Content Placeholder 2"/>
           <p:cNvSpPr>
             <a:spLocks noGrp="1"/>
           </p:cNvSpPr>
           <p:nvPr>
-            <p:ph type="title"/>
+            <p:ph idx="1"/>
           </p:nvPr>
         </p:nvSpPr>
         <p:spPr>
           <a:xfrm>
-            <a:off x="2019300" y="269073"/>
-            <a:ext cx="8610600" cy="1293028"/>
+            <a:off x="693738" y="944563"/>
+            <a:ext cx="10674350" cy="5200650"/>
           </a:xfrm>
         </p:spPr>
         <p:txBody>
           <a:bodyPr/>
           <a:lstStyle/>
           <a:p>
-            <a:pPr algn="l"/>
-            <a:r>
-              <a:rPr lang="en-US" dirty="0" smtClean="0"/>
-              <a:t>Appendix : </a:t>
-            </a:r>
-            <a:r>
-              <a:rPr lang="en-US" dirty="0" err="1" smtClean="0"/>
-              <a:t>BArCHart</a:t>
-            </a:r>
-            <a:r>
-              <a:rPr lang="en-US" dirty="0" smtClean="0"/>
-              <a:t> Model</a:t>
-            </a:r>
-            <a:endParaRPr lang="en-US" dirty="0"/>
-          </a:p>
-        </p:txBody>
-      </p:sp>
-      <p:pic>
-        <p:nvPicPr>
-          <p:cNvPr id="4" name="Content Placeholder 3"/>
-          <p:cNvPicPr>
-            <a:picLocks noGrp="1" noChangeAspect="1"/>
-          </p:cNvPicPr>
-          <p:nvPr>
-            <p:ph idx="1"/>
-          </p:nvPr>
-        </p:nvPicPr>
-        <p:blipFill>
-          <a:blip r:embed="rId2"/>
-          <a:stretch>
-            <a:fillRect/>
-          </a:stretch>
-        </p:blipFill>
-        <p:spPr>
-          <a:xfrm>
-            <a:off x="552450" y="1717675"/>
-            <a:ext cx="5991225" cy="4877647"/>
+            <a:pPr>
+              <a:lnSpc>
+                <a:spcPct val="70000"/>
+              </a:lnSpc>
+            </a:pPr>
+            <a:endParaRPr lang="en-CA" sz="2600" smtClean="0"/>
+          </a:p>
+        </p:txBody>
+      </p:sp>
+      <p:sp>
+        <p:nvSpPr>
+          <p:cNvPr id="14340" name="Oval 4"/>
+          <p:cNvSpPr>
+            <a:spLocks noChangeArrowheads="1"/>
+          </p:cNvSpPr>
+          <p:nvPr/>
+        </p:nvSpPr>
+        <p:spPr bwMode="auto">
+          <a:xfrm>
+            <a:off x="1828800" y="1700213"/>
+            <a:ext cx="3192463" cy="1379537"/>
+          </a:xfrm>
+          <a:prstGeom prst="ellipse">
+            <a:avLst/>
+          </a:prstGeom>
+          <a:solidFill>
+            <a:schemeClr val="accent1"/>
+          </a:solidFill>
+          <a:ln w="9525">
+            <a:solidFill>
+              <a:schemeClr val="tx1"/>
+            </a:solidFill>
+            <a:round/>
+            <a:headEnd/>
+            <a:tailEnd/>
+          </a:ln>
+          <a:effectLst/>
+        </p:spPr>
+        <p:txBody>
+          <a:bodyPr wrap="none" anchor="ctr"/>
+          <a:lstStyle/>
+          <a:p>
+            <a:pPr algn="ctr"/>
+            <a:endParaRPr lang="en-US"/>
+          </a:p>
+        </p:txBody>
+      </p:sp>
+      <p:sp>
+        <p:nvSpPr>
+          <p:cNvPr id="14341" name="Oval 5"/>
+          <p:cNvSpPr>
+            <a:spLocks noChangeArrowheads="1"/>
+          </p:cNvSpPr>
+          <p:nvPr/>
+        </p:nvSpPr>
+        <p:spPr bwMode="auto">
+          <a:xfrm>
+            <a:off x="7348538" y="1701800"/>
+            <a:ext cx="3319462" cy="1347788"/>
+          </a:xfrm>
+          <a:prstGeom prst="ellipse">
+            <a:avLst/>
+          </a:prstGeom>
+          <a:solidFill>
+            <a:schemeClr val="accent1"/>
+          </a:solidFill>
+          <a:ln w="9525">
+            <a:solidFill>
+              <a:schemeClr val="tx1"/>
+            </a:solidFill>
+            <a:round/>
+            <a:headEnd/>
+            <a:tailEnd/>
+          </a:ln>
+          <a:effectLst/>
+        </p:spPr>
+        <p:txBody>
+          <a:bodyPr wrap="none" anchor="ctr"/>
+          <a:lstStyle/>
+          <a:p>
+            <a:pPr algn="ctr"/>
+            <a:endParaRPr lang="en-US"/>
+          </a:p>
+        </p:txBody>
+      </p:sp>
+      <p:sp>
+        <p:nvSpPr>
+          <p:cNvPr id="14342" name="Oval 6"/>
+          <p:cNvSpPr>
+            <a:spLocks noChangeArrowheads="1"/>
+          </p:cNvSpPr>
+          <p:nvPr/>
+        </p:nvSpPr>
+        <p:spPr bwMode="auto">
+          <a:xfrm>
+            <a:off x="1843088" y="4525963"/>
+            <a:ext cx="3111500" cy="1425575"/>
+          </a:xfrm>
+          <a:prstGeom prst="ellipse">
+            <a:avLst/>
+          </a:prstGeom>
+          <a:solidFill>
+            <a:schemeClr val="accent1"/>
+          </a:solidFill>
+          <a:ln w="9525">
+            <a:solidFill>
+              <a:schemeClr val="tx1"/>
+            </a:solidFill>
+            <a:round/>
+            <a:headEnd/>
+            <a:tailEnd/>
+          </a:ln>
+          <a:effectLst/>
+        </p:spPr>
+        <p:txBody>
+          <a:bodyPr wrap="none" anchor="ctr"/>
+          <a:lstStyle/>
+          <a:p>
+            <a:endParaRPr lang="en-US"/>
+          </a:p>
+        </p:txBody>
+      </p:sp>
+      <p:sp>
+        <p:nvSpPr>
+          <p:cNvPr id="14343" name="Oval 7"/>
+          <p:cNvSpPr>
+            <a:spLocks noChangeArrowheads="1"/>
+          </p:cNvSpPr>
+          <p:nvPr/>
+        </p:nvSpPr>
+        <p:spPr bwMode="auto">
+          <a:xfrm>
+            <a:off x="7331075" y="4476750"/>
+            <a:ext cx="3417888" cy="1444625"/>
+          </a:xfrm>
+          <a:prstGeom prst="ellipse">
+            <a:avLst/>
+          </a:prstGeom>
+          <a:solidFill>
+            <a:schemeClr val="accent1"/>
+          </a:solidFill>
+          <a:ln w="9525">
+            <a:solidFill>
+              <a:schemeClr val="tx1"/>
+            </a:solidFill>
+            <a:round/>
+            <a:headEnd/>
+            <a:tailEnd/>
+          </a:ln>
+          <a:effectLst/>
+        </p:spPr>
+        <p:txBody>
+          <a:bodyPr wrap="none" anchor="ctr"/>
+          <a:lstStyle/>
+          <a:p>
+            <a:pPr algn="ctr"/>
+            <a:r>
+              <a:rPr lang="en-US"/>
+              <a:t>  </a:t>
+            </a:r>
+          </a:p>
+          <a:p>
+            <a:pPr algn="ctr"/>
+            <a:r>
+              <a:rPr lang="en-US"/>
+              <a:t>Void analyseData(volume)</a:t>
+            </a:r>
+          </a:p>
+          <a:p>
+            <a:pPr algn="ctr"/>
+            <a:r>
+              <a:rPr lang="en-US"/>
+              <a:t>*volume &lt;10000</a:t>
+            </a:r>
+          </a:p>
+          <a:p>
+            <a:pPr algn="ctr"/>
+            <a:r>
+              <a:rPr lang="en-US"/>
+              <a:t>Send “0” to server</a:t>
+            </a:r>
+          </a:p>
+          <a:p>
+            <a:pPr algn="ctr"/>
+            <a:endParaRPr lang="en-US"/>
+          </a:p>
+        </p:txBody>
+      </p:sp>
+      <p:sp>
+        <p:nvSpPr>
+          <p:cNvPr id="14344" name="Oval 8"/>
+          <p:cNvSpPr>
+            <a:spLocks noChangeArrowheads="1"/>
+          </p:cNvSpPr>
+          <p:nvPr/>
+        </p:nvSpPr>
+        <p:spPr bwMode="auto">
+          <a:xfrm>
+            <a:off x="4538663" y="3111500"/>
+            <a:ext cx="2984500" cy="1508125"/>
+          </a:xfrm>
+          <a:prstGeom prst="ellipse">
+            <a:avLst/>
+          </a:prstGeom>
+          <a:solidFill>
+            <a:schemeClr val="accent1"/>
+          </a:solidFill>
+          <a:ln w="9525">
+            <a:solidFill>
+              <a:schemeClr val="tx1"/>
+            </a:solidFill>
+            <a:round/>
+            <a:headEnd/>
+            <a:tailEnd/>
+          </a:ln>
+          <a:effectLst/>
+        </p:spPr>
+        <p:txBody>
+          <a:bodyPr wrap="none" anchor="ctr"/>
+          <a:lstStyle/>
+          <a:p>
+            <a:endParaRPr lang="en-US"/>
+          </a:p>
+        </p:txBody>
+      </p:sp>
+      <p:sp>
+        <p:nvSpPr>
+          <p:cNvPr id="14345" name="Text Box 9"/>
+          <p:cNvSpPr txBox="1">
+            <a:spLocks noChangeArrowheads="1"/>
+          </p:cNvSpPr>
+          <p:nvPr/>
+        </p:nvSpPr>
+        <p:spPr bwMode="auto">
+          <a:xfrm>
+            <a:off x="1946275" y="1768475"/>
+            <a:ext cx="2647950" cy="1190625"/>
           </a:xfrm>
           <a:prstGeom prst="rect">
             <a:avLst/>
           </a:prstGeom>
-        </p:spPr>
-      </p:pic>
-      <p:pic>
-        <p:nvPicPr>
-          <p:cNvPr id="5" name="Picture 4"/>
-          <p:cNvPicPr>
-            <a:picLocks noChangeAspect="1"/>
-          </p:cNvPicPr>
+          <a:noFill/>
+          <a:ln w="9525">
+            <a:noFill/>
+            <a:miter lim="800000"/>
+            <a:headEnd/>
+            <a:tailEnd/>
+          </a:ln>
+          <a:effectLst/>
+        </p:spPr>
+        <p:txBody>
+          <a:bodyPr wrap="none">
+            <a:spAutoFit/>
+          </a:bodyPr>
+          <a:lstStyle/>
+          <a:p>
+            <a:r>
+              <a:rPr lang="en-US"/>
+              <a:t>         Void setup()</a:t>
+            </a:r>
+          </a:p>
+          <a:p>
+            <a:r>
+              <a:rPr lang="en-US"/>
+              <a:t>Opens input device and </a:t>
+            </a:r>
+          </a:p>
+          <a:p>
+            <a:r>
+              <a:rPr lang="en-US"/>
+              <a:t>Sets its attributes for </a:t>
+            </a:r>
+          </a:p>
+          <a:p>
+            <a:r>
+              <a:rPr lang="en-US"/>
+              <a:t>         reading data</a:t>
+            </a:r>
+          </a:p>
+        </p:txBody>
+      </p:sp>
+      <p:sp>
+        <p:nvSpPr>
+          <p:cNvPr id="14346" name="Text Box 10"/>
+          <p:cNvSpPr txBox="1">
+            <a:spLocks noChangeArrowheads="1"/>
+          </p:cNvSpPr>
           <p:nvPr/>
-        </p:nvPicPr>
-        <p:blipFill>
-          <a:blip r:embed="rId3"/>
-          <a:stretch>
-            <a:fillRect/>
-          </a:stretch>
-        </p:blipFill>
-        <p:spPr>
-          <a:xfrm>
-            <a:off x="6843712" y="2438400"/>
-            <a:ext cx="4886325" cy="2133600"/>
+        </p:nvSpPr>
+        <p:spPr bwMode="auto">
+          <a:xfrm>
+            <a:off x="-92075" y="2073275"/>
+            <a:ext cx="184150" cy="366713"/>
           </a:xfrm>
           <a:prstGeom prst="rect">
             <a:avLst/>
           </a:prstGeom>
-        </p:spPr>
-      </p:pic>
+          <a:noFill/>
+          <a:ln w="9525">
+            <a:noFill/>
+            <a:miter lim="800000"/>
+            <a:headEnd/>
+            <a:tailEnd/>
+          </a:ln>
+          <a:effectLst/>
+        </p:spPr>
+        <p:txBody>
+          <a:bodyPr wrap="none">
+            <a:spAutoFit/>
+          </a:bodyPr>
+          <a:lstStyle/>
+          <a:p>
+            <a:endParaRPr lang="en-US"/>
+          </a:p>
+        </p:txBody>
+      </p:sp>
+      <p:sp>
+        <p:nvSpPr>
+          <p:cNvPr id="14349" name="Text Box 13"/>
+          <p:cNvSpPr txBox="1">
+            <a:spLocks noChangeArrowheads="1"/>
+          </p:cNvSpPr>
+          <p:nvPr/>
+        </p:nvSpPr>
+        <p:spPr bwMode="auto">
+          <a:xfrm>
+            <a:off x="7497763" y="1944688"/>
+            <a:ext cx="3232150" cy="1190625"/>
+          </a:xfrm>
+          <a:prstGeom prst="rect">
+            <a:avLst/>
+          </a:prstGeom>
+          <a:noFill/>
+          <a:ln w="9525">
+            <a:noFill/>
+            <a:miter lim="800000"/>
+            <a:headEnd/>
+            <a:tailEnd/>
+          </a:ln>
+          <a:effectLst/>
+        </p:spPr>
+        <p:txBody>
+          <a:bodyPr wrap="none">
+            <a:spAutoFit/>
+          </a:bodyPr>
+          <a:lstStyle/>
+          <a:p>
+            <a:r>
+              <a:rPr lang="en-US"/>
+              <a:t>Void readData(input device)</a:t>
+            </a:r>
+          </a:p>
+          <a:p>
+            <a:r>
+              <a:rPr lang="en-US"/>
+              <a:t>Read data and verify the max </a:t>
+            </a:r>
+          </a:p>
+          <a:p>
+            <a:r>
+              <a:rPr lang="en-US"/>
+              <a:t>Of the samples</a:t>
+            </a:r>
+          </a:p>
+          <a:p>
+            <a:endParaRPr lang="en-US"/>
+          </a:p>
+        </p:txBody>
+      </p:sp>
+      <p:sp>
+        <p:nvSpPr>
+          <p:cNvPr id="14350" name="Text Box 14"/>
+          <p:cNvSpPr txBox="1">
+            <a:spLocks noChangeArrowheads="1"/>
+          </p:cNvSpPr>
+          <p:nvPr/>
+        </p:nvSpPr>
+        <p:spPr bwMode="auto">
+          <a:xfrm>
+            <a:off x="2027238" y="4784725"/>
+            <a:ext cx="2863850" cy="915988"/>
+          </a:xfrm>
+          <a:prstGeom prst="rect">
+            <a:avLst/>
+          </a:prstGeom>
+          <a:noFill/>
+          <a:ln w="9525">
+            <a:noFill/>
+            <a:miter lim="800000"/>
+            <a:headEnd/>
+            <a:tailEnd/>
+          </a:ln>
+          <a:effectLst/>
+        </p:spPr>
+        <p:txBody>
+          <a:bodyPr wrap="none">
+            <a:spAutoFit/>
+          </a:bodyPr>
+          <a:lstStyle/>
+          <a:p>
+            <a:r>
+              <a:rPr lang="en-US"/>
+              <a:t>Void analyseData(volume)</a:t>
+            </a:r>
+          </a:p>
+          <a:p>
+            <a:r>
+              <a:rPr lang="en-US"/>
+              <a:t>    *volume &gt;=10000</a:t>
+            </a:r>
+          </a:p>
+          <a:p>
+            <a:r>
+              <a:rPr lang="en-US"/>
+              <a:t>    Send “1” to server</a:t>
+            </a:r>
+          </a:p>
+        </p:txBody>
+      </p:sp>
+      <p:sp>
+        <p:nvSpPr>
+          <p:cNvPr id="14355" name="Text Box 19"/>
+          <p:cNvSpPr txBox="1">
+            <a:spLocks noChangeArrowheads="1"/>
+          </p:cNvSpPr>
+          <p:nvPr/>
+        </p:nvSpPr>
+        <p:spPr bwMode="auto">
+          <a:xfrm>
+            <a:off x="4752975" y="3308350"/>
+            <a:ext cx="2711450" cy="1190625"/>
+          </a:xfrm>
+          <a:prstGeom prst="rect">
+            <a:avLst/>
+          </a:prstGeom>
+          <a:noFill/>
+          <a:ln w="9525">
+            <a:noFill/>
+            <a:miter lim="800000"/>
+            <a:headEnd/>
+            <a:tailEnd/>
+          </a:ln>
+          <a:effectLst/>
+        </p:spPr>
+        <p:txBody>
+          <a:bodyPr wrap="none">
+            <a:spAutoFit/>
+          </a:bodyPr>
+          <a:lstStyle/>
+          <a:p>
+            <a:r>
+              <a:rPr lang="en-US"/>
+              <a:t>1, Read sound from </a:t>
+            </a:r>
+          </a:p>
+          <a:p>
+            <a:r>
+              <a:rPr lang="en-US"/>
+              <a:t>    environment</a:t>
+            </a:r>
+          </a:p>
+          <a:p>
+            <a:r>
+              <a:rPr lang="en-US"/>
+              <a:t>2,  Determine if sound is </a:t>
+            </a:r>
+          </a:p>
+          <a:p>
+            <a:r>
+              <a:rPr lang="en-US"/>
+              <a:t>      dangerous or not</a:t>
+            </a:r>
+          </a:p>
+        </p:txBody>
+      </p:sp>
+      <p:sp>
+        <p:nvSpPr>
+          <p:cNvPr id="14357" name="Line 21"/>
+          <p:cNvSpPr>
+            <a:spLocks noChangeShapeType="1"/>
+          </p:cNvSpPr>
+          <p:nvPr/>
+        </p:nvSpPr>
+        <p:spPr bwMode="auto">
+          <a:xfrm>
+            <a:off x="3994150" y="3128963"/>
+            <a:ext cx="625475" cy="304800"/>
+          </a:xfrm>
+          <a:prstGeom prst="line">
+            <a:avLst/>
+          </a:prstGeom>
+          <a:noFill/>
+          <a:ln w="9525">
+            <a:solidFill>
+              <a:schemeClr val="tx1"/>
+            </a:solidFill>
+            <a:round/>
+            <a:headEnd/>
+            <a:tailEnd type="triangle" w="med" len="med"/>
+          </a:ln>
+          <a:effectLst/>
+        </p:spPr>
+        <p:txBody>
+          <a:bodyPr/>
+          <a:lstStyle/>
+          <a:p>
+            <a:endParaRPr lang="en-US"/>
+          </a:p>
+        </p:txBody>
+      </p:sp>
+      <p:sp>
+        <p:nvSpPr>
+          <p:cNvPr id="14360" name="Line 24"/>
+          <p:cNvSpPr>
+            <a:spLocks noChangeShapeType="1"/>
+          </p:cNvSpPr>
+          <p:nvPr/>
+        </p:nvSpPr>
+        <p:spPr bwMode="auto">
+          <a:xfrm flipH="1">
+            <a:off x="7315200" y="3063875"/>
+            <a:ext cx="593725" cy="257175"/>
+          </a:xfrm>
+          <a:prstGeom prst="line">
+            <a:avLst/>
+          </a:prstGeom>
+          <a:noFill/>
+          <a:ln w="9525">
+            <a:solidFill>
+              <a:schemeClr val="tx1"/>
+            </a:solidFill>
+            <a:round/>
+            <a:headEnd/>
+            <a:tailEnd type="triangle" w="med" len="med"/>
+          </a:ln>
+          <a:effectLst/>
+        </p:spPr>
+        <p:txBody>
+          <a:bodyPr/>
+          <a:lstStyle/>
+          <a:p>
+            <a:endParaRPr lang="en-US"/>
+          </a:p>
+        </p:txBody>
+      </p:sp>
+      <p:sp>
+        <p:nvSpPr>
+          <p:cNvPr id="14363" name="Line 27"/>
+          <p:cNvSpPr>
+            <a:spLocks noChangeShapeType="1"/>
+          </p:cNvSpPr>
+          <p:nvPr/>
+        </p:nvSpPr>
+        <p:spPr bwMode="auto">
+          <a:xfrm flipV="1">
+            <a:off x="4508500" y="4411663"/>
+            <a:ext cx="336550" cy="207962"/>
+          </a:xfrm>
+          <a:prstGeom prst="line">
+            <a:avLst/>
+          </a:prstGeom>
+          <a:noFill/>
+          <a:ln w="9525">
+            <a:solidFill>
+              <a:schemeClr val="tx1"/>
+            </a:solidFill>
+            <a:round/>
+            <a:headEnd/>
+            <a:tailEnd type="triangle" w="med" len="med"/>
+          </a:ln>
+          <a:effectLst/>
+        </p:spPr>
+        <p:txBody>
+          <a:bodyPr/>
+          <a:lstStyle/>
+          <a:p>
+            <a:endParaRPr lang="en-US"/>
+          </a:p>
+        </p:txBody>
+      </p:sp>
+      <p:sp>
+        <p:nvSpPr>
+          <p:cNvPr id="14367" name="Line 31"/>
+          <p:cNvSpPr>
+            <a:spLocks noChangeShapeType="1"/>
+          </p:cNvSpPr>
+          <p:nvPr/>
+        </p:nvSpPr>
+        <p:spPr bwMode="auto">
+          <a:xfrm flipH="1" flipV="1">
+            <a:off x="7362825" y="4330700"/>
+            <a:ext cx="288925" cy="288925"/>
+          </a:xfrm>
+          <a:prstGeom prst="line">
+            <a:avLst/>
+          </a:prstGeom>
+          <a:noFill/>
+          <a:ln w="9525">
+            <a:solidFill>
+              <a:schemeClr val="tx1"/>
+            </a:solidFill>
+            <a:round/>
+            <a:headEnd/>
+            <a:tailEnd type="triangle" w="med" len="med"/>
+          </a:ln>
+          <a:effectLst/>
+        </p:spPr>
+        <p:txBody>
+          <a:bodyPr/>
+          <a:lstStyle/>
+          <a:p>
+            <a:endParaRPr lang="en-US"/>
+          </a:p>
+        </p:txBody>
+      </p:sp>
+      <p:sp>
+        <p:nvSpPr>
+          <p:cNvPr id="14368" name="AutoShape 32"/>
+          <p:cNvSpPr>
+            <a:spLocks noChangeArrowheads="1"/>
+          </p:cNvSpPr>
+          <p:nvPr/>
+        </p:nvSpPr>
+        <p:spPr bwMode="auto">
+          <a:xfrm>
+            <a:off x="1557338" y="1509713"/>
+            <a:ext cx="485775" cy="542925"/>
+          </a:xfrm>
+          <a:prstGeom prst="downArrow">
+            <a:avLst>
+              <a:gd name="adj1" fmla="val 50000"/>
+              <a:gd name="adj2" fmla="val 27941"/>
+            </a:avLst>
+          </a:prstGeom>
+          <a:solidFill>
+            <a:schemeClr val="accent1"/>
+          </a:solidFill>
+          <a:ln w="9525">
+            <a:solidFill>
+              <a:schemeClr val="tx1"/>
+            </a:solidFill>
+            <a:miter lim="800000"/>
+            <a:headEnd/>
+            <a:tailEnd/>
+          </a:ln>
+          <a:effectLst/>
+        </p:spPr>
+        <p:txBody>
+          <a:bodyPr wrap="none" anchor="ctr"/>
+          <a:lstStyle/>
+          <a:p>
+            <a:endParaRPr lang="en-US"/>
+          </a:p>
+        </p:txBody>
+      </p:sp>
+      <p:sp>
+        <p:nvSpPr>
+          <p:cNvPr id="14369" name="Text Box 33"/>
+          <p:cNvSpPr txBox="1">
+            <a:spLocks noChangeArrowheads="1"/>
+          </p:cNvSpPr>
+          <p:nvPr/>
+        </p:nvSpPr>
+        <p:spPr bwMode="auto">
+          <a:xfrm>
+            <a:off x="1239838" y="1047750"/>
+            <a:ext cx="1123950" cy="366713"/>
+          </a:xfrm>
+          <a:prstGeom prst="rect">
+            <a:avLst/>
+          </a:prstGeom>
+          <a:noFill/>
+          <a:ln w="9525">
+            <a:noFill/>
+            <a:miter lim="800000"/>
+            <a:headEnd/>
+            <a:tailEnd/>
+          </a:ln>
+          <a:effectLst/>
+        </p:spPr>
+        <p:txBody>
+          <a:bodyPr wrap="none">
+            <a:spAutoFit/>
+          </a:bodyPr>
+          <a:lstStyle/>
+          <a:p>
+            <a:r>
+              <a:rPr lang="en-US"/>
+              <a:t>First step</a:t>
+            </a:r>
+          </a:p>
+        </p:txBody>
+      </p:sp>
+      <p:sp>
+        <p:nvSpPr>
+          <p:cNvPr id="14370" name="Text Box 34"/>
+          <p:cNvSpPr txBox="1">
+            <a:spLocks noChangeArrowheads="1"/>
+          </p:cNvSpPr>
+          <p:nvPr/>
+        </p:nvSpPr>
+        <p:spPr bwMode="auto">
+          <a:xfrm>
+            <a:off x="8167688" y="4078288"/>
+            <a:ext cx="1555750" cy="366712"/>
+          </a:xfrm>
+          <a:prstGeom prst="rect">
+            <a:avLst/>
+          </a:prstGeom>
+          <a:noFill/>
+          <a:ln w="9525">
+            <a:noFill/>
+            <a:miter lim="800000"/>
+            <a:headEnd/>
+            <a:tailEnd/>
+          </a:ln>
+          <a:effectLst/>
+        </p:spPr>
+        <p:txBody>
+          <a:bodyPr wrap="none">
+            <a:spAutoFit/>
+          </a:bodyPr>
+          <a:lstStyle/>
+          <a:p>
+            <a:r>
+              <a:rPr lang="en-US"/>
+              <a:t>Normal mode</a:t>
+            </a:r>
+          </a:p>
+        </p:txBody>
+      </p:sp>
+      <p:sp>
+        <p:nvSpPr>
+          <p:cNvPr id="14371" name="Text Box 35"/>
+          <p:cNvSpPr txBox="1">
+            <a:spLocks noChangeArrowheads="1"/>
+          </p:cNvSpPr>
+          <p:nvPr/>
+        </p:nvSpPr>
+        <p:spPr bwMode="auto">
+          <a:xfrm>
+            <a:off x="2073275" y="4064000"/>
+            <a:ext cx="1936750" cy="366713"/>
+          </a:xfrm>
+          <a:prstGeom prst="rect">
+            <a:avLst/>
+          </a:prstGeom>
+          <a:noFill/>
+          <a:ln w="9525">
+            <a:noFill/>
+            <a:miter lim="800000"/>
+            <a:headEnd/>
+            <a:tailEnd/>
+          </a:ln>
+          <a:effectLst/>
+        </p:spPr>
+        <p:txBody>
+          <a:bodyPr wrap="none">
+            <a:spAutoFit/>
+          </a:bodyPr>
+          <a:lstStyle/>
+          <a:p>
+            <a:r>
+              <a:rPr lang="en-US"/>
+              <a:t>Dangerous mode</a:t>
+            </a:r>
+          </a:p>
+        </p:txBody>
+      </p:sp>
+      <p:sp>
+        <p:nvSpPr>
+          <p:cNvPr id="14372" name="Text Box 36"/>
+          <p:cNvSpPr txBox="1">
+            <a:spLocks noChangeArrowheads="1"/>
+          </p:cNvSpPr>
+          <p:nvPr/>
+        </p:nvSpPr>
+        <p:spPr bwMode="auto">
+          <a:xfrm>
+            <a:off x="8040688" y="1239838"/>
+            <a:ext cx="1454150" cy="366712"/>
+          </a:xfrm>
+          <a:prstGeom prst="rect">
+            <a:avLst/>
+          </a:prstGeom>
+          <a:noFill/>
+          <a:ln w="9525">
+            <a:noFill/>
+            <a:miter lim="800000"/>
+            <a:headEnd/>
+            <a:tailEnd/>
+          </a:ln>
+          <a:effectLst/>
+        </p:spPr>
+        <p:txBody>
+          <a:bodyPr wrap="none">
+            <a:spAutoFit/>
+          </a:bodyPr>
+          <a:lstStyle/>
+          <a:p>
+            <a:r>
+              <a:rPr lang="en-US"/>
+              <a:t>Second step</a:t>
+            </a:r>
+          </a:p>
+        </p:txBody>
+      </p:sp>
+      <p:sp>
+        <p:nvSpPr>
+          <p:cNvPr id="14373" name="Text Box 37"/>
+          <p:cNvSpPr txBox="1">
+            <a:spLocks noChangeArrowheads="1"/>
+          </p:cNvSpPr>
+          <p:nvPr/>
+        </p:nvSpPr>
+        <p:spPr bwMode="auto">
+          <a:xfrm>
+            <a:off x="5441950" y="4864100"/>
+            <a:ext cx="1200150" cy="366713"/>
+          </a:xfrm>
+          <a:prstGeom prst="rect">
+            <a:avLst/>
+          </a:prstGeom>
+          <a:noFill/>
+          <a:ln w="9525">
+            <a:noFill/>
+            <a:miter lim="800000"/>
+            <a:headEnd/>
+            <a:tailEnd/>
+          </a:ln>
+          <a:effectLst/>
+        </p:spPr>
+        <p:txBody>
+          <a:bodyPr wrap="none">
+            <a:spAutoFit/>
+          </a:bodyPr>
+          <a:lstStyle/>
+          <a:p>
+            <a:r>
+              <a:rPr lang="en-US"/>
+              <a:t>Third step</a:t>
+            </a:r>
+          </a:p>
+        </p:txBody>
+      </p:sp>
+      <p:sp>
+        <p:nvSpPr>
+          <p:cNvPr id="14374" name="AutoShape 38"/>
+          <p:cNvSpPr>
+            <a:spLocks noChangeArrowheads="1"/>
+          </p:cNvSpPr>
+          <p:nvPr/>
+        </p:nvSpPr>
+        <p:spPr bwMode="auto">
+          <a:xfrm>
+            <a:off x="5021263" y="5197475"/>
+            <a:ext cx="2197100" cy="320675"/>
+          </a:xfrm>
+          <a:prstGeom prst="leftRightArrow">
+            <a:avLst>
+              <a:gd name="adj1" fmla="val 50000"/>
+              <a:gd name="adj2" fmla="val 137030"/>
+            </a:avLst>
+          </a:prstGeom>
+          <a:solidFill>
+            <a:schemeClr val="accent1"/>
+          </a:solidFill>
+          <a:ln w="9525">
+            <a:solidFill>
+              <a:schemeClr val="tx1"/>
+            </a:solidFill>
+            <a:miter lim="800000"/>
+            <a:headEnd/>
+            <a:tailEnd/>
+          </a:ln>
+          <a:effectLst/>
+        </p:spPr>
+        <p:txBody>
+          <a:bodyPr wrap="none" anchor="ctr"/>
+          <a:lstStyle/>
+          <a:p>
+            <a:endParaRPr lang="en-US"/>
+          </a:p>
+        </p:txBody>
+      </p:sp>
     </p:spTree>
     <p:extLst>
       <p:ext uri="{BB962C8B-B14F-4D97-AF65-F5344CB8AC3E}">
-        <p14:creationId xmlns:p14="http://schemas.microsoft.com/office/powerpoint/2010/main" val="3975665253"/>
+        <p14:creationId xmlns:p14="http://schemas.microsoft.com/office/powerpoint/2010/main" val="2352791478"/>
       </p:ext>
     </p:extLst>
   </p:cSld>
@@ -14920,11 +15065,7 @@
             <a:pPr algn="l"/>
             <a:r>
               <a:rPr lang="en-US" dirty="0" smtClean="0"/>
-              <a:t>(GUI) </a:t>
-            </a:r>
-            <a:r>
-              <a:rPr lang="en-US" dirty="0" smtClean="0"/>
-              <a:t>Client</a:t>
+              <a:t>(GUI) Client</a:t>
             </a:r>
             <a:br>
               <a:rPr lang="en-US" dirty="0" smtClean="0"/>
@@ -15796,7 +15937,7 @@
   <a:extraClrSchemeLst/>
   <a:extLst>
     <a:ext uri="{05A4C25C-085E-4340-85A3-A5531E510DB2}">
-      <thm15:themeFamily xmlns:thm15="http://schemas.microsoft.com/office/thememl/2012/main" name="Vapor Trail" id="{4FDF2955-7D9C-493C-B9F9-C205151B46CD}" vid="{8F31A783-2159-4870-BC29-2BA7D038EA44}"/>
+      <thm15:themeFamily xmlns="" xmlns:thm15="http://schemas.microsoft.com/office/thememl/2012/main" name="Vapor Trail" id="{4FDF2955-7D9C-493C-B9F9-C205151B46CD}" vid="{8F31A783-2159-4870-BC29-2BA7D038EA44}"/>
     </a:ext>
   </a:extLst>
 </a:theme>
@@ -16057,7 +16198,7 @@
   <a:extraClrSchemeLst/>
   <a:extLst>
     <a:ext uri="{05A4C25C-085E-4340-85A3-A5531E510DB2}">
-      <thm15:themeFamily xmlns:thm15="http://schemas.microsoft.com/office/thememl/2012/main" name="Office Theme" id="{62F939B6-93AF-4DB8-9C6B-D6C7DFDC589F}" vid="{4A3C46E8-61CC-4603-A589-7422A47A8E4A}"/>
+      <thm15:themeFamily xmlns="" xmlns:thm15="http://schemas.microsoft.com/office/thememl/2012/main" name="Office Theme" id="{62F939B6-93AF-4DB8-9C6B-D6C7DFDC589F}" vid="{4A3C46E8-61CC-4603-A589-7422A47A8E4A}"/>
     </a:ext>
   </a:extLst>
 </a:theme>
